--- a/term1/projects/CarSales/Term1-EDAProject-CarSales-DhavalParikh.pptx
+++ b/term1/projects/CarSales/Term1-EDAProject-CarSales-DhavalParikh.pptx
@@ -125,6 +125,11 @@
       </a:defRPr>
     </a:lvl9pPr>
   </p:defaultTextStyle>
+  <p:extLst>
+    <p:ext uri="{EFAFB233-063F-42B5-8137-9DF3F51BA10A}">
+      <p15:sldGuideLst xmlns:p15="http://schemas.microsoft.com/office/powerpoint/2012/main"/>
+    </p:ext>
+  </p:extLst>
 </p:presentation>
 </file>
 
@@ -178,7 +183,7 @@
           <a:noFill/>
           <a:extLst>
             <a:ext uri="{909E8E84-426E-40dd-AFC4-6F175D3DCCD1}">
-              <a14:hiddenFill xmlns:a14="http://schemas.microsoft.com/office/drawing/2010/main" xmlns="">
+              <a14:hiddenFill xmlns="" xmlns:a14="http://schemas.microsoft.com/office/drawing/2010/main">
                 <a:solidFill>
                   <a:srgbClr val="FFFFFF"/>
                 </a:solidFill>
@@ -238,7 +243,7 @@
             </a:ln>
             <a:extLst>
               <a:ext uri="{91240B29-F687-4f45-9708-019B960494DF}">
-                <a14:hiddenLine xmlns:a14="http://schemas.microsoft.com/office/drawing/2010/main" xmlns="" w="9525">
+                <a14:hiddenLine xmlns="" xmlns:a14="http://schemas.microsoft.com/office/drawing/2010/main" w="9525">
                   <a:solidFill>
                     <a:srgbClr val="000000"/>
                   </a:solidFill>
@@ -328,7 +333,7 @@
             </a:ln>
             <a:extLst>
               <a:ext uri="{91240B29-F687-4f45-9708-019B960494DF}">
-                <a14:hiddenLine xmlns:a14="http://schemas.microsoft.com/office/drawing/2010/main" xmlns="" w="9525">
+                <a14:hiddenLine xmlns="" xmlns:a14="http://schemas.microsoft.com/office/drawing/2010/main" w="9525">
                   <a:solidFill>
                     <a:srgbClr val="000000"/>
                   </a:solidFill>
@@ -418,7 +423,7 @@
             </a:ln>
             <a:extLst>
               <a:ext uri="{91240B29-F687-4f45-9708-019B960494DF}">
-                <a14:hiddenLine xmlns:a14="http://schemas.microsoft.com/office/drawing/2010/main" xmlns="" w="9525">
+                <a14:hiddenLine xmlns="" xmlns:a14="http://schemas.microsoft.com/office/drawing/2010/main" w="9525">
                   <a:solidFill>
                     <a:srgbClr val="000000"/>
                   </a:solidFill>
@@ -452,7 +457,7 @@
             </a:ln>
             <a:extLst>
               <a:ext uri="{91240B29-F687-4f45-9708-019B960494DF}">
-                <a14:hiddenLine xmlns:a14="http://schemas.microsoft.com/office/drawing/2010/main" xmlns="" w="9525">
+                <a14:hiddenLine xmlns="" xmlns:a14="http://schemas.microsoft.com/office/drawing/2010/main" w="9525">
                   <a:solidFill>
                     <a:srgbClr val="000000"/>
                   </a:solidFill>
@@ -542,7 +547,7 @@
             </a:ln>
             <a:extLst>
               <a:ext uri="{91240B29-F687-4f45-9708-019B960494DF}">
-                <a14:hiddenLine xmlns:a14="http://schemas.microsoft.com/office/drawing/2010/main" xmlns="" w="9525">
+                <a14:hiddenLine xmlns="" xmlns:a14="http://schemas.microsoft.com/office/drawing/2010/main" w="9525">
                   <a:solidFill>
                     <a:srgbClr val="000000"/>
                   </a:solidFill>
@@ -604,7 +609,7 @@
             </a:ln>
             <a:extLst>
               <a:ext uri="{91240B29-F687-4f45-9708-019B960494DF}">
-                <a14:hiddenLine xmlns:a14="http://schemas.microsoft.com/office/drawing/2010/main" xmlns="" w="9525">
+                <a14:hiddenLine xmlns="" xmlns:a14="http://schemas.microsoft.com/office/drawing/2010/main" w="9525">
                   <a:solidFill>
                     <a:srgbClr val="000000"/>
                   </a:solidFill>
@@ -666,7 +671,7 @@
             </a:ln>
             <a:extLst>
               <a:ext uri="{91240B29-F687-4f45-9708-019B960494DF}">
-                <a14:hiddenLine xmlns:a14="http://schemas.microsoft.com/office/drawing/2010/main" xmlns="" w="9525">
+                <a14:hiddenLine xmlns="" xmlns:a14="http://schemas.microsoft.com/office/drawing/2010/main" w="9525">
                   <a:solidFill>
                     <a:srgbClr val="000000"/>
                   </a:solidFill>
@@ -756,7 +761,7 @@
             </a:ln>
             <a:extLst>
               <a:ext uri="{91240B29-F687-4f45-9708-019B960494DF}">
-                <a14:hiddenLine xmlns:a14="http://schemas.microsoft.com/office/drawing/2010/main" xmlns="" w="9525">
+                <a14:hiddenLine xmlns="" xmlns:a14="http://schemas.microsoft.com/office/drawing/2010/main" w="9525">
                   <a:solidFill>
                     <a:srgbClr val="000000"/>
                   </a:solidFill>
@@ -818,7 +823,7 @@
             </a:ln>
             <a:extLst>
               <a:ext uri="{91240B29-F687-4f45-9708-019B960494DF}">
-                <a14:hiddenLine xmlns:a14="http://schemas.microsoft.com/office/drawing/2010/main" xmlns="" w="9525">
+                <a14:hiddenLine xmlns="" xmlns:a14="http://schemas.microsoft.com/office/drawing/2010/main" w="9525">
                   <a:solidFill>
                     <a:srgbClr val="000000"/>
                   </a:solidFill>
@@ -880,7 +885,7 @@
             </a:ln>
             <a:extLst>
               <a:ext uri="{91240B29-F687-4f45-9708-019B960494DF}">
-                <a14:hiddenLine xmlns:a14="http://schemas.microsoft.com/office/drawing/2010/main" xmlns="" w="9525">
+                <a14:hiddenLine xmlns="" xmlns:a14="http://schemas.microsoft.com/office/drawing/2010/main" w="9525">
                   <a:solidFill>
                     <a:srgbClr val="000000"/>
                   </a:solidFill>
@@ -970,7 +975,7 @@
             </a:ln>
             <a:extLst>
               <a:ext uri="{91240B29-F687-4f45-9708-019B960494DF}">
-                <a14:hiddenLine xmlns:a14="http://schemas.microsoft.com/office/drawing/2010/main" xmlns="" w="9525">
+                <a14:hiddenLine xmlns="" xmlns:a14="http://schemas.microsoft.com/office/drawing/2010/main" w="9525">
                   <a:solidFill>
                     <a:srgbClr val="000000"/>
                   </a:solidFill>
@@ -1060,7 +1065,7 @@
             </a:ln>
             <a:extLst>
               <a:ext uri="{91240B29-F687-4f45-9708-019B960494DF}">
-                <a14:hiddenLine xmlns:a14="http://schemas.microsoft.com/office/drawing/2010/main" xmlns="" w="9525">
+                <a14:hiddenLine xmlns="" xmlns:a14="http://schemas.microsoft.com/office/drawing/2010/main" w="9525">
                   <a:solidFill>
                     <a:srgbClr val="000000"/>
                   </a:solidFill>
@@ -1122,7 +1127,7 @@
             </a:ln>
             <a:extLst>
               <a:ext uri="{91240B29-F687-4f45-9708-019B960494DF}">
-                <a14:hiddenLine xmlns:a14="http://schemas.microsoft.com/office/drawing/2010/main" xmlns="" w="9525">
+                <a14:hiddenLine xmlns="" xmlns:a14="http://schemas.microsoft.com/office/drawing/2010/main" w="9525">
                   <a:solidFill>
                     <a:srgbClr val="000000"/>
                   </a:solidFill>
@@ -1232,7 +1237,7 @@
             </a:ln>
             <a:extLst>
               <a:ext uri="{91240B29-F687-4f45-9708-019B960494DF}">
-                <a14:hiddenLine xmlns:a14="http://schemas.microsoft.com/office/drawing/2010/main" xmlns="" w="9525">
+                <a14:hiddenLine xmlns="" xmlns:a14="http://schemas.microsoft.com/office/drawing/2010/main" w="9525">
                   <a:solidFill>
                     <a:srgbClr val="000000"/>
                   </a:solidFill>
@@ -1294,7 +1299,7 @@
             </a:ln>
             <a:extLst>
               <a:ext uri="{91240B29-F687-4f45-9708-019B960494DF}">
-                <a14:hiddenLine xmlns:a14="http://schemas.microsoft.com/office/drawing/2010/main" xmlns="" w="9525">
+                <a14:hiddenLine xmlns="" xmlns:a14="http://schemas.microsoft.com/office/drawing/2010/main" w="9525">
                   <a:solidFill>
                     <a:srgbClr val="000000"/>
                   </a:solidFill>
@@ -1384,7 +1389,7 @@
             </a:ln>
             <a:extLst>
               <a:ext uri="{91240B29-F687-4f45-9708-019B960494DF}">
-                <a14:hiddenLine xmlns:a14="http://schemas.microsoft.com/office/drawing/2010/main" xmlns="" w="9525">
+                <a14:hiddenLine xmlns="" xmlns:a14="http://schemas.microsoft.com/office/drawing/2010/main" w="9525">
                   <a:solidFill>
                     <a:srgbClr val="000000"/>
                   </a:solidFill>
@@ -1474,7 +1479,7 @@
             </a:ln>
             <a:extLst>
               <a:ext uri="{91240B29-F687-4f45-9708-019B960494DF}">
-                <a14:hiddenLine xmlns:a14="http://schemas.microsoft.com/office/drawing/2010/main" xmlns="" w="9525">
+                <a14:hiddenLine xmlns="" xmlns:a14="http://schemas.microsoft.com/office/drawing/2010/main" w="9525">
                   <a:solidFill>
                     <a:srgbClr val="000000"/>
                   </a:solidFill>
@@ -1536,7 +1541,7 @@
             </a:ln>
             <a:extLst>
               <a:ext uri="{91240B29-F687-4f45-9708-019B960494DF}">
-                <a14:hiddenLine xmlns:a14="http://schemas.microsoft.com/office/drawing/2010/main" xmlns="" w="9525">
+                <a14:hiddenLine xmlns="" xmlns:a14="http://schemas.microsoft.com/office/drawing/2010/main" w="9525">
                   <a:solidFill>
                     <a:srgbClr val="000000"/>
                   </a:solidFill>
@@ -1626,7 +1631,7 @@
             </a:ln>
             <a:extLst>
               <a:ext uri="{91240B29-F687-4f45-9708-019B960494DF}">
-                <a14:hiddenLine xmlns:a14="http://schemas.microsoft.com/office/drawing/2010/main" xmlns="" w="9525">
+                <a14:hiddenLine xmlns="" xmlns:a14="http://schemas.microsoft.com/office/drawing/2010/main" w="9525">
                   <a:solidFill>
                     <a:srgbClr val="000000"/>
                   </a:solidFill>
@@ -1716,7 +1721,7 @@
             </a:ln>
             <a:extLst>
               <a:ext uri="{91240B29-F687-4f45-9708-019B960494DF}">
-                <a14:hiddenLine xmlns:a14="http://schemas.microsoft.com/office/drawing/2010/main" xmlns="" w="9525">
+                <a14:hiddenLine xmlns="" xmlns:a14="http://schemas.microsoft.com/office/drawing/2010/main" w="9525">
                   <a:solidFill>
                     <a:srgbClr val="000000"/>
                   </a:solidFill>
@@ -1772,7 +1777,7 @@
             </a:ln>
             <a:extLst>
               <a:ext uri="{91240B29-F687-4f45-9708-019B960494DF}">
-                <a14:hiddenLine xmlns:a14="http://schemas.microsoft.com/office/drawing/2010/main" xmlns="" w="9525">
+                <a14:hiddenLine xmlns="" xmlns:a14="http://schemas.microsoft.com/office/drawing/2010/main" w="9525">
                   <a:solidFill>
                     <a:srgbClr val="000000"/>
                   </a:solidFill>
@@ -1862,7 +1867,7 @@
             </a:ln>
             <a:extLst>
               <a:ext uri="{91240B29-F687-4f45-9708-019B960494DF}">
-                <a14:hiddenLine xmlns:a14="http://schemas.microsoft.com/office/drawing/2010/main" xmlns="" w="9525">
+                <a14:hiddenLine xmlns="" xmlns:a14="http://schemas.microsoft.com/office/drawing/2010/main" w="9525">
                   <a:solidFill>
                     <a:srgbClr val="000000"/>
                   </a:solidFill>
@@ -1918,7 +1923,7 @@
             </a:ln>
             <a:extLst>
               <a:ext uri="{91240B29-F687-4f45-9708-019B960494DF}">
-                <a14:hiddenLine xmlns:a14="http://schemas.microsoft.com/office/drawing/2010/main" xmlns="" w="9525">
+                <a14:hiddenLine xmlns="" xmlns:a14="http://schemas.microsoft.com/office/drawing/2010/main" w="9525">
                   <a:solidFill>
                     <a:srgbClr val="000000"/>
                   </a:solidFill>
@@ -2008,7 +2013,7 @@
             </a:ln>
             <a:extLst>
               <a:ext uri="{91240B29-F687-4f45-9708-019B960494DF}">
-                <a14:hiddenLine xmlns:a14="http://schemas.microsoft.com/office/drawing/2010/main" xmlns="" w="9525">
+                <a14:hiddenLine xmlns="" xmlns:a14="http://schemas.microsoft.com/office/drawing/2010/main" w="9525">
                   <a:solidFill>
                     <a:srgbClr val="000000"/>
                   </a:solidFill>
@@ -2076,7 +2081,7 @@
             </a:ln>
             <a:extLst>
               <a:ext uri="{91240B29-F687-4f45-9708-019B960494DF}">
-                <a14:hiddenLine xmlns:a14="http://schemas.microsoft.com/office/drawing/2010/main" xmlns="" w="9525">
+                <a14:hiddenLine xmlns="" xmlns:a14="http://schemas.microsoft.com/office/drawing/2010/main" w="9525">
                   <a:solidFill>
                     <a:srgbClr val="000000"/>
                   </a:solidFill>
@@ -2166,7 +2171,7 @@
             </a:ln>
             <a:extLst>
               <a:ext uri="{91240B29-F687-4f45-9708-019B960494DF}">
-                <a14:hiddenLine xmlns:a14="http://schemas.microsoft.com/office/drawing/2010/main" xmlns="" w="9525">
+                <a14:hiddenLine xmlns="" xmlns:a14="http://schemas.microsoft.com/office/drawing/2010/main" w="9525">
                   <a:solidFill>
                     <a:srgbClr val="000000"/>
                   </a:solidFill>
@@ -2234,7 +2239,7 @@
             </a:ln>
             <a:extLst>
               <a:ext uri="{91240B29-F687-4f45-9708-019B960494DF}">
-                <a14:hiddenLine xmlns:a14="http://schemas.microsoft.com/office/drawing/2010/main" xmlns="" w="9525">
+                <a14:hiddenLine xmlns="" xmlns:a14="http://schemas.microsoft.com/office/drawing/2010/main" w="9525">
                   <a:solidFill>
                     <a:srgbClr val="000000"/>
                   </a:solidFill>
@@ -2324,7 +2329,7 @@
             </a:ln>
             <a:extLst>
               <a:ext uri="{91240B29-F687-4f45-9708-019B960494DF}">
-                <a14:hiddenLine xmlns:a14="http://schemas.microsoft.com/office/drawing/2010/main" xmlns="" w="9525">
+                <a14:hiddenLine xmlns="" xmlns:a14="http://schemas.microsoft.com/office/drawing/2010/main" w="9525">
                   <a:solidFill>
                     <a:srgbClr val="000000"/>
                   </a:solidFill>
@@ -2358,7 +2363,7 @@
             </a:ln>
             <a:extLst>
               <a:ext uri="{91240B29-F687-4f45-9708-019B960494DF}">
-                <a14:hiddenLine xmlns:a14="http://schemas.microsoft.com/office/drawing/2010/main" xmlns="" w="9525">
+                <a14:hiddenLine xmlns="" xmlns:a14="http://schemas.microsoft.com/office/drawing/2010/main" w="9525">
                   <a:solidFill>
                     <a:srgbClr val="000000"/>
                   </a:solidFill>
@@ -2448,7 +2453,7 @@
             </a:ln>
             <a:extLst>
               <a:ext uri="{91240B29-F687-4f45-9708-019B960494DF}">
-                <a14:hiddenLine xmlns:a14="http://schemas.microsoft.com/office/drawing/2010/main" xmlns="" w="9525">
+                <a14:hiddenLine xmlns="" xmlns:a14="http://schemas.microsoft.com/office/drawing/2010/main" w="9525">
                   <a:solidFill>
                     <a:srgbClr val="000000"/>
                   </a:solidFill>
@@ -2510,7 +2515,7 @@
             </a:ln>
             <a:extLst>
               <a:ext uri="{91240B29-F687-4f45-9708-019B960494DF}">
-                <a14:hiddenLine xmlns:a14="http://schemas.microsoft.com/office/drawing/2010/main" xmlns="" w="9525">
+                <a14:hiddenLine xmlns="" xmlns:a14="http://schemas.microsoft.com/office/drawing/2010/main" w="9525">
                   <a:solidFill>
                     <a:srgbClr val="000000"/>
                   </a:solidFill>
@@ -2572,7 +2577,7 @@
             </a:ln>
             <a:extLst>
               <a:ext uri="{91240B29-F687-4f45-9708-019B960494DF}">
-                <a14:hiddenLine xmlns:a14="http://schemas.microsoft.com/office/drawing/2010/main" xmlns="" w="9525">
+                <a14:hiddenLine xmlns="" xmlns:a14="http://schemas.microsoft.com/office/drawing/2010/main" w="9525">
                   <a:solidFill>
                     <a:srgbClr val="000000"/>
                   </a:solidFill>
@@ -2662,7 +2667,7 @@
             </a:ln>
             <a:extLst>
               <a:ext uri="{91240B29-F687-4f45-9708-019B960494DF}">
-                <a14:hiddenLine xmlns:a14="http://schemas.microsoft.com/office/drawing/2010/main" xmlns="" w="9525">
+                <a14:hiddenLine xmlns="" xmlns:a14="http://schemas.microsoft.com/office/drawing/2010/main" w="9525">
                   <a:solidFill>
                     <a:srgbClr val="000000"/>
                   </a:solidFill>
@@ -2730,7 +2735,7 @@
             </a:ln>
             <a:extLst>
               <a:ext uri="{91240B29-F687-4f45-9708-019B960494DF}">
-                <a14:hiddenLine xmlns:a14="http://schemas.microsoft.com/office/drawing/2010/main" xmlns="" w="9525">
+                <a14:hiddenLine xmlns="" xmlns:a14="http://schemas.microsoft.com/office/drawing/2010/main" w="9525">
                   <a:solidFill>
                     <a:srgbClr val="000000"/>
                   </a:solidFill>
@@ -2792,7 +2797,7 @@
             </a:ln>
             <a:extLst>
               <a:ext uri="{91240B29-F687-4f45-9708-019B960494DF}">
-                <a14:hiddenLine xmlns:a14="http://schemas.microsoft.com/office/drawing/2010/main" xmlns="" w="9525">
+                <a14:hiddenLine xmlns="" xmlns:a14="http://schemas.microsoft.com/office/drawing/2010/main" w="9525">
                   <a:solidFill>
                     <a:srgbClr val="000000"/>
                   </a:solidFill>
@@ -2882,7 +2887,7 @@
             </a:ln>
             <a:extLst>
               <a:ext uri="{91240B29-F687-4f45-9708-019B960494DF}">
-                <a14:hiddenLine xmlns:a14="http://schemas.microsoft.com/office/drawing/2010/main" xmlns="" w="9525">
+                <a14:hiddenLine xmlns="" xmlns:a14="http://schemas.microsoft.com/office/drawing/2010/main" w="9525">
                   <a:solidFill>
                     <a:srgbClr val="000000"/>
                   </a:solidFill>
@@ -2944,7 +2949,7 @@
             </a:ln>
             <a:extLst>
               <a:ext uri="{91240B29-F687-4f45-9708-019B960494DF}">
-                <a14:hiddenLine xmlns:a14="http://schemas.microsoft.com/office/drawing/2010/main" xmlns="" w="9525">
+                <a14:hiddenLine xmlns="" xmlns:a14="http://schemas.microsoft.com/office/drawing/2010/main" w="9525">
                   <a:solidFill>
                     <a:srgbClr val="000000"/>
                   </a:solidFill>
@@ -3034,7 +3039,7 @@
             </a:ln>
             <a:extLst>
               <a:ext uri="{91240B29-F687-4f45-9708-019B960494DF}">
-                <a14:hiddenLine xmlns:a14="http://schemas.microsoft.com/office/drawing/2010/main" xmlns="" w="9525">
+                <a14:hiddenLine xmlns="" xmlns:a14="http://schemas.microsoft.com/office/drawing/2010/main" w="9525">
                   <a:solidFill>
                     <a:srgbClr val="000000"/>
                   </a:solidFill>
@@ -3096,7 +3101,7 @@
             </a:ln>
             <a:extLst>
               <a:ext uri="{91240B29-F687-4f45-9708-019B960494DF}">
-                <a14:hiddenLine xmlns:a14="http://schemas.microsoft.com/office/drawing/2010/main" xmlns="" w="9525">
+                <a14:hiddenLine xmlns="" xmlns:a14="http://schemas.microsoft.com/office/drawing/2010/main" w="9525">
                   <a:solidFill>
                     <a:srgbClr val="000000"/>
                   </a:solidFill>
@@ -3186,7 +3191,7 @@
             </a:ln>
             <a:extLst>
               <a:ext uri="{91240B29-F687-4f45-9708-019B960494DF}">
-                <a14:hiddenLine xmlns:a14="http://schemas.microsoft.com/office/drawing/2010/main" xmlns="" w="9525">
+                <a14:hiddenLine xmlns="" xmlns:a14="http://schemas.microsoft.com/office/drawing/2010/main" w="9525">
                   <a:solidFill>
                     <a:srgbClr val="000000"/>
                   </a:solidFill>
@@ -3220,7 +3225,7 @@
             </a:ln>
             <a:extLst>
               <a:ext uri="{91240B29-F687-4f45-9708-019B960494DF}">
-                <a14:hiddenLine xmlns:a14="http://schemas.microsoft.com/office/drawing/2010/main" xmlns="" w="9525">
+                <a14:hiddenLine xmlns="" xmlns:a14="http://schemas.microsoft.com/office/drawing/2010/main" w="9525">
                   <a:solidFill>
                     <a:srgbClr val="000000"/>
                   </a:solidFill>
@@ -3285,7 +3290,7 @@
             </a:ln>
             <a:extLst>
               <a:ext uri="{91240B29-F687-4f45-9708-019B960494DF}">
-                <a14:hiddenLine xmlns:a14="http://schemas.microsoft.com/office/drawing/2010/main" xmlns="" w="9525">
+                <a14:hiddenLine xmlns="" xmlns:a14="http://schemas.microsoft.com/office/drawing/2010/main" w="9525">
                   <a:solidFill>
                     <a:srgbClr val="000000"/>
                   </a:solidFill>
@@ -3375,7 +3380,7 @@
             </a:ln>
             <a:extLst>
               <a:ext uri="{91240B29-F687-4f45-9708-019B960494DF}">
-                <a14:hiddenLine xmlns:a14="http://schemas.microsoft.com/office/drawing/2010/main" xmlns="" w="9525">
+                <a14:hiddenLine xmlns="" xmlns:a14="http://schemas.microsoft.com/office/drawing/2010/main" w="9525">
                   <a:solidFill>
                     <a:srgbClr val="000000"/>
                   </a:solidFill>
@@ -3437,7 +3442,7 @@
             </a:ln>
             <a:extLst>
               <a:ext uri="{91240B29-F687-4f45-9708-019B960494DF}">
-                <a14:hiddenLine xmlns:a14="http://schemas.microsoft.com/office/drawing/2010/main" xmlns="" w="9525">
+                <a14:hiddenLine xmlns="" xmlns:a14="http://schemas.microsoft.com/office/drawing/2010/main" w="9525">
                   <a:solidFill>
                     <a:srgbClr val="000000"/>
                   </a:solidFill>
@@ -3527,7 +3532,7 @@
             </a:ln>
             <a:extLst>
               <a:ext uri="{91240B29-F687-4f45-9708-019B960494DF}">
-                <a14:hiddenLine xmlns:a14="http://schemas.microsoft.com/office/drawing/2010/main" xmlns="" w="9525">
+                <a14:hiddenLine xmlns="" xmlns:a14="http://schemas.microsoft.com/office/drawing/2010/main" w="9525">
                   <a:solidFill>
                     <a:srgbClr val="000000"/>
                   </a:solidFill>
@@ -3617,7 +3622,7 @@
             </a:ln>
             <a:extLst>
               <a:ext uri="{91240B29-F687-4f45-9708-019B960494DF}">
-                <a14:hiddenLine xmlns:a14="http://schemas.microsoft.com/office/drawing/2010/main" xmlns="" w="9525">
+                <a14:hiddenLine xmlns="" xmlns:a14="http://schemas.microsoft.com/office/drawing/2010/main" w="9525">
                   <a:solidFill>
                     <a:srgbClr val="000000"/>
                   </a:solidFill>
@@ -3682,7 +3687,7 @@
             </a:ln>
             <a:extLst>
               <a:ext uri="{91240B29-F687-4f45-9708-019B960494DF}">
-                <a14:hiddenLine xmlns:a14="http://schemas.microsoft.com/office/drawing/2010/main" xmlns="" w="9525">
+                <a14:hiddenLine xmlns="" xmlns:a14="http://schemas.microsoft.com/office/drawing/2010/main" w="9525">
                   <a:solidFill>
                     <a:srgbClr val="000000"/>
                   </a:solidFill>
@@ -3744,7 +3749,7 @@
             </a:ln>
             <a:extLst>
               <a:ext uri="{91240B29-F687-4f45-9708-019B960494DF}">
-                <a14:hiddenLine xmlns:a14="http://schemas.microsoft.com/office/drawing/2010/main" xmlns="" w="9525">
+                <a14:hiddenLine xmlns="" xmlns:a14="http://schemas.microsoft.com/office/drawing/2010/main" w="9525">
                   <a:solidFill>
                     <a:srgbClr val="000000"/>
                   </a:solidFill>
@@ -3834,7 +3839,7 @@
             </a:ln>
             <a:extLst>
               <a:ext uri="{91240B29-F687-4f45-9708-019B960494DF}">
-                <a14:hiddenLine xmlns:a14="http://schemas.microsoft.com/office/drawing/2010/main" xmlns="" w="9525">
+                <a14:hiddenLine xmlns="" xmlns:a14="http://schemas.microsoft.com/office/drawing/2010/main" w="9525">
                   <a:solidFill>
                     <a:srgbClr val="000000"/>
                   </a:solidFill>
@@ -3924,7 +3929,7 @@
             </a:ln>
             <a:extLst>
               <a:ext uri="{91240B29-F687-4f45-9708-019B960494DF}">
-                <a14:hiddenLine xmlns:a14="http://schemas.microsoft.com/office/drawing/2010/main" xmlns="" w="9525">
+                <a14:hiddenLine xmlns="" xmlns:a14="http://schemas.microsoft.com/office/drawing/2010/main" w="9525">
                   <a:solidFill>
                     <a:srgbClr val="000000"/>
                   </a:solidFill>
@@ -3986,7 +3991,7 @@
             </a:ln>
             <a:extLst>
               <a:ext uri="{91240B29-F687-4f45-9708-019B960494DF}">
-                <a14:hiddenLine xmlns:a14="http://schemas.microsoft.com/office/drawing/2010/main" xmlns="" w="9525">
+                <a14:hiddenLine xmlns="" xmlns:a14="http://schemas.microsoft.com/office/drawing/2010/main" w="9525">
                   <a:solidFill>
                     <a:srgbClr val="000000"/>
                   </a:solidFill>
@@ -4106,7 +4111,7 @@
             </a:ln>
             <a:extLst>
               <a:ext uri="{91240B29-F687-4f45-9708-019B960494DF}">
-                <a14:hiddenLine xmlns:a14="http://schemas.microsoft.com/office/drawing/2010/main" xmlns="" w="9525">
+                <a14:hiddenLine xmlns="" xmlns:a14="http://schemas.microsoft.com/office/drawing/2010/main" w="9525">
                   <a:solidFill>
                     <a:srgbClr val="000000"/>
                   </a:solidFill>
@@ -4174,7 +4179,7 @@
             </a:ln>
             <a:extLst>
               <a:ext uri="{91240B29-F687-4f45-9708-019B960494DF}">
-                <a14:hiddenLine xmlns:a14="http://schemas.microsoft.com/office/drawing/2010/main" xmlns="" w="9525">
+                <a14:hiddenLine xmlns="" xmlns:a14="http://schemas.microsoft.com/office/drawing/2010/main" w="9525">
                   <a:solidFill>
                     <a:srgbClr val="000000"/>
                   </a:solidFill>
@@ -4264,7 +4269,7 @@
             </a:ln>
             <a:extLst>
               <a:ext uri="{91240B29-F687-4f45-9708-019B960494DF}">
-                <a14:hiddenLine xmlns:a14="http://schemas.microsoft.com/office/drawing/2010/main" xmlns="" w="9525">
+                <a14:hiddenLine xmlns="" xmlns:a14="http://schemas.microsoft.com/office/drawing/2010/main" w="9525">
                   <a:solidFill>
                     <a:srgbClr val="000000"/>
                   </a:solidFill>
@@ -8986,7 +8991,7 @@
           <a:noFill/>
           <a:extLst>
             <a:ext uri="{909E8E84-426E-40dd-AFC4-6F175D3DCCD1}">
-              <a14:hiddenFill xmlns:a14="http://schemas.microsoft.com/office/drawing/2010/main" xmlns="">
+              <a14:hiddenFill xmlns="" xmlns:a14="http://schemas.microsoft.com/office/drawing/2010/main">
                 <a:solidFill>
                   <a:srgbClr val="FFFFFF"/>
                 </a:solidFill>
@@ -9060,7 +9065,7 @@
               </a:ln>
               <a:extLst>
                 <a:ext uri="{91240B29-F687-4f45-9708-019B960494DF}">
-                  <a14:hiddenLine xmlns:a14="http://schemas.microsoft.com/office/drawing/2010/main" xmlns="" w="9525">
+                  <a14:hiddenLine xmlns="" xmlns:a14="http://schemas.microsoft.com/office/drawing/2010/main" w="9525">
                     <a:solidFill>
                       <a:srgbClr val="000000"/>
                     </a:solidFill>
@@ -9150,7 +9155,7 @@
               </a:ln>
               <a:extLst>
                 <a:ext uri="{91240B29-F687-4f45-9708-019B960494DF}">
-                  <a14:hiddenLine xmlns:a14="http://schemas.microsoft.com/office/drawing/2010/main" xmlns="" w="9525">
+                  <a14:hiddenLine xmlns="" xmlns:a14="http://schemas.microsoft.com/office/drawing/2010/main" w="9525">
                     <a:solidFill>
                       <a:srgbClr val="000000"/>
                     </a:solidFill>
@@ -9240,7 +9245,7 @@
               </a:ln>
               <a:extLst>
                 <a:ext uri="{91240B29-F687-4f45-9708-019B960494DF}">
-                  <a14:hiddenLine xmlns:a14="http://schemas.microsoft.com/office/drawing/2010/main" xmlns="" w="9525">
+                  <a14:hiddenLine xmlns="" xmlns:a14="http://schemas.microsoft.com/office/drawing/2010/main" w="9525">
                     <a:solidFill>
                       <a:srgbClr val="000000"/>
                     </a:solidFill>
@@ -9302,7 +9307,7 @@
               </a:ln>
               <a:extLst>
                 <a:ext uri="{91240B29-F687-4f45-9708-019B960494DF}">
-                  <a14:hiddenLine xmlns:a14="http://schemas.microsoft.com/office/drawing/2010/main" xmlns="" w="9525">
+                  <a14:hiddenLine xmlns="" xmlns:a14="http://schemas.microsoft.com/office/drawing/2010/main" w="9525">
                     <a:solidFill>
                       <a:srgbClr val="000000"/>
                     </a:solidFill>
@@ -9392,7 +9397,7 @@
               </a:ln>
               <a:extLst>
                 <a:ext uri="{91240B29-F687-4f45-9708-019B960494DF}">
-                  <a14:hiddenLine xmlns:a14="http://schemas.microsoft.com/office/drawing/2010/main" xmlns="" w="9525">
+                  <a14:hiddenLine xmlns="" xmlns:a14="http://schemas.microsoft.com/office/drawing/2010/main" w="9525">
                     <a:solidFill>
                       <a:srgbClr val="000000"/>
                     </a:solidFill>
@@ -9454,7 +9459,7 @@
               </a:ln>
               <a:extLst>
                 <a:ext uri="{91240B29-F687-4f45-9708-019B960494DF}">
-                  <a14:hiddenLine xmlns:a14="http://schemas.microsoft.com/office/drawing/2010/main" xmlns="" w="9525">
+                  <a14:hiddenLine xmlns="" xmlns:a14="http://schemas.microsoft.com/office/drawing/2010/main" w="9525">
                     <a:solidFill>
                       <a:srgbClr val="000000"/>
                     </a:solidFill>
@@ -9516,7 +9521,7 @@
               </a:ln>
               <a:extLst>
                 <a:ext uri="{91240B29-F687-4f45-9708-019B960494DF}">
-                  <a14:hiddenLine xmlns:a14="http://schemas.microsoft.com/office/drawing/2010/main" xmlns="" w="9525">
+                  <a14:hiddenLine xmlns="" xmlns:a14="http://schemas.microsoft.com/office/drawing/2010/main" w="9525">
                     <a:solidFill>
                       <a:srgbClr val="000000"/>
                     </a:solidFill>
@@ -9606,7 +9611,7 @@
               </a:ln>
               <a:extLst>
                 <a:ext uri="{91240B29-F687-4f45-9708-019B960494DF}">
-                  <a14:hiddenLine xmlns:a14="http://schemas.microsoft.com/office/drawing/2010/main" xmlns="" w="9525">
+                  <a14:hiddenLine xmlns="" xmlns:a14="http://schemas.microsoft.com/office/drawing/2010/main" w="9525">
                     <a:solidFill>
                       <a:srgbClr val="000000"/>
                     </a:solidFill>
@@ -9696,7 +9701,7 @@
               </a:ln>
               <a:extLst>
                 <a:ext uri="{91240B29-F687-4f45-9708-019B960494DF}">
-                  <a14:hiddenLine xmlns:a14="http://schemas.microsoft.com/office/drawing/2010/main" xmlns="" w="9525">
+                  <a14:hiddenLine xmlns="" xmlns:a14="http://schemas.microsoft.com/office/drawing/2010/main" w="9525">
                     <a:solidFill>
                       <a:srgbClr val="000000"/>
                     </a:solidFill>
@@ -9758,7 +9763,7 @@
               </a:ln>
               <a:extLst>
                 <a:ext uri="{91240B29-F687-4f45-9708-019B960494DF}">
-                  <a14:hiddenLine xmlns:a14="http://schemas.microsoft.com/office/drawing/2010/main" xmlns="" w="9525">
+                  <a14:hiddenLine xmlns="" xmlns:a14="http://schemas.microsoft.com/office/drawing/2010/main" w="9525">
                     <a:solidFill>
                       <a:srgbClr val="000000"/>
                     </a:solidFill>
@@ -9868,7 +9873,7 @@
               </a:ln>
               <a:extLst>
                 <a:ext uri="{91240B29-F687-4f45-9708-019B960494DF}">
-                  <a14:hiddenLine xmlns:a14="http://schemas.microsoft.com/office/drawing/2010/main" xmlns="" w="9525">
+                  <a14:hiddenLine xmlns="" xmlns:a14="http://schemas.microsoft.com/office/drawing/2010/main" w="9525">
                     <a:solidFill>
                       <a:srgbClr val="000000"/>
                     </a:solidFill>
@@ -9952,7 +9957,7 @@
               </a:ln>
               <a:extLst>
                 <a:ext uri="{91240B29-F687-4f45-9708-019B960494DF}">
-                  <a14:hiddenLine xmlns:a14="http://schemas.microsoft.com/office/drawing/2010/main" xmlns="" w="9525">
+                  <a14:hiddenLine xmlns="" xmlns:a14="http://schemas.microsoft.com/office/drawing/2010/main" w="9525">
                     <a:solidFill>
                       <a:srgbClr val="000000"/>
                     </a:solidFill>
@@ -10014,7 +10019,7 @@
               </a:ln>
               <a:extLst>
                 <a:ext uri="{91240B29-F687-4f45-9708-019B960494DF}">
-                  <a14:hiddenLine xmlns:a14="http://schemas.microsoft.com/office/drawing/2010/main" xmlns="" w="9525">
+                  <a14:hiddenLine xmlns="" xmlns:a14="http://schemas.microsoft.com/office/drawing/2010/main" w="9525">
                     <a:solidFill>
                       <a:srgbClr val="000000"/>
                     </a:solidFill>
@@ -10076,7 +10081,7 @@
               </a:ln>
               <a:extLst>
                 <a:ext uri="{91240B29-F687-4f45-9708-019B960494DF}">
-                  <a14:hiddenLine xmlns:a14="http://schemas.microsoft.com/office/drawing/2010/main" xmlns="" w="9525">
+                  <a14:hiddenLine xmlns="" xmlns:a14="http://schemas.microsoft.com/office/drawing/2010/main" w="9525">
                     <a:solidFill>
                       <a:srgbClr val="000000"/>
                     </a:solidFill>
@@ -10166,7 +10171,7 @@
               </a:ln>
               <a:extLst>
                 <a:ext uri="{91240B29-F687-4f45-9708-019B960494DF}">
-                  <a14:hiddenLine xmlns:a14="http://schemas.microsoft.com/office/drawing/2010/main" xmlns="" w="9525">
+                  <a14:hiddenLine xmlns="" xmlns:a14="http://schemas.microsoft.com/office/drawing/2010/main" w="9525">
                     <a:solidFill>
                       <a:srgbClr val="000000"/>
                     </a:solidFill>
@@ -10200,7 +10205,7 @@
               </a:ln>
               <a:extLst>
                 <a:ext uri="{91240B29-F687-4f45-9708-019B960494DF}">
-                  <a14:hiddenLine xmlns:a14="http://schemas.microsoft.com/office/drawing/2010/main" xmlns="" w="9525">
+                  <a14:hiddenLine xmlns="" xmlns:a14="http://schemas.microsoft.com/office/drawing/2010/main" w="9525">
                     <a:solidFill>
                       <a:srgbClr val="000000"/>
                     </a:solidFill>
@@ -10265,7 +10270,7 @@
               </a:ln>
               <a:extLst>
                 <a:ext uri="{91240B29-F687-4f45-9708-019B960494DF}">
-                  <a14:hiddenLine xmlns:a14="http://schemas.microsoft.com/office/drawing/2010/main" xmlns="" w="9525">
+                  <a14:hiddenLine xmlns="" xmlns:a14="http://schemas.microsoft.com/office/drawing/2010/main" w="9525">
                     <a:solidFill>
                       <a:srgbClr val="000000"/>
                     </a:solidFill>
@@ -10355,7 +10360,7 @@
               </a:ln>
               <a:extLst>
                 <a:ext uri="{91240B29-F687-4f45-9708-019B960494DF}">
-                  <a14:hiddenLine xmlns:a14="http://schemas.microsoft.com/office/drawing/2010/main" xmlns="" w="9525">
+                  <a14:hiddenLine xmlns="" xmlns:a14="http://schemas.microsoft.com/office/drawing/2010/main" w="9525">
                     <a:solidFill>
                       <a:srgbClr val="000000"/>
                     </a:solidFill>
@@ -10417,7 +10422,7 @@
               </a:ln>
               <a:extLst>
                 <a:ext uri="{91240B29-F687-4f45-9708-019B960494DF}">
-                  <a14:hiddenLine xmlns:a14="http://schemas.microsoft.com/office/drawing/2010/main" xmlns="" w="9525">
+                  <a14:hiddenLine xmlns="" xmlns:a14="http://schemas.microsoft.com/office/drawing/2010/main" w="9525">
                     <a:solidFill>
                       <a:srgbClr val="000000"/>
                     </a:solidFill>
@@ -10507,7 +10512,7 @@
               </a:ln>
               <a:extLst>
                 <a:ext uri="{91240B29-F687-4f45-9708-019B960494DF}">
-                  <a14:hiddenLine xmlns:a14="http://schemas.microsoft.com/office/drawing/2010/main" xmlns="" w="9525">
+                  <a14:hiddenLine xmlns="" xmlns:a14="http://schemas.microsoft.com/office/drawing/2010/main" w="9525">
                     <a:solidFill>
                       <a:srgbClr val="000000"/>
                     </a:solidFill>
@@ -10572,7 +10577,7 @@
               </a:ln>
               <a:extLst>
                 <a:ext uri="{91240B29-F687-4f45-9708-019B960494DF}">
-                  <a14:hiddenLine xmlns:a14="http://schemas.microsoft.com/office/drawing/2010/main" xmlns="" w="9525">
+                  <a14:hiddenLine xmlns="" xmlns:a14="http://schemas.microsoft.com/office/drawing/2010/main" w="9525">
                     <a:solidFill>
                       <a:srgbClr val="000000"/>
                     </a:solidFill>
@@ -10634,7 +10639,7 @@
               </a:ln>
               <a:extLst>
                 <a:ext uri="{91240B29-F687-4f45-9708-019B960494DF}">
-                  <a14:hiddenLine xmlns:a14="http://schemas.microsoft.com/office/drawing/2010/main" xmlns="" w="9525">
+                  <a14:hiddenLine xmlns="" xmlns:a14="http://schemas.microsoft.com/office/drawing/2010/main" w="9525">
                     <a:solidFill>
                       <a:srgbClr val="000000"/>
                     </a:solidFill>
@@ -10724,7 +10729,7 @@
               </a:ln>
               <a:extLst>
                 <a:ext uri="{91240B29-F687-4f45-9708-019B960494DF}">
-                  <a14:hiddenLine xmlns:a14="http://schemas.microsoft.com/office/drawing/2010/main" xmlns="" w="9525">
+                  <a14:hiddenLine xmlns="" xmlns:a14="http://schemas.microsoft.com/office/drawing/2010/main" w="9525">
                     <a:solidFill>
                       <a:srgbClr val="000000"/>
                     </a:solidFill>
@@ -10814,7 +10819,7 @@
               </a:ln>
               <a:extLst>
                 <a:ext uri="{91240B29-F687-4f45-9708-019B960494DF}">
-                  <a14:hiddenLine xmlns:a14="http://schemas.microsoft.com/office/drawing/2010/main" xmlns="" w="9525">
+                  <a14:hiddenLine xmlns="" xmlns:a14="http://schemas.microsoft.com/office/drawing/2010/main" w="9525">
                     <a:solidFill>
                       <a:srgbClr val="000000"/>
                     </a:solidFill>
@@ -10879,7 +10884,7 @@
               </a:ln>
               <a:extLst>
                 <a:ext uri="{91240B29-F687-4f45-9708-019B960494DF}">
-                  <a14:hiddenLine xmlns:a14="http://schemas.microsoft.com/office/drawing/2010/main" xmlns="" w="9525">
+                  <a14:hiddenLine xmlns="" xmlns:a14="http://schemas.microsoft.com/office/drawing/2010/main" w="9525">
                     <a:solidFill>
                       <a:srgbClr val="000000"/>
                     </a:solidFill>
@@ -10999,7 +11004,7 @@
               </a:ln>
               <a:extLst>
                 <a:ext uri="{91240B29-F687-4f45-9708-019B960494DF}">
-                  <a14:hiddenLine xmlns:a14="http://schemas.microsoft.com/office/drawing/2010/main" xmlns="" w="9525">
+                  <a14:hiddenLine xmlns="" xmlns:a14="http://schemas.microsoft.com/office/drawing/2010/main" w="9525">
                     <a:solidFill>
                       <a:srgbClr val="000000"/>
                     </a:solidFill>
@@ -11097,7 +11102,7 @@
               </a:ln>
               <a:extLst>
                 <a:ext uri="{91240B29-F687-4f45-9708-019B960494DF}">
-                  <a14:hiddenLine xmlns:a14="http://schemas.microsoft.com/office/drawing/2010/main" xmlns="" w="9525">
+                  <a14:hiddenLine xmlns="" xmlns:a14="http://schemas.microsoft.com/office/drawing/2010/main" w="9525">
                     <a:solidFill>
                       <a:srgbClr val="000000"/>
                     </a:solidFill>
@@ -11212,7 +11217,7 @@
               </a:ln>
               <a:extLst>
                 <a:ext uri="{91240B29-F687-4f45-9708-019B960494DF}">
-                  <a14:hiddenLine xmlns:a14="http://schemas.microsoft.com/office/drawing/2010/main" xmlns="" w="9525">
+                  <a14:hiddenLine xmlns="" xmlns:a14="http://schemas.microsoft.com/office/drawing/2010/main" w="9525">
                     <a:solidFill>
                       <a:srgbClr val="000000"/>
                     </a:solidFill>
@@ -11302,7 +11307,7 @@
               </a:ln>
               <a:extLst>
                 <a:ext uri="{91240B29-F687-4f45-9708-019B960494DF}">
-                  <a14:hiddenLine xmlns:a14="http://schemas.microsoft.com/office/drawing/2010/main" xmlns="" w="9525">
+                  <a14:hiddenLine xmlns="" xmlns:a14="http://schemas.microsoft.com/office/drawing/2010/main" w="9525">
                     <a:solidFill>
                       <a:srgbClr val="000000"/>
                     </a:solidFill>
@@ -11367,7 +11372,7 @@
               </a:ln>
               <a:extLst>
                 <a:ext uri="{91240B29-F687-4f45-9708-019B960494DF}">
-                  <a14:hiddenLine xmlns:a14="http://schemas.microsoft.com/office/drawing/2010/main" xmlns="" w="9525">
+                  <a14:hiddenLine xmlns="" xmlns:a14="http://schemas.microsoft.com/office/drawing/2010/main" w="9525">
                     <a:solidFill>
                       <a:srgbClr val="000000"/>
                     </a:solidFill>
@@ -11457,7 +11462,7 @@
               </a:ln>
               <a:extLst>
                 <a:ext uri="{91240B29-F687-4f45-9708-019B960494DF}">
-                  <a14:hiddenLine xmlns:a14="http://schemas.microsoft.com/office/drawing/2010/main" xmlns="" w="9525">
+                  <a14:hiddenLine xmlns="" xmlns:a14="http://schemas.microsoft.com/office/drawing/2010/main" w="9525">
                     <a:solidFill>
                       <a:srgbClr val="000000"/>
                     </a:solidFill>
@@ -11525,7 +11530,7 @@
               </a:ln>
               <a:extLst>
                 <a:ext uri="{91240B29-F687-4f45-9708-019B960494DF}">
-                  <a14:hiddenLine xmlns:a14="http://schemas.microsoft.com/office/drawing/2010/main" xmlns="" w="9525">
+                  <a14:hiddenLine xmlns="" xmlns:a14="http://schemas.microsoft.com/office/drawing/2010/main" w="9525">
                     <a:solidFill>
                       <a:srgbClr val="000000"/>
                     </a:solidFill>
@@ -11615,7 +11620,7 @@
               </a:ln>
               <a:extLst>
                 <a:ext uri="{91240B29-F687-4f45-9708-019B960494DF}">
-                  <a14:hiddenLine xmlns:a14="http://schemas.microsoft.com/office/drawing/2010/main" xmlns="" w="9525">
+                  <a14:hiddenLine xmlns="" xmlns:a14="http://schemas.microsoft.com/office/drawing/2010/main" w="9525">
                     <a:solidFill>
                       <a:srgbClr val="000000"/>
                     </a:solidFill>
@@ -11683,7 +11688,7 @@
               </a:ln>
               <a:extLst>
                 <a:ext uri="{91240B29-F687-4f45-9708-019B960494DF}">
-                  <a14:hiddenLine xmlns:a14="http://schemas.microsoft.com/office/drawing/2010/main" xmlns="" w="9525">
+                  <a14:hiddenLine xmlns="" xmlns:a14="http://schemas.microsoft.com/office/drawing/2010/main" w="9525">
                     <a:solidFill>
                       <a:srgbClr val="000000"/>
                     </a:solidFill>
@@ -11773,7 +11778,7 @@
               </a:ln>
               <a:extLst>
                 <a:ext uri="{91240B29-F687-4f45-9708-019B960494DF}">
-                  <a14:hiddenLine xmlns:a14="http://schemas.microsoft.com/office/drawing/2010/main" xmlns="" w="9525">
+                  <a14:hiddenLine xmlns="" xmlns:a14="http://schemas.microsoft.com/office/drawing/2010/main" w="9525">
                     <a:solidFill>
                       <a:srgbClr val="000000"/>
                     </a:solidFill>
@@ -11807,7 +11812,7 @@
               </a:ln>
               <a:extLst>
                 <a:ext uri="{91240B29-F687-4f45-9708-019B960494DF}">
-                  <a14:hiddenLine xmlns:a14="http://schemas.microsoft.com/office/drawing/2010/main" xmlns="" w="9525">
+                  <a14:hiddenLine xmlns="" xmlns:a14="http://schemas.microsoft.com/office/drawing/2010/main" w="9525">
                     <a:solidFill>
                       <a:srgbClr val="000000"/>
                     </a:solidFill>
@@ -12374,7 +12379,12 @@
             <p:ph type="ctrTitle"/>
           </p:nvPr>
         </p:nvSpPr>
-        <p:spPr/>
+        <p:spPr>
+          <a:xfrm>
+            <a:off x="1876424" y="1902371"/>
+            <a:ext cx="8791575" cy="1607591"/>
+          </a:xfrm>
+        </p:spPr>
         <p:txBody>
           <a:bodyPr/>
           <a:lstStyle/>
@@ -12429,6 +12439,10 @@
             </a:r>
           </a:p>
           <a:p>
+            <a:r>
+              <a:rPr lang="en-US" dirty="0" smtClean="0"/>
+              <a:t>- DHAVAL PARIKH</a:t>
+            </a:r>
             <a:endParaRPr lang="en-US" dirty="0"/>
           </a:p>
         </p:txBody>
@@ -12443,6 +12457,183 @@
   <p:clrMapOvr>
     <a:masterClrMapping/>
   </p:clrMapOvr>
+  <p:timing>
+    <p:tnLst>
+      <p:par>
+        <p:cTn id="1" dur="indefinite" restart="never" nodeType="tmRoot">
+          <p:childTnLst>
+            <p:seq concurrent="1" nextAc="seek">
+              <p:cTn id="2" dur="indefinite" nodeType="mainSeq">
+                <p:childTnLst>
+                  <p:par>
+                    <p:cTn id="3" fill="hold">
+                      <p:stCondLst>
+                        <p:cond delay="indefinite"/>
+                      </p:stCondLst>
+                      <p:childTnLst>
+                        <p:par>
+                          <p:cTn id="4" fill="hold">
+                            <p:stCondLst>
+                              <p:cond delay="0"/>
+                            </p:stCondLst>
+                            <p:childTnLst>
+                              <p:par>
+                                <p:cTn id="5" presetID="1" presetClass="entr" presetSubtype="0" fill="hold" grpId="0" nodeType="clickEffect">
+                                  <p:stCondLst>
+                                    <p:cond delay="0"/>
+                                  </p:stCondLst>
+                                  <p:childTnLst>
+                                    <p:set>
+                                      <p:cBhvr>
+                                        <p:cTn id="6" dur="1" fill="hold">
+                                          <p:stCondLst>
+                                            <p:cond delay="0"/>
+                                          </p:stCondLst>
+                                        </p:cTn>
+                                        <p:tgtEl>
+                                          <p:spTgt spid="2"/>
+                                        </p:tgtEl>
+                                        <p:attrNameLst>
+                                          <p:attrName>style.visibility</p:attrName>
+                                        </p:attrNameLst>
+                                      </p:cBhvr>
+                                      <p:to>
+                                        <p:strVal val="visible"/>
+                                      </p:to>
+                                    </p:set>
+                                  </p:childTnLst>
+                                </p:cTn>
+                              </p:par>
+                            </p:childTnLst>
+                          </p:cTn>
+                        </p:par>
+                      </p:childTnLst>
+                    </p:cTn>
+                  </p:par>
+                  <p:par>
+                    <p:cTn id="7" fill="hold">
+                      <p:stCondLst>
+                        <p:cond delay="indefinite"/>
+                      </p:stCondLst>
+                      <p:childTnLst>
+                        <p:par>
+                          <p:cTn id="8" fill="hold">
+                            <p:stCondLst>
+                              <p:cond delay="0"/>
+                            </p:stCondLst>
+                            <p:childTnLst>
+                              <p:par>
+                                <p:cTn id="9" presetID="1" presetClass="entr" presetSubtype="0" fill="hold" grpId="0" nodeType="clickEffect">
+                                  <p:stCondLst>
+                                    <p:cond delay="600"/>
+                                  </p:stCondLst>
+                                  <p:childTnLst>
+                                    <p:set>
+                                      <p:cBhvr>
+                                        <p:cTn id="10" dur="1" fill="hold">
+                                          <p:stCondLst>
+                                            <p:cond delay="0"/>
+                                          </p:stCondLst>
+                                        </p:cTn>
+                                        <p:tgtEl>
+                                          <p:spTgt spid="3">
+                                            <p:txEl>
+                                              <p:pRg st="0" end="0"/>
+                                            </p:txEl>
+                                          </p:spTgt>
+                                        </p:tgtEl>
+                                        <p:attrNameLst>
+                                          <p:attrName>style.visibility</p:attrName>
+                                        </p:attrNameLst>
+                                      </p:cBhvr>
+                                      <p:to>
+                                        <p:strVal val="visible"/>
+                                      </p:to>
+                                    </p:set>
+                                  </p:childTnLst>
+                                </p:cTn>
+                              </p:par>
+                            </p:childTnLst>
+                          </p:cTn>
+                        </p:par>
+                      </p:childTnLst>
+                    </p:cTn>
+                  </p:par>
+                  <p:par>
+                    <p:cTn id="11" fill="hold">
+                      <p:stCondLst>
+                        <p:cond delay="indefinite"/>
+                      </p:stCondLst>
+                      <p:childTnLst>
+                        <p:par>
+                          <p:cTn id="12" fill="hold">
+                            <p:stCondLst>
+                              <p:cond delay="0"/>
+                            </p:stCondLst>
+                            <p:childTnLst>
+                              <p:par>
+                                <p:cTn id="13" presetID="1" presetClass="entr" presetSubtype="0" fill="hold" grpId="0" nodeType="clickEffect">
+                                  <p:stCondLst>
+                                    <p:cond delay="1100"/>
+                                  </p:stCondLst>
+                                  <p:childTnLst>
+                                    <p:set>
+                                      <p:cBhvr>
+                                        <p:cTn id="14" dur="1" fill="hold">
+                                          <p:stCondLst>
+                                            <p:cond delay="0"/>
+                                          </p:stCondLst>
+                                        </p:cTn>
+                                        <p:tgtEl>
+                                          <p:spTgt spid="3">
+                                            <p:txEl>
+                                              <p:pRg st="1" end="1"/>
+                                            </p:txEl>
+                                          </p:spTgt>
+                                        </p:tgtEl>
+                                        <p:attrNameLst>
+                                          <p:attrName>style.visibility</p:attrName>
+                                        </p:attrNameLst>
+                                      </p:cBhvr>
+                                      <p:to>
+                                        <p:strVal val="visible"/>
+                                      </p:to>
+                                    </p:set>
+                                  </p:childTnLst>
+                                </p:cTn>
+                              </p:par>
+                            </p:childTnLst>
+                          </p:cTn>
+                        </p:par>
+                      </p:childTnLst>
+                    </p:cTn>
+                  </p:par>
+                </p:childTnLst>
+              </p:cTn>
+              <p:prevCondLst>
+                <p:cond evt="onPrev" delay="0">
+                  <p:tgtEl>
+                    <p:sldTgt/>
+                  </p:tgtEl>
+                </p:cond>
+              </p:prevCondLst>
+              <p:nextCondLst>
+                <p:cond evt="onNext" delay="0">
+                  <p:tgtEl>
+                    <p:sldTgt/>
+                  </p:tgtEl>
+                </p:cond>
+              </p:nextCondLst>
+            </p:seq>
+          </p:childTnLst>
+        </p:cTn>
+      </p:par>
+    </p:tnLst>
+    <p:bldLst>
+      <p:bldP spid="2" grpId="0"/>
+      <p:bldP spid="3" grpId="0" uiExpand="1" build="p"/>
+    </p:bldLst>
+  </p:timing>
 </p:sld>
 </file>
 
@@ -12906,6 +13097,1124 @@
   <p:clrMapOvr>
     <a:masterClrMapping/>
   </p:clrMapOvr>
+  <p:timing>
+    <p:tnLst>
+      <p:par>
+        <p:cTn id="1" dur="indefinite" restart="never" nodeType="tmRoot">
+          <p:childTnLst>
+            <p:seq concurrent="1" nextAc="seek">
+              <p:cTn id="2" dur="indefinite" nodeType="mainSeq">
+                <p:childTnLst>
+                  <p:par>
+                    <p:cTn id="3" fill="hold">
+                      <p:stCondLst>
+                        <p:cond delay="indefinite"/>
+                      </p:stCondLst>
+                      <p:childTnLst>
+                        <p:par>
+                          <p:cTn id="4" fill="hold">
+                            <p:stCondLst>
+                              <p:cond delay="0"/>
+                            </p:stCondLst>
+                            <p:childTnLst>
+                              <p:par>
+                                <p:cTn id="5" presetID="53" presetClass="entr" presetSubtype="16" fill="hold" grpId="0" nodeType="clickEffect">
+                                  <p:stCondLst>
+                                    <p:cond delay="0"/>
+                                  </p:stCondLst>
+                                  <p:childTnLst>
+                                    <p:set>
+                                      <p:cBhvr>
+                                        <p:cTn id="6" dur="1" fill="hold">
+                                          <p:stCondLst>
+                                            <p:cond delay="0"/>
+                                          </p:stCondLst>
+                                        </p:cTn>
+                                        <p:tgtEl>
+                                          <p:spTgt spid="4">
+                                            <p:txEl>
+                                              <p:pRg st="0" end="0"/>
+                                            </p:txEl>
+                                          </p:spTgt>
+                                        </p:tgtEl>
+                                        <p:attrNameLst>
+                                          <p:attrName>style.visibility</p:attrName>
+                                        </p:attrNameLst>
+                                      </p:cBhvr>
+                                      <p:to>
+                                        <p:strVal val="visible"/>
+                                      </p:to>
+                                    </p:set>
+                                    <p:anim calcmode="lin" valueType="num">
+                                      <p:cBhvr>
+                                        <p:cTn id="7" dur="500" fill="hold"/>
+                                        <p:tgtEl>
+                                          <p:spTgt spid="4">
+                                            <p:txEl>
+                                              <p:pRg st="0" end="0"/>
+                                            </p:txEl>
+                                          </p:spTgt>
+                                        </p:tgtEl>
+                                        <p:attrNameLst>
+                                          <p:attrName>ppt_w</p:attrName>
+                                        </p:attrNameLst>
+                                      </p:cBhvr>
+                                      <p:tavLst>
+                                        <p:tav tm="0">
+                                          <p:val>
+                                            <p:fltVal val="0"/>
+                                          </p:val>
+                                        </p:tav>
+                                        <p:tav tm="100000">
+                                          <p:val>
+                                            <p:strVal val="#ppt_w"/>
+                                          </p:val>
+                                        </p:tav>
+                                      </p:tavLst>
+                                    </p:anim>
+                                    <p:anim calcmode="lin" valueType="num">
+                                      <p:cBhvr>
+                                        <p:cTn id="8" dur="500" fill="hold"/>
+                                        <p:tgtEl>
+                                          <p:spTgt spid="4">
+                                            <p:txEl>
+                                              <p:pRg st="0" end="0"/>
+                                            </p:txEl>
+                                          </p:spTgt>
+                                        </p:tgtEl>
+                                        <p:attrNameLst>
+                                          <p:attrName>ppt_h</p:attrName>
+                                        </p:attrNameLst>
+                                      </p:cBhvr>
+                                      <p:tavLst>
+                                        <p:tav tm="0">
+                                          <p:val>
+                                            <p:fltVal val="0"/>
+                                          </p:val>
+                                        </p:tav>
+                                        <p:tav tm="100000">
+                                          <p:val>
+                                            <p:strVal val="#ppt_h"/>
+                                          </p:val>
+                                        </p:tav>
+                                      </p:tavLst>
+                                    </p:anim>
+                                    <p:animEffect transition="in" filter="fade">
+                                      <p:cBhvr>
+                                        <p:cTn id="9" dur="500"/>
+                                        <p:tgtEl>
+                                          <p:spTgt spid="4">
+                                            <p:txEl>
+                                              <p:pRg st="0" end="0"/>
+                                            </p:txEl>
+                                          </p:spTgt>
+                                        </p:tgtEl>
+                                      </p:cBhvr>
+                                    </p:animEffect>
+                                  </p:childTnLst>
+                                </p:cTn>
+                              </p:par>
+                              <p:par>
+                                <p:cTn id="10" presetID="53" presetClass="entr" presetSubtype="16" fill="hold" grpId="0" nodeType="withEffect">
+                                  <p:stCondLst>
+                                    <p:cond delay="500"/>
+                                  </p:stCondLst>
+                                  <p:childTnLst>
+                                    <p:set>
+                                      <p:cBhvr>
+                                        <p:cTn id="11" dur="1" fill="hold">
+                                          <p:stCondLst>
+                                            <p:cond delay="0"/>
+                                          </p:stCondLst>
+                                        </p:cTn>
+                                        <p:tgtEl>
+                                          <p:spTgt spid="4">
+                                            <p:txEl>
+                                              <p:pRg st="1" end="1"/>
+                                            </p:txEl>
+                                          </p:spTgt>
+                                        </p:tgtEl>
+                                        <p:attrNameLst>
+                                          <p:attrName>style.visibility</p:attrName>
+                                        </p:attrNameLst>
+                                      </p:cBhvr>
+                                      <p:to>
+                                        <p:strVal val="visible"/>
+                                      </p:to>
+                                    </p:set>
+                                    <p:anim calcmode="lin" valueType="num">
+                                      <p:cBhvr>
+                                        <p:cTn id="12" dur="500" fill="hold"/>
+                                        <p:tgtEl>
+                                          <p:spTgt spid="4">
+                                            <p:txEl>
+                                              <p:pRg st="1" end="1"/>
+                                            </p:txEl>
+                                          </p:spTgt>
+                                        </p:tgtEl>
+                                        <p:attrNameLst>
+                                          <p:attrName>ppt_w</p:attrName>
+                                        </p:attrNameLst>
+                                      </p:cBhvr>
+                                      <p:tavLst>
+                                        <p:tav tm="0">
+                                          <p:val>
+                                            <p:fltVal val="0"/>
+                                          </p:val>
+                                        </p:tav>
+                                        <p:tav tm="100000">
+                                          <p:val>
+                                            <p:strVal val="#ppt_w"/>
+                                          </p:val>
+                                        </p:tav>
+                                      </p:tavLst>
+                                    </p:anim>
+                                    <p:anim calcmode="lin" valueType="num">
+                                      <p:cBhvr>
+                                        <p:cTn id="13" dur="500" fill="hold"/>
+                                        <p:tgtEl>
+                                          <p:spTgt spid="4">
+                                            <p:txEl>
+                                              <p:pRg st="1" end="1"/>
+                                            </p:txEl>
+                                          </p:spTgt>
+                                        </p:tgtEl>
+                                        <p:attrNameLst>
+                                          <p:attrName>ppt_h</p:attrName>
+                                        </p:attrNameLst>
+                                      </p:cBhvr>
+                                      <p:tavLst>
+                                        <p:tav tm="0">
+                                          <p:val>
+                                            <p:fltVal val="0"/>
+                                          </p:val>
+                                        </p:tav>
+                                        <p:tav tm="100000">
+                                          <p:val>
+                                            <p:strVal val="#ppt_h"/>
+                                          </p:val>
+                                        </p:tav>
+                                      </p:tavLst>
+                                    </p:anim>
+                                    <p:animEffect transition="in" filter="fade">
+                                      <p:cBhvr>
+                                        <p:cTn id="14" dur="500"/>
+                                        <p:tgtEl>
+                                          <p:spTgt spid="4">
+                                            <p:txEl>
+                                              <p:pRg st="1" end="1"/>
+                                            </p:txEl>
+                                          </p:spTgt>
+                                        </p:tgtEl>
+                                      </p:cBhvr>
+                                    </p:animEffect>
+                                  </p:childTnLst>
+                                </p:cTn>
+                              </p:par>
+                              <p:par>
+                                <p:cTn id="15" presetID="53" presetClass="entr" presetSubtype="16" fill="hold" grpId="0" nodeType="withEffect">
+                                  <p:stCondLst>
+                                    <p:cond delay="800"/>
+                                  </p:stCondLst>
+                                  <p:childTnLst>
+                                    <p:set>
+                                      <p:cBhvr>
+                                        <p:cTn id="16" dur="1" fill="hold">
+                                          <p:stCondLst>
+                                            <p:cond delay="0"/>
+                                          </p:stCondLst>
+                                        </p:cTn>
+                                        <p:tgtEl>
+                                          <p:spTgt spid="4">
+                                            <p:txEl>
+                                              <p:pRg st="2" end="2"/>
+                                            </p:txEl>
+                                          </p:spTgt>
+                                        </p:tgtEl>
+                                        <p:attrNameLst>
+                                          <p:attrName>style.visibility</p:attrName>
+                                        </p:attrNameLst>
+                                      </p:cBhvr>
+                                      <p:to>
+                                        <p:strVal val="visible"/>
+                                      </p:to>
+                                    </p:set>
+                                    <p:anim calcmode="lin" valueType="num">
+                                      <p:cBhvr>
+                                        <p:cTn id="17" dur="500" fill="hold"/>
+                                        <p:tgtEl>
+                                          <p:spTgt spid="4">
+                                            <p:txEl>
+                                              <p:pRg st="2" end="2"/>
+                                            </p:txEl>
+                                          </p:spTgt>
+                                        </p:tgtEl>
+                                        <p:attrNameLst>
+                                          <p:attrName>ppt_w</p:attrName>
+                                        </p:attrNameLst>
+                                      </p:cBhvr>
+                                      <p:tavLst>
+                                        <p:tav tm="0">
+                                          <p:val>
+                                            <p:fltVal val="0"/>
+                                          </p:val>
+                                        </p:tav>
+                                        <p:tav tm="100000">
+                                          <p:val>
+                                            <p:strVal val="#ppt_w"/>
+                                          </p:val>
+                                        </p:tav>
+                                      </p:tavLst>
+                                    </p:anim>
+                                    <p:anim calcmode="lin" valueType="num">
+                                      <p:cBhvr>
+                                        <p:cTn id="18" dur="500" fill="hold"/>
+                                        <p:tgtEl>
+                                          <p:spTgt spid="4">
+                                            <p:txEl>
+                                              <p:pRg st="2" end="2"/>
+                                            </p:txEl>
+                                          </p:spTgt>
+                                        </p:tgtEl>
+                                        <p:attrNameLst>
+                                          <p:attrName>ppt_h</p:attrName>
+                                        </p:attrNameLst>
+                                      </p:cBhvr>
+                                      <p:tavLst>
+                                        <p:tav tm="0">
+                                          <p:val>
+                                            <p:fltVal val="0"/>
+                                          </p:val>
+                                        </p:tav>
+                                        <p:tav tm="100000">
+                                          <p:val>
+                                            <p:strVal val="#ppt_h"/>
+                                          </p:val>
+                                        </p:tav>
+                                      </p:tavLst>
+                                    </p:anim>
+                                    <p:animEffect transition="in" filter="fade">
+                                      <p:cBhvr>
+                                        <p:cTn id="19" dur="500"/>
+                                        <p:tgtEl>
+                                          <p:spTgt spid="4">
+                                            <p:txEl>
+                                              <p:pRg st="2" end="2"/>
+                                            </p:txEl>
+                                          </p:spTgt>
+                                        </p:tgtEl>
+                                      </p:cBhvr>
+                                    </p:animEffect>
+                                  </p:childTnLst>
+                                </p:cTn>
+                              </p:par>
+                              <p:par>
+                                <p:cTn id="20" presetID="53" presetClass="entr" presetSubtype="16" fill="hold" grpId="0" nodeType="withEffect">
+                                  <p:stCondLst>
+                                    <p:cond delay="1100"/>
+                                  </p:stCondLst>
+                                  <p:childTnLst>
+                                    <p:set>
+                                      <p:cBhvr>
+                                        <p:cTn id="21" dur="1" fill="hold">
+                                          <p:stCondLst>
+                                            <p:cond delay="0"/>
+                                          </p:stCondLst>
+                                        </p:cTn>
+                                        <p:tgtEl>
+                                          <p:spTgt spid="4">
+                                            <p:txEl>
+                                              <p:pRg st="3" end="3"/>
+                                            </p:txEl>
+                                          </p:spTgt>
+                                        </p:tgtEl>
+                                        <p:attrNameLst>
+                                          <p:attrName>style.visibility</p:attrName>
+                                        </p:attrNameLst>
+                                      </p:cBhvr>
+                                      <p:to>
+                                        <p:strVal val="visible"/>
+                                      </p:to>
+                                    </p:set>
+                                    <p:anim calcmode="lin" valueType="num">
+                                      <p:cBhvr>
+                                        <p:cTn id="22" dur="500" fill="hold"/>
+                                        <p:tgtEl>
+                                          <p:spTgt spid="4">
+                                            <p:txEl>
+                                              <p:pRg st="3" end="3"/>
+                                            </p:txEl>
+                                          </p:spTgt>
+                                        </p:tgtEl>
+                                        <p:attrNameLst>
+                                          <p:attrName>ppt_w</p:attrName>
+                                        </p:attrNameLst>
+                                      </p:cBhvr>
+                                      <p:tavLst>
+                                        <p:tav tm="0">
+                                          <p:val>
+                                            <p:fltVal val="0"/>
+                                          </p:val>
+                                        </p:tav>
+                                        <p:tav tm="100000">
+                                          <p:val>
+                                            <p:strVal val="#ppt_w"/>
+                                          </p:val>
+                                        </p:tav>
+                                      </p:tavLst>
+                                    </p:anim>
+                                    <p:anim calcmode="lin" valueType="num">
+                                      <p:cBhvr>
+                                        <p:cTn id="23" dur="500" fill="hold"/>
+                                        <p:tgtEl>
+                                          <p:spTgt spid="4">
+                                            <p:txEl>
+                                              <p:pRg st="3" end="3"/>
+                                            </p:txEl>
+                                          </p:spTgt>
+                                        </p:tgtEl>
+                                        <p:attrNameLst>
+                                          <p:attrName>ppt_h</p:attrName>
+                                        </p:attrNameLst>
+                                      </p:cBhvr>
+                                      <p:tavLst>
+                                        <p:tav tm="0">
+                                          <p:val>
+                                            <p:fltVal val="0"/>
+                                          </p:val>
+                                        </p:tav>
+                                        <p:tav tm="100000">
+                                          <p:val>
+                                            <p:strVal val="#ppt_h"/>
+                                          </p:val>
+                                        </p:tav>
+                                      </p:tavLst>
+                                    </p:anim>
+                                    <p:animEffect transition="in" filter="fade">
+                                      <p:cBhvr>
+                                        <p:cTn id="24" dur="500"/>
+                                        <p:tgtEl>
+                                          <p:spTgt spid="4">
+                                            <p:txEl>
+                                              <p:pRg st="3" end="3"/>
+                                            </p:txEl>
+                                          </p:spTgt>
+                                        </p:tgtEl>
+                                      </p:cBhvr>
+                                    </p:animEffect>
+                                  </p:childTnLst>
+                                </p:cTn>
+                              </p:par>
+                              <p:par>
+                                <p:cTn id="25" presetID="53" presetClass="entr" presetSubtype="16" fill="hold" grpId="0" nodeType="withEffect">
+                                  <p:stCondLst>
+                                    <p:cond delay="1500"/>
+                                  </p:stCondLst>
+                                  <p:childTnLst>
+                                    <p:set>
+                                      <p:cBhvr>
+                                        <p:cTn id="26" dur="1" fill="hold">
+                                          <p:stCondLst>
+                                            <p:cond delay="0"/>
+                                          </p:stCondLst>
+                                        </p:cTn>
+                                        <p:tgtEl>
+                                          <p:spTgt spid="4">
+                                            <p:txEl>
+                                              <p:pRg st="4" end="4"/>
+                                            </p:txEl>
+                                          </p:spTgt>
+                                        </p:tgtEl>
+                                        <p:attrNameLst>
+                                          <p:attrName>style.visibility</p:attrName>
+                                        </p:attrNameLst>
+                                      </p:cBhvr>
+                                      <p:to>
+                                        <p:strVal val="visible"/>
+                                      </p:to>
+                                    </p:set>
+                                    <p:anim calcmode="lin" valueType="num">
+                                      <p:cBhvr>
+                                        <p:cTn id="27" dur="500" fill="hold"/>
+                                        <p:tgtEl>
+                                          <p:spTgt spid="4">
+                                            <p:txEl>
+                                              <p:pRg st="4" end="4"/>
+                                            </p:txEl>
+                                          </p:spTgt>
+                                        </p:tgtEl>
+                                        <p:attrNameLst>
+                                          <p:attrName>ppt_w</p:attrName>
+                                        </p:attrNameLst>
+                                      </p:cBhvr>
+                                      <p:tavLst>
+                                        <p:tav tm="0">
+                                          <p:val>
+                                            <p:fltVal val="0"/>
+                                          </p:val>
+                                        </p:tav>
+                                        <p:tav tm="100000">
+                                          <p:val>
+                                            <p:strVal val="#ppt_w"/>
+                                          </p:val>
+                                        </p:tav>
+                                      </p:tavLst>
+                                    </p:anim>
+                                    <p:anim calcmode="lin" valueType="num">
+                                      <p:cBhvr>
+                                        <p:cTn id="28" dur="500" fill="hold"/>
+                                        <p:tgtEl>
+                                          <p:spTgt spid="4">
+                                            <p:txEl>
+                                              <p:pRg st="4" end="4"/>
+                                            </p:txEl>
+                                          </p:spTgt>
+                                        </p:tgtEl>
+                                        <p:attrNameLst>
+                                          <p:attrName>ppt_h</p:attrName>
+                                        </p:attrNameLst>
+                                      </p:cBhvr>
+                                      <p:tavLst>
+                                        <p:tav tm="0">
+                                          <p:val>
+                                            <p:fltVal val="0"/>
+                                          </p:val>
+                                        </p:tav>
+                                        <p:tav tm="100000">
+                                          <p:val>
+                                            <p:strVal val="#ppt_h"/>
+                                          </p:val>
+                                        </p:tav>
+                                      </p:tavLst>
+                                    </p:anim>
+                                    <p:animEffect transition="in" filter="fade">
+                                      <p:cBhvr>
+                                        <p:cTn id="29" dur="500"/>
+                                        <p:tgtEl>
+                                          <p:spTgt spid="4">
+                                            <p:txEl>
+                                              <p:pRg st="4" end="4"/>
+                                            </p:txEl>
+                                          </p:spTgt>
+                                        </p:tgtEl>
+                                      </p:cBhvr>
+                                    </p:animEffect>
+                                  </p:childTnLst>
+                                </p:cTn>
+                              </p:par>
+                              <p:par>
+                                <p:cTn id="30" presetID="53" presetClass="entr" presetSubtype="16" fill="hold" grpId="0" nodeType="withEffect">
+                                  <p:stCondLst>
+                                    <p:cond delay="1800"/>
+                                  </p:stCondLst>
+                                  <p:childTnLst>
+                                    <p:set>
+                                      <p:cBhvr>
+                                        <p:cTn id="31" dur="1" fill="hold">
+                                          <p:stCondLst>
+                                            <p:cond delay="0"/>
+                                          </p:stCondLst>
+                                        </p:cTn>
+                                        <p:tgtEl>
+                                          <p:spTgt spid="4">
+                                            <p:txEl>
+                                              <p:pRg st="5" end="5"/>
+                                            </p:txEl>
+                                          </p:spTgt>
+                                        </p:tgtEl>
+                                        <p:attrNameLst>
+                                          <p:attrName>style.visibility</p:attrName>
+                                        </p:attrNameLst>
+                                      </p:cBhvr>
+                                      <p:to>
+                                        <p:strVal val="visible"/>
+                                      </p:to>
+                                    </p:set>
+                                    <p:anim calcmode="lin" valueType="num">
+                                      <p:cBhvr>
+                                        <p:cTn id="32" dur="500" fill="hold"/>
+                                        <p:tgtEl>
+                                          <p:spTgt spid="4">
+                                            <p:txEl>
+                                              <p:pRg st="5" end="5"/>
+                                            </p:txEl>
+                                          </p:spTgt>
+                                        </p:tgtEl>
+                                        <p:attrNameLst>
+                                          <p:attrName>ppt_w</p:attrName>
+                                        </p:attrNameLst>
+                                      </p:cBhvr>
+                                      <p:tavLst>
+                                        <p:tav tm="0">
+                                          <p:val>
+                                            <p:fltVal val="0"/>
+                                          </p:val>
+                                        </p:tav>
+                                        <p:tav tm="100000">
+                                          <p:val>
+                                            <p:strVal val="#ppt_w"/>
+                                          </p:val>
+                                        </p:tav>
+                                      </p:tavLst>
+                                    </p:anim>
+                                    <p:anim calcmode="lin" valueType="num">
+                                      <p:cBhvr>
+                                        <p:cTn id="33" dur="500" fill="hold"/>
+                                        <p:tgtEl>
+                                          <p:spTgt spid="4">
+                                            <p:txEl>
+                                              <p:pRg st="5" end="5"/>
+                                            </p:txEl>
+                                          </p:spTgt>
+                                        </p:tgtEl>
+                                        <p:attrNameLst>
+                                          <p:attrName>ppt_h</p:attrName>
+                                        </p:attrNameLst>
+                                      </p:cBhvr>
+                                      <p:tavLst>
+                                        <p:tav tm="0">
+                                          <p:val>
+                                            <p:fltVal val="0"/>
+                                          </p:val>
+                                        </p:tav>
+                                        <p:tav tm="100000">
+                                          <p:val>
+                                            <p:strVal val="#ppt_h"/>
+                                          </p:val>
+                                        </p:tav>
+                                      </p:tavLst>
+                                    </p:anim>
+                                    <p:animEffect transition="in" filter="fade">
+                                      <p:cBhvr>
+                                        <p:cTn id="34" dur="500"/>
+                                        <p:tgtEl>
+                                          <p:spTgt spid="4">
+                                            <p:txEl>
+                                              <p:pRg st="5" end="5"/>
+                                            </p:txEl>
+                                          </p:spTgt>
+                                        </p:tgtEl>
+                                      </p:cBhvr>
+                                    </p:animEffect>
+                                  </p:childTnLst>
+                                </p:cTn>
+                              </p:par>
+                              <p:par>
+                                <p:cTn id="35" presetID="53" presetClass="entr" presetSubtype="16" fill="hold" grpId="0" nodeType="withEffect">
+                                  <p:stCondLst>
+                                    <p:cond delay="2000"/>
+                                  </p:stCondLst>
+                                  <p:childTnLst>
+                                    <p:set>
+                                      <p:cBhvr>
+                                        <p:cTn id="36" dur="1" fill="hold">
+                                          <p:stCondLst>
+                                            <p:cond delay="0"/>
+                                          </p:stCondLst>
+                                        </p:cTn>
+                                        <p:tgtEl>
+                                          <p:spTgt spid="4">
+                                            <p:txEl>
+                                              <p:pRg st="6" end="6"/>
+                                            </p:txEl>
+                                          </p:spTgt>
+                                        </p:tgtEl>
+                                        <p:attrNameLst>
+                                          <p:attrName>style.visibility</p:attrName>
+                                        </p:attrNameLst>
+                                      </p:cBhvr>
+                                      <p:to>
+                                        <p:strVal val="visible"/>
+                                      </p:to>
+                                    </p:set>
+                                    <p:anim calcmode="lin" valueType="num">
+                                      <p:cBhvr>
+                                        <p:cTn id="37" dur="500" fill="hold"/>
+                                        <p:tgtEl>
+                                          <p:spTgt spid="4">
+                                            <p:txEl>
+                                              <p:pRg st="6" end="6"/>
+                                            </p:txEl>
+                                          </p:spTgt>
+                                        </p:tgtEl>
+                                        <p:attrNameLst>
+                                          <p:attrName>ppt_w</p:attrName>
+                                        </p:attrNameLst>
+                                      </p:cBhvr>
+                                      <p:tavLst>
+                                        <p:tav tm="0">
+                                          <p:val>
+                                            <p:fltVal val="0"/>
+                                          </p:val>
+                                        </p:tav>
+                                        <p:tav tm="100000">
+                                          <p:val>
+                                            <p:strVal val="#ppt_w"/>
+                                          </p:val>
+                                        </p:tav>
+                                      </p:tavLst>
+                                    </p:anim>
+                                    <p:anim calcmode="lin" valueType="num">
+                                      <p:cBhvr>
+                                        <p:cTn id="38" dur="500" fill="hold"/>
+                                        <p:tgtEl>
+                                          <p:spTgt spid="4">
+                                            <p:txEl>
+                                              <p:pRg st="6" end="6"/>
+                                            </p:txEl>
+                                          </p:spTgt>
+                                        </p:tgtEl>
+                                        <p:attrNameLst>
+                                          <p:attrName>ppt_h</p:attrName>
+                                        </p:attrNameLst>
+                                      </p:cBhvr>
+                                      <p:tavLst>
+                                        <p:tav tm="0">
+                                          <p:val>
+                                            <p:fltVal val="0"/>
+                                          </p:val>
+                                        </p:tav>
+                                        <p:tav tm="100000">
+                                          <p:val>
+                                            <p:strVal val="#ppt_h"/>
+                                          </p:val>
+                                        </p:tav>
+                                      </p:tavLst>
+                                    </p:anim>
+                                    <p:animEffect transition="in" filter="fade">
+                                      <p:cBhvr>
+                                        <p:cTn id="39" dur="500"/>
+                                        <p:tgtEl>
+                                          <p:spTgt spid="4">
+                                            <p:txEl>
+                                              <p:pRg st="6" end="6"/>
+                                            </p:txEl>
+                                          </p:spTgt>
+                                        </p:tgtEl>
+                                      </p:cBhvr>
+                                    </p:animEffect>
+                                  </p:childTnLst>
+                                </p:cTn>
+                              </p:par>
+                              <p:par>
+                                <p:cTn id="40" presetID="53" presetClass="entr" presetSubtype="16" fill="hold" grpId="0" nodeType="withEffect">
+                                  <p:stCondLst>
+                                    <p:cond delay="2300"/>
+                                  </p:stCondLst>
+                                  <p:childTnLst>
+                                    <p:set>
+                                      <p:cBhvr>
+                                        <p:cTn id="41" dur="1" fill="hold">
+                                          <p:stCondLst>
+                                            <p:cond delay="0"/>
+                                          </p:stCondLst>
+                                        </p:cTn>
+                                        <p:tgtEl>
+                                          <p:spTgt spid="4">
+                                            <p:txEl>
+                                              <p:pRg st="7" end="7"/>
+                                            </p:txEl>
+                                          </p:spTgt>
+                                        </p:tgtEl>
+                                        <p:attrNameLst>
+                                          <p:attrName>style.visibility</p:attrName>
+                                        </p:attrNameLst>
+                                      </p:cBhvr>
+                                      <p:to>
+                                        <p:strVal val="visible"/>
+                                      </p:to>
+                                    </p:set>
+                                    <p:anim calcmode="lin" valueType="num">
+                                      <p:cBhvr>
+                                        <p:cTn id="42" dur="500" fill="hold"/>
+                                        <p:tgtEl>
+                                          <p:spTgt spid="4">
+                                            <p:txEl>
+                                              <p:pRg st="7" end="7"/>
+                                            </p:txEl>
+                                          </p:spTgt>
+                                        </p:tgtEl>
+                                        <p:attrNameLst>
+                                          <p:attrName>ppt_w</p:attrName>
+                                        </p:attrNameLst>
+                                      </p:cBhvr>
+                                      <p:tavLst>
+                                        <p:tav tm="0">
+                                          <p:val>
+                                            <p:fltVal val="0"/>
+                                          </p:val>
+                                        </p:tav>
+                                        <p:tav tm="100000">
+                                          <p:val>
+                                            <p:strVal val="#ppt_w"/>
+                                          </p:val>
+                                        </p:tav>
+                                      </p:tavLst>
+                                    </p:anim>
+                                    <p:anim calcmode="lin" valueType="num">
+                                      <p:cBhvr>
+                                        <p:cTn id="43" dur="500" fill="hold"/>
+                                        <p:tgtEl>
+                                          <p:spTgt spid="4">
+                                            <p:txEl>
+                                              <p:pRg st="7" end="7"/>
+                                            </p:txEl>
+                                          </p:spTgt>
+                                        </p:tgtEl>
+                                        <p:attrNameLst>
+                                          <p:attrName>ppt_h</p:attrName>
+                                        </p:attrNameLst>
+                                      </p:cBhvr>
+                                      <p:tavLst>
+                                        <p:tav tm="0">
+                                          <p:val>
+                                            <p:fltVal val="0"/>
+                                          </p:val>
+                                        </p:tav>
+                                        <p:tav tm="100000">
+                                          <p:val>
+                                            <p:strVal val="#ppt_h"/>
+                                          </p:val>
+                                        </p:tav>
+                                      </p:tavLst>
+                                    </p:anim>
+                                    <p:animEffect transition="in" filter="fade">
+                                      <p:cBhvr>
+                                        <p:cTn id="44" dur="500"/>
+                                        <p:tgtEl>
+                                          <p:spTgt spid="4">
+                                            <p:txEl>
+                                              <p:pRg st="7" end="7"/>
+                                            </p:txEl>
+                                          </p:spTgt>
+                                        </p:tgtEl>
+                                      </p:cBhvr>
+                                    </p:animEffect>
+                                  </p:childTnLst>
+                                </p:cTn>
+                              </p:par>
+                              <p:par>
+                                <p:cTn id="45" presetID="53" presetClass="entr" presetSubtype="16" fill="hold" grpId="0" nodeType="withEffect">
+                                  <p:stCondLst>
+                                    <p:cond delay="2500"/>
+                                  </p:stCondLst>
+                                  <p:childTnLst>
+                                    <p:set>
+                                      <p:cBhvr>
+                                        <p:cTn id="46" dur="1" fill="hold">
+                                          <p:stCondLst>
+                                            <p:cond delay="0"/>
+                                          </p:stCondLst>
+                                        </p:cTn>
+                                        <p:tgtEl>
+                                          <p:spTgt spid="4">
+                                            <p:txEl>
+                                              <p:pRg st="8" end="8"/>
+                                            </p:txEl>
+                                          </p:spTgt>
+                                        </p:tgtEl>
+                                        <p:attrNameLst>
+                                          <p:attrName>style.visibility</p:attrName>
+                                        </p:attrNameLst>
+                                      </p:cBhvr>
+                                      <p:to>
+                                        <p:strVal val="visible"/>
+                                      </p:to>
+                                    </p:set>
+                                    <p:anim calcmode="lin" valueType="num">
+                                      <p:cBhvr>
+                                        <p:cTn id="47" dur="500" fill="hold"/>
+                                        <p:tgtEl>
+                                          <p:spTgt spid="4">
+                                            <p:txEl>
+                                              <p:pRg st="8" end="8"/>
+                                            </p:txEl>
+                                          </p:spTgt>
+                                        </p:tgtEl>
+                                        <p:attrNameLst>
+                                          <p:attrName>ppt_w</p:attrName>
+                                        </p:attrNameLst>
+                                      </p:cBhvr>
+                                      <p:tavLst>
+                                        <p:tav tm="0">
+                                          <p:val>
+                                            <p:fltVal val="0"/>
+                                          </p:val>
+                                        </p:tav>
+                                        <p:tav tm="100000">
+                                          <p:val>
+                                            <p:strVal val="#ppt_w"/>
+                                          </p:val>
+                                        </p:tav>
+                                      </p:tavLst>
+                                    </p:anim>
+                                    <p:anim calcmode="lin" valueType="num">
+                                      <p:cBhvr>
+                                        <p:cTn id="48" dur="500" fill="hold"/>
+                                        <p:tgtEl>
+                                          <p:spTgt spid="4">
+                                            <p:txEl>
+                                              <p:pRg st="8" end="8"/>
+                                            </p:txEl>
+                                          </p:spTgt>
+                                        </p:tgtEl>
+                                        <p:attrNameLst>
+                                          <p:attrName>ppt_h</p:attrName>
+                                        </p:attrNameLst>
+                                      </p:cBhvr>
+                                      <p:tavLst>
+                                        <p:tav tm="0">
+                                          <p:val>
+                                            <p:fltVal val="0"/>
+                                          </p:val>
+                                        </p:tav>
+                                        <p:tav tm="100000">
+                                          <p:val>
+                                            <p:strVal val="#ppt_h"/>
+                                          </p:val>
+                                        </p:tav>
+                                      </p:tavLst>
+                                    </p:anim>
+                                    <p:animEffect transition="in" filter="fade">
+                                      <p:cBhvr>
+                                        <p:cTn id="49" dur="500"/>
+                                        <p:tgtEl>
+                                          <p:spTgt spid="4">
+                                            <p:txEl>
+                                              <p:pRg st="8" end="8"/>
+                                            </p:txEl>
+                                          </p:spTgt>
+                                        </p:tgtEl>
+                                      </p:cBhvr>
+                                    </p:animEffect>
+                                  </p:childTnLst>
+                                </p:cTn>
+                              </p:par>
+                              <p:par>
+                                <p:cTn id="50" presetID="53" presetClass="entr" presetSubtype="16" fill="hold" grpId="0" nodeType="withEffect">
+                                  <p:stCondLst>
+                                    <p:cond delay="2700"/>
+                                  </p:stCondLst>
+                                  <p:childTnLst>
+                                    <p:set>
+                                      <p:cBhvr>
+                                        <p:cTn id="51" dur="1" fill="hold">
+                                          <p:stCondLst>
+                                            <p:cond delay="0"/>
+                                          </p:stCondLst>
+                                        </p:cTn>
+                                        <p:tgtEl>
+                                          <p:spTgt spid="4">
+                                            <p:txEl>
+                                              <p:pRg st="9" end="9"/>
+                                            </p:txEl>
+                                          </p:spTgt>
+                                        </p:tgtEl>
+                                        <p:attrNameLst>
+                                          <p:attrName>style.visibility</p:attrName>
+                                        </p:attrNameLst>
+                                      </p:cBhvr>
+                                      <p:to>
+                                        <p:strVal val="visible"/>
+                                      </p:to>
+                                    </p:set>
+                                    <p:anim calcmode="lin" valueType="num">
+                                      <p:cBhvr>
+                                        <p:cTn id="52" dur="500" fill="hold"/>
+                                        <p:tgtEl>
+                                          <p:spTgt spid="4">
+                                            <p:txEl>
+                                              <p:pRg st="9" end="9"/>
+                                            </p:txEl>
+                                          </p:spTgt>
+                                        </p:tgtEl>
+                                        <p:attrNameLst>
+                                          <p:attrName>ppt_w</p:attrName>
+                                        </p:attrNameLst>
+                                      </p:cBhvr>
+                                      <p:tavLst>
+                                        <p:tav tm="0">
+                                          <p:val>
+                                            <p:fltVal val="0"/>
+                                          </p:val>
+                                        </p:tav>
+                                        <p:tav tm="100000">
+                                          <p:val>
+                                            <p:strVal val="#ppt_w"/>
+                                          </p:val>
+                                        </p:tav>
+                                      </p:tavLst>
+                                    </p:anim>
+                                    <p:anim calcmode="lin" valueType="num">
+                                      <p:cBhvr>
+                                        <p:cTn id="53" dur="500" fill="hold"/>
+                                        <p:tgtEl>
+                                          <p:spTgt spid="4">
+                                            <p:txEl>
+                                              <p:pRg st="9" end="9"/>
+                                            </p:txEl>
+                                          </p:spTgt>
+                                        </p:tgtEl>
+                                        <p:attrNameLst>
+                                          <p:attrName>ppt_h</p:attrName>
+                                        </p:attrNameLst>
+                                      </p:cBhvr>
+                                      <p:tavLst>
+                                        <p:tav tm="0">
+                                          <p:val>
+                                            <p:fltVal val="0"/>
+                                          </p:val>
+                                        </p:tav>
+                                        <p:tav tm="100000">
+                                          <p:val>
+                                            <p:strVal val="#ppt_h"/>
+                                          </p:val>
+                                        </p:tav>
+                                      </p:tavLst>
+                                    </p:anim>
+                                    <p:animEffect transition="in" filter="fade">
+                                      <p:cBhvr>
+                                        <p:cTn id="54" dur="500"/>
+                                        <p:tgtEl>
+                                          <p:spTgt spid="4">
+                                            <p:txEl>
+                                              <p:pRg st="9" end="9"/>
+                                            </p:txEl>
+                                          </p:spTgt>
+                                        </p:tgtEl>
+                                      </p:cBhvr>
+                                    </p:animEffect>
+                                  </p:childTnLst>
+                                </p:cTn>
+                              </p:par>
+                              <p:par>
+                                <p:cTn id="55" presetID="53" presetClass="entr" presetSubtype="16" fill="hold" grpId="0" nodeType="withEffect">
+                                  <p:stCondLst>
+                                    <p:cond delay="2900"/>
+                                  </p:stCondLst>
+                                  <p:childTnLst>
+                                    <p:set>
+                                      <p:cBhvr>
+                                        <p:cTn id="56" dur="1" fill="hold">
+                                          <p:stCondLst>
+                                            <p:cond delay="0"/>
+                                          </p:stCondLst>
+                                        </p:cTn>
+                                        <p:tgtEl>
+                                          <p:spTgt spid="4">
+                                            <p:txEl>
+                                              <p:pRg st="10" end="10"/>
+                                            </p:txEl>
+                                          </p:spTgt>
+                                        </p:tgtEl>
+                                        <p:attrNameLst>
+                                          <p:attrName>style.visibility</p:attrName>
+                                        </p:attrNameLst>
+                                      </p:cBhvr>
+                                      <p:to>
+                                        <p:strVal val="visible"/>
+                                      </p:to>
+                                    </p:set>
+                                    <p:anim calcmode="lin" valueType="num">
+                                      <p:cBhvr>
+                                        <p:cTn id="57" dur="500" fill="hold"/>
+                                        <p:tgtEl>
+                                          <p:spTgt spid="4">
+                                            <p:txEl>
+                                              <p:pRg st="10" end="10"/>
+                                            </p:txEl>
+                                          </p:spTgt>
+                                        </p:tgtEl>
+                                        <p:attrNameLst>
+                                          <p:attrName>ppt_w</p:attrName>
+                                        </p:attrNameLst>
+                                      </p:cBhvr>
+                                      <p:tavLst>
+                                        <p:tav tm="0">
+                                          <p:val>
+                                            <p:fltVal val="0"/>
+                                          </p:val>
+                                        </p:tav>
+                                        <p:tav tm="100000">
+                                          <p:val>
+                                            <p:strVal val="#ppt_w"/>
+                                          </p:val>
+                                        </p:tav>
+                                      </p:tavLst>
+                                    </p:anim>
+                                    <p:anim calcmode="lin" valueType="num">
+                                      <p:cBhvr>
+                                        <p:cTn id="58" dur="500" fill="hold"/>
+                                        <p:tgtEl>
+                                          <p:spTgt spid="4">
+                                            <p:txEl>
+                                              <p:pRg st="10" end="10"/>
+                                            </p:txEl>
+                                          </p:spTgt>
+                                        </p:tgtEl>
+                                        <p:attrNameLst>
+                                          <p:attrName>ppt_h</p:attrName>
+                                        </p:attrNameLst>
+                                      </p:cBhvr>
+                                      <p:tavLst>
+                                        <p:tav tm="0">
+                                          <p:val>
+                                            <p:fltVal val="0"/>
+                                          </p:val>
+                                        </p:tav>
+                                        <p:tav tm="100000">
+                                          <p:val>
+                                            <p:strVal val="#ppt_h"/>
+                                          </p:val>
+                                        </p:tav>
+                                      </p:tavLst>
+                                    </p:anim>
+                                    <p:animEffect transition="in" filter="fade">
+                                      <p:cBhvr>
+                                        <p:cTn id="59" dur="500"/>
+                                        <p:tgtEl>
+                                          <p:spTgt spid="4">
+                                            <p:txEl>
+                                              <p:pRg st="10" end="10"/>
+                                            </p:txEl>
+                                          </p:spTgt>
+                                        </p:tgtEl>
+                                      </p:cBhvr>
+                                    </p:animEffect>
+                                  </p:childTnLst>
+                                </p:cTn>
+                              </p:par>
+                            </p:childTnLst>
+                          </p:cTn>
+                        </p:par>
+                      </p:childTnLst>
+                    </p:cTn>
+                  </p:par>
+                </p:childTnLst>
+              </p:cTn>
+              <p:prevCondLst>
+                <p:cond evt="onPrev" delay="0">
+                  <p:tgtEl>
+                    <p:sldTgt/>
+                  </p:tgtEl>
+                </p:cond>
+              </p:prevCondLst>
+              <p:nextCondLst>
+                <p:cond evt="onNext" delay="0">
+                  <p:tgtEl>
+                    <p:sldTgt/>
+                  </p:tgtEl>
+                </p:cond>
+              </p:nextCondLst>
+            </p:seq>
+          </p:childTnLst>
+        </p:cTn>
+      </p:par>
+    </p:tnLst>
+    <p:bldLst>
+      <p:bldP spid="4" grpId="0" uiExpand="1" build="p"/>
+    </p:bldLst>
+  </p:timing>
 </p:sld>
 </file>
 
@@ -13369,6 +14678,13 @@
   <p:clrMapOvr>
     <a:masterClrMapping/>
   </p:clrMapOvr>
+  <p:timing>
+    <p:tnLst>
+      <p:par>
+        <p:cTn id="1" dur="indefinite" restart="never" nodeType="tmRoot"/>
+      </p:par>
+    </p:tnLst>
+  </p:timing>
 </p:sld>
 </file>
 
@@ -13832,6 +15148,13 @@
   <p:clrMapOvr>
     <a:masterClrMapping/>
   </p:clrMapOvr>
+  <p:timing>
+    <p:tnLst>
+      <p:par>
+        <p:cTn id="1" dur="indefinite" restart="never" nodeType="tmRoot"/>
+      </p:par>
+    </p:tnLst>
+  </p:timing>
 </p:sld>
 </file>
 
@@ -14295,6 +15618,13 @@
   <p:clrMapOvr>
     <a:masterClrMapping/>
   </p:clrMapOvr>
+  <p:timing>
+    <p:tnLst>
+      <p:par>
+        <p:cTn id="1" dur="indefinite" restart="never" nodeType="tmRoot"/>
+      </p:par>
+    </p:tnLst>
+  </p:timing>
 </p:sld>
 </file>
 
@@ -17332,6 +18662,240 @@
   <p:clrMapOvr>
     <a:masterClrMapping/>
   </p:clrMapOvr>
+  <p:timing>
+    <p:tnLst>
+      <p:par>
+        <p:cTn id="1" dur="indefinite" restart="never" nodeType="tmRoot">
+          <p:childTnLst>
+            <p:seq concurrent="1" nextAc="seek">
+              <p:cTn id="2" dur="indefinite" nodeType="mainSeq">
+                <p:childTnLst>
+                  <p:par>
+                    <p:cTn id="3" fill="hold">
+                      <p:stCondLst>
+                        <p:cond delay="indefinite"/>
+                      </p:stCondLst>
+                      <p:childTnLst>
+                        <p:par>
+                          <p:cTn id="4" fill="hold">
+                            <p:stCondLst>
+                              <p:cond delay="0"/>
+                            </p:stCondLst>
+                            <p:childTnLst>
+                              <p:par>
+                                <p:cTn id="5" presetID="1" presetClass="entr" presetSubtype="0" fill="hold" grpId="0" nodeType="clickEffect">
+                                  <p:stCondLst>
+                                    <p:cond delay="0"/>
+                                  </p:stCondLst>
+                                  <p:childTnLst>
+                                    <p:set>
+                                      <p:cBhvr>
+                                        <p:cTn id="6" dur="1" fill="hold">
+                                          <p:stCondLst>
+                                            <p:cond delay="0"/>
+                                          </p:stCondLst>
+                                        </p:cTn>
+                                        <p:tgtEl>
+                                          <p:spTgt spid="2"/>
+                                        </p:tgtEl>
+                                        <p:attrNameLst>
+                                          <p:attrName>style.visibility</p:attrName>
+                                        </p:attrNameLst>
+                                      </p:cBhvr>
+                                      <p:to>
+                                        <p:strVal val="visible"/>
+                                      </p:to>
+                                    </p:set>
+                                  </p:childTnLst>
+                                </p:cTn>
+                              </p:par>
+                              <p:par>
+                                <p:cTn id="7" presetID="1" presetClass="entr" presetSubtype="0" fill="hold" grpId="0" nodeType="withEffect">
+                                  <p:stCondLst>
+                                    <p:cond delay="600"/>
+                                  </p:stCondLst>
+                                  <p:childTnLst>
+                                    <p:set>
+                                      <p:cBhvr>
+                                        <p:cTn id="8" dur="1" fill="hold">
+                                          <p:stCondLst>
+                                            <p:cond delay="0"/>
+                                          </p:stCondLst>
+                                        </p:cTn>
+                                        <p:tgtEl>
+                                          <p:spTgt spid="4">
+                                            <p:txEl>
+                                              <p:pRg st="0" end="0"/>
+                                            </p:txEl>
+                                          </p:spTgt>
+                                        </p:tgtEl>
+                                        <p:attrNameLst>
+                                          <p:attrName>style.visibility</p:attrName>
+                                        </p:attrNameLst>
+                                      </p:cBhvr>
+                                      <p:to>
+                                        <p:strVal val="visible"/>
+                                      </p:to>
+                                    </p:set>
+                                  </p:childTnLst>
+                                </p:cTn>
+                              </p:par>
+                              <p:par>
+                                <p:cTn id="9" presetID="1" presetClass="entr" presetSubtype="0" fill="hold" grpId="0" nodeType="withEffect">
+                                  <p:stCondLst>
+                                    <p:cond delay="1100"/>
+                                  </p:stCondLst>
+                                  <p:childTnLst>
+                                    <p:set>
+                                      <p:cBhvr>
+                                        <p:cTn id="10" dur="1" fill="hold">
+                                          <p:stCondLst>
+                                            <p:cond delay="0"/>
+                                          </p:stCondLst>
+                                        </p:cTn>
+                                        <p:tgtEl>
+                                          <p:spTgt spid="4">
+                                            <p:txEl>
+                                              <p:pRg st="1" end="1"/>
+                                            </p:txEl>
+                                          </p:spTgt>
+                                        </p:tgtEl>
+                                        <p:attrNameLst>
+                                          <p:attrName>style.visibility</p:attrName>
+                                        </p:attrNameLst>
+                                      </p:cBhvr>
+                                      <p:to>
+                                        <p:strVal val="visible"/>
+                                      </p:to>
+                                    </p:set>
+                                  </p:childTnLst>
+                                </p:cTn>
+                              </p:par>
+                              <p:par>
+                                <p:cTn id="11" presetID="1" presetClass="entr" presetSubtype="0" fill="hold" grpId="0" nodeType="withEffect">
+                                  <p:stCondLst>
+                                    <p:cond delay="1700"/>
+                                  </p:stCondLst>
+                                  <p:childTnLst>
+                                    <p:set>
+                                      <p:cBhvr>
+                                        <p:cTn id="12" dur="1" fill="hold">
+                                          <p:stCondLst>
+                                            <p:cond delay="0"/>
+                                          </p:stCondLst>
+                                        </p:cTn>
+                                        <p:tgtEl>
+                                          <p:spTgt spid="4">
+                                            <p:txEl>
+                                              <p:pRg st="2" end="2"/>
+                                            </p:txEl>
+                                          </p:spTgt>
+                                        </p:tgtEl>
+                                        <p:attrNameLst>
+                                          <p:attrName>style.visibility</p:attrName>
+                                        </p:attrNameLst>
+                                      </p:cBhvr>
+                                      <p:to>
+                                        <p:strVal val="visible"/>
+                                      </p:to>
+                                    </p:set>
+                                  </p:childTnLst>
+                                </p:cTn>
+                              </p:par>
+                              <p:par>
+                                <p:cTn id="13" presetID="1" presetClass="entr" presetSubtype="0" fill="hold" grpId="0" nodeType="withEffect">
+                                  <p:stCondLst>
+                                    <p:cond delay="2300"/>
+                                  </p:stCondLst>
+                                  <p:childTnLst>
+                                    <p:set>
+                                      <p:cBhvr>
+                                        <p:cTn id="14" dur="1" fill="hold">
+                                          <p:stCondLst>
+                                            <p:cond delay="0"/>
+                                          </p:stCondLst>
+                                        </p:cTn>
+                                        <p:tgtEl>
+                                          <p:spTgt spid="4">
+                                            <p:txEl>
+                                              <p:pRg st="3" end="3"/>
+                                            </p:txEl>
+                                          </p:spTgt>
+                                        </p:tgtEl>
+                                        <p:attrNameLst>
+                                          <p:attrName>style.visibility</p:attrName>
+                                        </p:attrNameLst>
+                                      </p:cBhvr>
+                                      <p:to>
+                                        <p:strVal val="visible"/>
+                                      </p:to>
+                                    </p:set>
+                                  </p:childTnLst>
+                                </p:cTn>
+                              </p:par>
+                              <p:par>
+                                <p:cTn id="15" presetID="1" presetClass="entr" presetSubtype="0" fill="hold" grpId="0" nodeType="withEffect">
+                                  <p:stCondLst>
+                                    <p:cond delay="2800"/>
+                                  </p:stCondLst>
+                                  <p:childTnLst>
+                                    <p:set>
+                                      <p:cBhvr>
+                                        <p:cTn id="16" dur="1" fill="hold">
+                                          <p:stCondLst>
+                                            <p:cond delay="0"/>
+                                          </p:stCondLst>
+                                        </p:cTn>
+                                        <p:tgtEl>
+                                          <p:spTgt spid="4">
+                                            <p:txEl>
+                                              <p:pRg st="4" end="4"/>
+                                            </p:txEl>
+                                          </p:spTgt>
+                                        </p:tgtEl>
+                                        <p:attrNameLst>
+                                          <p:attrName>style.visibility</p:attrName>
+                                        </p:attrNameLst>
+                                      </p:cBhvr>
+                                      <p:to>
+                                        <p:strVal val="visible"/>
+                                      </p:to>
+                                    </p:set>
+                                  </p:childTnLst>
+                                </p:cTn>
+                              </p:par>
+                            </p:childTnLst>
+                          </p:cTn>
+                        </p:par>
+                      </p:childTnLst>
+                    </p:cTn>
+                  </p:par>
+                </p:childTnLst>
+              </p:cTn>
+              <p:prevCondLst>
+                <p:cond evt="onPrev" delay="0">
+                  <p:tgtEl>
+                    <p:sldTgt/>
+                  </p:tgtEl>
+                </p:cond>
+              </p:prevCondLst>
+              <p:nextCondLst>
+                <p:cond evt="onNext" delay="0">
+                  <p:tgtEl>
+                    <p:sldTgt/>
+                  </p:tgtEl>
+                </p:cond>
+              </p:nextCondLst>
+            </p:seq>
+          </p:childTnLst>
+        </p:cTn>
+      </p:par>
+    </p:tnLst>
+    <p:bldLst>
+      <p:bldP spid="2" grpId="0"/>
+      <p:bldP spid="4" grpId="0" uiExpand="1" build="p"/>
+    </p:bldLst>
+  </p:timing>
 </p:sld>
 </file>
 
@@ -18797,6 +20361,426 @@
   <p:clrMapOvr>
     <a:masterClrMapping/>
   </p:clrMapOvr>
+  <p:timing>
+    <p:tnLst>
+      <p:par>
+        <p:cTn id="1" dur="indefinite" restart="never" nodeType="tmRoot">
+          <p:childTnLst>
+            <p:seq concurrent="1" nextAc="seek">
+              <p:cTn id="2" dur="indefinite" nodeType="mainSeq">
+                <p:childTnLst>
+                  <p:par>
+                    <p:cTn id="3" fill="hold">
+                      <p:stCondLst>
+                        <p:cond delay="indefinite"/>
+                      </p:stCondLst>
+                      <p:childTnLst>
+                        <p:par>
+                          <p:cTn id="4" fill="hold">
+                            <p:stCondLst>
+                              <p:cond delay="0"/>
+                            </p:stCondLst>
+                            <p:childTnLst>
+                              <p:par>
+                                <p:cTn id="5" presetID="1" presetClass="entr" presetSubtype="0" fill="hold" grpId="0" nodeType="clickEffect">
+                                  <p:stCondLst>
+                                    <p:cond delay="0"/>
+                                  </p:stCondLst>
+                                  <p:childTnLst>
+                                    <p:set>
+                                      <p:cBhvr>
+                                        <p:cTn id="6" dur="1" fill="hold">
+                                          <p:stCondLst>
+                                            <p:cond delay="0"/>
+                                          </p:stCondLst>
+                                        </p:cTn>
+                                        <p:tgtEl>
+                                          <p:spTgt spid="2"/>
+                                        </p:tgtEl>
+                                        <p:attrNameLst>
+                                          <p:attrName>style.visibility</p:attrName>
+                                        </p:attrNameLst>
+                                      </p:cBhvr>
+                                      <p:to>
+                                        <p:strVal val="visible"/>
+                                      </p:to>
+                                    </p:set>
+                                  </p:childTnLst>
+                                </p:cTn>
+                              </p:par>
+                              <p:par>
+                                <p:cTn id="7" presetID="1" presetClass="entr" presetSubtype="0" fill="hold" grpId="0" nodeType="withEffect">
+                                  <p:stCondLst>
+                                    <p:cond delay="500"/>
+                                  </p:stCondLst>
+                                  <p:childTnLst>
+                                    <p:set>
+                                      <p:cBhvr>
+                                        <p:cTn id="8" dur="1" fill="hold">
+                                          <p:stCondLst>
+                                            <p:cond delay="0"/>
+                                          </p:stCondLst>
+                                        </p:cTn>
+                                        <p:tgtEl>
+                                          <p:spTgt spid="4">
+                                            <p:txEl>
+                                              <p:pRg st="0" end="0"/>
+                                            </p:txEl>
+                                          </p:spTgt>
+                                        </p:tgtEl>
+                                        <p:attrNameLst>
+                                          <p:attrName>style.visibility</p:attrName>
+                                        </p:attrNameLst>
+                                      </p:cBhvr>
+                                      <p:to>
+                                        <p:strVal val="visible"/>
+                                      </p:to>
+                                    </p:set>
+                                  </p:childTnLst>
+                                </p:cTn>
+                              </p:par>
+                              <p:par>
+                                <p:cTn id="9" presetID="1" presetClass="entr" presetSubtype="0" fill="hold" grpId="0" nodeType="withEffect">
+                                  <p:stCondLst>
+                                    <p:cond delay="1100"/>
+                                  </p:stCondLst>
+                                  <p:childTnLst>
+                                    <p:set>
+                                      <p:cBhvr>
+                                        <p:cTn id="10" dur="1" fill="hold">
+                                          <p:stCondLst>
+                                            <p:cond delay="0"/>
+                                          </p:stCondLst>
+                                        </p:cTn>
+                                        <p:tgtEl>
+                                          <p:spTgt spid="4">
+                                            <p:txEl>
+                                              <p:pRg st="1" end="1"/>
+                                            </p:txEl>
+                                          </p:spTgt>
+                                        </p:tgtEl>
+                                        <p:attrNameLst>
+                                          <p:attrName>style.visibility</p:attrName>
+                                        </p:attrNameLst>
+                                      </p:cBhvr>
+                                      <p:to>
+                                        <p:strVal val="visible"/>
+                                      </p:to>
+                                    </p:set>
+                                  </p:childTnLst>
+                                </p:cTn>
+                              </p:par>
+                              <p:par>
+                                <p:cTn id="11" presetID="1" presetClass="entr" presetSubtype="0" fill="hold" grpId="0" nodeType="withEffect">
+                                  <p:stCondLst>
+                                    <p:cond delay="1100"/>
+                                  </p:stCondLst>
+                                  <p:childTnLst>
+                                    <p:set>
+                                      <p:cBhvr>
+                                        <p:cTn id="12" dur="1" fill="hold">
+                                          <p:stCondLst>
+                                            <p:cond delay="0"/>
+                                          </p:stCondLst>
+                                        </p:cTn>
+                                        <p:tgtEl>
+                                          <p:spTgt spid="4">
+                                            <p:txEl>
+                                              <p:pRg st="2" end="2"/>
+                                            </p:txEl>
+                                          </p:spTgt>
+                                        </p:tgtEl>
+                                        <p:attrNameLst>
+                                          <p:attrName>style.visibility</p:attrName>
+                                        </p:attrNameLst>
+                                      </p:cBhvr>
+                                      <p:to>
+                                        <p:strVal val="visible"/>
+                                      </p:to>
+                                    </p:set>
+                                  </p:childTnLst>
+                                </p:cTn>
+                              </p:par>
+                              <p:par>
+                                <p:cTn id="13" presetID="1" presetClass="entr" presetSubtype="0" fill="hold" grpId="0" nodeType="withEffect">
+                                  <p:stCondLst>
+                                    <p:cond delay="1100"/>
+                                  </p:stCondLst>
+                                  <p:childTnLst>
+                                    <p:set>
+                                      <p:cBhvr>
+                                        <p:cTn id="14" dur="1" fill="hold">
+                                          <p:stCondLst>
+                                            <p:cond delay="0"/>
+                                          </p:stCondLst>
+                                        </p:cTn>
+                                        <p:tgtEl>
+                                          <p:spTgt spid="4">
+                                            <p:txEl>
+                                              <p:pRg st="3" end="3"/>
+                                            </p:txEl>
+                                          </p:spTgt>
+                                        </p:tgtEl>
+                                        <p:attrNameLst>
+                                          <p:attrName>style.visibility</p:attrName>
+                                        </p:attrNameLst>
+                                      </p:cBhvr>
+                                      <p:to>
+                                        <p:strVal val="visible"/>
+                                      </p:to>
+                                    </p:set>
+                                  </p:childTnLst>
+                                </p:cTn>
+                              </p:par>
+                              <p:par>
+                                <p:cTn id="15" presetID="1" presetClass="entr" presetSubtype="0" fill="hold" grpId="0" nodeType="withEffect">
+                                  <p:stCondLst>
+                                    <p:cond delay="1100"/>
+                                  </p:stCondLst>
+                                  <p:childTnLst>
+                                    <p:set>
+                                      <p:cBhvr>
+                                        <p:cTn id="16" dur="1" fill="hold">
+                                          <p:stCondLst>
+                                            <p:cond delay="0"/>
+                                          </p:stCondLst>
+                                        </p:cTn>
+                                        <p:tgtEl>
+                                          <p:spTgt spid="4">
+                                            <p:txEl>
+                                              <p:pRg st="4" end="4"/>
+                                            </p:txEl>
+                                          </p:spTgt>
+                                        </p:tgtEl>
+                                        <p:attrNameLst>
+                                          <p:attrName>style.visibility</p:attrName>
+                                        </p:attrNameLst>
+                                      </p:cBhvr>
+                                      <p:to>
+                                        <p:strVal val="visible"/>
+                                      </p:to>
+                                    </p:set>
+                                  </p:childTnLst>
+                                </p:cTn>
+                              </p:par>
+                              <p:par>
+                                <p:cTn id="17" presetID="1" presetClass="entr" presetSubtype="0" fill="hold" grpId="0" nodeType="withEffect">
+                                  <p:stCondLst>
+                                    <p:cond delay="1100"/>
+                                  </p:stCondLst>
+                                  <p:childTnLst>
+                                    <p:set>
+                                      <p:cBhvr>
+                                        <p:cTn id="18" dur="1" fill="hold">
+                                          <p:stCondLst>
+                                            <p:cond delay="0"/>
+                                          </p:stCondLst>
+                                        </p:cTn>
+                                        <p:tgtEl>
+                                          <p:spTgt spid="4">
+                                            <p:txEl>
+                                              <p:pRg st="5" end="5"/>
+                                            </p:txEl>
+                                          </p:spTgt>
+                                        </p:tgtEl>
+                                        <p:attrNameLst>
+                                          <p:attrName>style.visibility</p:attrName>
+                                        </p:attrNameLst>
+                                      </p:cBhvr>
+                                      <p:to>
+                                        <p:strVal val="visible"/>
+                                      </p:to>
+                                    </p:set>
+                                  </p:childTnLst>
+                                </p:cTn>
+                              </p:par>
+                              <p:par>
+                                <p:cTn id="19" presetID="1" presetClass="entr" presetSubtype="0" fill="hold" grpId="0" nodeType="withEffect">
+                                  <p:stCondLst>
+                                    <p:cond delay="1100"/>
+                                  </p:stCondLst>
+                                  <p:childTnLst>
+                                    <p:set>
+                                      <p:cBhvr>
+                                        <p:cTn id="20" dur="1" fill="hold">
+                                          <p:stCondLst>
+                                            <p:cond delay="0"/>
+                                          </p:stCondLst>
+                                        </p:cTn>
+                                        <p:tgtEl>
+                                          <p:spTgt spid="4">
+                                            <p:txEl>
+                                              <p:pRg st="6" end="6"/>
+                                            </p:txEl>
+                                          </p:spTgt>
+                                        </p:tgtEl>
+                                        <p:attrNameLst>
+                                          <p:attrName>style.visibility</p:attrName>
+                                        </p:attrNameLst>
+                                      </p:cBhvr>
+                                      <p:to>
+                                        <p:strVal val="visible"/>
+                                      </p:to>
+                                    </p:set>
+                                  </p:childTnLst>
+                                </p:cTn>
+                              </p:par>
+                              <p:par>
+                                <p:cTn id="21" presetID="1" presetClass="entr" presetSubtype="0" fill="hold" grpId="0" nodeType="withEffect">
+                                  <p:stCondLst>
+                                    <p:cond delay="1100"/>
+                                  </p:stCondLst>
+                                  <p:childTnLst>
+                                    <p:set>
+                                      <p:cBhvr>
+                                        <p:cTn id="22" dur="1" fill="hold">
+                                          <p:stCondLst>
+                                            <p:cond delay="0"/>
+                                          </p:stCondLst>
+                                        </p:cTn>
+                                        <p:tgtEl>
+                                          <p:spTgt spid="4">
+                                            <p:txEl>
+                                              <p:pRg st="7" end="7"/>
+                                            </p:txEl>
+                                          </p:spTgt>
+                                        </p:tgtEl>
+                                        <p:attrNameLst>
+                                          <p:attrName>style.visibility</p:attrName>
+                                        </p:attrNameLst>
+                                      </p:cBhvr>
+                                      <p:to>
+                                        <p:strVal val="visible"/>
+                                      </p:to>
+                                    </p:set>
+                                  </p:childTnLst>
+                                </p:cTn>
+                              </p:par>
+                              <p:par>
+                                <p:cTn id="23" presetID="1" presetClass="entr" presetSubtype="0" fill="hold" grpId="0" nodeType="withEffect">
+                                  <p:stCondLst>
+                                    <p:cond delay="1100"/>
+                                  </p:stCondLst>
+                                  <p:childTnLst>
+                                    <p:set>
+                                      <p:cBhvr>
+                                        <p:cTn id="24" dur="1" fill="hold">
+                                          <p:stCondLst>
+                                            <p:cond delay="0"/>
+                                          </p:stCondLst>
+                                        </p:cTn>
+                                        <p:tgtEl>
+                                          <p:spTgt spid="4">
+                                            <p:txEl>
+                                              <p:pRg st="8" end="8"/>
+                                            </p:txEl>
+                                          </p:spTgt>
+                                        </p:tgtEl>
+                                        <p:attrNameLst>
+                                          <p:attrName>style.visibility</p:attrName>
+                                        </p:attrNameLst>
+                                      </p:cBhvr>
+                                      <p:to>
+                                        <p:strVal val="visible"/>
+                                      </p:to>
+                                    </p:set>
+                                  </p:childTnLst>
+                                </p:cTn>
+                              </p:par>
+                              <p:par>
+                                <p:cTn id="25" presetID="1" presetClass="entr" presetSubtype="0" fill="hold" grpId="0" nodeType="withEffect">
+                                  <p:stCondLst>
+                                    <p:cond delay="1100"/>
+                                  </p:stCondLst>
+                                  <p:childTnLst>
+                                    <p:set>
+                                      <p:cBhvr>
+                                        <p:cTn id="26" dur="1" fill="hold">
+                                          <p:stCondLst>
+                                            <p:cond delay="0"/>
+                                          </p:stCondLst>
+                                        </p:cTn>
+                                        <p:tgtEl>
+                                          <p:spTgt spid="4">
+                                            <p:txEl>
+                                              <p:pRg st="9" end="9"/>
+                                            </p:txEl>
+                                          </p:spTgt>
+                                        </p:tgtEl>
+                                        <p:attrNameLst>
+                                          <p:attrName>style.visibility</p:attrName>
+                                        </p:attrNameLst>
+                                      </p:cBhvr>
+                                      <p:to>
+                                        <p:strVal val="visible"/>
+                                      </p:to>
+                                    </p:set>
+                                  </p:childTnLst>
+                                </p:cTn>
+                              </p:par>
+                              <p:par>
+                                <p:cTn id="27" presetID="1" presetClass="entr" presetSubtype="0" fill="hold" grpId="0" nodeType="withEffect">
+                                  <p:stCondLst>
+                                    <p:cond delay="1100"/>
+                                  </p:stCondLst>
+                                  <p:childTnLst>
+                                    <p:set>
+                                      <p:cBhvr>
+                                        <p:cTn id="28" dur="1" fill="hold">
+                                          <p:stCondLst>
+                                            <p:cond delay="0"/>
+                                          </p:stCondLst>
+                                        </p:cTn>
+                                        <p:tgtEl>
+                                          <p:spTgt spid="4">
+                                            <p:txEl>
+                                              <p:pRg st="10" end="10"/>
+                                            </p:txEl>
+                                          </p:spTgt>
+                                        </p:tgtEl>
+                                        <p:attrNameLst>
+                                          <p:attrName>style.visibility</p:attrName>
+                                        </p:attrNameLst>
+                                      </p:cBhvr>
+                                      <p:to>
+                                        <p:strVal val="visible"/>
+                                      </p:to>
+                                    </p:set>
+                                  </p:childTnLst>
+                                </p:cTn>
+                              </p:par>
+                            </p:childTnLst>
+                          </p:cTn>
+                        </p:par>
+                      </p:childTnLst>
+                    </p:cTn>
+                  </p:par>
+                </p:childTnLst>
+              </p:cTn>
+              <p:prevCondLst>
+                <p:cond evt="onPrev" delay="0">
+                  <p:tgtEl>
+                    <p:sldTgt/>
+                  </p:tgtEl>
+                </p:cond>
+              </p:prevCondLst>
+              <p:nextCondLst>
+                <p:cond evt="onNext" delay="0">
+                  <p:tgtEl>
+                    <p:sldTgt/>
+                  </p:tgtEl>
+                </p:cond>
+              </p:nextCondLst>
+            </p:seq>
+          </p:childTnLst>
+        </p:cTn>
+      </p:par>
+    </p:tnLst>
+    <p:bldLst>
+      <p:bldP spid="2" grpId="0"/>
+      <p:bldP spid="4" grpId="0" uiExpand="1" build="p"/>
+    </p:bldLst>
+  </p:timing>
 </p:sld>
 </file>
 
@@ -19176,6 +21160,364 @@
   <p:clrMapOvr>
     <a:masterClrMapping/>
   </p:clrMapOvr>
+  <p:timing>
+    <p:tnLst>
+      <p:par>
+        <p:cTn id="1" dur="indefinite" restart="never" nodeType="tmRoot">
+          <p:childTnLst>
+            <p:seq concurrent="1" nextAc="seek">
+              <p:cTn id="2" dur="indefinite" nodeType="mainSeq">
+                <p:childTnLst>
+                  <p:par>
+                    <p:cTn id="3" fill="hold">
+                      <p:stCondLst>
+                        <p:cond delay="indefinite"/>
+                      </p:stCondLst>
+                      <p:childTnLst>
+                        <p:par>
+                          <p:cTn id="4" fill="hold">
+                            <p:stCondLst>
+                              <p:cond delay="0"/>
+                            </p:stCondLst>
+                            <p:childTnLst>
+                              <p:par>
+                                <p:cTn id="5" presetID="1" presetClass="entr" presetSubtype="0" fill="hold" grpId="0" nodeType="clickEffect">
+                                  <p:stCondLst>
+                                    <p:cond delay="0"/>
+                                  </p:stCondLst>
+                                  <p:childTnLst>
+                                    <p:set>
+                                      <p:cBhvr>
+                                        <p:cTn id="6" dur="1" fill="hold">
+                                          <p:stCondLst>
+                                            <p:cond delay="0"/>
+                                          </p:stCondLst>
+                                        </p:cTn>
+                                        <p:tgtEl>
+                                          <p:spTgt spid="2"/>
+                                        </p:tgtEl>
+                                        <p:attrNameLst>
+                                          <p:attrName>style.visibility</p:attrName>
+                                        </p:attrNameLst>
+                                      </p:cBhvr>
+                                      <p:to>
+                                        <p:strVal val="visible"/>
+                                      </p:to>
+                                    </p:set>
+                                  </p:childTnLst>
+                                </p:cTn>
+                              </p:par>
+                              <p:par>
+                                <p:cTn id="7" presetID="1" presetClass="entr" presetSubtype="0" fill="hold" grpId="0" nodeType="withEffect">
+                                  <p:stCondLst>
+                                    <p:cond delay="1000"/>
+                                  </p:stCondLst>
+                                  <p:childTnLst>
+                                    <p:set>
+                                      <p:cBhvr>
+                                        <p:cTn id="8" dur="1" fill="hold">
+                                          <p:stCondLst>
+                                            <p:cond delay="0"/>
+                                          </p:stCondLst>
+                                        </p:cTn>
+                                        <p:tgtEl>
+                                          <p:spTgt spid="4">
+                                            <p:txEl>
+                                              <p:pRg st="0" end="0"/>
+                                            </p:txEl>
+                                          </p:spTgt>
+                                        </p:tgtEl>
+                                        <p:attrNameLst>
+                                          <p:attrName>style.visibility</p:attrName>
+                                        </p:attrNameLst>
+                                      </p:cBhvr>
+                                      <p:to>
+                                        <p:strVal val="visible"/>
+                                      </p:to>
+                                    </p:set>
+                                  </p:childTnLst>
+                                </p:cTn>
+                              </p:par>
+                              <p:par>
+                                <p:cTn id="9" presetID="1" presetClass="entr" presetSubtype="0" fill="hold" grpId="0" nodeType="withEffect">
+                                  <p:stCondLst>
+                                    <p:cond delay="1600"/>
+                                  </p:stCondLst>
+                                  <p:childTnLst>
+                                    <p:set>
+                                      <p:cBhvr>
+                                        <p:cTn id="10" dur="1" fill="hold">
+                                          <p:stCondLst>
+                                            <p:cond delay="0"/>
+                                          </p:stCondLst>
+                                        </p:cTn>
+                                        <p:tgtEl>
+                                          <p:spTgt spid="4">
+                                            <p:txEl>
+                                              <p:pRg st="1" end="1"/>
+                                            </p:txEl>
+                                          </p:spTgt>
+                                        </p:tgtEl>
+                                        <p:attrNameLst>
+                                          <p:attrName>style.visibility</p:attrName>
+                                        </p:attrNameLst>
+                                      </p:cBhvr>
+                                      <p:to>
+                                        <p:strVal val="visible"/>
+                                      </p:to>
+                                    </p:set>
+                                  </p:childTnLst>
+                                </p:cTn>
+                              </p:par>
+                              <p:par>
+                                <p:cTn id="11" presetID="1" presetClass="entr" presetSubtype="0" fill="hold" grpId="0" nodeType="withEffect">
+                                  <p:stCondLst>
+                                    <p:cond delay="1600"/>
+                                  </p:stCondLst>
+                                  <p:childTnLst>
+                                    <p:set>
+                                      <p:cBhvr>
+                                        <p:cTn id="12" dur="1" fill="hold">
+                                          <p:stCondLst>
+                                            <p:cond delay="0"/>
+                                          </p:stCondLst>
+                                        </p:cTn>
+                                        <p:tgtEl>
+                                          <p:spTgt spid="4">
+                                            <p:txEl>
+                                              <p:pRg st="2" end="2"/>
+                                            </p:txEl>
+                                          </p:spTgt>
+                                        </p:tgtEl>
+                                        <p:attrNameLst>
+                                          <p:attrName>style.visibility</p:attrName>
+                                        </p:attrNameLst>
+                                      </p:cBhvr>
+                                      <p:to>
+                                        <p:strVal val="visible"/>
+                                      </p:to>
+                                    </p:set>
+                                  </p:childTnLst>
+                                </p:cTn>
+                              </p:par>
+                              <p:par>
+                                <p:cTn id="13" presetID="1" presetClass="entr" presetSubtype="0" fill="hold" grpId="0" nodeType="withEffect">
+                                  <p:stCondLst>
+                                    <p:cond delay="1600"/>
+                                  </p:stCondLst>
+                                  <p:childTnLst>
+                                    <p:set>
+                                      <p:cBhvr>
+                                        <p:cTn id="14" dur="1" fill="hold">
+                                          <p:stCondLst>
+                                            <p:cond delay="0"/>
+                                          </p:stCondLst>
+                                        </p:cTn>
+                                        <p:tgtEl>
+                                          <p:spTgt spid="4">
+                                            <p:txEl>
+                                              <p:pRg st="3" end="3"/>
+                                            </p:txEl>
+                                          </p:spTgt>
+                                        </p:tgtEl>
+                                        <p:attrNameLst>
+                                          <p:attrName>style.visibility</p:attrName>
+                                        </p:attrNameLst>
+                                      </p:cBhvr>
+                                      <p:to>
+                                        <p:strVal val="visible"/>
+                                      </p:to>
+                                    </p:set>
+                                  </p:childTnLst>
+                                </p:cTn>
+                              </p:par>
+                              <p:par>
+                                <p:cTn id="15" presetID="1" presetClass="entr" presetSubtype="0" fill="hold" grpId="0" nodeType="withEffect">
+                                  <p:stCondLst>
+                                    <p:cond delay="1600"/>
+                                  </p:stCondLst>
+                                  <p:childTnLst>
+                                    <p:set>
+                                      <p:cBhvr>
+                                        <p:cTn id="16" dur="1" fill="hold">
+                                          <p:stCondLst>
+                                            <p:cond delay="0"/>
+                                          </p:stCondLst>
+                                        </p:cTn>
+                                        <p:tgtEl>
+                                          <p:spTgt spid="4">
+                                            <p:txEl>
+                                              <p:pRg st="4" end="4"/>
+                                            </p:txEl>
+                                          </p:spTgt>
+                                        </p:tgtEl>
+                                        <p:attrNameLst>
+                                          <p:attrName>style.visibility</p:attrName>
+                                        </p:attrNameLst>
+                                      </p:cBhvr>
+                                      <p:to>
+                                        <p:strVal val="visible"/>
+                                      </p:to>
+                                    </p:set>
+                                  </p:childTnLst>
+                                </p:cTn>
+                              </p:par>
+                              <p:par>
+                                <p:cTn id="17" presetID="1" presetClass="entr" presetSubtype="0" fill="hold" grpId="0" nodeType="withEffect">
+                                  <p:stCondLst>
+                                    <p:cond delay="1600"/>
+                                  </p:stCondLst>
+                                  <p:childTnLst>
+                                    <p:set>
+                                      <p:cBhvr>
+                                        <p:cTn id="18" dur="1" fill="hold">
+                                          <p:stCondLst>
+                                            <p:cond delay="0"/>
+                                          </p:stCondLst>
+                                        </p:cTn>
+                                        <p:tgtEl>
+                                          <p:spTgt spid="4">
+                                            <p:txEl>
+                                              <p:pRg st="5" end="5"/>
+                                            </p:txEl>
+                                          </p:spTgt>
+                                        </p:tgtEl>
+                                        <p:attrNameLst>
+                                          <p:attrName>style.visibility</p:attrName>
+                                        </p:attrNameLst>
+                                      </p:cBhvr>
+                                      <p:to>
+                                        <p:strVal val="visible"/>
+                                      </p:to>
+                                    </p:set>
+                                  </p:childTnLst>
+                                </p:cTn>
+                              </p:par>
+                              <p:par>
+                                <p:cTn id="19" presetID="1" presetClass="entr" presetSubtype="0" fill="hold" grpId="0" nodeType="withEffect">
+                                  <p:stCondLst>
+                                    <p:cond delay="1600"/>
+                                  </p:stCondLst>
+                                  <p:childTnLst>
+                                    <p:set>
+                                      <p:cBhvr>
+                                        <p:cTn id="20" dur="1" fill="hold">
+                                          <p:stCondLst>
+                                            <p:cond delay="0"/>
+                                          </p:stCondLst>
+                                        </p:cTn>
+                                        <p:tgtEl>
+                                          <p:spTgt spid="4">
+                                            <p:txEl>
+                                              <p:pRg st="6" end="6"/>
+                                            </p:txEl>
+                                          </p:spTgt>
+                                        </p:tgtEl>
+                                        <p:attrNameLst>
+                                          <p:attrName>style.visibility</p:attrName>
+                                        </p:attrNameLst>
+                                      </p:cBhvr>
+                                      <p:to>
+                                        <p:strVal val="visible"/>
+                                      </p:to>
+                                    </p:set>
+                                  </p:childTnLst>
+                                </p:cTn>
+                              </p:par>
+                              <p:par>
+                                <p:cTn id="21" presetID="1" presetClass="entr" presetSubtype="0" fill="hold" grpId="0" nodeType="withEffect">
+                                  <p:stCondLst>
+                                    <p:cond delay="1600"/>
+                                  </p:stCondLst>
+                                  <p:childTnLst>
+                                    <p:set>
+                                      <p:cBhvr>
+                                        <p:cTn id="22" dur="1" fill="hold">
+                                          <p:stCondLst>
+                                            <p:cond delay="0"/>
+                                          </p:stCondLst>
+                                        </p:cTn>
+                                        <p:tgtEl>
+                                          <p:spTgt spid="4">
+                                            <p:txEl>
+                                              <p:pRg st="7" end="7"/>
+                                            </p:txEl>
+                                          </p:spTgt>
+                                        </p:tgtEl>
+                                        <p:attrNameLst>
+                                          <p:attrName>style.visibility</p:attrName>
+                                        </p:attrNameLst>
+                                      </p:cBhvr>
+                                      <p:to>
+                                        <p:strVal val="visible"/>
+                                      </p:to>
+                                    </p:set>
+                                  </p:childTnLst>
+                                </p:cTn>
+                              </p:par>
+                              <p:par>
+                                <p:cTn id="23" presetID="1" presetClass="entr" presetSubtype="0" fill="hold" grpId="0" nodeType="withEffect">
+                                  <p:stCondLst>
+                                    <p:cond delay="1600"/>
+                                  </p:stCondLst>
+                                  <p:childTnLst>
+                                    <p:set>
+                                      <p:cBhvr>
+                                        <p:cTn id="24" dur="1" fill="hold">
+                                          <p:stCondLst>
+                                            <p:cond delay="0"/>
+                                          </p:stCondLst>
+                                        </p:cTn>
+                                        <p:tgtEl>
+                                          <p:spTgt spid="4">
+                                            <p:txEl>
+                                              <p:pRg st="8" end="8"/>
+                                            </p:txEl>
+                                          </p:spTgt>
+                                        </p:tgtEl>
+                                        <p:attrNameLst>
+                                          <p:attrName>style.visibility</p:attrName>
+                                        </p:attrNameLst>
+                                      </p:cBhvr>
+                                      <p:to>
+                                        <p:strVal val="visible"/>
+                                      </p:to>
+                                    </p:set>
+                                  </p:childTnLst>
+                                </p:cTn>
+                              </p:par>
+                            </p:childTnLst>
+                          </p:cTn>
+                        </p:par>
+                      </p:childTnLst>
+                    </p:cTn>
+                  </p:par>
+                </p:childTnLst>
+              </p:cTn>
+              <p:prevCondLst>
+                <p:cond evt="onPrev" delay="0">
+                  <p:tgtEl>
+                    <p:sldTgt/>
+                  </p:tgtEl>
+                </p:cond>
+              </p:prevCondLst>
+              <p:nextCondLst>
+                <p:cond evt="onNext" delay="0">
+                  <p:tgtEl>
+                    <p:sldTgt/>
+                  </p:tgtEl>
+                </p:cond>
+              </p:nextCondLst>
+            </p:seq>
+          </p:childTnLst>
+        </p:cTn>
+      </p:par>
+    </p:tnLst>
+    <p:bldLst>
+      <p:bldP spid="2" grpId="0"/>
+      <p:bldP spid="4" grpId="0" uiExpand="1" build="p"/>
+    </p:bldLst>
+  </p:timing>
 </p:sld>
 </file>
 
@@ -19686,6 +22028,395 @@
   <p:clrMapOvr>
     <a:masterClrMapping/>
   </p:clrMapOvr>
+  <p:timing>
+    <p:tnLst>
+      <p:par>
+        <p:cTn id="1" dur="indefinite" restart="never" nodeType="tmRoot">
+          <p:childTnLst>
+            <p:seq concurrent="1" nextAc="seek">
+              <p:cTn id="2" dur="indefinite" nodeType="mainSeq">
+                <p:childTnLst>
+                  <p:par>
+                    <p:cTn id="3" fill="hold">
+                      <p:stCondLst>
+                        <p:cond delay="indefinite"/>
+                      </p:stCondLst>
+                      <p:childTnLst>
+                        <p:par>
+                          <p:cTn id="4" fill="hold">
+                            <p:stCondLst>
+                              <p:cond delay="0"/>
+                            </p:stCondLst>
+                            <p:childTnLst>
+                              <p:par>
+                                <p:cTn id="5" presetID="1" presetClass="entr" presetSubtype="0" fill="hold" grpId="0" nodeType="clickEffect">
+                                  <p:stCondLst>
+                                    <p:cond delay="0"/>
+                                  </p:stCondLst>
+                                  <p:childTnLst>
+                                    <p:set>
+                                      <p:cBhvr>
+                                        <p:cTn id="6" dur="1" fill="hold">
+                                          <p:stCondLst>
+                                            <p:cond delay="0"/>
+                                          </p:stCondLst>
+                                        </p:cTn>
+                                        <p:tgtEl>
+                                          <p:spTgt spid="2"/>
+                                        </p:tgtEl>
+                                        <p:attrNameLst>
+                                          <p:attrName>style.visibility</p:attrName>
+                                        </p:attrNameLst>
+                                      </p:cBhvr>
+                                      <p:to>
+                                        <p:strVal val="visible"/>
+                                      </p:to>
+                                    </p:set>
+                                  </p:childTnLst>
+                                </p:cTn>
+                              </p:par>
+                              <p:par>
+                                <p:cTn id="7" presetID="1" presetClass="entr" presetSubtype="0" fill="hold" grpId="0" nodeType="withEffect">
+                                  <p:stCondLst>
+                                    <p:cond delay="700"/>
+                                  </p:stCondLst>
+                                  <p:childTnLst>
+                                    <p:set>
+                                      <p:cBhvr>
+                                        <p:cTn id="8" dur="1" fill="hold">
+                                          <p:stCondLst>
+                                            <p:cond delay="0"/>
+                                          </p:stCondLst>
+                                        </p:cTn>
+                                        <p:tgtEl>
+                                          <p:spTgt spid="4">
+                                            <p:txEl>
+                                              <p:pRg st="0" end="0"/>
+                                            </p:txEl>
+                                          </p:spTgt>
+                                        </p:tgtEl>
+                                        <p:attrNameLst>
+                                          <p:attrName>style.visibility</p:attrName>
+                                        </p:attrNameLst>
+                                      </p:cBhvr>
+                                      <p:to>
+                                        <p:strVal val="visible"/>
+                                      </p:to>
+                                    </p:set>
+                                  </p:childTnLst>
+                                </p:cTn>
+                              </p:par>
+                              <p:par>
+                                <p:cTn id="9" presetID="1" presetClass="entr" presetSubtype="0" fill="hold" grpId="0" nodeType="withEffect">
+                                  <p:stCondLst>
+                                    <p:cond delay="1600"/>
+                                  </p:stCondLst>
+                                  <p:childTnLst>
+                                    <p:set>
+                                      <p:cBhvr>
+                                        <p:cTn id="10" dur="1" fill="hold">
+                                          <p:stCondLst>
+                                            <p:cond delay="0"/>
+                                          </p:stCondLst>
+                                        </p:cTn>
+                                        <p:tgtEl>
+                                          <p:spTgt spid="4">
+                                            <p:txEl>
+                                              <p:pRg st="1" end="1"/>
+                                            </p:txEl>
+                                          </p:spTgt>
+                                        </p:tgtEl>
+                                        <p:attrNameLst>
+                                          <p:attrName>style.visibility</p:attrName>
+                                        </p:attrNameLst>
+                                      </p:cBhvr>
+                                      <p:to>
+                                        <p:strVal val="visible"/>
+                                      </p:to>
+                                    </p:set>
+                                  </p:childTnLst>
+                                </p:cTn>
+                              </p:par>
+                              <p:par>
+                                <p:cTn id="11" presetID="1" presetClass="entr" presetSubtype="0" fill="hold" grpId="0" nodeType="withEffect">
+                                  <p:stCondLst>
+                                    <p:cond delay="3100"/>
+                                  </p:stCondLst>
+                                  <p:childTnLst>
+                                    <p:set>
+                                      <p:cBhvr>
+                                        <p:cTn id="12" dur="1" fill="hold">
+                                          <p:stCondLst>
+                                            <p:cond delay="0"/>
+                                          </p:stCondLst>
+                                        </p:cTn>
+                                        <p:tgtEl>
+                                          <p:spTgt spid="4">
+                                            <p:txEl>
+                                              <p:pRg st="2" end="2"/>
+                                            </p:txEl>
+                                          </p:spTgt>
+                                        </p:tgtEl>
+                                        <p:attrNameLst>
+                                          <p:attrName>style.visibility</p:attrName>
+                                        </p:attrNameLst>
+                                      </p:cBhvr>
+                                      <p:to>
+                                        <p:strVal val="visible"/>
+                                      </p:to>
+                                    </p:set>
+                                  </p:childTnLst>
+                                </p:cTn>
+                              </p:par>
+                              <p:par>
+                                <p:cTn id="13" presetID="1" presetClass="entr" presetSubtype="0" fill="hold" grpId="0" nodeType="withEffect">
+                                  <p:stCondLst>
+                                    <p:cond delay="3100"/>
+                                  </p:stCondLst>
+                                  <p:childTnLst>
+                                    <p:set>
+                                      <p:cBhvr>
+                                        <p:cTn id="14" dur="1" fill="hold">
+                                          <p:stCondLst>
+                                            <p:cond delay="0"/>
+                                          </p:stCondLst>
+                                        </p:cTn>
+                                        <p:tgtEl>
+                                          <p:spTgt spid="4">
+                                            <p:txEl>
+                                              <p:pRg st="3" end="3"/>
+                                            </p:txEl>
+                                          </p:spTgt>
+                                        </p:tgtEl>
+                                        <p:attrNameLst>
+                                          <p:attrName>style.visibility</p:attrName>
+                                        </p:attrNameLst>
+                                      </p:cBhvr>
+                                      <p:to>
+                                        <p:strVal val="visible"/>
+                                      </p:to>
+                                    </p:set>
+                                  </p:childTnLst>
+                                </p:cTn>
+                              </p:par>
+                              <p:par>
+                                <p:cTn id="15" presetID="1" presetClass="entr" presetSubtype="0" fill="hold" grpId="0" nodeType="withEffect">
+                                  <p:stCondLst>
+                                    <p:cond delay="1600"/>
+                                  </p:stCondLst>
+                                  <p:childTnLst>
+                                    <p:set>
+                                      <p:cBhvr>
+                                        <p:cTn id="16" dur="1" fill="hold">
+                                          <p:stCondLst>
+                                            <p:cond delay="0"/>
+                                          </p:stCondLst>
+                                        </p:cTn>
+                                        <p:tgtEl>
+                                          <p:spTgt spid="4">
+                                            <p:txEl>
+                                              <p:pRg st="4" end="4"/>
+                                            </p:txEl>
+                                          </p:spTgt>
+                                        </p:tgtEl>
+                                        <p:attrNameLst>
+                                          <p:attrName>style.visibility</p:attrName>
+                                        </p:attrNameLst>
+                                      </p:cBhvr>
+                                      <p:to>
+                                        <p:strVal val="visible"/>
+                                      </p:to>
+                                    </p:set>
+                                  </p:childTnLst>
+                                </p:cTn>
+                              </p:par>
+                              <p:par>
+                                <p:cTn id="17" presetID="1" presetClass="entr" presetSubtype="0" fill="hold" grpId="0" nodeType="withEffect">
+                                  <p:stCondLst>
+                                    <p:cond delay="3100"/>
+                                  </p:stCondLst>
+                                  <p:childTnLst>
+                                    <p:set>
+                                      <p:cBhvr>
+                                        <p:cTn id="18" dur="1" fill="hold">
+                                          <p:stCondLst>
+                                            <p:cond delay="0"/>
+                                          </p:stCondLst>
+                                        </p:cTn>
+                                        <p:tgtEl>
+                                          <p:spTgt spid="4">
+                                            <p:txEl>
+                                              <p:pRg st="5" end="5"/>
+                                            </p:txEl>
+                                          </p:spTgt>
+                                        </p:tgtEl>
+                                        <p:attrNameLst>
+                                          <p:attrName>style.visibility</p:attrName>
+                                        </p:attrNameLst>
+                                      </p:cBhvr>
+                                      <p:to>
+                                        <p:strVal val="visible"/>
+                                      </p:to>
+                                    </p:set>
+                                  </p:childTnLst>
+                                </p:cTn>
+                              </p:par>
+                              <p:par>
+                                <p:cTn id="19" presetID="1" presetClass="entr" presetSubtype="0" fill="hold" grpId="0" nodeType="withEffect">
+                                  <p:stCondLst>
+                                    <p:cond delay="3100"/>
+                                  </p:stCondLst>
+                                  <p:childTnLst>
+                                    <p:set>
+                                      <p:cBhvr>
+                                        <p:cTn id="20" dur="1" fill="hold">
+                                          <p:stCondLst>
+                                            <p:cond delay="0"/>
+                                          </p:stCondLst>
+                                        </p:cTn>
+                                        <p:tgtEl>
+                                          <p:spTgt spid="4">
+                                            <p:txEl>
+                                              <p:pRg st="6" end="6"/>
+                                            </p:txEl>
+                                          </p:spTgt>
+                                        </p:tgtEl>
+                                        <p:attrNameLst>
+                                          <p:attrName>style.visibility</p:attrName>
+                                        </p:attrNameLst>
+                                      </p:cBhvr>
+                                      <p:to>
+                                        <p:strVal val="visible"/>
+                                      </p:to>
+                                    </p:set>
+                                  </p:childTnLst>
+                                </p:cTn>
+                              </p:par>
+                              <p:par>
+                                <p:cTn id="21" presetID="1" presetClass="entr" presetSubtype="0" fill="hold" grpId="0" nodeType="withEffect">
+                                  <p:stCondLst>
+                                    <p:cond delay="1600"/>
+                                  </p:stCondLst>
+                                  <p:childTnLst>
+                                    <p:set>
+                                      <p:cBhvr>
+                                        <p:cTn id="22" dur="1" fill="hold">
+                                          <p:stCondLst>
+                                            <p:cond delay="0"/>
+                                          </p:stCondLst>
+                                        </p:cTn>
+                                        <p:tgtEl>
+                                          <p:spTgt spid="4">
+                                            <p:txEl>
+                                              <p:pRg st="7" end="7"/>
+                                            </p:txEl>
+                                          </p:spTgt>
+                                        </p:tgtEl>
+                                        <p:attrNameLst>
+                                          <p:attrName>style.visibility</p:attrName>
+                                        </p:attrNameLst>
+                                      </p:cBhvr>
+                                      <p:to>
+                                        <p:strVal val="visible"/>
+                                      </p:to>
+                                    </p:set>
+                                  </p:childTnLst>
+                                </p:cTn>
+                              </p:par>
+                              <p:par>
+                                <p:cTn id="23" presetID="1" presetClass="entr" presetSubtype="0" fill="hold" grpId="0" nodeType="withEffect">
+                                  <p:stCondLst>
+                                    <p:cond delay="3100"/>
+                                  </p:stCondLst>
+                                  <p:childTnLst>
+                                    <p:set>
+                                      <p:cBhvr>
+                                        <p:cTn id="24" dur="1" fill="hold">
+                                          <p:stCondLst>
+                                            <p:cond delay="0"/>
+                                          </p:stCondLst>
+                                        </p:cTn>
+                                        <p:tgtEl>
+                                          <p:spTgt spid="4">
+                                            <p:txEl>
+                                              <p:pRg st="8" end="8"/>
+                                            </p:txEl>
+                                          </p:spTgt>
+                                        </p:tgtEl>
+                                        <p:attrNameLst>
+                                          <p:attrName>style.visibility</p:attrName>
+                                        </p:attrNameLst>
+                                      </p:cBhvr>
+                                      <p:to>
+                                        <p:strVal val="visible"/>
+                                      </p:to>
+                                    </p:set>
+                                  </p:childTnLst>
+                                </p:cTn>
+                              </p:par>
+                              <p:par>
+                                <p:cTn id="25" presetID="1" presetClass="entr" presetSubtype="0" fill="hold" grpId="0" nodeType="withEffect">
+                                  <p:stCondLst>
+                                    <p:cond delay="3100"/>
+                                  </p:stCondLst>
+                                  <p:childTnLst>
+                                    <p:set>
+                                      <p:cBhvr>
+                                        <p:cTn id="26" dur="1" fill="hold">
+                                          <p:stCondLst>
+                                            <p:cond delay="0"/>
+                                          </p:stCondLst>
+                                        </p:cTn>
+                                        <p:tgtEl>
+                                          <p:spTgt spid="4">
+                                            <p:txEl>
+                                              <p:pRg st="9" end="9"/>
+                                            </p:txEl>
+                                          </p:spTgt>
+                                        </p:tgtEl>
+                                        <p:attrNameLst>
+                                          <p:attrName>style.visibility</p:attrName>
+                                        </p:attrNameLst>
+                                      </p:cBhvr>
+                                      <p:to>
+                                        <p:strVal val="visible"/>
+                                      </p:to>
+                                    </p:set>
+                                  </p:childTnLst>
+                                </p:cTn>
+                              </p:par>
+                            </p:childTnLst>
+                          </p:cTn>
+                        </p:par>
+                      </p:childTnLst>
+                    </p:cTn>
+                  </p:par>
+                </p:childTnLst>
+              </p:cTn>
+              <p:prevCondLst>
+                <p:cond evt="onPrev" delay="0">
+                  <p:tgtEl>
+                    <p:sldTgt/>
+                  </p:tgtEl>
+                </p:cond>
+              </p:prevCondLst>
+              <p:nextCondLst>
+                <p:cond evt="onNext" delay="0">
+                  <p:tgtEl>
+                    <p:sldTgt/>
+                  </p:tgtEl>
+                </p:cond>
+              </p:nextCondLst>
+            </p:seq>
+          </p:childTnLst>
+        </p:cTn>
+      </p:par>
+    </p:tnLst>
+    <p:bldLst>
+      <p:bldP spid="2" grpId="0"/>
+      <p:bldP spid="4" grpId="0" uiExpand="1" build="p"/>
+    </p:bldLst>
+  </p:timing>
 </p:sld>
 </file>
 
@@ -19977,12 +22708,16 @@
           <a:p>
             <a:pPr lvl="1"/>
             <a:r>
-              <a:rPr lang="en-US" sz="1800" b="1" dirty="0"/>
-              <a:t>mileage</a:t>
+              <a:rPr lang="en-US" sz="1800" b="1" dirty="0" smtClean="0"/>
+              <a:t>“mileage”</a:t>
+            </a:r>
+            <a:r>
+              <a:rPr lang="en-US" sz="1800" dirty="0" smtClean="0"/>
+              <a:t> </a:t>
             </a:r>
             <a:r>
               <a:rPr lang="en-US" sz="1800" dirty="0"/>
-              <a:t> has values starting from 0 , where as valid values should be greater than 0 </a:t>
+              <a:t>has values starting from 0 , where as valid values should be greater than 0 </a:t>
             </a:r>
             <a:r>
               <a:rPr lang="en-US" sz="1800" dirty="0" smtClean="0"/>
@@ -20037,6 +22772,333 @@
   <p:clrMapOvr>
     <a:masterClrMapping/>
   </p:clrMapOvr>
+  <p:timing>
+    <p:tnLst>
+      <p:par>
+        <p:cTn id="1" dur="indefinite" restart="never" nodeType="tmRoot">
+          <p:childTnLst>
+            <p:seq concurrent="1" nextAc="seek">
+              <p:cTn id="2" dur="indefinite" nodeType="mainSeq">
+                <p:childTnLst>
+                  <p:par>
+                    <p:cTn id="3" fill="hold">
+                      <p:stCondLst>
+                        <p:cond delay="indefinite"/>
+                      </p:stCondLst>
+                      <p:childTnLst>
+                        <p:par>
+                          <p:cTn id="4" fill="hold">
+                            <p:stCondLst>
+                              <p:cond delay="0"/>
+                            </p:stCondLst>
+                            <p:childTnLst>
+                              <p:par>
+                                <p:cTn id="5" presetID="1" presetClass="entr" presetSubtype="0" fill="hold" grpId="0" nodeType="clickEffect">
+                                  <p:stCondLst>
+                                    <p:cond delay="0"/>
+                                  </p:stCondLst>
+                                  <p:childTnLst>
+                                    <p:set>
+                                      <p:cBhvr>
+                                        <p:cTn id="6" dur="1" fill="hold">
+                                          <p:stCondLst>
+                                            <p:cond delay="0"/>
+                                          </p:stCondLst>
+                                        </p:cTn>
+                                        <p:tgtEl>
+                                          <p:spTgt spid="2"/>
+                                        </p:tgtEl>
+                                        <p:attrNameLst>
+                                          <p:attrName>style.visibility</p:attrName>
+                                        </p:attrNameLst>
+                                      </p:cBhvr>
+                                      <p:to>
+                                        <p:strVal val="visible"/>
+                                      </p:to>
+                                    </p:set>
+                                  </p:childTnLst>
+                                </p:cTn>
+                              </p:par>
+                              <p:par>
+                                <p:cTn id="7" presetID="1" presetClass="entr" presetSubtype="0" fill="hold" grpId="0" nodeType="withEffect">
+                                  <p:stCondLst>
+                                    <p:cond delay="1000"/>
+                                  </p:stCondLst>
+                                  <p:childTnLst>
+                                    <p:set>
+                                      <p:cBhvr>
+                                        <p:cTn id="8" dur="1" fill="hold">
+                                          <p:stCondLst>
+                                            <p:cond delay="0"/>
+                                          </p:stCondLst>
+                                        </p:cTn>
+                                        <p:tgtEl>
+                                          <p:spTgt spid="4">
+                                            <p:txEl>
+                                              <p:pRg st="0" end="0"/>
+                                            </p:txEl>
+                                          </p:spTgt>
+                                        </p:tgtEl>
+                                        <p:attrNameLst>
+                                          <p:attrName>style.visibility</p:attrName>
+                                        </p:attrNameLst>
+                                      </p:cBhvr>
+                                      <p:to>
+                                        <p:strVal val="visible"/>
+                                      </p:to>
+                                    </p:set>
+                                  </p:childTnLst>
+                                </p:cTn>
+                              </p:par>
+                              <p:par>
+                                <p:cTn id="9" presetID="1" presetClass="entr" presetSubtype="0" fill="hold" grpId="0" nodeType="withEffect">
+                                  <p:stCondLst>
+                                    <p:cond delay="2000"/>
+                                  </p:stCondLst>
+                                  <p:childTnLst>
+                                    <p:set>
+                                      <p:cBhvr>
+                                        <p:cTn id="10" dur="1" fill="hold">
+                                          <p:stCondLst>
+                                            <p:cond delay="0"/>
+                                          </p:stCondLst>
+                                        </p:cTn>
+                                        <p:tgtEl>
+                                          <p:spTgt spid="4">
+                                            <p:txEl>
+                                              <p:pRg st="1" end="1"/>
+                                            </p:txEl>
+                                          </p:spTgt>
+                                        </p:tgtEl>
+                                        <p:attrNameLst>
+                                          <p:attrName>style.visibility</p:attrName>
+                                        </p:attrNameLst>
+                                      </p:cBhvr>
+                                      <p:to>
+                                        <p:strVal val="visible"/>
+                                      </p:to>
+                                    </p:set>
+                                  </p:childTnLst>
+                                </p:cTn>
+                              </p:par>
+                              <p:par>
+                                <p:cTn id="11" presetID="1" presetClass="entr" presetSubtype="0" fill="hold" grpId="0" nodeType="withEffect">
+                                  <p:stCondLst>
+                                    <p:cond delay="3000"/>
+                                  </p:stCondLst>
+                                  <p:childTnLst>
+                                    <p:set>
+                                      <p:cBhvr>
+                                        <p:cTn id="12" dur="1" fill="hold">
+                                          <p:stCondLst>
+                                            <p:cond delay="0"/>
+                                          </p:stCondLst>
+                                        </p:cTn>
+                                        <p:tgtEl>
+                                          <p:spTgt spid="4">
+                                            <p:txEl>
+                                              <p:pRg st="2" end="2"/>
+                                            </p:txEl>
+                                          </p:spTgt>
+                                        </p:tgtEl>
+                                        <p:attrNameLst>
+                                          <p:attrName>style.visibility</p:attrName>
+                                        </p:attrNameLst>
+                                      </p:cBhvr>
+                                      <p:to>
+                                        <p:strVal val="visible"/>
+                                      </p:to>
+                                    </p:set>
+                                  </p:childTnLst>
+                                </p:cTn>
+                              </p:par>
+                              <p:par>
+                                <p:cTn id="13" presetID="1" presetClass="entr" presetSubtype="0" fill="hold" grpId="0" nodeType="withEffect">
+                                  <p:stCondLst>
+                                    <p:cond delay="4000"/>
+                                  </p:stCondLst>
+                                  <p:childTnLst>
+                                    <p:set>
+                                      <p:cBhvr>
+                                        <p:cTn id="14" dur="1" fill="hold">
+                                          <p:stCondLst>
+                                            <p:cond delay="0"/>
+                                          </p:stCondLst>
+                                        </p:cTn>
+                                        <p:tgtEl>
+                                          <p:spTgt spid="4">
+                                            <p:txEl>
+                                              <p:pRg st="3" end="3"/>
+                                            </p:txEl>
+                                          </p:spTgt>
+                                        </p:tgtEl>
+                                        <p:attrNameLst>
+                                          <p:attrName>style.visibility</p:attrName>
+                                        </p:attrNameLst>
+                                      </p:cBhvr>
+                                      <p:to>
+                                        <p:strVal val="visible"/>
+                                      </p:to>
+                                    </p:set>
+                                  </p:childTnLst>
+                                </p:cTn>
+                              </p:par>
+                              <p:par>
+                                <p:cTn id="15" presetID="1" presetClass="entr" presetSubtype="0" fill="hold" grpId="0" nodeType="withEffect">
+                                  <p:stCondLst>
+                                    <p:cond delay="4000"/>
+                                  </p:stCondLst>
+                                  <p:childTnLst>
+                                    <p:set>
+                                      <p:cBhvr>
+                                        <p:cTn id="16" dur="1" fill="hold">
+                                          <p:stCondLst>
+                                            <p:cond delay="0"/>
+                                          </p:stCondLst>
+                                        </p:cTn>
+                                        <p:tgtEl>
+                                          <p:spTgt spid="4">
+                                            <p:txEl>
+                                              <p:pRg st="4" end="4"/>
+                                            </p:txEl>
+                                          </p:spTgt>
+                                        </p:tgtEl>
+                                        <p:attrNameLst>
+                                          <p:attrName>style.visibility</p:attrName>
+                                        </p:attrNameLst>
+                                      </p:cBhvr>
+                                      <p:to>
+                                        <p:strVal val="visible"/>
+                                      </p:to>
+                                    </p:set>
+                                  </p:childTnLst>
+                                </p:cTn>
+                              </p:par>
+                              <p:par>
+                                <p:cTn id="17" presetID="1" presetClass="entr" presetSubtype="0" fill="hold" grpId="0" nodeType="withEffect">
+                                  <p:stCondLst>
+                                    <p:cond delay="5000"/>
+                                  </p:stCondLst>
+                                  <p:childTnLst>
+                                    <p:set>
+                                      <p:cBhvr>
+                                        <p:cTn id="18" dur="1" fill="hold">
+                                          <p:stCondLst>
+                                            <p:cond delay="0"/>
+                                          </p:stCondLst>
+                                        </p:cTn>
+                                        <p:tgtEl>
+                                          <p:spTgt spid="4">
+                                            <p:txEl>
+                                              <p:pRg st="5" end="5"/>
+                                            </p:txEl>
+                                          </p:spTgt>
+                                        </p:tgtEl>
+                                        <p:attrNameLst>
+                                          <p:attrName>style.visibility</p:attrName>
+                                        </p:attrNameLst>
+                                      </p:cBhvr>
+                                      <p:to>
+                                        <p:strVal val="visible"/>
+                                      </p:to>
+                                    </p:set>
+                                  </p:childTnLst>
+                                </p:cTn>
+                              </p:par>
+                              <p:par>
+                                <p:cTn id="19" presetID="1" presetClass="entr" presetSubtype="0" fill="hold" grpId="0" nodeType="withEffect">
+                                  <p:stCondLst>
+                                    <p:cond delay="5000"/>
+                                  </p:stCondLst>
+                                  <p:childTnLst>
+                                    <p:set>
+                                      <p:cBhvr>
+                                        <p:cTn id="20" dur="1" fill="hold">
+                                          <p:stCondLst>
+                                            <p:cond delay="0"/>
+                                          </p:stCondLst>
+                                        </p:cTn>
+                                        <p:tgtEl>
+                                          <p:spTgt spid="4">
+                                            <p:txEl>
+                                              <p:pRg st="6" end="6"/>
+                                            </p:txEl>
+                                          </p:spTgt>
+                                        </p:tgtEl>
+                                        <p:attrNameLst>
+                                          <p:attrName>style.visibility</p:attrName>
+                                        </p:attrNameLst>
+                                      </p:cBhvr>
+                                      <p:to>
+                                        <p:strVal val="visible"/>
+                                      </p:to>
+                                    </p:set>
+                                  </p:childTnLst>
+                                </p:cTn>
+                              </p:par>
+                              <p:par>
+                                <p:cTn id="21" presetID="1" presetClass="entr" presetSubtype="0" fill="hold" grpId="0" nodeType="withEffect">
+                                  <p:stCondLst>
+                                    <p:cond delay="6000"/>
+                                  </p:stCondLst>
+                                  <p:childTnLst>
+                                    <p:set>
+                                      <p:cBhvr>
+                                        <p:cTn id="22" dur="1" fill="hold">
+                                          <p:stCondLst>
+                                            <p:cond delay="0"/>
+                                          </p:stCondLst>
+                                        </p:cTn>
+                                        <p:tgtEl>
+                                          <p:spTgt spid="4">
+                                            <p:txEl>
+                                              <p:pRg st="7" end="7"/>
+                                            </p:txEl>
+                                          </p:spTgt>
+                                        </p:tgtEl>
+                                        <p:attrNameLst>
+                                          <p:attrName>style.visibility</p:attrName>
+                                        </p:attrNameLst>
+                                      </p:cBhvr>
+                                      <p:to>
+                                        <p:strVal val="visible"/>
+                                      </p:to>
+                                    </p:set>
+                                  </p:childTnLst>
+                                </p:cTn>
+                              </p:par>
+                            </p:childTnLst>
+                          </p:cTn>
+                        </p:par>
+                      </p:childTnLst>
+                    </p:cTn>
+                  </p:par>
+                </p:childTnLst>
+              </p:cTn>
+              <p:prevCondLst>
+                <p:cond evt="onPrev" delay="0">
+                  <p:tgtEl>
+                    <p:sldTgt/>
+                  </p:tgtEl>
+                </p:cond>
+              </p:prevCondLst>
+              <p:nextCondLst>
+                <p:cond evt="onNext" delay="0">
+                  <p:tgtEl>
+                    <p:sldTgt/>
+                  </p:tgtEl>
+                </p:cond>
+              </p:nextCondLst>
+            </p:seq>
+          </p:childTnLst>
+        </p:cTn>
+      </p:par>
+    </p:tnLst>
+    <p:bldLst>
+      <p:bldP spid="2" grpId="0"/>
+      <p:bldP spid="4" grpId="0" uiExpand="1" build="p"/>
+    </p:bldLst>
+  </p:timing>
 </p:sld>
 </file>
 
@@ -20282,6 +23344,302 @@
   <p:clrMapOvr>
     <a:masterClrMapping/>
   </p:clrMapOvr>
+  <p:timing>
+    <p:tnLst>
+      <p:par>
+        <p:cTn id="1" dur="indefinite" restart="never" nodeType="tmRoot">
+          <p:childTnLst>
+            <p:seq concurrent="1" nextAc="seek">
+              <p:cTn id="2" dur="indefinite" nodeType="mainSeq">
+                <p:childTnLst>
+                  <p:par>
+                    <p:cTn id="3" fill="hold">
+                      <p:stCondLst>
+                        <p:cond delay="indefinite"/>
+                      </p:stCondLst>
+                      <p:childTnLst>
+                        <p:par>
+                          <p:cTn id="4" fill="hold">
+                            <p:stCondLst>
+                              <p:cond delay="0"/>
+                            </p:stCondLst>
+                            <p:childTnLst>
+                              <p:par>
+                                <p:cTn id="5" presetID="1" presetClass="entr" presetSubtype="0" fill="hold" grpId="0" nodeType="clickEffect">
+                                  <p:stCondLst>
+                                    <p:cond delay="0"/>
+                                  </p:stCondLst>
+                                  <p:childTnLst>
+                                    <p:set>
+                                      <p:cBhvr>
+                                        <p:cTn id="6" dur="1" fill="hold">
+                                          <p:stCondLst>
+                                            <p:cond delay="0"/>
+                                          </p:stCondLst>
+                                        </p:cTn>
+                                        <p:tgtEl>
+                                          <p:spTgt spid="2"/>
+                                        </p:tgtEl>
+                                        <p:attrNameLst>
+                                          <p:attrName>style.visibility</p:attrName>
+                                        </p:attrNameLst>
+                                      </p:cBhvr>
+                                      <p:to>
+                                        <p:strVal val="visible"/>
+                                      </p:to>
+                                    </p:set>
+                                  </p:childTnLst>
+                                </p:cTn>
+                              </p:par>
+                              <p:par>
+                                <p:cTn id="7" presetID="1" presetClass="entr" presetSubtype="0" fill="hold" grpId="0" nodeType="withEffect">
+                                  <p:stCondLst>
+                                    <p:cond delay="1000"/>
+                                  </p:stCondLst>
+                                  <p:childTnLst>
+                                    <p:set>
+                                      <p:cBhvr>
+                                        <p:cTn id="8" dur="1" fill="hold">
+                                          <p:stCondLst>
+                                            <p:cond delay="0"/>
+                                          </p:stCondLst>
+                                        </p:cTn>
+                                        <p:tgtEl>
+                                          <p:spTgt spid="4">
+                                            <p:txEl>
+                                              <p:pRg st="0" end="0"/>
+                                            </p:txEl>
+                                          </p:spTgt>
+                                        </p:tgtEl>
+                                        <p:attrNameLst>
+                                          <p:attrName>style.visibility</p:attrName>
+                                        </p:attrNameLst>
+                                      </p:cBhvr>
+                                      <p:to>
+                                        <p:strVal val="visible"/>
+                                      </p:to>
+                                    </p:set>
+                                  </p:childTnLst>
+                                </p:cTn>
+                              </p:par>
+                              <p:par>
+                                <p:cTn id="9" presetID="1" presetClass="entr" presetSubtype="0" fill="hold" grpId="0" nodeType="withEffect">
+                                  <p:stCondLst>
+                                    <p:cond delay="2000"/>
+                                  </p:stCondLst>
+                                  <p:childTnLst>
+                                    <p:set>
+                                      <p:cBhvr>
+                                        <p:cTn id="10" dur="1" fill="hold">
+                                          <p:stCondLst>
+                                            <p:cond delay="0"/>
+                                          </p:stCondLst>
+                                        </p:cTn>
+                                        <p:tgtEl>
+                                          <p:spTgt spid="4">
+                                            <p:txEl>
+                                              <p:pRg st="1" end="1"/>
+                                            </p:txEl>
+                                          </p:spTgt>
+                                        </p:tgtEl>
+                                        <p:attrNameLst>
+                                          <p:attrName>style.visibility</p:attrName>
+                                        </p:attrNameLst>
+                                      </p:cBhvr>
+                                      <p:to>
+                                        <p:strVal val="visible"/>
+                                      </p:to>
+                                    </p:set>
+                                  </p:childTnLst>
+                                </p:cTn>
+                              </p:par>
+                              <p:par>
+                                <p:cTn id="11" presetID="1" presetClass="entr" presetSubtype="0" fill="hold" grpId="0" nodeType="withEffect">
+                                  <p:stCondLst>
+                                    <p:cond delay="4000"/>
+                                  </p:stCondLst>
+                                  <p:childTnLst>
+                                    <p:set>
+                                      <p:cBhvr>
+                                        <p:cTn id="12" dur="1" fill="hold">
+                                          <p:stCondLst>
+                                            <p:cond delay="0"/>
+                                          </p:stCondLst>
+                                        </p:cTn>
+                                        <p:tgtEl>
+                                          <p:spTgt spid="4">
+                                            <p:txEl>
+                                              <p:pRg st="2" end="2"/>
+                                            </p:txEl>
+                                          </p:spTgt>
+                                        </p:tgtEl>
+                                        <p:attrNameLst>
+                                          <p:attrName>style.visibility</p:attrName>
+                                        </p:attrNameLst>
+                                      </p:cBhvr>
+                                      <p:to>
+                                        <p:strVal val="visible"/>
+                                      </p:to>
+                                    </p:set>
+                                  </p:childTnLst>
+                                </p:cTn>
+                              </p:par>
+                              <p:par>
+                                <p:cTn id="13" presetID="1" presetClass="entr" presetSubtype="0" fill="hold" grpId="0" nodeType="withEffect">
+                                  <p:stCondLst>
+                                    <p:cond delay="6000"/>
+                                  </p:stCondLst>
+                                  <p:childTnLst>
+                                    <p:set>
+                                      <p:cBhvr>
+                                        <p:cTn id="14" dur="1" fill="hold">
+                                          <p:stCondLst>
+                                            <p:cond delay="0"/>
+                                          </p:stCondLst>
+                                        </p:cTn>
+                                        <p:tgtEl>
+                                          <p:spTgt spid="4">
+                                            <p:txEl>
+                                              <p:pRg st="3" end="3"/>
+                                            </p:txEl>
+                                          </p:spTgt>
+                                        </p:tgtEl>
+                                        <p:attrNameLst>
+                                          <p:attrName>style.visibility</p:attrName>
+                                        </p:attrNameLst>
+                                      </p:cBhvr>
+                                      <p:to>
+                                        <p:strVal val="visible"/>
+                                      </p:to>
+                                    </p:set>
+                                  </p:childTnLst>
+                                </p:cTn>
+                              </p:par>
+                              <p:par>
+                                <p:cTn id="15" presetID="1" presetClass="entr" presetSubtype="0" fill="hold" grpId="0" nodeType="withEffect">
+                                  <p:stCondLst>
+                                    <p:cond delay="8100"/>
+                                  </p:stCondLst>
+                                  <p:childTnLst>
+                                    <p:set>
+                                      <p:cBhvr>
+                                        <p:cTn id="16" dur="1" fill="hold">
+                                          <p:stCondLst>
+                                            <p:cond delay="0"/>
+                                          </p:stCondLst>
+                                        </p:cTn>
+                                        <p:tgtEl>
+                                          <p:spTgt spid="4">
+                                            <p:txEl>
+                                              <p:pRg st="4" end="4"/>
+                                            </p:txEl>
+                                          </p:spTgt>
+                                        </p:tgtEl>
+                                        <p:attrNameLst>
+                                          <p:attrName>style.visibility</p:attrName>
+                                        </p:attrNameLst>
+                                      </p:cBhvr>
+                                      <p:to>
+                                        <p:strVal val="visible"/>
+                                      </p:to>
+                                    </p:set>
+                                  </p:childTnLst>
+                                </p:cTn>
+                              </p:par>
+                              <p:par>
+                                <p:cTn id="17" presetID="1" presetClass="entr" presetSubtype="0" fill="hold" grpId="0" nodeType="withEffect">
+                                  <p:stCondLst>
+                                    <p:cond delay="10000"/>
+                                  </p:stCondLst>
+                                  <p:childTnLst>
+                                    <p:set>
+                                      <p:cBhvr>
+                                        <p:cTn id="18" dur="1" fill="hold">
+                                          <p:stCondLst>
+                                            <p:cond delay="0"/>
+                                          </p:stCondLst>
+                                        </p:cTn>
+                                        <p:tgtEl>
+                                          <p:spTgt spid="4">
+                                            <p:txEl>
+                                              <p:pRg st="5" end="5"/>
+                                            </p:txEl>
+                                          </p:spTgt>
+                                        </p:tgtEl>
+                                        <p:attrNameLst>
+                                          <p:attrName>style.visibility</p:attrName>
+                                        </p:attrNameLst>
+                                      </p:cBhvr>
+                                      <p:to>
+                                        <p:strVal val="visible"/>
+                                      </p:to>
+                                    </p:set>
+                                  </p:childTnLst>
+                                </p:cTn>
+                              </p:par>
+                              <p:par>
+                                <p:cTn id="19" presetID="1" presetClass="entr" presetSubtype="0" fill="hold" grpId="0" nodeType="withEffect">
+                                  <p:stCondLst>
+                                    <p:cond delay="12000"/>
+                                  </p:stCondLst>
+                                  <p:childTnLst>
+                                    <p:set>
+                                      <p:cBhvr>
+                                        <p:cTn id="20" dur="1" fill="hold">
+                                          <p:stCondLst>
+                                            <p:cond delay="0"/>
+                                          </p:stCondLst>
+                                        </p:cTn>
+                                        <p:tgtEl>
+                                          <p:spTgt spid="4">
+                                            <p:txEl>
+                                              <p:pRg st="6" end="6"/>
+                                            </p:txEl>
+                                          </p:spTgt>
+                                        </p:tgtEl>
+                                        <p:attrNameLst>
+                                          <p:attrName>style.visibility</p:attrName>
+                                        </p:attrNameLst>
+                                      </p:cBhvr>
+                                      <p:to>
+                                        <p:strVal val="visible"/>
+                                      </p:to>
+                                    </p:set>
+                                  </p:childTnLst>
+                                </p:cTn>
+                              </p:par>
+                            </p:childTnLst>
+                          </p:cTn>
+                        </p:par>
+                      </p:childTnLst>
+                    </p:cTn>
+                  </p:par>
+                </p:childTnLst>
+              </p:cTn>
+              <p:prevCondLst>
+                <p:cond evt="onPrev" delay="0">
+                  <p:tgtEl>
+                    <p:sldTgt/>
+                  </p:tgtEl>
+                </p:cond>
+              </p:prevCondLst>
+              <p:nextCondLst>
+                <p:cond evt="onNext" delay="0">
+                  <p:tgtEl>
+                    <p:sldTgt/>
+                  </p:tgtEl>
+                </p:cond>
+              </p:nextCondLst>
+            </p:seq>
+          </p:childTnLst>
+        </p:cTn>
+      </p:par>
+    </p:tnLst>
+    <p:bldLst>
+      <p:bldP spid="2" grpId="0"/>
+      <p:bldP spid="4" grpId="0" uiExpand="1" build="p"/>
+    </p:bldLst>
+  </p:timing>
 </p:sld>
 </file>
 
@@ -20615,6 +23973,426 @@
   <p:clrMapOvr>
     <a:masterClrMapping/>
   </p:clrMapOvr>
+  <p:timing>
+    <p:tnLst>
+      <p:par>
+        <p:cTn id="1" dur="indefinite" restart="never" nodeType="tmRoot">
+          <p:childTnLst>
+            <p:seq concurrent="1" nextAc="seek">
+              <p:cTn id="2" dur="indefinite" nodeType="mainSeq">
+                <p:childTnLst>
+                  <p:par>
+                    <p:cTn id="3" fill="hold">
+                      <p:stCondLst>
+                        <p:cond delay="indefinite"/>
+                      </p:stCondLst>
+                      <p:childTnLst>
+                        <p:par>
+                          <p:cTn id="4" fill="hold">
+                            <p:stCondLst>
+                              <p:cond delay="0"/>
+                            </p:stCondLst>
+                            <p:childTnLst>
+                              <p:par>
+                                <p:cTn id="5" presetID="1" presetClass="entr" presetSubtype="0" fill="hold" grpId="0" nodeType="clickEffect">
+                                  <p:stCondLst>
+                                    <p:cond delay="0"/>
+                                  </p:stCondLst>
+                                  <p:childTnLst>
+                                    <p:set>
+                                      <p:cBhvr>
+                                        <p:cTn id="6" dur="1" fill="hold">
+                                          <p:stCondLst>
+                                            <p:cond delay="0"/>
+                                          </p:stCondLst>
+                                        </p:cTn>
+                                        <p:tgtEl>
+                                          <p:spTgt spid="2"/>
+                                        </p:tgtEl>
+                                        <p:attrNameLst>
+                                          <p:attrName>style.visibility</p:attrName>
+                                        </p:attrNameLst>
+                                      </p:cBhvr>
+                                      <p:to>
+                                        <p:strVal val="visible"/>
+                                      </p:to>
+                                    </p:set>
+                                  </p:childTnLst>
+                                </p:cTn>
+                              </p:par>
+                              <p:par>
+                                <p:cTn id="7" presetID="1" presetClass="entr" presetSubtype="0" fill="hold" grpId="0" nodeType="withEffect">
+                                  <p:stCondLst>
+                                    <p:cond delay="700"/>
+                                  </p:stCondLst>
+                                  <p:childTnLst>
+                                    <p:set>
+                                      <p:cBhvr>
+                                        <p:cTn id="8" dur="1" fill="hold">
+                                          <p:stCondLst>
+                                            <p:cond delay="0"/>
+                                          </p:stCondLst>
+                                        </p:cTn>
+                                        <p:tgtEl>
+                                          <p:spTgt spid="4">
+                                            <p:txEl>
+                                              <p:pRg st="0" end="0"/>
+                                            </p:txEl>
+                                          </p:spTgt>
+                                        </p:tgtEl>
+                                        <p:attrNameLst>
+                                          <p:attrName>style.visibility</p:attrName>
+                                        </p:attrNameLst>
+                                      </p:cBhvr>
+                                      <p:to>
+                                        <p:strVal val="visible"/>
+                                      </p:to>
+                                    </p:set>
+                                  </p:childTnLst>
+                                </p:cTn>
+                              </p:par>
+                              <p:par>
+                                <p:cTn id="9" presetID="1" presetClass="entr" presetSubtype="0" fill="hold" grpId="0" nodeType="withEffect">
+                                  <p:stCondLst>
+                                    <p:cond delay="3000"/>
+                                  </p:stCondLst>
+                                  <p:childTnLst>
+                                    <p:set>
+                                      <p:cBhvr>
+                                        <p:cTn id="10" dur="1" fill="hold">
+                                          <p:stCondLst>
+                                            <p:cond delay="0"/>
+                                          </p:stCondLst>
+                                        </p:cTn>
+                                        <p:tgtEl>
+                                          <p:spTgt spid="4">
+                                            <p:txEl>
+                                              <p:pRg st="1" end="1"/>
+                                            </p:txEl>
+                                          </p:spTgt>
+                                        </p:tgtEl>
+                                        <p:attrNameLst>
+                                          <p:attrName>style.visibility</p:attrName>
+                                        </p:attrNameLst>
+                                      </p:cBhvr>
+                                      <p:to>
+                                        <p:strVal val="visible"/>
+                                      </p:to>
+                                    </p:set>
+                                  </p:childTnLst>
+                                </p:cTn>
+                              </p:par>
+                              <p:par>
+                                <p:cTn id="11" presetID="1" presetClass="entr" presetSubtype="0" fill="hold" grpId="0" nodeType="withEffect">
+                                  <p:stCondLst>
+                                    <p:cond delay="5000"/>
+                                  </p:stCondLst>
+                                  <p:childTnLst>
+                                    <p:set>
+                                      <p:cBhvr>
+                                        <p:cTn id="12" dur="1" fill="hold">
+                                          <p:stCondLst>
+                                            <p:cond delay="0"/>
+                                          </p:stCondLst>
+                                        </p:cTn>
+                                        <p:tgtEl>
+                                          <p:spTgt spid="4">
+                                            <p:txEl>
+                                              <p:pRg st="2" end="2"/>
+                                            </p:txEl>
+                                          </p:spTgt>
+                                        </p:tgtEl>
+                                        <p:attrNameLst>
+                                          <p:attrName>style.visibility</p:attrName>
+                                        </p:attrNameLst>
+                                      </p:cBhvr>
+                                      <p:to>
+                                        <p:strVal val="visible"/>
+                                      </p:to>
+                                    </p:set>
+                                  </p:childTnLst>
+                                </p:cTn>
+                              </p:par>
+                              <p:par>
+                                <p:cTn id="13" presetID="1" presetClass="entr" presetSubtype="0" fill="hold" grpId="0" nodeType="withEffect">
+                                  <p:stCondLst>
+                                    <p:cond delay="7000"/>
+                                  </p:stCondLst>
+                                  <p:childTnLst>
+                                    <p:set>
+                                      <p:cBhvr>
+                                        <p:cTn id="14" dur="1" fill="hold">
+                                          <p:stCondLst>
+                                            <p:cond delay="0"/>
+                                          </p:stCondLst>
+                                        </p:cTn>
+                                        <p:tgtEl>
+                                          <p:spTgt spid="4">
+                                            <p:txEl>
+                                              <p:pRg st="3" end="3"/>
+                                            </p:txEl>
+                                          </p:spTgt>
+                                        </p:tgtEl>
+                                        <p:attrNameLst>
+                                          <p:attrName>style.visibility</p:attrName>
+                                        </p:attrNameLst>
+                                      </p:cBhvr>
+                                      <p:to>
+                                        <p:strVal val="visible"/>
+                                      </p:to>
+                                    </p:set>
+                                  </p:childTnLst>
+                                </p:cTn>
+                              </p:par>
+                              <p:par>
+                                <p:cTn id="15" presetID="1" presetClass="entr" presetSubtype="0" fill="hold" grpId="0" nodeType="withEffect">
+                                  <p:stCondLst>
+                                    <p:cond delay="7000"/>
+                                  </p:stCondLst>
+                                  <p:childTnLst>
+                                    <p:set>
+                                      <p:cBhvr>
+                                        <p:cTn id="16" dur="1" fill="hold">
+                                          <p:stCondLst>
+                                            <p:cond delay="0"/>
+                                          </p:stCondLst>
+                                        </p:cTn>
+                                        <p:tgtEl>
+                                          <p:spTgt spid="4">
+                                            <p:txEl>
+                                              <p:pRg st="4" end="4"/>
+                                            </p:txEl>
+                                          </p:spTgt>
+                                        </p:tgtEl>
+                                        <p:attrNameLst>
+                                          <p:attrName>style.visibility</p:attrName>
+                                        </p:attrNameLst>
+                                      </p:cBhvr>
+                                      <p:to>
+                                        <p:strVal val="visible"/>
+                                      </p:to>
+                                    </p:set>
+                                  </p:childTnLst>
+                                </p:cTn>
+                              </p:par>
+                              <p:par>
+                                <p:cTn id="17" presetID="1" presetClass="entr" presetSubtype="0" fill="hold" grpId="0" nodeType="withEffect">
+                                  <p:stCondLst>
+                                    <p:cond delay="7000"/>
+                                  </p:stCondLst>
+                                  <p:childTnLst>
+                                    <p:set>
+                                      <p:cBhvr>
+                                        <p:cTn id="18" dur="1" fill="hold">
+                                          <p:stCondLst>
+                                            <p:cond delay="0"/>
+                                          </p:stCondLst>
+                                        </p:cTn>
+                                        <p:tgtEl>
+                                          <p:spTgt spid="4">
+                                            <p:txEl>
+                                              <p:pRg st="5" end="5"/>
+                                            </p:txEl>
+                                          </p:spTgt>
+                                        </p:tgtEl>
+                                        <p:attrNameLst>
+                                          <p:attrName>style.visibility</p:attrName>
+                                        </p:attrNameLst>
+                                      </p:cBhvr>
+                                      <p:to>
+                                        <p:strVal val="visible"/>
+                                      </p:to>
+                                    </p:set>
+                                  </p:childTnLst>
+                                </p:cTn>
+                              </p:par>
+                              <p:par>
+                                <p:cTn id="19" presetID="1" presetClass="entr" presetSubtype="0" fill="hold" grpId="0" nodeType="withEffect">
+                                  <p:stCondLst>
+                                    <p:cond delay="7000"/>
+                                  </p:stCondLst>
+                                  <p:childTnLst>
+                                    <p:set>
+                                      <p:cBhvr>
+                                        <p:cTn id="20" dur="1" fill="hold">
+                                          <p:stCondLst>
+                                            <p:cond delay="0"/>
+                                          </p:stCondLst>
+                                        </p:cTn>
+                                        <p:tgtEl>
+                                          <p:spTgt spid="4">
+                                            <p:txEl>
+                                              <p:pRg st="6" end="6"/>
+                                            </p:txEl>
+                                          </p:spTgt>
+                                        </p:tgtEl>
+                                        <p:attrNameLst>
+                                          <p:attrName>style.visibility</p:attrName>
+                                        </p:attrNameLst>
+                                      </p:cBhvr>
+                                      <p:to>
+                                        <p:strVal val="visible"/>
+                                      </p:to>
+                                    </p:set>
+                                  </p:childTnLst>
+                                </p:cTn>
+                              </p:par>
+                              <p:par>
+                                <p:cTn id="21" presetID="1" presetClass="entr" presetSubtype="0" fill="hold" grpId="0" nodeType="withEffect">
+                                  <p:stCondLst>
+                                    <p:cond delay="7000"/>
+                                  </p:stCondLst>
+                                  <p:childTnLst>
+                                    <p:set>
+                                      <p:cBhvr>
+                                        <p:cTn id="22" dur="1" fill="hold">
+                                          <p:stCondLst>
+                                            <p:cond delay="0"/>
+                                          </p:stCondLst>
+                                        </p:cTn>
+                                        <p:tgtEl>
+                                          <p:spTgt spid="4">
+                                            <p:txEl>
+                                              <p:pRg st="7" end="7"/>
+                                            </p:txEl>
+                                          </p:spTgt>
+                                        </p:tgtEl>
+                                        <p:attrNameLst>
+                                          <p:attrName>style.visibility</p:attrName>
+                                        </p:attrNameLst>
+                                      </p:cBhvr>
+                                      <p:to>
+                                        <p:strVal val="visible"/>
+                                      </p:to>
+                                    </p:set>
+                                  </p:childTnLst>
+                                </p:cTn>
+                              </p:par>
+                              <p:par>
+                                <p:cTn id="23" presetID="1" presetClass="entr" presetSubtype="0" fill="hold" grpId="0" nodeType="withEffect">
+                                  <p:stCondLst>
+                                    <p:cond delay="7000"/>
+                                  </p:stCondLst>
+                                  <p:childTnLst>
+                                    <p:set>
+                                      <p:cBhvr>
+                                        <p:cTn id="24" dur="1" fill="hold">
+                                          <p:stCondLst>
+                                            <p:cond delay="0"/>
+                                          </p:stCondLst>
+                                        </p:cTn>
+                                        <p:tgtEl>
+                                          <p:spTgt spid="4">
+                                            <p:txEl>
+                                              <p:pRg st="8" end="8"/>
+                                            </p:txEl>
+                                          </p:spTgt>
+                                        </p:tgtEl>
+                                        <p:attrNameLst>
+                                          <p:attrName>style.visibility</p:attrName>
+                                        </p:attrNameLst>
+                                      </p:cBhvr>
+                                      <p:to>
+                                        <p:strVal val="visible"/>
+                                      </p:to>
+                                    </p:set>
+                                  </p:childTnLst>
+                                </p:cTn>
+                              </p:par>
+                              <p:par>
+                                <p:cTn id="25" presetID="1" presetClass="entr" presetSubtype="0" fill="hold" grpId="0" nodeType="withEffect">
+                                  <p:stCondLst>
+                                    <p:cond delay="13000"/>
+                                  </p:stCondLst>
+                                  <p:childTnLst>
+                                    <p:set>
+                                      <p:cBhvr>
+                                        <p:cTn id="26" dur="1" fill="hold">
+                                          <p:stCondLst>
+                                            <p:cond delay="0"/>
+                                          </p:stCondLst>
+                                        </p:cTn>
+                                        <p:tgtEl>
+                                          <p:spTgt spid="4">
+                                            <p:txEl>
+                                              <p:pRg st="9" end="9"/>
+                                            </p:txEl>
+                                          </p:spTgt>
+                                        </p:tgtEl>
+                                        <p:attrNameLst>
+                                          <p:attrName>style.visibility</p:attrName>
+                                        </p:attrNameLst>
+                                      </p:cBhvr>
+                                      <p:to>
+                                        <p:strVal val="visible"/>
+                                      </p:to>
+                                    </p:set>
+                                  </p:childTnLst>
+                                </p:cTn>
+                              </p:par>
+                              <p:par>
+                                <p:cTn id="27" presetID="1" presetClass="entr" presetSubtype="0" fill="hold" grpId="0" nodeType="withEffect">
+                                  <p:stCondLst>
+                                    <p:cond delay="15000"/>
+                                  </p:stCondLst>
+                                  <p:childTnLst>
+                                    <p:set>
+                                      <p:cBhvr>
+                                        <p:cTn id="28" dur="1" fill="hold">
+                                          <p:stCondLst>
+                                            <p:cond delay="0"/>
+                                          </p:stCondLst>
+                                        </p:cTn>
+                                        <p:tgtEl>
+                                          <p:spTgt spid="4">
+                                            <p:txEl>
+                                              <p:pRg st="10" end="10"/>
+                                            </p:txEl>
+                                          </p:spTgt>
+                                        </p:tgtEl>
+                                        <p:attrNameLst>
+                                          <p:attrName>style.visibility</p:attrName>
+                                        </p:attrNameLst>
+                                      </p:cBhvr>
+                                      <p:to>
+                                        <p:strVal val="visible"/>
+                                      </p:to>
+                                    </p:set>
+                                  </p:childTnLst>
+                                </p:cTn>
+                              </p:par>
+                            </p:childTnLst>
+                          </p:cTn>
+                        </p:par>
+                      </p:childTnLst>
+                    </p:cTn>
+                  </p:par>
+                </p:childTnLst>
+              </p:cTn>
+              <p:prevCondLst>
+                <p:cond evt="onPrev" delay="0">
+                  <p:tgtEl>
+                    <p:sldTgt/>
+                  </p:tgtEl>
+                </p:cond>
+              </p:prevCondLst>
+              <p:nextCondLst>
+                <p:cond evt="onNext" delay="0">
+                  <p:tgtEl>
+                    <p:sldTgt/>
+                  </p:tgtEl>
+                </p:cond>
+              </p:nextCondLst>
+            </p:seq>
+          </p:childTnLst>
+        </p:cTn>
+      </p:par>
+    </p:tnLst>
+    <p:bldLst>
+      <p:bldP spid="2" grpId="0"/>
+      <p:bldP spid="4" grpId="0" uiExpand="1" build="p"/>
+    </p:bldLst>
+  </p:timing>
 </p:sld>
 </file>
 
@@ -20726,13 +24504,11 @@
           <a:p>
             <a:r>
               <a:rPr lang="en-US" b="1" dirty="0"/>
-              <a:t>After preprocessing following are the observations.</a:t>
-            </a:r>
-            <a:r>
-              <a:rPr lang="en-US" b="1" dirty="0">
-                <a:hlinkClick r:id="rId2"/>
-              </a:rPr>
-              <a:t>¶</a:t>
+              <a:t>After preprocessing following are the observations</a:t>
+            </a:r>
+            <a:r>
+              <a:rPr lang="en-US" b="1" dirty="0" smtClean="0"/>
+              <a:t>.</a:t>
             </a:r>
             <a:endParaRPr lang="en-US" b="1" dirty="0"/>
           </a:p>
@@ -20787,6 +24563,271 @@
   <p:clrMapOvr>
     <a:masterClrMapping/>
   </p:clrMapOvr>
+  <p:timing>
+    <p:tnLst>
+      <p:par>
+        <p:cTn id="1" dur="indefinite" restart="never" nodeType="tmRoot">
+          <p:childTnLst>
+            <p:seq concurrent="1" nextAc="seek">
+              <p:cTn id="2" dur="indefinite" nodeType="mainSeq">
+                <p:childTnLst>
+                  <p:par>
+                    <p:cTn id="3" fill="hold">
+                      <p:stCondLst>
+                        <p:cond delay="indefinite"/>
+                      </p:stCondLst>
+                      <p:childTnLst>
+                        <p:par>
+                          <p:cTn id="4" fill="hold">
+                            <p:stCondLst>
+                              <p:cond delay="0"/>
+                            </p:stCondLst>
+                            <p:childTnLst>
+                              <p:par>
+                                <p:cTn id="5" presetID="1" presetClass="entr" presetSubtype="0" fill="hold" grpId="0" nodeType="clickEffect">
+                                  <p:stCondLst>
+                                    <p:cond delay="0"/>
+                                  </p:stCondLst>
+                                  <p:childTnLst>
+                                    <p:set>
+                                      <p:cBhvr>
+                                        <p:cTn id="6" dur="1" fill="hold">
+                                          <p:stCondLst>
+                                            <p:cond delay="0"/>
+                                          </p:stCondLst>
+                                        </p:cTn>
+                                        <p:tgtEl>
+                                          <p:spTgt spid="2"/>
+                                        </p:tgtEl>
+                                        <p:attrNameLst>
+                                          <p:attrName>style.visibility</p:attrName>
+                                        </p:attrNameLst>
+                                      </p:cBhvr>
+                                      <p:to>
+                                        <p:strVal val="visible"/>
+                                      </p:to>
+                                    </p:set>
+                                  </p:childTnLst>
+                                </p:cTn>
+                              </p:par>
+                              <p:par>
+                                <p:cTn id="7" presetID="1" presetClass="entr" presetSubtype="0" fill="hold" grpId="0" nodeType="withEffect">
+                                  <p:stCondLst>
+                                    <p:cond delay="1000"/>
+                                  </p:stCondLst>
+                                  <p:childTnLst>
+                                    <p:set>
+                                      <p:cBhvr>
+                                        <p:cTn id="8" dur="1" fill="hold">
+                                          <p:stCondLst>
+                                            <p:cond delay="0"/>
+                                          </p:stCondLst>
+                                        </p:cTn>
+                                        <p:tgtEl>
+                                          <p:spTgt spid="4">
+                                            <p:txEl>
+                                              <p:pRg st="0" end="0"/>
+                                            </p:txEl>
+                                          </p:spTgt>
+                                        </p:tgtEl>
+                                        <p:attrNameLst>
+                                          <p:attrName>style.visibility</p:attrName>
+                                        </p:attrNameLst>
+                                      </p:cBhvr>
+                                      <p:to>
+                                        <p:strVal val="visible"/>
+                                      </p:to>
+                                    </p:set>
+                                  </p:childTnLst>
+                                </p:cTn>
+                              </p:par>
+                              <p:par>
+                                <p:cTn id="9" presetID="1" presetClass="entr" presetSubtype="0" fill="hold" grpId="0" nodeType="withEffect">
+                                  <p:stCondLst>
+                                    <p:cond delay="3000"/>
+                                  </p:stCondLst>
+                                  <p:childTnLst>
+                                    <p:set>
+                                      <p:cBhvr>
+                                        <p:cTn id="10" dur="1" fill="hold">
+                                          <p:stCondLst>
+                                            <p:cond delay="0"/>
+                                          </p:stCondLst>
+                                        </p:cTn>
+                                        <p:tgtEl>
+                                          <p:spTgt spid="4">
+                                            <p:txEl>
+                                              <p:pRg st="1" end="1"/>
+                                            </p:txEl>
+                                          </p:spTgt>
+                                        </p:tgtEl>
+                                        <p:attrNameLst>
+                                          <p:attrName>style.visibility</p:attrName>
+                                        </p:attrNameLst>
+                                      </p:cBhvr>
+                                      <p:to>
+                                        <p:strVal val="visible"/>
+                                      </p:to>
+                                    </p:set>
+                                  </p:childTnLst>
+                                </p:cTn>
+                              </p:par>
+                              <p:par>
+                                <p:cTn id="11" presetID="1" presetClass="entr" presetSubtype="0" fill="hold" grpId="0" nodeType="withEffect">
+                                  <p:stCondLst>
+                                    <p:cond delay="3000"/>
+                                  </p:stCondLst>
+                                  <p:childTnLst>
+                                    <p:set>
+                                      <p:cBhvr>
+                                        <p:cTn id="12" dur="1" fill="hold">
+                                          <p:stCondLst>
+                                            <p:cond delay="0"/>
+                                          </p:stCondLst>
+                                        </p:cTn>
+                                        <p:tgtEl>
+                                          <p:spTgt spid="4">
+                                            <p:txEl>
+                                              <p:pRg st="2" end="2"/>
+                                            </p:txEl>
+                                          </p:spTgt>
+                                        </p:tgtEl>
+                                        <p:attrNameLst>
+                                          <p:attrName>style.visibility</p:attrName>
+                                        </p:attrNameLst>
+                                      </p:cBhvr>
+                                      <p:to>
+                                        <p:strVal val="visible"/>
+                                      </p:to>
+                                    </p:set>
+                                  </p:childTnLst>
+                                </p:cTn>
+                              </p:par>
+                              <p:par>
+                                <p:cTn id="13" presetID="1" presetClass="entr" presetSubtype="0" fill="hold" grpId="0" nodeType="withEffect">
+                                  <p:stCondLst>
+                                    <p:cond delay="3000"/>
+                                  </p:stCondLst>
+                                  <p:childTnLst>
+                                    <p:set>
+                                      <p:cBhvr>
+                                        <p:cTn id="14" dur="1" fill="hold">
+                                          <p:stCondLst>
+                                            <p:cond delay="0"/>
+                                          </p:stCondLst>
+                                        </p:cTn>
+                                        <p:tgtEl>
+                                          <p:spTgt spid="4">
+                                            <p:txEl>
+                                              <p:pRg st="3" end="3"/>
+                                            </p:txEl>
+                                          </p:spTgt>
+                                        </p:tgtEl>
+                                        <p:attrNameLst>
+                                          <p:attrName>style.visibility</p:attrName>
+                                        </p:attrNameLst>
+                                      </p:cBhvr>
+                                      <p:to>
+                                        <p:strVal val="visible"/>
+                                      </p:to>
+                                    </p:set>
+                                  </p:childTnLst>
+                                </p:cTn>
+                              </p:par>
+                              <p:par>
+                                <p:cTn id="15" presetID="1" presetClass="entr" presetSubtype="0" fill="hold" grpId="0" nodeType="withEffect">
+                                  <p:stCondLst>
+                                    <p:cond delay="3000"/>
+                                  </p:stCondLst>
+                                  <p:childTnLst>
+                                    <p:set>
+                                      <p:cBhvr>
+                                        <p:cTn id="16" dur="1" fill="hold">
+                                          <p:stCondLst>
+                                            <p:cond delay="0"/>
+                                          </p:stCondLst>
+                                        </p:cTn>
+                                        <p:tgtEl>
+                                          <p:spTgt spid="4">
+                                            <p:txEl>
+                                              <p:pRg st="4" end="4"/>
+                                            </p:txEl>
+                                          </p:spTgt>
+                                        </p:tgtEl>
+                                        <p:attrNameLst>
+                                          <p:attrName>style.visibility</p:attrName>
+                                        </p:attrNameLst>
+                                      </p:cBhvr>
+                                      <p:to>
+                                        <p:strVal val="visible"/>
+                                      </p:to>
+                                    </p:set>
+                                  </p:childTnLst>
+                                </p:cTn>
+                              </p:par>
+                              <p:par>
+                                <p:cTn id="17" presetID="1" presetClass="entr" presetSubtype="0" fill="hold" grpId="0" nodeType="withEffect">
+                                  <p:stCondLst>
+                                    <p:cond delay="3000"/>
+                                  </p:stCondLst>
+                                  <p:childTnLst>
+                                    <p:set>
+                                      <p:cBhvr>
+                                        <p:cTn id="18" dur="1" fill="hold">
+                                          <p:stCondLst>
+                                            <p:cond delay="0"/>
+                                          </p:stCondLst>
+                                        </p:cTn>
+                                        <p:tgtEl>
+                                          <p:spTgt spid="4">
+                                            <p:txEl>
+                                              <p:pRg st="5" end="5"/>
+                                            </p:txEl>
+                                          </p:spTgt>
+                                        </p:tgtEl>
+                                        <p:attrNameLst>
+                                          <p:attrName>style.visibility</p:attrName>
+                                        </p:attrNameLst>
+                                      </p:cBhvr>
+                                      <p:to>
+                                        <p:strVal val="visible"/>
+                                      </p:to>
+                                    </p:set>
+                                  </p:childTnLst>
+                                </p:cTn>
+                              </p:par>
+                            </p:childTnLst>
+                          </p:cTn>
+                        </p:par>
+                      </p:childTnLst>
+                    </p:cTn>
+                  </p:par>
+                </p:childTnLst>
+              </p:cTn>
+              <p:prevCondLst>
+                <p:cond evt="onPrev" delay="0">
+                  <p:tgtEl>
+                    <p:sldTgt/>
+                  </p:tgtEl>
+                </p:cond>
+              </p:prevCondLst>
+              <p:nextCondLst>
+                <p:cond evt="onNext" delay="0">
+                  <p:tgtEl>
+                    <p:sldTgt/>
+                  </p:tgtEl>
+                </p:cond>
+              </p:nextCondLst>
+            </p:seq>
+          </p:childTnLst>
+        </p:cTn>
+      </p:par>
+    </p:tnLst>
+    <p:bldLst>
+      <p:bldP spid="2" grpId="0"/>
+      <p:bldP spid="4" grpId="0" uiExpand="1" build="p"/>
+    </p:bldLst>
+  </p:timing>
 </p:sld>
 </file>
 

--- a/term1/projects/CarSales/Term1-EDAProject-CarSales-DhavalParikh.pptx
+++ b/term1/projects/CarSales/Term1-EDAProject-CarSales-DhavalParikh.pptx
@@ -9,15 +9,15 @@
   </p:notesMasterIdLst>
   <p:sldIdLst>
     <p:sldId id="256" r:id="rId2"/>
-    <p:sldId id="271" r:id="rId3"/>
-    <p:sldId id="272" r:id="rId4"/>
-    <p:sldId id="273" r:id="rId5"/>
-    <p:sldId id="274" r:id="rId6"/>
-    <p:sldId id="275" r:id="rId7"/>
-    <p:sldId id="276" r:id="rId8"/>
-    <p:sldId id="284" r:id="rId9"/>
-    <p:sldId id="257" r:id="rId10"/>
-    <p:sldId id="258" r:id="rId11"/>
+    <p:sldId id="257" r:id="rId3"/>
+    <p:sldId id="258" r:id="rId4"/>
+    <p:sldId id="271" r:id="rId5"/>
+    <p:sldId id="272" r:id="rId6"/>
+    <p:sldId id="273" r:id="rId7"/>
+    <p:sldId id="274" r:id="rId8"/>
+    <p:sldId id="275" r:id="rId9"/>
+    <p:sldId id="276" r:id="rId10"/>
+    <p:sldId id="284" r:id="rId11"/>
     <p:sldId id="260" r:id="rId12"/>
     <p:sldId id="261" r:id="rId13"/>
     <p:sldId id="262" r:id="rId14"/>
@@ -223,7 +223,7 @@
           <a:p>
             <a:fld id="{B19E5E3C-2566-43C4-B3B3-74F6FDF47A7F}" type="datetimeFigureOut">
               <a:rPr lang="en-US" smtClean="0"/>
-              <a:t>08-Feb-19</a:t>
+              <a:t>09-Feb-19</a:t>
             </a:fld>
             <a:endParaRPr lang="en-US"/>
           </a:p>
@@ -556,7 +556,7 @@
           <a:p>
             <a:fld id="{7663353F-0715-444C-8261-DA50F3B4DBCB}" type="slidenum">
               <a:rPr lang="en-US" smtClean="0"/>
-              <a:t>6</a:t>
+              <a:t>4</a:t>
             </a:fld>
             <a:endParaRPr lang="en-US"/>
           </a:p>
@@ -565,7 +565,7 @@
     </p:spTree>
     <p:extLst>
       <p:ext uri="{BB962C8B-B14F-4D97-AF65-F5344CB8AC3E}">
-        <p14:creationId xmlns:p14="http://schemas.microsoft.com/office/powerpoint/2010/main" val="636399950"/>
+        <p14:creationId xmlns:p14="http://schemas.microsoft.com/office/powerpoint/2010/main" val="1755900687"/>
       </p:ext>
     </p:extLst>
   </p:cSld>
@@ -619,86 +619,7 @@
           <a:bodyPr/>
           <a:lstStyle/>
           <a:p>
-            <a:pPr marL="285750" indent="-285750">
-              <a:buFont typeface="Arial" panose="020B0604020202020204" pitchFamily="34" charset="0"/>
-              <a:buChar char="•"/>
-            </a:pPr>
-            <a:r>
-              <a:rPr lang="en-US" sz="1400" dirty="0" smtClean="0"/>
-              <a:t>e.g. </a:t>
-            </a:r>
-          </a:p>
-          <a:p>
-            <a:pPr marL="742950" lvl="1" indent="-285750">
-              <a:buFont typeface="Arial" panose="020B0604020202020204" pitchFamily="34" charset="0"/>
-              <a:buChar char="•"/>
-            </a:pPr>
-            <a:r>
-              <a:rPr lang="en-US" sz="1400" dirty="0" smtClean="0"/>
-              <a:t>for Low Engine Volume cars, Full Drive cars have median price ~10000 USD with higher standard </a:t>
-            </a:r>
-            <a:r>
-              <a:rPr lang="en-US" sz="1400" dirty="0" err="1" smtClean="0"/>
-              <a:t>diviation</a:t>
-            </a:r>
-            <a:r>
-              <a:rPr lang="en-US" sz="1400" dirty="0" smtClean="0"/>
-              <a:t> where as Front and Rear Drive have median price ~5-6000 USD with lower SD.</a:t>
-            </a:r>
-          </a:p>
-          <a:p>
-            <a:pPr marL="742950" lvl="1" indent="-285750">
-              <a:buFont typeface="Arial" panose="020B0604020202020204" pitchFamily="34" charset="0"/>
-              <a:buChar char="•"/>
-            </a:pPr>
-            <a:r>
-              <a:rPr lang="en-US" sz="1400" dirty="0" smtClean="0"/>
-              <a:t>for Moderate Engine Volume cars, Full Drive cars have median price ~18-20000 USD with higher standard </a:t>
-            </a:r>
-            <a:r>
-              <a:rPr lang="en-US" sz="1400" dirty="0" err="1" smtClean="0"/>
-              <a:t>diviation</a:t>
-            </a:r>
-            <a:r>
-              <a:rPr lang="en-US" sz="1400" dirty="0" smtClean="0"/>
-              <a:t> where as Front and Rear Drive have median price ~10000 USD with lower SD.</a:t>
-            </a:r>
-          </a:p>
-          <a:p>
-            <a:pPr marL="742950" lvl="1" indent="-285750">
-              <a:buFont typeface="Arial" panose="020B0604020202020204" pitchFamily="34" charset="0"/>
-              <a:buChar char="•"/>
-            </a:pPr>
-            <a:r>
-              <a:rPr lang="en-US" sz="1400" dirty="0" smtClean="0"/>
-              <a:t>for High Engine Volume cars, Full Drive cars have median price ~25-30000 USD with higher standard </a:t>
-            </a:r>
-            <a:r>
-              <a:rPr lang="en-US" sz="1400" dirty="0" err="1" smtClean="0"/>
-              <a:t>diviation</a:t>
-            </a:r>
-            <a:r>
-              <a:rPr lang="en-US" sz="1400" dirty="0" smtClean="0"/>
-              <a:t> where as Rear Drive have median price ~10000 USD with lower SD. (Very few cars with </a:t>
-            </a:r>
-            <a:r>
-              <a:rPr lang="en-US" sz="1400" dirty="0" err="1" smtClean="0"/>
-              <a:t>Fornt</a:t>
-            </a:r>
-            <a:r>
-              <a:rPr lang="en-US" sz="1400" dirty="0" smtClean="0"/>
-              <a:t> drive)</a:t>
-            </a:r>
-          </a:p>
-          <a:p>
-            <a:pPr marL="742950" lvl="1" indent="-285750">
-              <a:buFont typeface="Arial" panose="020B0604020202020204" pitchFamily="34" charset="0"/>
-              <a:buChar char="•"/>
-            </a:pPr>
-            <a:r>
-              <a:rPr lang="en-US" sz="1400" dirty="0" smtClean="0"/>
-              <a:t>for Extreme Engine Volume cars, Very few cars thus ignored.</a:t>
-            </a:r>
+            <a:endParaRPr lang="en-US" dirty="0"/>
           </a:p>
         </p:txBody>
       </p:sp>
@@ -719,7 +640,7 @@
           <a:p>
             <a:fld id="{7663353F-0715-444C-8261-DA50F3B4DBCB}" type="slidenum">
               <a:rPr lang="en-US" smtClean="0"/>
-              <a:t>22</a:t>
+              <a:t>8</a:t>
             </a:fld>
             <a:endParaRPr lang="en-US"/>
           </a:p>
@@ -728,7 +649,7 @@
     </p:spTree>
     <p:extLst>
       <p:ext uri="{BB962C8B-B14F-4D97-AF65-F5344CB8AC3E}">
-        <p14:creationId xmlns:p14="http://schemas.microsoft.com/office/powerpoint/2010/main" val="2594349837"/>
+        <p14:creationId xmlns:p14="http://schemas.microsoft.com/office/powerpoint/2010/main" val="636399950"/>
       </p:ext>
     </p:extLst>
   </p:cSld>
@@ -782,11 +703,86 @@
           <a:bodyPr/>
           <a:lstStyle/>
           <a:p>
-            <a:pPr marL="0" indent="0">
+            <a:pPr marL="285750" indent="-285750">
               <a:buFont typeface="Arial" panose="020B0604020202020204" pitchFamily="34" charset="0"/>
-              <a:buNone/>
+              <a:buChar char="•"/>
             </a:pPr>
-            <a:endParaRPr lang="en-US" sz="1400" dirty="0" smtClean="0"/>
+            <a:r>
+              <a:rPr lang="en-US" sz="1400" dirty="0" smtClean="0"/>
+              <a:t>e.g. </a:t>
+            </a:r>
+          </a:p>
+          <a:p>
+            <a:pPr marL="742950" lvl="1" indent="-285750">
+              <a:buFont typeface="Arial" panose="020B0604020202020204" pitchFamily="34" charset="0"/>
+              <a:buChar char="•"/>
+            </a:pPr>
+            <a:r>
+              <a:rPr lang="en-US" sz="1400" dirty="0" smtClean="0"/>
+              <a:t>for Low Engine Volume cars, Full Drive cars have median price ~10000 USD with higher standard </a:t>
+            </a:r>
+            <a:r>
+              <a:rPr lang="en-US" sz="1400" dirty="0" err="1" smtClean="0"/>
+              <a:t>diviation</a:t>
+            </a:r>
+            <a:r>
+              <a:rPr lang="en-US" sz="1400" dirty="0" smtClean="0"/>
+              <a:t> where as Front and Rear Drive have median price ~5-6000 USD with lower SD.</a:t>
+            </a:r>
+          </a:p>
+          <a:p>
+            <a:pPr marL="742950" lvl="1" indent="-285750">
+              <a:buFont typeface="Arial" panose="020B0604020202020204" pitchFamily="34" charset="0"/>
+              <a:buChar char="•"/>
+            </a:pPr>
+            <a:r>
+              <a:rPr lang="en-US" sz="1400" dirty="0" smtClean="0"/>
+              <a:t>for Moderate Engine Volume cars, Full Drive cars have median price ~18-20000 USD with higher standard </a:t>
+            </a:r>
+            <a:r>
+              <a:rPr lang="en-US" sz="1400" dirty="0" err="1" smtClean="0"/>
+              <a:t>diviation</a:t>
+            </a:r>
+            <a:r>
+              <a:rPr lang="en-US" sz="1400" dirty="0" smtClean="0"/>
+              <a:t> where as Front and Rear Drive have median price ~10000 USD with lower SD.</a:t>
+            </a:r>
+          </a:p>
+          <a:p>
+            <a:pPr marL="742950" lvl="1" indent="-285750">
+              <a:buFont typeface="Arial" panose="020B0604020202020204" pitchFamily="34" charset="0"/>
+              <a:buChar char="•"/>
+            </a:pPr>
+            <a:r>
+              <a:rPr lang="en-US" sz="1400" dirty="0" smtClean="0"/>
+              <a:t>for High Engine Volume cars, Full Drive cars have median price ~25-30000 USD with higher standard </a:t>
+            </a:r>
+            <a:r>
+              <a:rPr lang="en-US" sz="1400" dirty="0" err="1" smtClean="0"/>
+              <a:t>diviation</a:t>
+            </a:r>
+            <a:r>
+              <a:rPr lang="en-US" sz="1400" dirty="0" smtClean="0"/>
+              <a:t> where as Rear Drive have median price ~10000 USD with lower SD. (Very few cars with </a:t>
+            </a:r>
+            <a:r>
+              <a:rPr lang="en-US" sz="1400" dirty="0" err="1" smtClean="0"/>
+              <a:t>Fornt</a:t>
+            </a:r>
+            <a:r>
+              <a:rPr lang="en-US" sz="1400" dirty="0" smtClean="0"/>
+              <a:t> drive)</a:t>
+            </a:r>
+          </a:p>
+          <a:p>
+            <a:pPr marL="742950" lvl="1" indent="-285750">
+              <a:buFont typeface="Arial" panose="020B0604020202020204" pitchFamily="34" charset="0"/>
+              <a:buChar char="•"/>
+            </a:pPr>
+            <a:r>
+              <a:rPr lang="en-US" sz="1400" dirty="0" smtClean="0"/>
+              <a:t>for Extreme Engine Volume cars, Very few cars thus ignored.</a:t>
+            </a:r>
           </a:p>
         </p:txBody>
       </p:sp>
@@ -807,7 +803,7 @@
           <a:p>
             <a:fld id="{7663353F-0715-444C-8261-DA50F3B4DBCB}" type="slidenum">
               <a:rPr lang="en-US" smtClean="0"/>
-              <a:t>23</a:t>
+              <a:t>22</a:t>
             </a:fld>
             <a:endParaRPr lang="en-US"/>
           </a:p>
@@ -816,7 +812,7 @@
     </p:spTree>
     <p:extLst>
       <p:ext uri="{BB962C8B-B14F-4D97-AF65-F5344CB8AC3E}">
-        <p14:creationId xmlns:p14="http://schemas.microsoft.com/office/powerpoint/2010/main" val="1611537619"/>
+        <p14:creationId xmlns:p14="http://schemas.microsoft.com/office/powerpoint/2010/main" val="2594349837"/>
       </p:ext>
     </p:extLst>
   </p:cSld>
@@ -895,7 +891,7 @@
           <a:p>
             <a:fld id="{7663353F-0715-444C-8261-DA50F3B4DBCB}" type="slidenum">
               <a:rPr lang="en-US" smtClean="0"/>
-              <a:t>24</a:t>
+              <a:t>23</a:t>
             </a:fld>
             <a:endParaRPr lang="en-US"/>
           </a:p>
@@ -904,7 +900,7 @@
     </p:spTree>
     <p:extLst>
       <p:ext uri="{BB962C8B-B14F-4D97-AF65-F5344CB8AC3E}">
-        <p14:creationId xmlns:p14="http://schemas.microsoft.com/office/powerpoint/2010/main" val="4268455217"/>
+        <p14:creationId xmlns:p14="http://schemas.microsoft.com/office/powerpoint/2010/main" val="1611537619"/>
       </p:ext>
     </p:extLst>
   </p:cSld>
@@ -962,10 +958,6 @@
               <a:buFont typeface="Arial" panose="020B0604020202020204" pitchFamily="34" charset="0"/>
               <a:buNone/>
             </a:pPr>
-            <a:r>
-              <a:rPr lang="en-US" sz="1400" dirty="0" smtClean="0"/>
-              <a:t>.</a:t>
-            </a:r>
             <a:endParaRPr lang="en-US" sz="1400" dirty="0" smtClean="0"/>
           </a:p>
         </p:txBody>
@@ -987,7 +979,7 @@
           <a:p>
             <a:fld id="{7663353F-0715-444C-8261-DA50F3B4DBCB}" type="slidenum">
               <a:rPr lang="en-US" smtClean="0"/>
-              <a:t>25</a:t>
+              <a:t>24</a:t>
             </a:fld>
             <a:endParaRPr lang="en-US"/>
           </a:p>
@@ -996,7 +988,7 @@
     </p:spTree>
     <p:extLst>
       <p:ext uri="{BB962C8B-B14F-4D97-AF65-F5344CB8AC3E}">
-        <p14:creationId xmlns:p14="http://schemas.microsoft.com/office/powerpoint/2010/main" val="506806227"/>
+        <p14:creationId xmlns:p14="http://schemas.microsoft.com/office/powerpoint/2010/main" val="4268455217"/>
       </p:ext>
     </p:extLst>
   </p:cSld>
@@ -1054,7 +1046,10 @@
               <a:buFont typeface="Arial" panose="020B0604020202020204" pitchFamily="34" charset="0"/>
               <a:buNone/>
             </a:pPr>
-            <a:endParaRPr lang="en-US" sz="1400" dirty="0" smtClean="0"/>
+            <a:r>
+              <a:rPr lang="en-US" sz="1400" dirty="0" smtClean="0"/>
+              <a:t>.</a:t>
+            </a:r>
           </a:p>
         </p:txBody>
       </p:sp>
@@ -1075,6 +1070,94 @@
           <a:p>
             <a:fld id="{7663353F-0715-444C-8261-DA50F3B4DBCB}" type="slidenum">
               <a:rPr lang="en-US" smtClean="0"/>
+              <a:t>25</a:t>
+            </a:fld>
+            <a:endParaRPr lang="en-US"/>
+          </a:p>
+        </p:txBody>
+      </p:sp>
+    </p:spTree>
+    <p:extLst>
+      <p:ext uri="{BB962C8B-B14F-4D97-AF65-F5344CB8AC3E}">
+        <p14:creationId xmlns:p14="http://schemas.microsoft.com/office/powerpoint/2010/main" val="506806227"/>
+      </p:ext>
+    </p:extLst>
+  </p:cSld>
+  <p:clrMapOvr>
+    <a:masterClrMapping/>
+  </p:clrMapOvr>
+</p:notes>
+</file>
+
+<file path=ppt/notesSlides/notesSlide7.xml><?xml version="1.0" encoding="utf-8"?>
+<p:notes xmlns:a="http://schemas.openxmlformats.org/drawingml/2006/main" xmlns:r="http://schemas.openxmlformats.org/officeDocument/2006/relationships" xmlns:p="http://schemas.openxmlformats.org/presentationml/2006/main">
+  <p:cSld>
+    <p:spTree>
+      <p:nvGrpSpPr>
+        <p:cNvPr id="1" name=""/>
+        <p:cNvGrpSpPr/>
+        <p:nvPr/>
+      </p:nvGrpSpPr>
+      <p:grpSpPr>
+        <a:xfrm>
+          <a:off x="0" y="0"/>
+          <a:ext cx="0" cy="0"/>
+          <a:chOff x="0" y="0"/>
+          <a:chExt cx="0" cy="0"/>
+        </a:xfrm>
+      </p:grpSpPr>
+      <p:sp>
+        <p:nvSpPr>
+          <p:cNvPr id="2" name="Slide Image Placeholder 1"/>
+          <p:cNvSpPr>
+            <a:spLocks noGrp="1" noRot="1" noChangeAspect="1"/>
+          </p:cNvSpPr>
+          <p:nvPr>
+            <p:ph type="sldImg"/>
+          </p:nvPr>
+        </p:nvSpPr>
+        <p:spPr/>
+      </p:sp>
+      <p:sp>
+        <p:nvSpPr>
+          <p:cNvPr id="3" name="Notes Placeholder 2"/>
+          <p:cNvSpPr>
+            <a:spLocks noGrp="1"/>
+          </p:cNvSpPr>
+          <p:nvPr>
+            <p:ph type="body" idx="1"/>
+          </p:nvPr>
+        </p:nvSpPr>
+        <p:spPr/>
+        <p:txBody>
+          <a:bodyPr/>
+          <a:lstStyle/>
+          <a:p>
+            <a:pPr marL="0" indent="0">
+              <a:buFont typeface="Arial" panose="020B0604020202020204" pitchFamily="34" charset="0"/>
+              <a:buNone/>
+            </a:pPr>
+            <a:endParaRPr lang="en-US" sz="1400" dirty="0" smtClean="0"/>
+          </a:p>
+        </p:txBody>
+      </p:sp>
+      <p:sp>
+        <p:nvSpPr>
+          <p:cNvPr id="4" name="Slide Number Placeholder 3"/>
+          <p:cNvSpPr>
+            <a:spLocks noGrp="1"/>
+          </p:cNvSpPr>
+          <p:nvPr>
+            <p:ph type="sldNum" sz="quarter" idx="10"/>
+          </p:nvPr>
+        </p:nvSpPr>
+        <p:spPr/>
+        <p:txBody>
+          <a:bodyPr/>
+          <a:lstStyle/>
+          <a:p>
+            <a:fld id="{7663353F-0715-444C-8261-DA50F3B4DBCB}" type="slidenum">
+              <a:rPr lang="en-US" smtClean="0"/>
               <a:t>26</a:t>
             </a:fld>
             <a:endParaRPr lang="en-US"/>
@@ -1094,7 +1177,7 @@
 </p:notes>
 </file>
 
-<file path=ppt/notesSlides/notesSlide7.xml><?xml version="1.0" encoding="utf-8"?>
+<file path=ppt/notesSlides/notesSlide8.xml><?xml version="1.0" encoding="utf-8"?>
 <p:notes xmlns:a="http://schemas.openxmlformats.org/drawingml/2006/main" xmlns:r="http://schemas.openxmlformats.org/officeDocument/2006/relationships" xmlns:p="http://schemas.openxmlformats.org/presentationml/2006/main">
   <p:cSld>
     <p:spTree>
@@ -1307,7 +1390,7 @@
           <a:noFill/>
           <a:extLst>
             <a:ext uri="{909E8E84-426E-40dd-AFC4-6F175D3DCCD1}">
-              <a14:hiddenFill xmlns="" xmlns:a14="http://schemas.microsoft.com/office/drawing/2010/main">
+              <a14:hiddenFill xmlns:a14="http://schemas.microsoft.com/office/drawing/2010/main" xmlns="">
                 <a:solidFill>
                   <a:srgbClr val="FFFFFF"/>
                 </a:solidFill>
@@ -1367,7 +1450,7 @@
             </a:ln>
             <a:extLst>
               <a:ext uri="{91240B29-F687-4f45-9708-019B960494DF}">
-                <a14:hiddenLine xmlns="" xmlns:a14="http://schemas.microsoft.com/office/drawing/2010/main" w="9525">
+                <a14:hiddenLine xmlns:a14="http://schemas.microsoft.com/office/drawing/2010/main" xmlns="" w="9525">
                   <a:solidFill>
                     <a:srgbClr val="000000"/>
                   </a:solidFill>
@@ -1457,7 +1540,7 @@
             </a:ln>
             <a:extLst>
               <a:ext uri="{91240B29-F687-4f45-9708-019B960494DF}">
-                <a14:hiddenLine xmlns="" xmlns:a14="http://schemas.microsoft.com/office/drawing/2010/main" w="9525">
+                <a14:hiddenLine xmlns:a14="http://schemas.microsoft.com/office/drawing/2010/main" xmlns="" w="9525">
                   <a:solidFill>
                     <a:srgbClr val="000000"/>
                   </a:solidFill>
@@ -1547,7 +1630,7 @@
             </a:ln>
             <a:extLst>
               <a:ext uri="{91240B29-F687-4f45-9708-019B960494DF}">
-                <a14:hiddenLine xmlns="" xmlns:a14="http://schemas.microsoft.com/office/drawing/2010/main" w="9525">
+                <a14:hiddenLine xmlns:a14="http://schemas.microsoft.com/office/drawing/2010/main" xmlns="" w="9525">
                   <a:solidFill>
                     <a:srgbClr val="000000"/>
                   </a:solidFill>
@@ -1581,7 +1664,7 @@
             </a:ln>
             <a:extLst>
               <a:ext uri="{91240B29-F687-4f45-9708-019B960494DF}">
-                <a14:hiddenLine xmlns="" xmlns:a14="http://schemas.microsoft.com/office/drawing/2010/main" w="9525">
+                <a14:hiddenLine xmlns:a14="http://schemas.microsoft.com/office/drawing/2010/main" xmlns="" w="9525">
                   <a:solidFill>
                     <a:srgbClr val="000000"/>
                   </a:solidFill>
@@ -1671,7 +1754,7 @@
             </a:ln>
             <a:extLst>
               <a:ext uri="{91240B29-F687-4f45-9708-019B960494DF}">
-                <a14:hiddenLine xmlns="" xmlns:a14="http://schemas.microsoft.com/office/drawing/2010/main" w="9525">
+                <a14:hiddenLine xmlns:a14="http://schemas.microsoft.com/office/drawing/2010/main" xmlns="" w="9525">
                   <a:solidFill>
                     <a:srgbClr val="000000"/>
                   </a:solidFill>
@@ -1733,7 +1816,7 @@
             </a:ln>
             <a:extLst>
               <a:ext uri="{91240B29-F687-4f45-9708-019B960494DF}">
-                <a14:hiddenLine xmlns="" xmlns:a14="http://schemas.microsoft.com/office/drawing/2010/main" w="9525">
+                <a14:hiddenLine xmlns:a14="http://schemas.microsoft.com/office/drawing/2010/main" xmlns="" w="9525">
                   <a:solidFill>
                     <a:srgbClr val="000000"/>
                   </a:solidFill>
@@ -1795,7 +1878,7 @@
             </a:ln>
             <a:extLst>
               <a:ext uri="{91240B29-F687-4f45-9708-019B960494DF}">
-                <a14:hiddenLine xmlns="" xmlns:a14="http://schemas.microsoft.com/office/drawing/2010/main" w="9525">
+                <a14:hiddenLine xmlns:a14="http://schemas.microsoft.com/office/drawing/2010/main" xmlns="" w="9525">
                   <a:solidFill>
                     <a:srgbClr val="000000"/>
                   </a:solidFill>
@@ -1885,7 +1968,7 @@
             </a:ln>
             <a:extLst>
               <a:ext uri="{91240B29-F687-4f45-9708-019B960494DF}">
-                <a14:hiddenLine xmlns="" xmlns:a14="http://schemas.microsoft.com/office/drawing/2010/main" w="9525">
+                <a14:hiddenLine xmlns:a14="http://schemas.microsoft.com/office/drawing/2010/main" xmlns="" w="9525">
                   <a:solidFill>
                     <a:srgbClr val="000000"/>
                   </a:solidFill>
@@ -1947,7 +2030,7 @@
             </a:ln>
             <a:extLst>
               <a:ext uri="{91240B29-F687-4f45-9708-019B960494DF}">
-                <a14:hiddenLine xmlns="" xmlns:a14="http://schemas.microsoft.com/office/drawing/2010/main" w="9525">
+                <a14:hiddenLine xmlns:a14="http://schemas.microsoft.com/office/drawing/2010/main" xmlns="" w="9525">
                   <a:solidFill>
                     <a:srgbClr val="000000"/>
                   </a:solidFill>
@@ -2009,7 +2092,7 @@
             </a:ln>
             <a:extLst>
               <a:ext uri="{91240B29-F687-4f45-9708-019B960494DF}">
-                <a14:hiddenLine xmlns="" xmlns:a14="http://schemas.microsoft.com/office/drawing/2010/main" w="9525">
+                <a14:hiddenLine xmlns:a14="http://schemas.microsoft.com/office/drawing/2010/main" xmlns="" w="9525">
                   <a:solidFill>
                     <a:srgbClr val="000000"/>
                   </a:solidFill>
@@ -2099,7 +2182,7 @@
             </a:ln>
             <a:extLst>
               <a:ext uri="{91240B29-F687-4f45-9708-019B960494DF}">
-                <a14:hiddenLine xmlns="" xmlns:a14="http://schemas.microsoft.com/office/drawing/2010/main" w="9525">
+                <a14:hiddenLine xmlns:a14="http://schemas.microsoft.com/office/drawing/2010/main" xmlns="" w="9525">
                   <a:solidFill>
                     <a:srgbClr val="000000"/>
                   </a:solidFill>
@@ -2189,7 +2272,7 @@
             </a:ln>
             <a:extLst>
               <a:ext uri="{91240B29-F687-4f45-9708-019B960494DF}">
-                <a14:hiddenLine xmlns="" xmlns:a14="http://schemas.microsoft.com/office/drawing/2010/main" w="9525">
+                <a14:hiddenLine xmlns:a14="http://schemas.microsoft.com/office/drawing/2010/main" xmlns="" w="9525">
                   <a:solidFill>
                     <a:srgbClr val="000000"/>
                   </a:solidFill>
@@ -2251,7 +2334,7 @@
             </a:ln>
             <a:extLst>
               <a:ext uri="{91240B29-F687-4f45-9708-019B960494DF}">
-                <a14:hiddenLine xmlns="" xmlns:a14="http://schemas.microsoft.com/office/drawing/2010/main" w="9525">
+                <a14:hiddenLine xmlns:a14="http://schemas.microsoft.com/office/drawing/2010/main" xmlns="" w="9525">
                   <a:solidFill>
                     <a:srgbClr val="000000"/>
                   </a:solidFill>
@@ -2361,7 +2444,7 @@
             </a:ln>
             <a:extLst>
               <a:ext uri="{91240B29-F687-4f45-9708-019B960494DF}">
-                <a14:hiddenLine xmlns="" xmlns:a14="http://schemas.microsoft.com/office/drawing/2010/main" w="9525">
+                <a14:hiddenLine xmlns:a14="http://schemas.microsoft.com/office/drawing/2010/main" xmlns="" w="9525">
                   <a:solidFill>
                     <a:srgbClr val="000000"/>
                   </a:solidFill>
@@ -2423,7 +2506,7 @@
             </a:ln>
             <a:extLst>
               <a:ext uri="{91240B29-F687-4f45-9708-019B960494DF}">
-                <a14:hiddenLine xmlns="" xmlns:a14="http://schemas.microsoft.com/office/drawing/2010/main" w="9525">
+                <a14:hiddenLine xmlns:a14="http://schemas.microsoft.com/office/drawing/2010/main" xmlns="" w="9525">
                   <a:solidFill>
                     <a:srgbClr val="000000"/>
                   </a:solidFill>
@@ -2513,7 +2596,7 @@
             </a:ln>
             <a:extLst>
               <a:ext uri="{91240B29-F687-4f45-9708-019B960494DF}">
-                <a14:hiddenLine xmlns="" xmlns:a14="http://schemas.microsoft.com/office/drawing/2010/main" w="9525">
+                <a14:hiddenLine xmlns:a14="http://schemas.microsoft.com/office/drawing/2010/main" xmlns="" w="9525">
                   <a:solidFill>
                     <a:srgbClr val="000000"/>
                   </a:solidFill>
@@ -2603,7 +2686,7 @@
             </a:ln>
             <a:extLst>
               <a:ext uri="{91240B29-F687-4f45-9708-019B960494DF}">
-                <a14:hiddenLine xmlns="" xmlns:a14="http://schemas.microsoft.com/office/drawing/2010/main" w="9525">
+                <a14:hiddenLine xmlns:a14="http://schemas.microsoft.com/office/drawing/2010/main" xmlns="" w="9525">
                   <a:solidFill>
                     <a:srgbClr val="000000"/>
                   </a:solidFill>
@@ -2665,7 +2748,7 @@
             </a:ln>
             <a:extLst>
               <a:ext uri="{91240B29-F687-4f45-9708-019B960494DF}">
-                <a14:hiddenLine xmlns="" xmlns:a14="http://schemas.microsoft.com/office/drawing/2010/main" w="9525">
+                <a14:hiddenLine xmlns:a14="http://schemas.microsoft.com/office/drawing/2010/main" xmlns="" w="9525">
                   <a:solidFill>
                     <a:srgbClr val="000000"/>
                   </a:solidFill>
@@ -2755,7 +2838,7 @@
             </a:ln>
             <a:extLst>
               <a:ext uri="{91240B29-F687-4f45-9708-019B960494DF}">
-                <a14:hiddenLine xmlns="" xmlns:a14="http://schemas.microsoft.com/office/drawing/2010/main" w="9525">
+                <a14:hiddenLine xmlns:a14="http://schemas.microsoft.com/office/drawing/2010/main" xmlns="" w="9525">
                   <a:solidFill>
                     <a:srgbClr val="000000"/>
                   </a:solidFill>
@@ -2845,7 +2928,7 @@
             </a:ln>
             <a:extLst>
               <a:ext uri="{91240B29-F687-4f45-9708-019B960494DF}">
-                <a14:hiddenLine xmlns="" xmlns:a14="http://schemas.microsoft.com/office/drawing/2010/main" w="9525">
+                <a14:hiddenLine xmlns:a14="http://schemas.microsoft.com/office/drawing/2010/main" xmlns="" w="9525">
                   <a:solidFill>
                     <a:srgbClr val="000000"/>
                   </a:solidFill>
@@ -2901,7 +2984,7 @@
             </a:ln>
             <a:extLst>
               <a:ext uri="{91240B29-F687-4f45-9708-019B960494DF}">
-                <a14:hiddenLine xmlns="" xmlns:a14="http://schemas.microsoft.com/office/drawing/2010/main" w="9525">
+                <a14:hiddenLine xmlns:a14="http://schemas.microsoft.com/office/drawing/2010/main" xmlns="" w="9525">
                   <a:solidFill>
                     <a:srgbClr val="000000"/>
                   </a:solidFill>
@@ -2991,7 +3074,7 @@
             </a:ln>
             <a:extLst>
               <a:ext uri="{91240B29-F687-4f45-9708-019B960494DF}">
-                <a14:hiddenLine xmlns="" xmlns:a14="http://schemas.microsoft.com/office/drawing/2010/main" w="9525">
+                <a14:hiddenLine xmlns:a14="http://schemas.microsoft.com/office/drawing/2010/main" xmlns="" w="9525">
                   <a:solidFill>
                     <a:srgbClr val="000000"/>
                   </a:solidFill>
@@ -3047,7 +3130,7 @@
             </a:ln>
             <a:extLst>
               <a:ext uri="{91240B29-F687-4f45-9708-019B960494DF}">
-                <a14:hiddenLine xmlns="" xmlns:a14="http://schemas.microsoft.com/office/drawing/2010/main" w="9525">
+                <a14:hiddenLine xmlns:a14="http://schemas.microsoft.com/office/drawing/2010/main" xmlns="" w="9525">
                   <a:solidFill>
                     <a:srgbClr val="000000"/>
                   </a:solidFill>
@@ -3137,7 +3220,7 @@
             </a:ln>
             <a:extLst>
               <a:ext uri="{91240B29-F687-4f45-9708-019B960494DF}">
-                <a14:hiddenLine xmlns="" xmlns:a14="http://schemas.microsoft.com/office/drawing/2010/main" w="9525">
+                <a14:hiddenLine xmlns:a14="http://schemas.microsoft.com/office/drawing/2010/main" xmlns="" w="9525">
                   <a:solidFill>
                     <a:srgbClr val="000000"/>
                   </a:solidFill>
@@ -3205,7 +3288,7 @@
             </a:ln>
             <a:extLst>
               <a:ext uri="{91240B29-F687-4f45-9708-019B960494DF}">
-                <a14:hiddenLine xmlns="" xmlns:a14="http://schemas.microsoft.com/office/drawing/2010/main" w="9525">
+                <a14:hiddenLine xmlns:a14="http://schemas.microsoft.com/office/drawing/2010/main" xmlns="" w="9525">
                   <a:solidFill>
                     <a:srgbClr val="000000"/>
                   </a:solidFill>
@@ -3295,7 +3378,7 @@
             </a:ln>
             <a:extLst>
               <a:ext uri="{91240B29-F687-4f45-9708-019B960494DF}">
-                <a14:hiddenLine xmlns="" xmlns:a14="http://schemas.microsoft.com/office/drawing/2010/main" w="9525">
+                <a14:hiddenLine xmlns:a14="http://schemas.microsoft.com/office/drawing/2010/main" xmlns="" w="9525">
                   <a:solidFill>
                     <a:srgbClr val="000000"/>
                   </a:solidFill>
@@ -3363,7 +3446,7 @@
             </a:ln>
             <a:extLst>
               <a:ext uri="{91240B29-F687-4f45-9708-019B960494DF}">
-                <a14:hiddenLine xmlns="" xmlns:a14="http://schemas.microsoft.com/office/drawing/2010/main" w="9525">
+                <a14:hiddenLine xmlns:a14="http://schemas.microsoft.com/office/drawing/2010/main" xmlns="" w="9525">
                   <a:solidFill>
                     <a:srgbClr val="000000"/>
                   </a:solidFill>
@@ -3453,7 +3536,7 @@
             </a:ln>
             <a:extLst>
               <a:ext uri="{91240B29-F687-4f45-9708-019B960494DF}">
-                <a14:hiddenLine xmlns="" xmlns:a14="http://schemas.microsoft.com/office/drawing/2010/main" w="9525">
+                <a14:hiddenLine xmlns:a14="http://schemas.microsoft.com/office/drawing/2010/main" xmlns="" w="9525">
                   <a:solidFill>
                     <a:srgbClr val="000000"/>
                   </a:solidFill>
@@ -3487,7 +3570,7 @@
             </a:ln>
             <a:extLst>
               <a:ext uri="{91240B29-F687-4f45-9708-019B960494DF}">
-                <a14:hiddenLine xmlns="" xmlns:a14="http://schemas.microsoft.com/office/drawing/2010/main" w="9525">
+                <a14:hiddenLine xmlns:a14="http://schemas.microsoft.com/office/drawing/2010/main" xmlns="" w="9525">
                   <a:solidFill>
                     <a:srgbClr val="000000"/>
                   </a:solidFill>
@@ -3577,7 +3660,7 @@
             </a:ln>
             <a:extLst>
               <a:ext uri="{91240B29-F687-4f45-9708-019B960494DF}">
-                <a14:hiddenLine xmlns="" xmlns:a14="http://schemas.microsoft.com/office/drawing/2010/main" w="9525">
+                <a14:hiddenLine xmlns:a14="http://schemas.microsoft.com/office/drawing/2010/main" xmlns="" w="9525">
                   <a:solidFill>
                     <a:srgbClr val="000000"/>
                   </a:solidFill>
@@ -3639,7 +3722,7 @@
             </a:ln>
             <a:extLst>
               <a:ext uri="{91240B29-F687-4f45-9708-019B960494DF}">
-                <a14:hiddenLine xmlns="" xmlns:a14="http://schemas.microsoft.com/office/drawing/2010/main" w="9525">
+                <a14:hiddenLine xmlns:a14="http://schemas.microsoft.com/office/drawing/2010/main" xmlns="" w="9525">
                   <a:solidFill>
                     <a:srgbClr val="000000"/>
                   </a:solidFill>
@@ -3701,7 +3784,7 @@
             </a:ln>
             <a:extLst>
               <a:ext uri="{91240B29-F687-4f45-9708-019B960494DF}">
-                <a14:hiddenLine xmlns="" xmlns:a14="http://schemas.microsoft.com/office/drawing/2010/main" w="9525">
+                <a14:hiddenLine xmlns:a14="http://schemas.microsoft.com/office/drawing/2010/main" xmlns="" w="9525">
                   <a:solidFill>
                     <a:srgbClr val="000000"/>
                   </a:solidFill>
@@ -3791,7 +3874,7 @@
             </a:ln>
             <a:extLst>
               <a:ext uri="{91240B29-F687-4f45-9708-019B960494DF}">
-                <a14:hiddenLine xmlns="" xmlns:a14="http://schemas.microsoft.com/office/drawing/2010/main" w="9525">
+                <a14:hiddenLine xmlns:a14="http://schemas.microsoft.com/office/drawing/2010/main" xmlns="" w="9525">
                   <a:solidFill>
                     <a:srgbClr val="000000"/>
                   </a:solidFill>
@@ -3859,7 +3942,7 @@
             </a:ln>
             <a:extLst>
               <a:ext uri="{91240B29-F687-4f45-9708-019B960494DF}">
-                <a14:hiddenLine xmlns="" xmlns:a14="http://schemas.microsoft.com/office/drawing/2010/main" w="9525">
+                <a14:hiddenLine xmlns:a14="http://schemas.microsoft.com/office/drawing/2010/main" xmlns="" w="9525">
                   <a:solidFill>
                     <a:srgbClr val="000000"/>
                   </a:solidFill>
@@ -3921,7 +4004,7 @@
             </a:ln>
             <a:extLst>
               <a:ext uri="{91240B29-F687-4f45-9708-019B960494DF}">
-                <a14:hiddenLine xmlns="" xmlns:a14="http://schemas.microsoft.com/office/drawing/2010/main" w="9525">
+                <a14:hiddenLine xmlns:a14="http://schemas.microsoft.com/office/drawing/2010/main" xmlns="" w="9525">
                   <a:solidFill>
                     <a:srgbClr val="000000"/>
                   </a:solidFill>
@@ -4011,7 +4094,7 @@
             </a:ln>
             <a:extLst>
               <a:ext uri="{91240B29-F687-4f45-9708-019B960494DF}">
-                <a14:hiddenLine xmlns="" xmlns:a14="http://schemas.microsoft.com/office/drawing/2010/main" w="9525">
+                <a14:hiddenLine xmlns:a14="http://schemas.microsoft.com/office/drawing/2010/main" xmlns="" w="9525">
                   <a:solidFill>
                     <a:srgbClr val="000000"/>
                   </a:solidFill>
@@ -4073,7 +4156,7 @@
             </a:ln>
             <a:extLst>
               <a:ext uri="{91240B29-F687-4f45-9708-019B960494DF}">
-                <a14:hiddenLine xmlns="" xmlns:a14="http://schemas.microsoft.com/office/drawing/2010/main" w="9525">
+                <a14:hiddenLine xmlns:a14="http://schemas.microsoft.com/office/drawing/2010/main" xmlns="" w="9525">
                   <a:solidFill>
                     <a:srgbClr val="000000"/>
                   </a:solidFill>
@@ -4163,7 +4246,7 @@
             </a:ln>
             <a:extLst>
               <a:ext uri="{91240B29-F687-4f45-9708-019B960494DF}">
-                <a14:hiddenLine xmlns="" xmlns:a14="http://schemas.microsoft.com/office/drawing/2010/main" w="9525">
+                <a14:hiddenLine xmlns:a14="http://schemas.microsoft.com/office/drawing/2010/main" xmlns="" w="9525">
                   <a:solidFill>
                     <a:srgbClr val="000000"/>
                   </a:solidFill>
@@ -4225,7 +4308,7 @@
             </a:ln>
             <a:extLst>
               <a:ext uri="{91240B29-F687-4f45-9708-019B960494DF}">
-                <a14:hiddenLine xmlns="" xmlns:a14="http://schemas.microsoft.com/office/drawing/2010/main" w="9525">
+                <a14:hiddenLine xmlns:a14="http://schemas.microsoft.com/office/drawing/2010/main" xmlns="" w="9525">
                   <a:solidFill>
                     <a:srgbClr val="000000"/>
                   </a:solidFill>
@@ -4315,7 +4398,7 @@
             </a:ln>
             <a:extLst>
               <a:ext uri="{91240B29-F687-4f45-9708-019B960494DF}">
-                <a14:hiddenLine xmlns="" xmlns:a14="http://schemas.microsoft.com/office/drawing/2010/main" w="9525">
+                <a14:hiddenLine xmlns:a14="http://schemas.microsoft.com/office/drawing/2010/main" xmlns="" w="9525">
                   <a:solidFill>
                     <a:srgbClr val="000000"/>
                   </a:solidFill>
@@ -4349,7 +4432,7 @@
             </a:ln>
             <a:extLst>
               <a:ext uri="{91240B29-F687-4f45-9708-019B960494DF}">
-                <a14:hiddenLine xmlns="" xmlns:a14="http://schemas.microsoft.com/office/drawing/2010/main" w="9525">
+                <a14:hiddenLine xmlns:a14="http://schemas.microsoft.com/office/drawing/2010/main" xmlns="" w="9525">
                   <a:solidFill>
                     <a:srgbClr val="000000"/>
                   </a:solidFill>
@@ -4414,7 +4497,7 @@
             </a:ln>
             <a:extLst>
               <a:ext uri="{91240B29-F687-4f45-9708-019B960494DF}">
-                <a14:hiddenLine xmlns="" xmlns:a14="http://schemas.microsoft.com/office/drawing/2010/main" w="9525">
+                <a14:hiddenLine xmlns:a14="http://schemas.microsoft.com/office/drawing/2010/main" xmlns="" w="9525">
                   <a:solidFill>
                     <a:srgbClr val="000000"/>
                   </a:solidFill>
@@ -4504,7 +4587,7 @@
             </a:ln>
             <a:extLst>
               <a:ext uri="{91240B29-F687-4f45-9708-019B960494DF}">
-                <a14:hiddenLine xmlns="" xmlns:a14="http://schemas.microsoft.com/office/drawing/2010/main" w="9525">
+                <a14:hiddenLine xmlns:a14="http://schemas.microsoft.com/office/drawing/2010/main" xmlns="" w="9525">
                   <a:solidFill>
                     <a:srgbClr val="000000"/>
                   </a:solidFill>
@@ -4566,7 +4649,7 @@
             </a:ln>
             <a:extLst>
               <a:ext uri="{91240B29-F687-4f45-9708-019B960494DF}">
-                <a14:hiddenLine xmlns="" xmlns:a14="http://schemas.microsoft.com/office/drawing/2010/main" w="9525">
+                <a14:hiddenLine xmlns:a14="http://schemas.microsoft.com/office/drawing/2010/main" xmlns="" w="9525">
                   <a:solidFill>
                     <a:srgbClr val="000000"/>
                   </a:solidFill>
@@ -4656,7 +4739,7 @@
             </a:ln>
             <a:extLst>
               <a:ext uri="{91240B29-F687-4f45-9708-019B960494DF}">
-                <a14:hiddenLine xmlns="" xmlns:a14="http://schemas.microsoft.com/office/drawing/2010/main" w="9525">
+                <a14:hiddenLine xmlns:a14="http://schemas.microsoft.com/office/drawing/2010/main" xmlns="" w="9525">
                   <a:solidFill>
                     <a:srgbClr val="000000"/>
                   </a:solidFill>
@@ -4746,7 +4829,7 @@
             </a:ln>
             <a:extLst>
               <a:ext uri="{91240B29-F687-4f45-9708-019B960494DF}">
-                <a14:hiddenLine xmlns="" xmlns:a14="http://schemas.microsoft.com/office/drawing/2010/main" w="9525">
+                <a14:hiddenLine xmlns:a14="http://schemas.microsoft.com/office/drawing/2010/main" xmlns="" w="9525">
                   <a:solidFill>
                     <a:srgbClr val="000000"/>
                   </a:solidFill>
@@ -4811,7 +4894,7 @@
             </a:ln>
             <a:extLst>
               <a:ext uri="{91240B29-F687-4f45-9708-019B960494DF}">
-                <a14:hiddenLine xmlns="" xmlns:a14="http://schemas.microsoft.com/office/drawing/2010/main" w="9525">
+                <a14:hiddenLine xmlns:a14="http://schemas.microsoft.com/office/drawing/2010/main" xmlns="" w="9525">
                   <a:solidFill>
                     <a:srgbClr val="000000"/>
                   </a:solidFill>
@@ -4873,7 +4956,7 @@
             </a:ln>
             <a:extLst>
               <a:ext uri="{91240B29-F687-4f45-9708-019B960494DF}">
-                <a14:hiddenLine xmlns="" xmlns:a14="http://schemas.microsoft.com/office/drawing/2010/main" w="9525">
+                <a14:hiddenLine xmlns:a14="http://schemas.microsoft.com/office/drawing/2010/main" xmlns="" w="9525">
                   <a:solidFill>
                     <a:srgbClr val="000000"/>
                   </a:solidFill>
@@ -4963,7 +5046,7 @@
             </a:ln>
             <a:extLst>
               <a:ext uri="{91240B29-F687-4f45-9708-019B960494DF}">
-                <a14:hiddenLine xmlns="" xmlns:a14="http://schemas.microsoft.com/office/drawing/2010/main" w="9525">
+                <a14:hiddenLine xmlns:a14="http://schemas.microsoft.com/office/drawing/2010/main" xmlns="" w="9525">
                   <a:solidFill>
                     <a:srgbClr val="000000"/>
                   </a:solidFill>
@@ -5053,7 +5136,7 @@
             </a:ln>
             <a:extLst>
               <a:ext uri="{91240B29-F687-4f45-9708-019B960494DF}">
-                <a14:hiddenLine xmlns="" xmlns:a14="http://schemas.microsoft.com/office/drawing/2010/main" w="9525">
+                <a14:hiddenLine xmlns:a14="http://schemas.microsoft.com/office/drawing/2010/main" xmlns="" w="9525">
                   <a:solidFill>
                     <a:srgbClr val="000000"/>
                   </a:solidFill>
@@ -5115,7 +5198,7 @@
             </a:ln>
             <a:extLst>
               <a:ext uri="{91240B29-F687-4f45-9708-019B960494DF}">
-                <a14:hiddenLine xmlns="" xmlns:a14="http://schemas.microsoft.com/office/drawing/2010/main" w="9525">
+                <a14:hiddenLine xmlns:a14="http://schemas.microsoft.com/office/drawing/2010/main" xmlns="" w="9525">
                   <a:solidFill>
                     <a:srgbClr val="000000"/>
                   </a:solidFill>
@@ -5235,7 +5318,7 @@
             </a:ln>
             <a:extLst>
               <a:ext uri="{91240B29-F687-4f45-9708-019B960494DF}">
-                <a14:hiddenLine xmlns="" xmlns:a14="http://schemas.microsoft.com/office/drawing/2010/main" w="9525">
+                <a14:hiddenLine xmlns:a14="http://schemas.microsoft.com/office/drawing/2010/main" xmlns="" w="9525">
                   <a:solidFill>
                     <a:srgbClr val="000000"/>
                   </a:solidFill>
@@ -5303,7 +5386,7 @@
             </a:ln>
             <a:extLst>
               <a:ext uri="{91240B29-F687-4f45-9708-019B960494DF}">
-                <a14:hiddenLine xmlns="" xmlns:a14="http://schemas.microsoft.com/office/drawing/2010/main" w="9525">
+                <a14:hiddenLine xmlns:a14="http://schemas.microsoft.com/office/drawing/2010/main" xmlns="" w="9525">
                   <a:solidFill>
                     <a:srgbClr val="000000"/>
                   </a:solidFill>
@@ -5393,7 +5476,7 @@
             </a:ln>
             <a:extLst>
               <a:ext uri="{91240B29-F687-4f45-9708-019B960494DF}">
-                <a14:hiddenLine xmlns="" xmlns:a14="http://schemas.microsoft.com/office/drawing/2010/main" w="9525">
+                <a14:hiddenLine xmlns:a14="http://schemas.microsoft.com/office/drawing/2010/main" xmlns="" w="9525">
                   <a:solidFill>
                     <a:srgbClr val="000000"/>
                   </a:solidFill>
@@ -5533,7 +5616,7 @@
           <a:p>
             <a:fld id="{48A87A34-81AB-432B-8DAE-1953F412C126}" type="datetimeFigureOut">
               <a:rPr lang="en-US" dirty="0"/>
-              <a:t>08-Feb-19</a:t>
+              <a:t>09-Feb-19</a:t>
             </a:fld>
             <a:endParaRPr lang="en-US" dirty="0"/>
           </a:p>
@@ -5795,7 +5878,7 @@
           <a:p>
             <a:fld id="{48A87A34-81AB-432B-8DAE-1953F412C126}" type="datetimeFigureOut">
               <a:rPr lang="en-US" dirty="0"/>
-              <a:t>08-Feb-19</a:t>
+              <a:t>09-Feb-19</a:t>
             </a:fld>
             <a:endParaRPr lang="en-US" dirty="0"/>
           </a:p>
@@ -5986,7 +6069,7 @@
           <a:p>
             <a:fld id="{48A87A34-81AB-432B-8DAE-1953F412C126}" type="datetimeFigureOut">
               <a:rPr lang="en-US" dirty="0"/>
-              <a:t>08-Feb-19</a:t>
+              <a:t>09-Feb-19</a:t>
             </a:fld>
             <a:endParaRPr lang="en-US" dirty="0"/>
           </a:p>
@@ -6244,7 +6327,7 @@
           <a:p>
             <a:fld id="{48A87A34-81AB-432B-8DAE-1953F412C126}" type="datetimeFigureOut">
               <a:rPr lang="en-US" dirty="0"/>
-              <a:t>08-Feb-19</a:t>
+              <a:t>09-Feb-19</a:t>
             </a:fld>
             <a:endParaRPr lang="en-US" dirty="0"/>
           </a:p>
@@ -6673,7 +6756,7 @@
           <a:p>
             <a:fld id="{48A87A34-81AB-432B-8DAE-1953F412C126}" type="datetimeFigureOut">
               <a:rPr lang="en-US" dirty="0"/>
-              <a:t>08-Feb-19</a:t>
+              <a:t>09-Feb-19</a:t>
             </a:fld>
             <a:endParaRPr lang="en-US" dirty="0"/>
           </a:p>
@@ -7214,7 +7297,7 @@
           <a:p>
             <a:fld id="{48A87A34-81AB-432B-8DAE-1953F412C126}" type="datetimeFigureOut">
               <a:rPr lang="en-US" dirty="0"/>
-              <a:t>08-Feb-19</a:t>
+              <a:t>09-Feb-19</a:t>
             </a:fld>
             <a:endParaRPr lang="en-US" dirty="0"/>
           </a:p>
@@ -7929,7 +8012,7 @@
           <a:p>
             <a:fld id="{48A87A34-81AB-432B-8DAE-1953F412C126}" type="datetimeFigureOut">
               <a:rPr lang="en-US" dirty="0"/>
-              <a:t>08-Feb-19</a:t>
+              <a:t>09-Feb-19</a:t>
             </a:fld>
             <a:endParaRPr lang="en-US" dirty="0"/>
           </a:p>
@@ -8094,7 +8177,7 @@
           <a:p>
             <a:fld id="{48A87A34-81AB-432B-8DAE-1953F412C126}" type="datetimeFigureOut">
               <a:rPr lang="en-US" dirty="0"/>
-              <a:t>08-Feb-19</a:t>
+              <a:t>09-Feb-19</a:t>
             </a:fld>
             <a:endParaRPr lang="en-US" dirty="0"/>
           </a:p>
@@ -8269,7 +8352,7 @@
           <a:p>
             <a:fld id="{48A87A34-81AB-432B-8DAE-1953F412C126}" type="datetimeFigureOut">
               <a:rPr lang="en-US" dirty="0"/>
-              <a:t>08-Feb-19</a:t>
+              <a:t>09-Feb-19</a:t>
             </a:fld>
             <a:endParaRPr lang="en-US" dirty="0"/>
           </a:p>
@@ -8434,7 +8517,7 @@
           <a:p>
             <a:fld id="{48A87A34-81AB-432B-8DAE-1953F412C126}" type="datetimeFigureOut">
               <a:rPr lang="en-US" dirty="0"/>
-              <a:t>08-Feb-19</a:t>
+              <a:t>09-Feb-19</a:t>
             </a:fld>
             <a:endParaRPr lang="en-US" dirty="0"/>
           </a:p>
@@ -8679,7 +8762,7 @@
           <a:p>
             <a:fld id="{48A87A34-81AB-432B-8DAE-1953F412C126}" type="datetimeFigureOut">
               <a:rPr lang="en-US" dirty="0"/>
-              <a:t>08-Feb-19</a:t>
+              <a:t>09-Feb-19</a:t>
             </a:fld>
             <a:endParaRPr lang="en-US" dirty="0"/>
           </a:p>
@@ -8906,7 +8989,7 @@
           <a:p>
             <a:fld id="{48A87A34-81AB-432B-8DAE-1953F412C126}" type="datetimeFigureOut">
               <a:rPr lang="en-US" dirty="0"/>
-              <a:t>08-Feb-19</a:t>
+              <a:t>09-Feb-19</a:t>
             </a:fld>
             <a:endParaRPr lang="en-US" dirty="0"/>
           </a:p>
@@ -9282,7 +9365,7 @@
           <a:p>
             <a:fld id="{48A87A34-81AB-432B-8DAE-1953F412C126}" type="datetimeFigureOut">
               <a:rPr lang="en-US" dirty="0"/>
-              <a:t>08-Feb-19</a:t>
+              <a:t>09-Feb-19</a:t>
             </a:fld>
             <a:endParaRPr lang="en-US" dirty="0"/>
           </a:p>
@@ -9395,7 +9478,7 @@
           <a:p>
             <a:fld id="{48A87A34-81AB-432B-8DAE-1953F412C126}" type="datetimeFigureOut">
               <a:rPr lang="en-US" dirty="0"/>
-              <a:t>08-Feb-19</a:t>
+              <a:t>09-Feb-19</a:t>
             </a:fld>
             <a:endParaRPr lang="en-US" dirty="0"/>
           </a:p>
@@ -9485,7 +9568,7 @@
           <a:p>
             <a:fld id="{48A87A34-81AB-432B-8DAE-1953F412C126}" type="datetimeFigureOut">
               <a:rPr lang="en-US" dirty="0"/>
-              <a:t>08-Feb-19</a:t>
+              <a:t>09-Feb-19</a:t>
             </a:fld>
             <a:endParaRPr lang="en-US" dirty="0"/>
           </a:p>
@@ -9729,7 +9812,7 @@
           <a:p>
             <a:fld id="{48A87A34-81AB-432B-8DAE-1953F412C126}" type="datetimeFigureOut">
               <a:rPr lang="en-US" dirty="0"/>
-              <a:t>08-Feb-19</a:t>
+              <a:t>09-Feb-19</a:t>
             </a:fld>
             <a:endParaRPr lang="en-US" dirty="0"/>
           </a:p>
@@ -10004,7 +10087,7 @@
           <a:p>
             <a:fld id="{48A87A34-81AB-432B-8DAE-1953F412C126}" type="datetimeFigureOut">
               <a:rPr lang="en-US" dirty="0"/>
-              <a:t>08-Feb-19</a:t>
+              <a:t>09-Feb-19</a:t>
             </a:fld>
             <a:endParaRPr lang="en-US" dirty="0"/>
           </a:p>
@@ -10115,7 +10198,7 @@
           <a:noFill/>
           <a:extLst>
             <a:ext uri="{909E8E84-426E-40dd-AFC4-6F175D3DCCD1}">
-              <a14:hiddenFill xmlns="" xmlns:a14="http://schemas.microsoft.com/office/drawing/2010/main">
+              <a14:hiddenFill xmlns:a14="http://schemas.microsoft.com/office/drawing/2010/main" xmlns="">
                 <a:solidFill>
                   <a:srgbClr val="FFFFFF"/>
                 </a:solidFill>
@@ -10189,7 +10272,7 @@
               </a:ln>
               <a:extLst>
                 <a:ext uri="{91240B29-F687-4f45-9708-019B960494DF}">
-                  <a14:hiddenLine xmlns="" xmlns:a14="http://schemas.microsoft.com/office/drawing/2010/main" w="9525">
+                  <a14:hiddenLine xmlns:a14="http://schemas.microsoft.com/office/drawing/2010/main" xmlns="" w="9525">
                     <a:solidFill>
                       <a:srgbClr val="000000"/>
                     </a:solidFill>
@@ -10279,7 +10362,7 @@
               </a:ln>
               <a:extLst>
                 <a:ext uri="{91240B29-F687-4f45-9708-019B960494DF}">
-                  <a14:hiddenLine xmlns="" xmlns:a14="http://schemas.microsoft.com/office/drawing/2010/main" w="9525">
+                  <a14:hiddenLine xmlns:a14="http://schemas.microsoft.com/office/drawing/2010/main" xmlns="" w="9525">
                     <a:solidFill>
                       <a:srgbClr val="000000"/>
                     </a:solidFill>
@@ -10369,7 +10452,7 @@
               </a:ln>
               <a:extLst>
                 <a:ext uri="{91240B29-F687-4f45-9708-019B960494DF}">
-                  <a14:hiddenLine xmlns="" xmlns:a14="http://schemas.microsoft.com/office/drawing/2010/main" w="9525">
+                  <a14:hiddenLine xmlns:a14="http://schemas.microsoft.com/office/drawing/2010/main" xmlns="" w="9525">
                     <a:solidFill>
                       <a:srgbClr val="000000"/>
                     </a:solidFill>
@@ -10431,7 +10514,7 @@
               </a:ln>
               <a:extLst>
                 <a:ext uri="{91240B29-F687-4f45-9708-019B960494DF}">
-                  <a14:hiddenLine xmlns="" xmlns:a14="http://schemas.microsoft.com/office/drawing/2010/main" w="9525">
+                  <a14:hiddenLine xmlns:a14="http://schemas.microsoft.com/office/drawing/2010/main" xmlns="" w="9525">
                     <a:solidFill>
                       <a:srgbClr val="000000"/>
                     </a:solidFill>
@@ -10521,7 +10604,7 @@
               </a:ln>
               <a:extLst>
                 <a:ext uri="{91240B29-F687-4f45-9708-019B960494DF}">
-                  <a14:hiddenLine xmlns="" xmlns:a14="http://schemas.microsoft.com/office/drawing/2010/main" w="9525">
+                  <a14:hiddenLine xmlns:a14="http://schemas.microsoft.com/office/drawing/2010/main" xmlns="" w="9525">
                     <a:solidFill>
                       <a:srgbClr val="000000"/>
                     </a:solidFill>
@@ -10583,7 +10666,7 @@
               </a:ln>
               <a:extLst>
                 <a:ext uri="{91240B29-F687-4f45-9708-019B960494DF}">
-                  <a14:hiddenLine xmlns="" xmlns:a14="http://schemas.microsoft.com/office/drawing/2010/main" w="9525">
+                  <a14:hiddenLine xmlns:a14="http://schemas.microsoft.com/office/drawing/2010/main" xmlns="" w="9525">
                     <a:solidFill>
                       <a:srgbClr val="000000"/>
                     </a:solidFill>
@@ -10645,7 +10728,7 @@
               </a:ln>
               <a:extLst>
                 <a:ext uri="{91240B29-F687-4f45-9708-019B960494DF}">
-                  <a14:hiddenLine xmlns="" xmlns:a14="http://schemas.microsoft.com/office/drawing/2010/main" w="9525">
+                  <a14:hiddenLine xmlns:a14="http://schemas.microsoft.com/office/drawing/2010/main" xmlns="" w="9525">
                     <a:solidFill>
                       <a:srgbClr val="000000"/>
                     </a:solidFill>
@@ -10735,7 +10818,7 @@
               </a:ln>
               <a:extLst>
                 <a:ext uri="{91240B29-F687-4f45-9708-019B960494DF}">
-                  <a14:hiddenLine xmlns="" xmlns:a14="http://schemas.microsoft.com/office/drawing/2010/main" w="9525">
+                  <a14:hiddenLine xmlns:a14="http://schemas.microsoft.com/office/drawing/2010/main" xmlns="" w="9525">
                     <a:solidFill>
                       <a:srgbClr val="000000"/>
                     </a:solidFill>
@@ -10825,7 +10908,7 @@
               </a:ln>
               <a:extLst>
                 <a:ext uri="{91240B29-F687-4f45-9708-019B960494DF}">
-                  <a14:hiddenLine xmlns="" xmlns:a14="http://schemas.microsoft.com/office/drawing/2010/main" w="9525">
+                  <a14:hiddenLine xmlns:a14="http://schemas.microsoft.com/office/drawing/2010/main" xmlns="" w="9525">
                     <a:solidFill>
                       <a:srgbClr val="000000"/>
                     </a:solidFill>
@@ -10887,7 +10970,7 @@
               </a:ln>
               <a:extLst>
                 <a:ext uri="{91240B29-F687-4f45-9708-019B960494DF}">
-                  <a14:hiddenLine xmlns="" xmlns:a14="http://schemas.microsoft.com/office/drawing/2010/main" w="9525">
+                  <a14:hiddenLine xmlns:a14="http://schemas.microsoft.com/office/drawing/2010/main" xmlns="" w="9525">
                     <a:solidFill>
                       <a:srgbClr val="000000"/>
                     </a:solidFill>
@@ -10997,7 +11080,7 @@
               </a:ln>
               <a:extLst>
                 <a:ext uri="{91240B29-F687-4f45-9708-019B960494DF}">
-                  <a14:hiddenLine xmlns="" xmlns:a14="http://schemas.microsoft.com/office/drawing/2010/main" w="9525">
+                  <a14:hiddenLine xmlns:a14="http://schemas.microsoft.com/office/drawing/2010/main" xmlns="" w="9525">
                     <a:solidFill>
                       <a:srgbClr val="000000"/>
                     </a:solidFill>
@@ -11081,7 +11164,7 @@
               </a:ln>
               <a:extLst>
                 <a:ext uri="{91240B29-F687-4f45-9708-019B960494DF}">
-                  <a14:hiddenLine xmlns="" xmlns:a14="http://schemas.microsoft.com/office/drawing/2010/main" w="9525">
+                  <a14:hiddenLine xmlns:a14="http://schemas.microsoft.com/office/drawing/2010/main" xmlns="" w="9525">
                     <a:solidFill>
                       <a:srgbClr val="000000"/>
                     </a:solidFill>
@@ -11143,7 +11226,7 @@
               </a:ln>
               <a:extLst>
                 <a:ext uri="{91240B29-F687-4f45-9708-019B960494DF}">
-                  <a14:hiddenLine xmlns="" xmlns:a14="http://schemas.microsoft.com/office/drawing/2010/main" w="9525">
+                  <a14:hiddenLine xmlns:a14="http://schemas.microsoft.com/office/drawing/2010/main" xmlns="" w="9525">
                     <a:solidFill>
                       <a:srgbClr val="000000"/>
                     </a:solidFill>
@@ -11205,7 +11288,7 @@
               </a:ln>
               <a:extLst>
                 <a:ext uri="{91240B29-F687-4f45-9708-019B960494DF}">
-                  <a14:hiddenLine xmlns="" xmlns:a14="http://schemas.microsoft.com/office/drawing/2010/main" w="9525">
+                  <a14:hiddenLine xmlns:a14="http://schemas.microsoft.com/office/drawing/2010/main" xmlns="" w="9525">
                     <a:solidFill>
                       <a:srgbClr val="000000"/>
                     </a:solidFill>
@@ -11295,7 +11378,7 @@
               </a:ln>
               <a:extLst>
                 <a:ext uri="{91240B29-F687-4f45-9708-019B960494DF}">
-                  <a14:hiddenLine xmlns="" xmlns:a14="http://schemas.microsoft.com/office/drawing/2010/main" w="9525">
+                  <a14:hiddenLine xmlns:a14="http://schemas.microsoft.com/office/drawing/2010/main" xmlns="" w="9525">
                     <a:solidFill>
                       <a:srgbClr val="000000"/>
                     </a:solidFill>
@@ -11329,7 +11412,7 @@
               </a:ln>
               <a:extLst>
                 <a:ext uri="{91240B29-F687-4f45-9708-019B960494DF}">
-                  <a14:hiddenLine xmlns="" xmlns:a14="http://schemas.microsoft.com/office/drawing/2010/main" w="9525">
+                  <a14:hiddenLine xmlns:a14="http://schemas.microsoft.com/office/drawing/2010/main" xmlns="" w="9525">
                     <a:solidFill>
                       <a:srgbClr val="000000"/>
                     </a:solidFill>
@@ -11394,7 +11477,7 @@
               </a:ln>
               <a:extLst>
                 <a:ext uri="{91240B29-F687-4f45-9708-019B960494DF}">
-                  <a14:hiddenLine xmlns="" xmlns:a14="http://schemas.microsoft.com/office/drawing/2010/main" w="9525">
+                  <a14:hiddenLine xmlns:a14="http://schemas.microsoft.com/office/drawing/2010/main" xmlns="" w="9525">
                     <a:solidFill>
                       <a:srgbClr val="000000"/>
                     </a:solidFill>
@@ -11484,7 +11567,7 @@
               </a:ln>
               <a:extLst>
                 <a:ext uri="{91240B29-F687-4f45-9708-019B960494DF}">
-                  <a14:hiddenLine xmlns="" xmlns:a14="http://schemas.microsoft.com/office/drawing/2010/main" w="9525">
+                  <a14:hiddenLine xmlns:a14="http://schemas.microsoft.com/office/drawing/2010/main" xmlns="" w="9525">
                     <a:solidFill>
                       <a:srgbClr val="000000"/>
                     </a:solidFill>
@@ -11546,7 +11629,7 @@
               </a:ln>
               <a:extLst>
                 <a:ext uri="{91240B29-F687-4f45-9708-019B960494DF}">
-                  <a14:hiddenLine xmlns="" xmlns:a14="http://schemas.microsoft.com/office/drawing/2010/main" w="9525">
+                  <a14:hiddenLine xmlns:a14="http://schemas.microsoft.com/office/drawing/2010/main" xmlns="" w="9525">
                     <a:solidFill>
                       <a:srgbClr val="000000"/>
                     </a:solidFill>
@@ -11636,7 +11719,7 @@
               </a:ln>
               <a:extLst>
                 <a:ext uri="{91240B29-F687-4f45-9708-019B960494DF}">
-                  <a14:hiddenLine xmlns="" xmlns:a14="http://schemas.microsoft.com/office/drawing/2010/main" w="9525">
+                  <a14:hiddenLine xmlns:a14="http://schemas.microsoft.com/office/drawing/2010/main" xmlns="" w="9525">
                     <a:solidFill>
                       <a:srgbClr val="000000"/>
                     </a:solidFill>
@@ -11701,7 +11784,7 @@
               </a:ln>
               <a:extLst>
                 <a:ext uri="{91240B29-F687-4f45-9708-019B960494DF}">
-                  <a14:hiddenLine xmlns="" xmlns:a14="http://schemas.microsoft.com/office/drawing/2010/main" w="9525">
+                  <a14:hiddenLine xmlns:a14="http://schemas.microsoft.com/office/drawing/2010/main" xmlns="" w="9525">
                     <a:solidFill>
                       <a:srgbClr val="000000"/>
                     </a:solidFill>
@@ -11763,7 +11846,7 @@
               </a:ln>
               <a:extLst>
                 <a:ext uri="{91240B29-F687-4f45-9708-019B960494DF}">
-                  <a14:hiddenLine xmlns="" xmlns:a14="http://schemas.microsoft.com/office/drawing/2010/main" w="9525">
+                  <a14:hiddenLine xmlns:a14="http://schemas.microsoft.com/office/drawing/2010/main" xmlns="" w="9525">
                     <a:solidFill>
                       <a:srgbClr val="000000"/>
                     </a:solidFill>
@@ -11853,7 +11936,7 @@
               </a:ln>
               <a:extLst>
                 <a:ext uri="{91240B29-F687-4f45-9708-019B960494DF}">
-                  <a14:hiddenLine xmlns="" xmlns:a14="http://schemas.microsoft.com/office/drawing/2010/main" w="9525">
+                  <a14:hiddenLine xmlns:a14="http://schemas.microsoft.com/office/drawing/2010/main" xmlns="" w="9525">
                     <a:solidFill>
                       <a:srgbClr val="000000"/>
                     </a:solidFill>
@@ -11943,7 +12026,7 @@
               </a:ln>
               <a:extLst>
                 <a:ext uri="{91240B29-F687-4f45-9708-019B960494DF}">
-                  <a14:hiddenLine xmlns="" xmlns:a14="http://schemas.microsoft.com/office/drawing/2010/main" w="9525">
+                  <a14:hiddenLine xmlns:a14="http://schemas.microsoft.com/office/drawing/2010/main" xmlns="" w="9525">
                     <a:solidFill>
                       <a:srgbClr val="000000"/>
                     </a:solidFill>
@@ -12008,7 +12091,7 @@
               </a:ln>
               <a:extLst>
                 <a:ext uri="{91240B29-F687-4f45-9708-019B960494DF}">
-                  <a14:hiddenLine xmlns="" xmlns:a14="http://schemas.microsoft.com/office/drawing/2010/main" w="9525">
+                  <a14:hiddenLine xmlns:a14="http://schemas.microsoft.com/office/drawing/2010/main" xmlns="" w="9525">
                     <a:solidFill>
                       <a:srgbClr val="000000"/>
                     </a:solidFill>
@@ -12128,7 +12211,7 @@
               </a:ln>
               <a:extLst>
                 <a:ext uri="{91240B29-F687-4f45-9708-019B960494DF}">
-                  <a14:hiddenLine xmlns="" xmlns:a14="http://schemas.microsoft.com/office/drawing/2010/main" w="9525">
+                  <a14:hiddenLine xmlns:a14="http://schemas.microsoft.com/office/drawing/2010/main" xmlns="" w="9525">
                     <a:solidFill>
                       <a:srgbClr val="000000"/>
                     </a:solidFill>
@@ -12226,7 +12309,7 @@
               </a:ln>
               <a:extLst>
                 <a:ext uri="{91240B29-F687-4f45-9708-019B960494DF}">
-                  <a14:hiddenLine xmlns="" xmlns:a14="http://schemas.microsoft.com/office/drawing/2010/main" w="9525">
+                  <a14:hiddenLine xmlns:a14="http://schemas.microsoft.com/office/drawing/2010/main" xmlns="" w="9525">
                     <a:solidFill>
                       <a:srgbClr val="000000"/>
                     </a:solidFill>
@@ -12341,7 +12424,7 @@
               </a:ln>
               <a:extLst>
                 <a:ext uri="{91240B29-F687-4f45-9708-019B960494DF}">
-                  <a14:hiddenLine xmlns="" xmlns:a14="http://schemas.microsoft.com/office/drawing/2010/main" w="9525">
+                  <a14:hiddenLine xmlns:a14="http://schemas.microsoft.com/office/drawing/2010/main" xmlns="" w="9525">
                     <a:solidFill>
                       <a:srgbClr val="000000"/>
                     </a:solidFill>
@@ -12431,7 +12514,7 @@
               </a:ln>
               <a:extLst>
                 <a:ext uri="{91240B29-F687-4f45-9708-019B960494DF}">
-                  <a14:hiddenLine xmlns="" xmlns:a14="http://schemas.microsoft.com/office/drawing/2010/main" w="9525">
+                  <a14:hiddenLine xmlns:a14="http://schemas.microsoft.com/office/drawing/2010/main" xmlns="" w="9525">
                     <a:solidFill>
                       <a:srgbClr val="000000"/>
                     </a:solidFill>
@@ -12496,7 +12579,7 @@
               </a:ln>
               <a:extLst>
                 <a:ext uri="{91240B29-F687-4f45-9708-019B960494DF}">
-                  <a14:hiddenLine xmlns="" xmlns:a14="http://schemas.microsoft.com/office/drawing/2010/main" w="9525">
+                  <a14:hiddenLine xmlns:a14="http://schemas.microsoft.com/office/drawing/2010/main" xmlns="" w="9525">
                     <a:solidFill>
                       <a:srgbClr val="000000"/>
                     </a:solidFill>
@@ -12586,7 +12669,7 @@
               </a:ln>
               <a:extLst>
                 <a:ext uri="{91240B29-F687-4f45-9708-019B960494DF}">
-                  <a14:hiddenLine xmlns="" xmlns:a14="http://schemas.microsoft.com/office/drawing/2010/main" w="9525">
+                  <a14:hiddenLine xmlns:a14="http://schemas.microsoft.com/office/drawing/2010/main" xmlns="" w="9525">
                     <a:solidFill>
                       <a:srgbClr val="000000"/>
                     </a:solidFill>
@@ -12654,7 +12737,7 @@
               </a:ln>
               <a:extLst>
                 <a:ext uri="{91240B29-F687-4f45-9708-019B960494DF}">
-                  <a14:hiddenLine xmlns="" xmlns:a14="http://schemas.microsoft.com/office/drawing/2010/main" w="9525">
+                  <a14:hiddenLine xmlns:a14="http://schemas.microsoft.com/office/drawing/2010/main" xmlns="" w="9525">
                     <a:solidFill>
                       <a:srgbClr val="000000"/>
                     </a:solidFill>
@@ -12744,7 +12827,7 @@
               </a:ln>
               <a:extLst>
                 <a:ext uri="{91240B29-F687-4f45-9708-019B960494DF}">
-                  <a14:hiddenLine xmlns="" xmlns:a14="http://schemas.microsoft.com/office/drawing/2010/main" w="9525">
+                  <a14:hiddenLine xmlns:a14="http://schemas.microsoft.com/office/drawing/2010/main" xmlns="" w="9525">
                     <a:solidFill>
                       <a:srgbClr val="000000"/>
                     </a:solidFill>
@@ -12812,7 +12895,7 @@
               </a:ln>
               <a:extLst>
                 <a:ext uri="{91240B29-F687-4f45-9708-019B960494DF}">
-                  <a14:hiddenLine xmlns="" xmlns:a14="http://schemas.microsoft.com/office/drawing/2010/main" w="9525">
+                  <a14:hiddenLine xmlns:a14="http://schemas.microsoft.com/office/drawing/2010/main" xmlns="" w="9525">
                     <a:solidFill>
                       <a:srgbClr val="000000"/>
                     </a:solidFill>
@@ -12902,7 +12985,7 @@
               </a:ln>
               <a:extLst>
                 <a:ext uri="{91240B29-F687-4f45-9708-019B960494DF}">
-                  <a14:hiddenLine xmlns="" xmlns:a14="http://schemas.microsoft.com/office/drawing/2010/main" w="9525">
+                  <a14:hiddenLine xmlns:a14="http://schemas.microsoft.com/office/drawing/2010/main" xmlns="" w="9525">
                     <a:solidFill>
                       <a:srgbClr val="000000"/>
                     </a:solidFill>
@@ -12936,7 +13019,7 @@
               </a:ln>
               <a:extLst>
                 <a:ext uri="{91240B29-F687-4f45-9708-019B960494DF}">
-                  <a14:hiddenLine xmlns="" xmlns:a14="http://schemas.microsoft.com/office/drawing/2010/main" w="9525">
+                  <a14:hiddenLine xmlns:a14="http://schemas.microsoft.com/office/drawing/2010/main" xmlns="" w="9525">
                     <a:solidFill>
                       <a:srgbClr val="000000"/>
                     </a:solidFill>
@@ -13077,7 +13160,7 @@
             <a:fld id="{48A87A34-81AB-432B-8DAE-1953F412C126}" type="datetimeFigureOut">
               <a:rPr lang="en-US" dirty="0"/>
               <a:pPr/>
-              <a:t>08-Feb-19</a:t>
+              <a:t>09-Feb-19</a:t>
             </a:fld>
             <a:endParaRPr lang="en-US" dirty="0"/>
           </a:p>
@@ -13566,11 +13649,7 @@
             <a:pPr algn="ctr"/>
             <a:r>
               <a:rPr lang="en-US" dirty="0" smtClean="0"/>
-              <a:t>Prepared by - </a:t>
-            </a:r>
-            <a:r>
-              <a:rPr lang="en-US" dirty="0" smtClean="0"/>
-              <a:t>DHAVAL PARIKH</a:t>
+              <a:t>Prepared by - DHAVAL PARIKH</a:t>
             </a:r>
             <a:endParaRPr lang="en-US" dirty="0"/>
           </a:p>
@@ -13754,440 +13833,32 @@
             <a:spLocks noGrp="1"/>
           </p:cNvSpPr>
           <p:nvPr>
-            <p:ph type="title"/>
+            <p:ph type="ctrTitle"/>
           </p:nvPr>
         </p:nvSpPr>
         <p:spPr>
           <a:xfrm>
-            <a:off x="1141413" y="152692"/>
-            <a:ext cx="9905998" cy="649565"/>
+            <a:off x="1876424" y="1902371"/>
+            <a:ext cx="8791575" cy="1607591"/>
           </a:xfrm>
         </p:spPr>
         <p:txBody>
           <a:bodyPr/>
           <a:lstStyle/>
           <a:p>
-            <a:r>
-              <a:rPr lang="en-US" dirty="0" err="1" smtClean="0"/>
-              <a:t>DataSET</a:t>
-            </a:r>
+            <a:pPr algn="ctr"/>
             <a:r>
               <a:rPr lang="en-US" dirty="0" smtClean="0"/>
-              <a:t> Description</a:t>
+              <a:t>Detailed ANALYSIS</a:t>
             </a:r>
             <a:endParaRPr lang="en-US" dirty="0"/>
-          </a:p>
-        </p:txBody>
-      </p:sp>
-      <p:sp>
-        <p:nvSpPr>
-          <p:cNvPr id="4" name="Rectangle 1"/>
-          <p:cNvSpPr>
-            <a:spLocks noGrp="1" noChangeArrowheads="1"/>
-          </p:cNvSpPr>
-          <p:nvPr>
-            <p:ph idx="1"/>
-          </p:nvPr>
-        </p:nvSpPr>
-        <p:spPr bwMode="auto">
-          <a:xfrm>
-            <a:off x="1141413" y="1217758"/>
-            <a:ext cx="9905999" cy="4708981"/>
-          </a:xfrm>
-          <a:prstGeom prst="rect">
-            <a:avLst/>
-          </a:prstGeom>
-          <a:noFill/>
-          <a:ln>
-            <a:noFill/>
-          </a:ln>
-          <a:effectLst/>
-          <a:extLst>
-            <a:ext uri="{909E8E84-426E-40DD-AFC4-6F175D3DCCD1}">
-              <a14:hiddenFill xmlns:a14="http://schemas.microsoft.com/office/drawing/2010/main">
-                <a:solidFill>
-                  <a:schemeClr val="accent1"/>
-                </a:solidFill>
-              </a14:hiddenFill>
-            </a:ext>
-            <a:ext uri="{91240B29-F687-4F45-9708-019B960494DF}">
-              <a14:hiddenLine xmlns:a14="http://schemas.microsoft.com/office/drawing/2010/main" w="9525">
-                <a:solidFill>
-                  <a:schemeClr val="tx1"/>
-                </a:solidFill>
-                <a:miter lim="800000"/>
-                <a:headEnd/>
-                <a:tailEnd/>
-              </a14:hiddenLine>
-            </a:ext>
-            <a:ext uri="{AF507438-7753-43E0-B8FC-AC1667EBCBE1}">
-              <a14:hiddenEffects xmlns:a14="http://schemas.microsoft.com/office/drawing/2010/main">
-                <a:effectLst>
-                  <a:outerShdw dist="35921" dir="2700000" algn="ctr" rotWithShape="0">
-                    <a:schemeClr val="bg2"/>
-                  </a:outerShdw>
-                </a:effectLst>
-              </a14:hiddenEffects>
-            </a:ext>
-          </a:extLst>
-        </p:spPr>
-        <p:txBody>
-          <a:bodyPr vert="horz" wrap="square" lIns="91440" tIns="45720" rIns="91440" bIns="45720" numCol="1" anchor="ctr" anchorCtr="0" compatLnSpc="1">
-            <a:prstTxWarp prst="textNoShape">
-              <a:avLst/>
-            </a:prstTxWarp>
-            <a:spAutoFit/>
-          </a:bodyPr>
-          <a:lstStyle/>
-          <a:p>
-            <a:pPr eaLnBrk="0" fontAlgn="base" hangingPunct="0">
-              <a:lnSpc>
-                <a:spcPct val="150000"/>
-              </a:lnSpc>
-              <a:spcBef>
-                <a:spcPct val="0"/>
-              </a:spcBef>
-              <a:spcAft>
-                <a:spcPct val="0"/>
-              </a:spcAft>
-              <a:buSzTx/>
-            </a:pPr>
-            <a:r>
-              <a:rPr kumimoji="0" lang="en-US" altLang="en-US" sz="2000" b="0" i="0" u="none" strike="noStrike" cap="none" normalizeH="0" baseline="0" dirty="0" smtClean="0">
-                <a:ln>
-                  <a:noFill/>
-                </a:ln>
-                <a:solidFill>
-                  <a:schemeClr val="tx1"/>
-                </a:solidFill>
-                <a:effectLst/>
-                <a:latin typeface="Arial" panose="020B0604020202020204" pitchFamily="34" charset="0"/>
-              </a:rPr>
-              <a:t>Dataset contains 9576 rows and 10 variables with essential meanings:</a:t>
-            </a:r>
-            <a:endParaRPr kumimoji="0" lang="en-US" altLang="en-US" sz="1050" b="0" i="0" u="none" strike="noStrike" cap="none" normalizeH="0" baseline="0" dirty="0" smtClean="0">
-              <a:ln>
-                <a:noFill/>
-              </a:ln>
-              <a:solidFill>
-                <a:schemeClr val="tx1"/>
-              </a:solidFill>
-              <a:effectLst/>
-              <a:latin typeface="Arial Unicode MS" panose="020B0604020202020204" pitchFamily="34" charset="-128"/>
-            </a:endParaRPr>
-          </a:p>
-          <a:p>
-            <a:pPr lvl="2" eaLnBrk="0" fontAlgn="base" hangingPunct="0">
-              <a:lnSpc>
-                <a:spcPct val="150000"/>
-              </a:lnSpc>
-              <a:spcBef>
-                <a:spcPct val="0"/>
-              </a:spcBef>
-              <a:spcAft>
-                <a:spcPct val="0"/>
-              </a:spcAft>
-              <a:buSzTx/>
-            </a:pPr>
-            <a:r>
-              <a:rPr kumimoji="0" lang="en-US" altLang="en-US" b="0" i="0" u="none" strike="noStrike" cap="none" normalizeH="0" baseline="0" dirty="0" smtClean="0">
-                <a:ln>
-                  <a:noFill/>
-                </a:ln>
-                <a:solidFill>
-                  <a:schemeClr val="tx1"/>
-                </a:solidFill>
-                <a:effectLst/>
-                <a:latin typeface="Arial Unicode MS" panose="020B0604020202020204" pitchFamily="34" charset="-128"/>
-              </a:rPr>
-              <a:t>car: manufacturer brand </a:t>
-            </a:r>
-          </a:p>
-          <a:p>
-            <a:pPr lvl="2" eaLnBrk="0" fontAlgn="base" hangingPunct="0">
-              <a:lnSpc>
-                <a:spcPct val="150000"/>
-              </a:lnSpc>
-              <a:spcBef>
-                <a:spcPct val="0"/>
-              </a:spcBef>
-              <a:spcAft>
-                <a:spcPct val="0"/>
-              </a:spcAft>
-              <a:buSzTx/>
-            </a:pPr>
-            <a:r>
-              <a:rPr kumimoji="0" lang="en-US" altLang="en-US" b="0" i="0" u="none" strike="noStrike" cap="none" normalizeH="0" baseline="0" dirty="0" smtClean="0">
-                <a:ln>
-                  <a:noFill/>
-                </a:ln>
-                <a:solidFill>
-                  <a:schemeClr val="tx1"/>
-                </a:solidFill>
-                <a:effectLst/>
-                <a:latin typeface="Arial Unicode MS" panose="020B0604020202020204" pitchFamily="34" charset="-128"/>
-              </a:rPr>
-              <a:t>price: seller’s price in advertisement (in USD) </a:t>
-            </a:r>
-          </a:p>
-          <a:p>
-            <a:pPr lvl="2" eaLnBrk="0" fontAlgn="base" hangingPunct="0">
-              <a:lnSpc>
-                <a:spcPct val="150000"/>
-              </a:lnSpc>
-              <a:spcBef>
-                <a:spcPct val="0"/>
-              </a:spcBef>
-              <a:spcAft>
-                <a:spcPct val="0"/>
-              </a:spcAft>
-              <a:buSzTx/>
-            </a:pPr>
-            <a:r>
-              <a:rPr kumimoji="0" lang="en-US" altLang="en-US" b="0" i="0" u="none" strike="noStrike" cap="none" normalizeH="0" baseline="0" dirty="0" smtClean="0">
-                <a:ln>
-                  <a:noFill/>
-                </a:ln>
-                <a:solidFill>
-                  <a:schemeClr val="tx1"/>
-                </a:solidFill>
-                <a:effectLst/>
-                <a:latin typeface="Arial Unicode MS" panose="020B0604020202020204" pitchFamily="34" charset="-128"/>
-              </a:rPr>
-              <a:t>body: car body type </a:t>
-            </a:r>
-          </a:p>
-          <a:p>
-            <a:pPr lvl="2" eaLnBrk="0" fontAlgn="base" hangingPunct="0">
-              <a:lnSpc>
-                <a:spcPct val="150000"/>
-              </a:lnSpc>
-              <a:spcBef>
-                <a:spcPct val="0"/>
-              </a:spcBef>
-              <a:spcAft>
-                <a:spcPct val="0"/>
-              </a:spcAft>
-              <a:buSzTx/>
-            </a:pPr>
-            <a:r>
-              <a:rPr kumimoji="0" lang="en-US" altLang="en-US" b="0" i="0" u="none" strike="noStrike" cap="none" normalizeH="0" baseline="0" dirty="0" smtClean="0">
-                <a:ln>
-                  <a:noFill/>
-                </a:ln>
-                <a:solidFill>
-                  <a:schemeClr val="tx1"/>
-                </a:solidFill>
-                <a:effectLst/>
-                <a:latin typeface="Arial Unicode MS" panose="020B0604020202020204" pitchFamily="34" charset="-128"/>
-              </a:rPr>
-              <a:t>mileage: as mentioned in advertisement (‘000 Km) </a:t>
-            </a:r>
-          </a:p>
-          <a:p>
-            <a:pPr lvl="2" eaLnBrk="0" fontAlgn="base" hangingPunct="0">
-              <a:lnSpc>
-                <a:spcPct val="150000"/>
-              </a:lnSpc>
-              <a:spcBef>
-                <a:spcPct val="0"/>
-              </a:spcBef>
-              <a:spcAft>
-                <a:spcPct val="0"/>
-              </a:spcAft>
-              <a:buSzTx/>
-            </a:pPr>
-            <a:r>
-              <a:rPr kumimoji="0" lang="en-US" altLang="en-US" b="0" i="0" u="none" strike="noStrike" cap="none" normalizeH="0" baseline="0" dirty="0" err="1" smtClean="0">
-                <a:ln>
-                  <a:noFill/>
-                </a:ln>
-                <a:solidFill>
-                  <a:schemeClr val="tx1"/>
-                </a:solidFill>
-                <a:effectLst/>
-                <a:latin typeface="Arial Unicode MS" panose="020B0604020202020204" pitchFamily="34" charset="-128"/>
-              </a:rPr>
-              <a:t>engV</a:t>
-            </a:r>
-            <a:r>
-              <a:rPr kumimoji="0" lang="en-US" altLang="en-US" b="0" i="0" u="none" strike="noStrike" cap="none" normalizeH="0" baseline="0" dirty="0" smtClean="0">
-                <a:ln>
-                  <a:noFill/>
-                </a:ln>
-                <a:solidFill>
-                  <a:schemeClr val="tx1"/>
-                </a:solidFill>
-                <a:effectLst/>
-                <a:latin typeface="Arial Unicode MS" panose="020B0604020202020204" pitchFamily="34" charset="-128"/>
-              </a:rPr>
-              <a:t>: rounded engine volume (‘000 cubic cm) </a:t>
-            </a:r>
-          </a:p>
-          <a:p>
-            <a:pPr lvl="2" eaLnBrk="0" fontAlgn="base" hangingPunct="0">
-              <a:lnSpc>
-                <a:spcPct val="150000"/>
-              </a:lnSpc>
-              <a:spcBef>
-                <a:spcPct val="0"/>
-              </a:spcBef>
-              <a:spcAft>
-                <a:spcPct val="0"/>
-              </a:spcAft>
-              <a:buSzTx/>
-            </a:pPr>
-            <a:r>
-              <a:rPr kumimoji="0" lang="en-US" altLang="en-US" b="0" i="0" u="none" strike="noStrike" cap="none" normalizeH="0" baseline="0" dirty="0" err="1" smtClean="0">
-                <a:ln>
-                  <a:noFill/>
-                </a:ln>
-                <a:solidFill>
-                  <a:schemeClr val="tx1"/>
-                </a:solidFill>
-                <a:effectLst/>
-                <a:latin typeface="Arial Unicode MS" panose="020B0604020202020204" pitchFamily="34" charset="-128"/>
-              </a:rPr>
-              <a:t>engType</a:t>
-            </a:r>
-            <a:r>
-              <a:rPr kumimoji="0" lang="en-US" altLang="en-US" b="0" i="0" u="none" strike="noStrike" cap="none" normalizeH="0" baseline="0" dirty="0" smtClean="0">
-                <a:ln>
-                  <a:noFill/>
-                </a:ln>
-                <a:solidFill>
-                  <a:schemeClr val="tx1"/>
-                </a:solidFill>
-                <a:effectLst/>
-                <a:latin typeface="Arial Unicode MS" panose="020B0604020202020204" pitchFamily="34" charset="-128"/>
-              </a:rPr>
-              <a:t>: type of fuel (“Other” in this case should be treated as NA) </a:t>
-            </a:r>
-          </a:p>
-          <a:p>
-            <a:pPr lvl="2" eaLnBrk="0" fontAlgn="base" hangingPunct="0">
-              <a:lnSpc>
-                <a:spcPct val="150000"/>
-              </a:lnSpc>
-              <a:spcBef>
-                <a:spcPct val="0"/>
-              </a:spcBef>
-              <a:spcAft>
-                <a:spcPct val="0"/>
-              </a:spcAft>
-              <a:buSzTx/>
-            </a:pPr>
-            <a:r>
-              <a:rPr kumimoji="0" lang="en-US" altLang="en-US" b="0" i="0" u="none" strike="noStrike" cap="none" normalizeH="0" baseline="0" dirty="0" smtClean="0">
-                <a:ln>
-                  <a:noFill/>
-                </a:ln>
-                <a:solidFill>
-                  <a:schemeClr val="tx1"/>
-                </a:solidFill>
-                <a:effectLst/>
-                <a:latin typeface="Arial Unicode MS" panose="020B0604020202020204" pitchFamily="34" charset="-128"/>
-              </a:rPr>
-              <a:t>registration: whether car registered in Ukraine or not </a:t>
-            </a:r>
-          </a:p>
-          <a:p>
-            <a:pPr lvl="2" eaLnBrk="0" fontAlgn="base" hangingPunct="0">
-              <a:lnSpc>
-                <a:spcPct val="150000"/>
-              </a:lnSpc>
-              <a:spcBef>
-                <a:spcPct val="0"/>
-              </a:spcBef>
-              <a:spcAft>
-                <a:spcPct val="0"/>
-              </a:spcAft>
-              <a:buSzTx/>
-            </a:pPr>
-            <a:r>
-              <a:rPr kumimoji="0" lang="en-US" altLang="en-US" b="0" i="0" u="none" strike="noStrike" cap="none" normalizeH="0" baseline="0" dirty="0" smtClean="0">
-                <a:ln>
-                  <a:noFill/>
-                </a:ln>
-                <a:solidFill>
-                  <a:schemeClr val="tx1"/>
-                </a:solidFill>
-                <a:effectLst/>
-                <a:latin typeface="Arial Unicode MS" panose="020B0604020202020204" pitchFamily="34" charset="-128"/>
-              </a:rPr>
-              <a:t>year: year of production </a:t>
-            </a:r>
-          </a:p>
-          <a:p>
-            <a:pPr lvl="2" eaLnBrk="0" fontAlgn="base" hangingPunct="0">
-              <a:lnSpc>
-                <a:spcPct val="150000"/>
-              </a:lnSpc>
-              <a:spcBef>
-                <a:spcPct val="0"/>
-              </a:spcBef>
-              <a:spcAft>
-                <a:spcPct val="0"/>
-              </a:spcAft>
-              <a:buSzTx/>
-            </a:pPr>
-            <a:r>
-              <a:rPr kumimoji="0" lang="en-US" altLang="en-US" b="0" i="0" u="none" strike="noStrike" cap="none" normalizeH="0" baseline="0" dirty="0" smtClean="0">
-                <a:ln>
-                  <a:noFill/>
-                </a:ln>
-                <a:solidFill>
-                  <a:schemeClr val="tx1"/>
-                </a:solidFill>
-                <a:effectLst/>
-                <a:latin typeface="Arial Unicode MS" panose="020B0604020202020204" pitchFamily="34" charset="-128"/>
-              </a:rPr>
-              <a:t>model: specific model name </a:t>
-            </a:r>
-          </a:p>
-          <a:p>
-            <a:pPr lvl="2" eaLnBrk="0" fontAlgn="base" hangingPunct="0">
-              <a:lnSpc>
-                <a:spcPct val="150000"/>
-              </a:lnSpc>
-              <a:spcBef>
-                <a:spcPct val="0"/>
-              </a:spcBef>
-              <a:spcAft>
-                <a:spcPct val="0"/>
-              </a:spcAft>
-              <a:buSzTx/>
-            </a:pPr>
-            <a:r>
-              <a:rPr kumimoji="0" lang="en-US" altLang="en-US" b="0" i="0" u="none" strike="noStrike" cap="none" normalizeH="0" baseline="0" dirty="0" smtClean="0">
-                <a:ln>
-                  <a:noFill/>
-                </a:ln>
-                <a:solidFill>
-                  <a:schemeClr val="tx1"/>
-                </a:solidFill>
-                <a:effectLst/>
-                <a:latin typeface="Arial Unicode MS" panose="020B0604020202020204" pitchFamily="34" charset="-128"/>
-              </a:rPr>
-              <a:t>drive: drive type </a:t>
-            </a:r>
-            <a:endParaRPr kumimoji="0" lang="en-US" altLang="en-US" sz="5400" b="0" i="0" u="none" strike="noStrike" cap="none" normalizeH="0" baseline="0" dirty="0" smtClean="0">
-              <a:ln>
-                <a:noFill/>
-              </a:ln>
-              <a:solidFill>
-                <a:schemeClr val="tx1"/>
-              </a:solidFill>
-              <a:effectLst/>
-              <a:latin typeface="Arial" panose="020B0604020202020204" pitchFamily="34" charset="0"/>
-            </a:endParaRPr>
           </a:p>
         </p:txBody>
       </p:sp>
     </p:spTree>
     <p:extLst>
       <p:ext uri="{BB962C8B-B14F-4D97-AF65-F5344CB8AC3E}">
-        <p14:creationId xmlns:p14="http://schemas.microsoft.com/office/powerpoint/2010/main" val="553320735"/>
+        <p14:creationId xmlns:p14="http://schemas.microsoft.com/office/powerpoint/2010/main" val="2166784634"/>
       </p:ext>
     </p:extLst>
   </p:cSld>
@@ -14241,347 +13912,6 @@
                                   </p:childTnLst>
                                 </p:cTn>
                               </p:par>
-                              <p:par>
-                                <p:cTn id="7" presetID="1" presetClass="entr" presetSubtype="0" fill="hold" grpId="0" nodeType="withEffect">
-                                  <p:stCondLst>
-                                    <p:cond delay="500"/>
-                                  </p:stCondLst>
-                                  <p:childTnLst>
-                                    <p:set>
-                                      <p:cBhvr>
-                                        <p:cTn id="8" dur="1" fill="hold">
-                                          <p:stCondLst>
-                                            <p:cond delay="0"/>
-                                          </p:stCondLst>
-                                        </p:cTn>
-                                        <p:tgtEl>
-                                          <p:spTgt spid="4">
-                                            <p:txEl>
-                                              <p:pRg st="0" end="0"/>
-                                            </p:txEl>
-                                          </p:spTgt>
-                                        </p:tgtEl>
-                                        <p:attrNameLst>
-                                          <p:attrName>style.visibility</p:attrName>
-                                        </p:attrNameLst>
-                                      </p:cBhvr>
-                                      <p:to>
-                                        <p:strVal val="visible"/>
-                                      </p:to>
-                                    </p:set>
-                                  </p:childTnLst>
-                                </p:cTn>
-                              </p:par>
-                              <p:par>
-                                <p:cTn id="9" presetID="1" presetClass="entr" presetSubtype="0" fill="hold" grpId="0" nodeType="withEffect">
-                                  <p:stCondLst>
-                                    <p:cond delay="1100"/>
-                                  </p:stCondLst>
-                                  <p:childTnLst>
-                                    <p:set>
-                                      <p:cBhvr>
-                                        <p:cTn id="10" dur="1" fill="hold">
-                                          <p:stCondLst>
-                                            <p:cond delay="0"/>
-                                          </p:stCondLst>
-                                        </p:cTn>
-                                        <p:tgtEl>
-                                          <p:spTgt spid="4">
-                                            <p:txEl>
-                                              <p:pRg st="1" end="1"/>
-                                            </p:txEl>
-                                          </p:spTgt>
-                                        </p:tgtEl>
-                                        <p:attrNameLst>
-                                          <p:attrName>style.visibility</p:attrName>
-                                        </p:attrNameLst>
-                                      </p:cBhvr>
-                                      <p:to>
-                                        <p:strVal val="visible"/>
-                                      </p:to>
-                                    </p:set>
-                                  </p:childTnLst>
-                                </p:cTn>
-                              </p:par>
-                              <p:par>
-                                <p:cTn id="11" presetID="1" presetClass="entr" presetSubtype="0" fill="hold" grpId="0" nodeType="withEffect">
-                                  <p:stCondLst>
-                                    <p:cond delay="1100"/>
-                                  </p:stCondLst>
-                                  <p:childTnLst>
-                                    <p:set>
-                                      <p:cBhvr>
-                                        <p:cTn id="12" dur="1" fill="hold">
-                                          <p:stCondLst>
-                                            <p:cond delay="0"/>
-                                          </p:stCondLst>
-                                        </p:cTn>
-                                        <p:tgtEl>
-                                          <p:spTgt spid="4">
-                                            <p:txEl>
-                                              <p:pRg st="2" end="2"/>
-                                            </p:txEl>
-                                          </p:spTgt>
-                                        </p:tgtEl>
-                                        <p:attrNameLst>
-                                          <p:attrName>style.visibility</p:attrName>
-                                        </p:attrNameLst>
-                                      </p:cBhvr>
-                                      <p:to>
-                                        <p:strVal val="visible"/>
-                                      </p:to>
-                                    </p:set>
-                                  </p:childTnLst>
-                                </p:cTn>
-                              </p:par>
-                              <p:par>
-                                <p:cTn id="13" presetID="1" presetClass="entr" presetSubtype="0" fill="hold" grpId="0" nodeType="withEffect">
-                                  <p:stCondLst>
-                                    <p:cond delay="1100"/>
-                                  </p:stCondLst>
-                                  <p:childTnLst>
-                                    <p:set>
-                                      <p:cBhvr>
-                                        <p:cTn id="14" dur="1" fill="hold">
-                                          <p:stCondLst>
-                                            <p:cond delay="0"/>
-                                          </p:stCondLst>
-                                        </p:cTn>
-                                        <p:tgtEl>
-                                          <p:spTgt spid="4">
-                                            <p:txEl>
-                                              <p:pRg st="3" end="3"/>
-                                            </p:txEl>
-                                          </p:spTgt>
-                                        </p:tgtEl>
-                                        <p:attrNameLst>
-                                          <p:attrName>style.visibility</p:attrName>
-                                        </p:attrNameLst>
-                                      </p:cBhvr>
-                                      <p:to>
-                                        <p:strVal val="visible"/>
-                                      </p:to>
-                                    </p:set>
-                                  </p:childTnLst>
-                                </p:cTn>
-                              </p:par>
-                              <p:par>
-                                <p:cTn id="15" presetID="1" presetClass="entr" presetSubtype="0" fill="hold" grpId="0" nodeType="withEffect">
-                                  <p:stCondLst>
-                                    <p:cond delay="1100"/>
-                                  </p:stCondLst>
-                                  <p:childTnLst>
-                                    <p:set>
-                                      <p:cBhvr>
-                                        <p:cTn id="16" dur="1" fill="hold">
-                                          <p:stCondLst>
-                                            <p:cond delay="0"/>
-                                          </p:stCondLst>
-                                        </p:cTn>
-                                        <p:tgtEl>
-                                          <p:spTgt spid="4">
-                                            <p:txEl>
-                                              <p:pRg st="4" end="4"/>
-                                            </p:txEl>
-                                          </p:spTgt>
-                                        </p:tgtEl>
-                                        <p:attrNameLst>
-                                          <p:attrName>style.visibility</p:attrName>
-                                        </p:attrNameLst>
-                                      </p:cBhvr>
-                                      <p:to>
-                                        <p:strVal val="visible"/>
-                                      </p:to>
-                                    </p:set>
-                                  </p:childTnLst>
-                                </p:cTn>
-                              </p:par>
-                              <p:par>
-                                <p:cTn id="17" presetID="1" presetClass="entr" presetSubtype="0" fill="hold" grpId="0" nodeType="withEffect">
-                                  <p:stCondLst>
-                                    <p:cond delay="1100"/>
-                                  </p:stCondLst>
-                                  <p:childTnLst>
-                                    <p:set>
-                                      <p:cBhvr>
-                                        <p:cTn id="18" dur="1" fill="hold">
-                                          <p:stCondLst>
-                                            <p:cond delay="0"/>
-                                          </p:stCondLst>
-                                        </p:cTn>
-                                        <p:tgtEl>
-                                          <p:spTgt spid="4">
-                                            <p:txEl>
-                                              <p:pRg st="5" end="5"/>
-                                            </p:txEl>
-                                          </p:spTgt>
-                                        </p:tgtEl>
-                                        <p:attrNameLst>
-                                          <p:attrName>style.visibility</p:attrName>
-                                        </p:attrNameLst>
-                                      </p:cBhvr>
-                                      <p:to>
-                                        <p:strVal val="visible"/>
-                                      </p:to>
-                                    </p:set>
-                                  </p:childTnLst>
-                                </p:cTn>
-                              </p:par>
-                              <p:par>
-                                <p:cTn id="19" presetID="1" presetClass="entr" presetSubtype="0" fill="hold" grpId="0" nodeType="withEffect">
-                                  <p:stCondLst>
-                                    <p:cond delay="1100"/>
-                                  </p:stCondLst>
-                                  <p:childTnLst>
-                                    <p:set>
-                                      <p:cBhvr>
-                                        <p:cTn id="20" dur="1" fill="hold">
-                                          <p:stCondLst>
-                                            <p:cond delay="0"/>
-                                          </p:stCondLst>
-                                        </p:cTn>
-                                        <p:tgtEl>
-                                          <p:spTgt spid="4">
-                                            <p:txEl>
-                                              <p:pRg st="6" end="6"/>
-                                            </p:txEl>
-                                          </p:spTgt>
-                                        </p:tgtEl>
-                                        <p:attrNameLst>
-                                          <p:attrName>style.visibility</p:attrName>
-                                        </p:attrNameLst>
-                                      </p:cBhvr>
-                                      <p:to>
-                                        <p:strVal val="visible"/>
-                                      </p:to>
-                                    </p:set>
-                                  </p:childTnLst>
-                                </p:cTn>
-                              </p:par>
-                              <p:par>
-                                <p:cTn id="21" presetID="1" presetClass="entr" presetSubtype="0" fill="hold" grpId="0" nodeType="withEffect">
-                                  <p:stCondLst>
-                                    <p:cond delay="1100"/>
-                                  </p:stCondLst>
-                                  <p:childTnLst>
-                                    <p:set>
-                                      <p:cBhvr>
-                                        <p:cTn id="22" dur="1" fill="hold">
-                                          <p:stCondLst>
-                                            <p:cond delay="0"/>
-                                          </p:stCondLst>
-                                        </p:cTn>
-                                        <p:tgtEl>
-                                          <p:spTgt spid="4">
-                                            <p:txEl>
-                                              <p:pRg st="7" end="7"/>
-                                            </p:txEl>
-                                          </p:spTgt>
-                                        </p:tgtEl>
-                                        <p:attrNameLst>
-                                          <p:attrName>style.visibility</p:attrName>
-                                        </p:attrNameLst>
-                                      </p:cBhvr>
-                                      <p:to>
-                                        <p:strVal val="visible"/>
-                                      </p:to>
-                                    </p:set>
-                                  </p:childTnLst>
-                                </p:cTn>
-                              </p:par>
-                              <p:par>
-                                <p:cTn id="23" presetID="1" presetClass="entr" presetSubtype="0" fill="hold" grpId="0" nodeType="withEffect">
-                                  <p:stCondLst>
-                                    <p:cond delay="1100"/>
-                                  </p:stCondLst>
-                                  <p:childTnLst>
-                                    <p:set>
-                                      <p:cBhvr>
-                                        <p:cTn id="24" dur="1" fill="hold">
-                                          <p:stCondLst>
-                                            <p:cond delay="0"/>
-                                          </p:stCondLst>
-                                        </p:cTn>
-                                        <p:tgtEl>
-                                          <p:spTgt spid="4">
-                                            <p:txEl>
-                                              <p:pRg st="8" end="8"/>
-                                            </p:txEl>
-                                          </p:spTgt>
-                                        </p:tgtEl>
-                                        <p:attrNameLst>
-                                          <p:attrName>style.visibility</p:attrName>
-                                        </p:attrNameLst>
-                                      </p:cBhvr>
-                                      <p:to>
-                                        <p:strVal val="visible"/>
-                                      </p:to>
-                                    </p:set>
-                                  </p:childTnLst>
-                                </p:cTn>
-                              </p:par>
-                              <p:par>
-                                <p:cTn id="25" presetID="1" presetClass="entr" presetSubtype="0" fill="hold" grpId="0" nodeType="withEffect">
-                                  <p:stCondLst>
-                                    <p:cond delay="1100"/>
-                                  </p:stCondLst>
-                                  <p:childTnLst>
-                                    <p:set>
-                                      <p:cBhvr>
-                                        <p:cTn id="26" dur="1" fill="hold">
-                                          <p:stCondLst>
-                                            <p:cond delay="0"/>
-                                          </p:stCondLst>
-                                        </p:cTn>
-                                        <p:tgtEl>
-                                          <p:spTgt spid="4">
-                                            <p:txEl>
-                                              <p:pRg st="9" end="9"/>
-                                            </p:txEl>
-                                          </p:spTgt>
-                                        </p:tgtEl>
-                                        <p:attrNameLst>
-                                          <p:attrName>style.visibility</p:attrName>
-                                        </p:attrNameLst>
-                                      </p:cBhvr>
-                                      <p:to>
-                                        <p:strVal val="visible"/>
-                                      </p:to>
-                                    </p:set>
-                                  </p:childTnLst>
-                                </p:cTn>
-                              </p:par>
-                              <p:par>
-                                <p:cTn id="27" presetID="1" presetClass="entr" presetSubtype="0" fill="hold" grpId="0" nodeType="withEffect">
-                                  <p:stCondLst>
-                                    <p:cond delay="1100"/>
-                                  </p:stCondLst>
-                                  <p:childTnLst>
-                                    <p:set>
-                                      <p:cBhvr>
-                                        <p:cTn id="28" dur="1" fill="hold">
-                                          <p:stCondLst>
-                                            <p:cond delay="0"/>
-                                          </p:stCondLst>
-                                        </p:cTn>
-                                        <p:tgtEl>
-                                          <p:spTgt spid="4">
-                                            <p:txEl>
-                                              <p:pRg st="10" end="10"/>
-                                            </p:txEl>
-                                          </p:spTgt>
-                                        </p:tgtEl>
-                                        <p:attrNameLst>
-                                          <p:attrName>style.visibility</p:attrName>
-                                        </p:attrNameLst>
-                                      </p:cBhvr>
-                                      <p:to>
-                                        <p:strVal val="visible"/>
-                                      </p:to>
-                                    </p:set>
-                                  </p:childTnLst>
-                                </p:cTn>
-                              </p:par>
                             </p:childTnLst>
                           </p:cTn>
                         </p:par>
@@ -14611,7 +13941,6 @@
     </p:tnLst>
     <p:bldLst>
       <p:bldP spid="2" grpId="0"/>
-      <p:bldP spid="4" grpId="0" uiExpand="1" build="p"/>
     </p:bldLst>
   </p:timing>
 </p:sld>
@@ -20079,7 +19408,7 @@
         </p:nvSpPr>
         <p:spPr>
           <a:xfrm>
-            <a:off x="1141413" y="129832"/>
+            <a:off x="1141413" y="152692"/>
             <a:ext cx="9905998" cy="649565"/>
           </a:xfrm>
         </p:spPr>
@@ -20088,8 +19417,12 @@
           <a:lstStyle/>
           <a:p>
             <a:r>
+              <a:rPr lang="en-US" dirty="0" err="1" smtClean="0"/>
+              <a:t>DataSET</a:t>
+            </a:r>
+            <a:r>
               <a:rPr lang="en-US" dirty="0" smtClean="0"/>
-              <a:t>Hypothesis Validation</a:t>
+              <a:t> Description</a:t>
             </a:r>
             <a:endParaRPr lang="en-US" dirty="0"/>
           </a:p>
@@ -20107,8 +19440,8 @@
         </p:nvSpPr>
         <p:spPr bwMode="auto">
           <a:xfrm>
-            <a:off x="1141413" y="703768"/>
-            <a:ext cx="9905999" cy="5736955"/>
+            <a:off x="1141413" y="1679421"/>
+            <a:ext cx="9905999" cy="3785652"/>
           </a:xfrm>
           <a:prstGeom prst="rect">
             <a:avLst/>
@@ -20156,137 +19489,146 @@
           </a:bodyPr>
           <a:lstStyle/>
           <a:p>
-            <a:r>
-              <a:rPr lang="en-US" sz="1600" b="1" dirty="0"/>
-              <a:t>Hypothesis 1 : Used car price </a:t>
-            </a:r>
-            <a:r>
-              <a:rPr lang="en-US" sz="1600" b="1" dirty="0" smtClean="0"/>
-              <a:t>reduces as Age increase.</a:t>
-            </a:r>
-          </a:p>
-          <a:p>
-            <a:pPr lvl="1"/>
-            <a:r>
-              <a:rPr lang="en-US" sz="1600" dirty="0"/>
-              <a:t>for lower age groups, the distributions are skewed towards higher price with Platy/</a:t>
-            </a:r>
-            <a:r>
-              <a:rPr lang="en-US" sz="1600" dirty="0" err="1"/>
-              <a:t>Meso</a:t>
-            </a:r>
-            <a:r>
-              <a:rPr lang="en-US" sz="1600" dirty="0"/>
-              <a:t> </a:t>
-            </a:r>
-            <a:r>
-              <a:rPr lang="en-US" sz="1600" dirty="0" err="1"/>
-              <a:t>kurtic</a:t>
-            </a:r>
-            <a:r>
-              <a:rPr lang="en-US" sz="1600" dirty="0"/>
-              <a:t> distribution as compared to higher age groups where distributions are skewed towards lower prices with leptokurtic distribution in their respective Price categories.</a:t>
-            </a:r>
-          </a:p>
-          <a:p>
-            <a:pPr lvl="2"/>
-            <a:r>
-              <a:rPr lang="en-US" sz="1600" dirty="0"/>
-              <a:t>this indicates that age does have impact </a:t>
-            </a:r>
-            <a:r>
-              <a:rPr lang="en-US" sz="1600" dirty="0" smtClean="0"/>
-              <a:t>on </a:t>
-            </a:r>
-            <a:r>
-              <a:rPr lang="en-US" sz="1600" dirty="0"/>
-              <a:t>the price for lower priced cars.</a:t>
-            </a:r>
-          </a:p>
-          <a:p>
-            <a:pPr lvl="1"/>
-            <a:r>
-              <a:rPr lang="en-US" sz="1600" dirty="0"/>
-              <a:t>Most cars in Extreme price category are in age groups 0-3 years. Very few cars are more than 6 years.</a:t>
-            </a:r>
-          </a:p>
-          <a:p>
-            <a:pPr lvl="1"/>
-            <a:r>
-              <a:rPr lang="en-US" sz="1600" dirty="0"/>
-              <a:t>Most cars grater than 30 years age are in low price category.</a:t>
-            </a:r>
-          </a:p>
-          <a:p>
-            <a:pPr lvl="1"/>
-            <a:r>
-              <a:rPr lang="en-US" sz="1600" dirty="0"/>
-              <a:t>As the age of the car increases the median price value reduces for Low, Moderate and High price categories, </a:t>
-            </a:r>
-          </a:p>
-          <a:p>
-            <a:pPr lvl="2"/>
-            <a:r>
-              <a:rPr lang="en-US" sz="1600" dirty="0"/>
-              <a:t>But for Extreme price category the reverse trend can be seen i.e.</a:t>
-            </a:r>
-          </a:p>
-          <a:p>
-            <a:pPr lvl="3"/>
-            <a:r>
-              <a:rPr lang="en-US" dirty="0"/>
-              <a:t>for 0-1 year cars median price is ~110000 USD</a:t>
-            </a:r>
-          </a:p>
-          <a:p>
-            <a:pPr lvl="3"/>
-            <a:r>
-              <a:rPr lang="en-US" dirty="0"/>
-              <a:t>for 1-3 year cars median price is ~130000 USD</a:t>
-            </a:r>
-          </a:p>
-          <a:p>
-            <a:pPr lvl="3"/>
-            <a:r>
-              <a:rPr lang="en-US" dirty="0"/>
-              <a:t>for 3-6 year cars median price is ~200000 USD</a:t>
-            </a:r>
-          </a:p>
-          <a:p>
-            <a:pPr lvl="1"/>
-            <a:r>
-              <a:rPr lang="en-US" sz="1800" b="1" dirty="0" smtClean="0"/>
-              <a:t>Assumption:</a:t>
-            </a:r>
-            <a:r>
-              <a:rPr lang="en-US" sz="1800" dirty="0" smtClean="0"/>
-              <a:t> </a:t>
-            </a:r>
-            <a:r>
-              <a:rPr lang="en-US" sz="1800" dirty="0"/>
-              <a:t>as the extreme price category the cars are new we can ignore this category for this </a:t>
-            </a:r>
-            <a:r>
-              <a:rPr lang="en-US" sz="1800" dirty="0" smtClean="0"/>
-              <a:t>analysis</a:t>
-            </a:r>
-          </a:p>
-          <a:p>
-            <a:pPr marL="0" indent="0">
-              <a:buNone/>
+            <a:pPr eaLnBrk="0" fontAlgn="base" hangingPunct="0">
+              <a:lnSpc>
+                <a:spcPct val="150000"/>
+              </a:lnSpc>
+              <a:spcBef>
+                <a:spcPct val="0"/>
+              </a:spcBef>
+              <a:spcAft>
+                <a:spcPct val="0"/>
+              </a:spcAft>
+              <a:buSzTx/>
             </a:pPr>
             <a:r>
-              <a:rPr lang="en-US" sz="1800" b="1" dirty="0"/>
-              <a:t>Based on the above observations it is clear that the Price of the car reduces as the age of the car increases. Thus we accept this hypothesis</a:t>
-            </a:r>
-            <a:endParaRPr lang="en-US" sz="1800" dirty="0"/>
+              <a:rPr kumimoji="0" lang="en-US" altLang="en-US" sz="2000" b="0" i="0" u="none" strike="noStrike" cap="none" normalizeH="0" baseline="0" dirty="0" smtClean="0">
+                <a:ln>
+                  <a:noFill/>
+                </a:ln>
+                <a:solidFill>
+                  <a:schemeClr val="tx1"/>
+                </a:solidFill>
+                <a:effectLst/>
+                <a:latin typeface="Arial" panose="020B0604020202020204" pitchFamily="34" charset="0"/>
+              </a:rPr>
+              <a:t>Collected from car sale advertisements for study/practice purposes in 2016. </a:t>
+            </a:r>
+          </a:p>
+          <a:p>
+            <a:pPr eaLnBrk="0" fontAlgn="base" hangingPunct="0">
+              <a:lnSpc>
+                <a:spcPct val="150000"/>
+              </a:lnSpc>
+              <a:spcBef>
+                <a:spcPct val="0"/>
+              </a:spcBef>
+              <a:spcAft>
+                <a:spcPct val="0"/>
+              </a:spcAft>
+              <a:buSzTx/>
+            </a:pPr>
+            <a:r>
+              <a:rPr kumimoji="0" lang="en-US" altLang="en-US" sz="2000" b="0" i="0" u="none" strike="noStrike" cap="none" normalizeH="0" baseline="0" dirty="0" smtClean="0">
+                <a:ln>
+                  <a:noFill/>
+                </a:ln>
+                <a:solidFill>
+                  <a:schemeClr val="tx1"/>
+                </a:solidFill>
+                <a:effectLst/>
+                <a:latin typeface="Arial" panose="020B0604020202020204" pitchFamily="34" charset="0"/>
+              </a:rPr>
+              <a:t>Created with real raw data which has all inconvenient moments (as NA’s for example).</a:t>
+            </a:r>
+          </a:p>
+          <a:p>
+            <a:pPr eaLnBrk="0" fontAlgn="base" hangingPunct="0">
+              <a:lnSpc>
+                <a:spcPct val="150000"/>
+              </a:lnSpc>
+              <a:spcBef>
+                <a:spcPct val="0"/>
+              </a:spcBef>
+              <a:spcAft>
+                <a:spcPct val="0"/>
+              </a:spcAft>
+              <a:buSzTx/>
+            </a:pPr>
+            <a:r>
+              <a:rPr kumimoji="0" lang="en-US" altLang="en-US" sz="2000" b="0" i="0" u="none" strike="noStrike" cap="none" normalizeH="0" baseline="0" dirty="0" smtClean="0">
+                <a:ln>
+                  <a:noFill/>
+                </a:ln>
+                <a:solidFill>
+                  <a:schemeClr val="tx1"/>
+                </a:solidFill>
+                <a:effectLst/>
+                <a:latin typeface="Arial" panose="020B0604020202020204" pitchFamily="34" charset="0"/>
+              </a:rPr>
+              <a:t>Contains data for more than 9.5K cars sale in Ukraine. </a:t>
+            </a:r>
+          </a:p>
+          <a:p>
+            <a:pPr eaLnBrk="0" fontAlgn="base" hangingPunct="0">
+              <a:lnSpc>
+                <a:spcPct val="150000"/>
+              </a:lnSpc>
+              <a:spcBef>
+                <a:spcPct val="0"/>
+              </a:spcBef>
+              <a:spcAft>
+                <a:spcPct val="0"/>
+              </a:spcAft>
+              <a:buSzTx/>
+            </a:pPr>
+            <a:r>
+              <a:rPr kumimoji="0" lang="en-US" altLang="en-US" sz="2000" b="0" i="0" u="none" strike="noStrike" cap="none" normalizeH="0" baseline="0" dirty="0" smtClean="0">
+                <a:ln>
+                  <a:noFill/>
+                </a:ln>
+                <a:solidFill>
+                  <a:schemeClr val="tx1"/>
+                </a:solidFill>
+                <a:effectLst/>
+                <a:latin typeface="Arial" panose="020B0604020202020204" pitchFamily="34" charset="0"/>
+              </a:rPr>
+              <a:t>Most of them are used cars so it opens the possibility to analyze features related to car operation. </a:t>
+            </a:r>
+          </a:p>
+          <a:p>
+            <a:pPr eaLnBrk="0" fontAlgn="base" hangingPunct="0">
+              <a:lnSpc>
+                <a:spcPct val="150000"/>
+              </a:lnSpc>
+              <a:spcBef>
+                <a:spcPct val="0"/>
+              </a:spcBef>
+              <a:spcAft>
+                <a:spcPct val="0"/>
+              </a:spcAft>
+              <a:buSzTx/>
+            </a:pPr>
+            <a:r>
+              <a:rPr kumimoji="0" lang="en-US" altLang="en-US" sz="2000" b="0" i="0" u="none" strike="noStrike" cap="none" normalizeH="0" baseline="0" dirty="0" smtClean="0">
+                <a:ln>
+                  <a:noFill/>
+                </a:ln>
+                <a:solidFill>
+                  <a:schemeClr val="tx1"/>
+                </a:solidFill>
+                <a:effectLst/>
+                <a:latin typeface="Arial" panose="020B0604020202020204" pitchFamily="34" charset="0"/>
+              </a:rPr>
+              <a:t>At the end of the day we should look at this data as a subset from all Ukrainian car fleet.</a:t>
+            </a:r>
           </a:p>
         </p:txBody>
       </p:sp>
     </p:spTree>
     <p:extLst>
       <p:ext uri="{BB962C8B-B14F-4D97-AF65-F5344CB8AC3E}">
-        <p14:creationId xmlns:p14="http://schemas.microsoft.com/office/powerpoint/2010/main" val="3810322376"/>
+        <p14:creationId xmlns:p14="http://schemas.microsoft.com/office/powerpoint/2010/main" val="2008301921"/>
       </p:ext>
     </p:extLst>
   </p:cSld>
@@ -20314,7 +19656,7 @@
                             </p:stCondLst>
                             <p:childTnLst>
                               <p:par>
-                                <p:cTn id="5" presetID="1" presetClass="entr" presetSubtype="0" fill="hold" nodeType="clickEffect">
+                                <p:cTn id="5" presetID="1" presetClass="entr" presetSubtype="0" fill="hold" grpId="0" nodeType="clickEffect">
                                   <p:stCondLst>
                                     <p:cond delay="0"/>
                                   </p:stCondLst>
@@ -20322,6 +19664,33 @@
                                     <p:set>
                                       <p:cBhvr>
                                         <p:cTn id="6" dur="1" fill="hold">
+                                          <p:stCondLst>
+                                            <p:cond delay="0"/>
+                                          </p:stCondLst>
+                                        </p:cTn>
+                                        <p:tgtEl>
+                                          <p:spTgt spid="2"/>
+                                        </p:tgtEl>
+                                        <p:attrNameLst>
+                                          <p:attrName>style.visibility</p:attrName>
+                                        </p:attrNameLst>
+                                      </p:cBhvr>
+                                      <p:to>
+                                        <p:strVal val="visible"/>
+                                      </p:to>
+                                    </p:set>
+                                  </p:childTnLst>
+                                </p:cTn>
+                              </p:par>
+                              <p:par>
+                                <p:cTn id="7" presetID="1" presetClass="entr" presetSubtype="0" fill="hold" grpId="0" nodeType="withEffect">
+                                  <p:stCondLst>
+                                    <p:cond delay="600"/>
+                                  </p:stCondLst>
+                                  <p:childTnLst>
+                                    <p:set>
+                                      <p:cBhvr>
+                                        <p:cTn id="8" dur="1" fill="hold">
                                           <p:stCondLst>
                                             <p:cond delay="0"/>
                                           </p:stCondLst>
@@ -20344,28 +19713,10 @@
                                   </p:childTnLst>
                                 </p:cTn>
                               </p:par>
-                            </p:childTnLst>
-                          </p:cTn>
-                        </p:par>
-                      </p:childTnLst>
-                    </p:cTn>
-                  </p:par>
-                  <p:par>
-                    <p:cTn id="7" fill="hold">
-                      <p:stCondLst>
-                        <p:cond delay="indefinite"/>
-                      </p:stCondLst>
-                      <p:childTnLst>
-                        <p:par>
-                          <p:cTn id="8" fill="hold">
-                            <p:stCondLst>
-                              <p:cond delay="0"/>
-                            </p:stCondLst>
-                            <p:childTnLst>
                               <p:par>
-                                <p:cTn id="9" presetID="1" presetClass="entr" presetSubtype="0" fill="hold" nodeType="clickEffect">
+                                <p:cTn id="9" presetID="1" presetClass="entr" presetSubtype="0" fill="hold" grpId="0" nodeType="withEffect">
                                   <p:stCondLst>
-                                    <p:cond delay="0"/>
+                                    <p:cond delay="1100"/>
                                   </p:stCondLst>
                                   <p:childTnLst>
                                     <p:set>
@@ -20394,9 +19745,9 @@
                                 </p:cTn>
                               </p:par>
                               <p:par>
-                                <p:cTn id="11" presetID="1" presetClass="entr" presetSubtype="0" fill="hold" nodeType="withEffect">
+                                <p:cTn id="11" presetID="1" presetClass="entr" presetSubtype="0" fill="hold" grpId="0" nodeType="withEffect">
                                   <p:stCondLst>
-                                    <p:cond delay="0"/>
+                                    <p:cond delay="1700"/>
                                   </p:stCondLst>
                                   <p:childTnLst>
                                     <p:set>
@@ -20425,9 +19776,9 @@
                                 </p:cTn>
                               </p:par>
                               <p:par>
-                                <p:cTn id="13" presetID="1" presetClass="entr" presetSubtype="0" fill="hold" nodeType="withEffect">
+                                <p:cTn id="13" presetID="1" presetClass="entr" presetSubtype="0" fill="hold" grpId="0" nodeType="withEffect">
                                   <p:stCondLst>
-                                    <p:cond delay="0"/>
+                                    <p:cond delay="2300"/>
                                   </p:stCondLst>
                                   <p:childTnLst>
                                     <p:set>
@@ -20456,9 +19807,9 @@
                                 </p:cTn>
                               </p:par>
                               <p:par>
-                                <p:cTn id="15" presetID="1" presetClass="entr" presetSubtype="0" fill="hold" nodeType="withEffect">
+                                <p:cTn id="15" presetID="1" presetClass="entr" presetSubtype="0" fill="hold" grpId="0" nodeType="withEffect">
                                   <p:stCondLst>
-                                    <p:cond delay="0"/>
+                                    <p:cond delay="2800"/>
                                   </p:stCondLst>
                                   <p:childTnLst>
                                     <p:set>
@@ -20472,241 +19823,6 @@
                                           <p:spTgt spid="4">
                                             <p:txEl>
                                               <p:pRg st="4" end="4"/>
-                                            </p:txEl>
-                                          </p:spTgt>
-                                        </p:tgtEl>
-                                        <p:attrNameLst>
-                                          <p:attrName>style.visibility</p:attrName>
-                                        </p:attrNameLst>
-                                      </p:cBhvr>
-                                      <p:to>
-                                        <p:strVal val="visible"/>
-                                      </p:to>
-                                    </p:set>
-                                  </p:childTnLst>
-                                </p:cTn>
-                              </p:par>
-                              <p:par>
-                                <p:cTn id="17" presetID="1" presetClass="entr" presetSubtype="0" fill="hold" nodeType="withEffect">
-                                  <p:stCondLst>
-                                    <p:cond delay="0"/>
-                                  </p:stCondLst>
-                                  <p:childTnLst>
-                                    <p:set>
-                                      <p:cBhvr>
-                                        <p:cTn id="18" dur="1" fill="hold">
-                                          <p:stCondLst>
-                                            <p:cond delay="0"/>
-                                          </p:stCondLst>
-                                        </p:cTn>
-                                        <p:tgtEl>
-                                          <p:spTgt spid="4">
-                                            <p:txEl>
-                                              <p:pRg st="5" end="5"/>
-                                            </p:txEl>
-                                          </p:spTgt>
-                                        </p:tgtEl>
-                                        <p:attrNameLst>
-                                          <p:attrName>style.visibility</p:attrName>
-                                        </p:attrNameLst>
-                                      </p:cBhvr>
-                                      <p:to>
-                                        <p:strVal val="visible"/>
-                                      </p:to>
-                                    </p:set>
-                                  </p:childTnLst>
-                                </p:cTn>
-                              </p:par>
-                              <p:par>
-                                <p:cTn id="19" presetID="1" presetClass="entr" presetSubtype="0" fill="hold" nodeType="withEffect">
-                                  <p:stCondLst>
-                                    <p:cond delay="0"/>
-                                  </p:stCondLst>
-                                  <p:childTnLst>
-                                    <p:set>
-                                      <p:cBhvr>
-                                        <p:cTn id="20" dur="1" fill="hold">
-                                          <p:stCondLst>
-                                            <p:cond delay="0"/>
-                                          </p:stCondLst>
-                                        </p:cTn>
-                                        <p:tgtEl>
-                                          <p:spTgt spid="4">
-                                            <p:txEl>
-                                              <p:pRg st="6" end="6"/>
-                                            </p:txEl>
-                                          </p:spTgt>
-                                        </p:tgtEl>
-                                        <p:attrNameLst>
-                                          <p:attrName>style.visibility</p:attrName>
-                                        </p:attrNameLst>
-                                      </p:cBhvr>
-                                      <p:to>
-                                        <p:strVal val="visible"/>
-                                      </p:to>
-                                    </p:set>
-                                  </p:childTnLst>
-                                </p:cTn>
-                              </p:par>
-                              <p:par>
-                                <p:cTn id="21" presetID="1" presetClass="entr" presetSubtype="0" fill="hold" nodeType="withEffect">
-                                  <p:stCondLst>
-                                    <p:cond delay="0"/>
-                                  </p:stCondLst>
-                                  <p:childTnLst>
-                                    <p:set>
-                                      <p:cBhvr>
-                                        <p:cTn id="22" dur="1" fill="hold">
-                                          <p:stCondLst>
-                                            <p:cond delay="0"/>
-                                          </p:stCondLst>
-                                        </p:cTn>
-                                        <p:tgtEl>
-                                          <p:spTgt spid="4">
-                                            <p:txEl>
-                                              <p:pRg st="7" end="7"/>
-                                            </p:txEl>
-                                          </p:spTgt>
-                                        </p:tgtEl>
-                                        <p:attrNameLst>
-                                          <p:attrName>style.visibility</p:attrName>
-                                        </p:attrNameLst>
-                                      </p:cBhvr>
-                                      <p:to>
-                                        <p:strVal val="visible"/>
-                                      </p:to>
-                                    </p:set>
-                                  </p:childTnLst>
-                                </p:cTn>
-                              </p:par>
-                              <p:par>
-                                <p:cTn id="23" presetID="1" presetClass="entr" presetSubtype="0" fill="hold" nodeType="withEffect">
-                                  <p:stCondLst>
-                                    <p:cond delay="0"/>
-                                  </p:stCondLst>
-                                  <p:childTnLst>
-                                    <p:set>
-                                      <p:cBhvr>
-                                        <p:cTn id="24" dur="1" fill="hold">
-                                          <p:stCondLst>
-                                            <p:cond delay="0"/>
-                                          </p:stCondLst>
-                                        </p:cTn>
-                                        <p:tgtEl>
-                                          <p:spTgt spid="4">
-                                            <p:txEl>
-                                              <p:pRg st="8" end="8"/>
-                                            </p:txEl>
-                                          </p:spTgt>
-                                        </p:tgtEl>
-                                        <p:attrNameLst>
-                                          <p:attrName>style.visibility</p:attrName>
-                                        </p:attrNameLst>
-                                      </p:cBhvr>
-                                      <p:to>
-                                        <p:strVal val="visible"/>
-                                      </p:to>
-                                    </p:set>
-                                  </p:childTnLst>
-                                </p:cTn>
-                              </p:par>
-                              <p:par>
-                                <p:cTn id="25" presetID="1" presetClass="entr" presetSubtype="0" fill="hold" nodeType="withEffect">
-                                  <p:stCondLst>
-                                    <p:cond delay="0"/>
-                                  </p:stCondLst>
-                                  <p:childTnLst>
-                                    <p:set>
-                                      <p:cBhvr>
-                                        <p:cTn id="26" dur="1" fill="hold">
-                                          <p:stCondLst>
-                                            <p:cond delay="0"/>
-                                          </p:stCondLst>
-                                        </p:cTn>
-                                        <p:tgtEl>
-                                          <p:spTgt spid="4">
-                                            <p:txEl>
-                                              <p:pRg st="9" end="9"/>
-                                            </p:txEl>
-                                          </p:spTgt>
-                                        </p:tgtEl>
-                                        <p:attrNameLst>
-                                          <p:attrName>style.visibility</p:attrName>
-                                        </p:attrNameLst>
-                                      </p:cBhvr>
-                                      <p:to>
-                                        <p:strVal val="visible"/>
-                                      </p:to>
-                                    </p:set>
-                                  </p:childTnLst>
-                                </p:cTn>
-                              </p:par>
-                              <p:par>
-                                <p:cTn id="27" presetID="1" presetClass="entr" presetSubtype="0" fill="hold" nodeType="withEffect">
-                                  <p:stCondLst>
-                                    <p:cond delay="0"/>
-                                  </p:stCondLst>
-                                  <p:childTnLst>
-                                    <p:set>
-                                      <p:cBhvr>
-                                        <p:cTn id="28" dur="1" fill="hold">
-                                          <p:stCondLst>
-                                            <p:cond delay="0"/>
-                                          </p:stCondLst>
-                                        </p:cTn>
-                                        <p:tgtEl>
-                                          <p:spTgt spid="4">
-                                            <p:txEl>
-                                              <p:pRg st="10" end="10"/>
-                                            </p:txEl>
-                                          </p:spTgt>
-                                        </p:tgtEl>
-                                        <p:attrNameLst>
-                                          <p:attrName>style.visibility</p:attrName>
-                                        </p:attrNameLst>
-                                      </p:cBhvr>
-                                      <p:to>
-                                        <p:strVal val="visible"/>
-                                      </p:to>
-                                    </p:set>
-                                  </p:childTnLst>
-                                </p:cTn>
-                              </p:par>
-                            </p:childTnLst>
-                          </p:cTn>
-                        </p:par>
-                      </p:childTnLst>
-                    </p:cTn>
-                  </p:par>
-                  <p:par>
-                    <p:cTn id="29" fill="hold">
-                      <p:stCondLst>
-                        <p:cond delay="indefinite"/>
-                      </p:stCondLst>
-                      <p:childTnLst>
-                        <p:par>
-                          <p:cTn id="30" fill="hold">
-                            <p:stCondLst>
-                              <p:cond delay="0"/>
-                            </p:stCondLst>
-                            <p:childTnLst>
-                              <p:par>
-                                <p:cTn id="31" presetID="1" presetClass="entr" presetSubtype="0" fill="hold" nodeType="clickEffect">
-                                  <p:stCondLst>
-                                    <p:cond delay="0"/>
-                                  </p:stCondLst>
-                                  <p:childTnLst>
-                                    <p:set>
-                                      <p:cBhvr>
-                                        <p:cTn id="32" dur="1" fill="hold">
-                                          <p:stCondLst>
-                                            <p:cond delay="0"/>
-                                          </p:stCondLst>
-                                        </p:cTn>
-                                        <p:tgtEl>
-                                          <p:spTgt spid="4">
-                                            <p:txEl>
-                                              <p:pRg st="11" end="11"/>
                                             </p:txEl>
                                           </p:spTgt>
                                         </p:tgtEl>
@@ -20748,6 +19864,10 @@
         </p:cTn>
       </p:par>
     </p:tnLst>
+    <p:bldLst>
+      <p:bldP spid="2" grpId="0"/>
+      <p:bldP spid="4" grpId="0" uiExpand="1" build="p"/>
+    </p:bldLst>
   </p:timing>
 </p:sld>
 </file>
@@ -21394,11 +20514,7 @@
           <a:p>
             <a:r>
               <a:rPr lang="en-US" b="1" dirty="0" smtClean="0"/>
-              <a:t>For </a:t>
-            </a:r>
-            <a:r>
-              <a:rPr lang="en-US" b="1" dirty="0" smtClean="0"/>
-              <a:t>Crossover and Sedan </a:t>
+              <a:t>For Crossover and Sedan </a:t>
             </a:r>
             <a:r>
               <a:rPr lang="en-US" b="1" dirty="0"/>
@@ -23496,7 +22612,7 @@
           <p:nvPr/>
         </p:nvPicPr>
         <p:blipFill>
-          <a:blip r:embed="rId4">
+          <a:blip r:embed="rId3">
             <a:extLst>
               <a:ext uri="{28A0092B-C50C-407E-A947-70E740481C1C}">
                 <a14:useLocalDpi xmlns:a14="http://schemas.microsoft.com/office/drawing/2010/main" val="0"/>
@@ -25374,6 +24490,1609 @@
           <a:lstStyle/>
           <a:p>
             <a:r>
+              <a:rPr lang="en-US" dirty="0" err="1" smtClean="0"/>
+              <a:t>DataSET</a:t>
+            </a:r>
+            <a:r>
+              <a:rPr lang="en-US" dirty="0" smtClean="0"/>
+              <a:t> Description</a:t>
+            </a:r>
+            <a:endParaRPr lang="en-US" dirty="0"/>
+          </a:p>
+        </p:txBody>
+      </p:sp>
+      <p:sp>
+        <p:nvSpPr>
+          <p:cNvPr id="4" name="Rectangle 1"/>
+          <p:cNvSpPr>
+            <a:spLocks noGrp="1" noChangeArrowheads="1"/>
+          </p:cNvSpPr>
+          <p:nvPr>
+            <p:ph idx="1"/>
+          </p:nvPr>
+        </p:nvSpPr>
+        <p:spPr bwMode="auto">
+          <a:xfrm>
+            <a:off x="1141413" y="1217758"/>
+            <a:ext cx="9905999" cy="4708981"/>
+          </a:xfrm>
+          <a:prstGeom prst="rect">
+            <a:avLst/>
+          </a:prstGeom>
+          <a:noFill/>
+          <a:ln>
+            <a:noFill/>
+          </a:ln>
+          <a:effectLst/>
+          <a:extLst>
+            <a:ext uri="{909E8E84-426E-40DD-AFC4-6F175D3DCCD1}">
+              <a14:hiddenFill xmlns:a14="http://schemas.microsoft.com/office/drawing/2010/main">
+                <a:solidFill>
+                  <a:schemeClr val="accent1"/>
+                </a:solidFill>
+              </a14:hiddenFill>
+            </a:ext>
+            <a:ext uri="{91240B29-F687-4F45-9708-019B960494DF}">
+              <a14:hiddenLine xmlns:a14="http://schemas.microsoft.com/office/drawing/2010/main" w="9525">
+                <a:solidFill>
+                  <a:schemeClr val="tx1"/>
+                </a:solidFill>
+                <a:miter lim="800000"/>
+                <a:headEnd/>
+                <a:tailEnd/>
+              </a14:hiddenLine>
+            </a:ext>
+            <a:ext uri="{AF507438-7753-43E0-B8FC-AC1667EBCBE1}">
+              <a14:hiddenEffects xmlns:a14="http://schemas.microsoft.com/office/drawing/2010/main">
+                <a:effectLst>
+                  <a:outerShdw dist="35921" dir="2700000" algn="ctr" rotWithShape="0">
+                    <a:schemeClr val="bg2"/>
+                  </a:outerShdw>
+                </a:effectLst>
+              </a14:hiddenEffects>
+            </a:ext>
+          </a:extLst>
+        </p:spPr>
+        <p:txBody>
+          <a:bodyPr vert="horz" wrap="square" lIns="91440" tIns="45720" rIns="91440" bIns="45720" numCol="1" anchor="ctr" anchorCtr="0" compatLnSpc="1">
+            <a:prstTxWarp prst="textNoShape">
+              <a:avLst/>
+            </a:prstTxWarp>
+            <a:spAutoFit/>
+          </a:bodyPr>
+          <a:lstStyle/>
+          <a:p>
+            <a:pPr eaLnBrk="0" fontAlgn="base" hangingPunct="0">
+              <a:lnSpc>
+                <a:spcPct val="150000"/>
+              </a:lnSpc>
+              <a:spcBef>
+                <a:spcPct val="0"/>
+              </a:spcBef>
+              <a:spcAft>
+                <a:spcPct val="0"/>
+              </a:spcAft>
+              <a:buSzTx/>
+            </a:pPr>
+            <a:r>
+              <a:rPr kumimoji="0" lang="en-US" altLang="en-US" sz="2000" b="0" i="0" u="none" strike="noStrike" cap="none" normalizeH="0" baseline="0" dirty="0" smtClean="0">
+                <a:ln>
+                  <a:noFill/>
+                </a:ln>
+                <a:solidFill>
+                  <a:schemeClr val="tx1"/>
+                </a:solidFill>
+                <a:effectLst/>
+                <a:latin typeface="Arial" panose="020B0604020202020204" pitchFamily="34" charset="0"/>
+              </a:rPr>
+              <a:t>Dataset contains 9576 rows and 10 variables with essential meanings:</a:t>
+            </a:r>
+            <a:endParaRPr kumimoji="0" lang="en-US" altLang="en-US" sz="1050" b="0" i="0" u="none" strike="noStrike" cap="none" normalizeH="0" baseline="0" dirty="0" smtClean="0">
+              <a:ln>
+                <a:noFill/>
+              </a:ln>
+              <a:solidFill>
+                <a:schemeClr val="tx1"/>
+              </a:solidFill>
+              <a:effectLst/>
+              <a:latin typeface="Arial Unicode MS" panose="020B0604020202020204" pitchFamily="34" charset="-128"/>
+            </a:endParaRPr>
+          </a:p>
+          <a:p>
+            <a:pPr lvl="2" eaLnBrk="0" fontAlgn="base" hangingPunct="0">
+              <a:lnSpc>
+                <a:spcPct val="150000"/>
+              </a:lnSpc>
+              <a:spcBef>
+                <a:spcPct val="0"/>
+              </a:spcBef>
+              <a:spcAft>
+                <a:spcPct val="0"/>
+              </a:spcAft>
+              <a:buSzTx/>
+            </a:pPr>
+            <a:r>
+              <a:rPr kumimoji="0" lang="en-US" altLang="en-US" b="0" i="0" u="none" strike="noStrike" cap="none" normalizeH="0" baseline="0" dirty="0" smtClean="0">
+                <a:ln>
+                  <a:noFill/>
+                </a:ln>
+                <a:solidFill>
+                  <a:schemeClr val="tx1"/>
+                </a:solidFill>
+                <a:effectLst/>
+                <a:latin typeface="Arial Unicode MS" panose="020B0604020202020204" pitchFamily="34" charset="-128"/>
+              </a:rPr>
+              <a:t>car: manufacturer brand </a:t>
+            </a:r>
+          </a:p>
+          <a:p>
+            <a:pPr lvl="2" eaLnBrk="0" fontAlgn="base" hangingPunct="0">
+              <a:lnSpc>
+                <a:spcPct val="150000"/>
+              </a:lnSpc>
+              <a:spcBef>
+                <a:spcPct val="0"/>
+              </a:spcBef>
+              <a:spcAft>
+                <a:spcPct val="0"/>
+              </a:spcAft>
+              <a:buSzTx/>
+            </a:pPr>
+            <a:r>
+              <a:rPr kumimoji="0" lang="en-US" altLang="en-US" b="0" i="0" u="none" strike="noStrike" cap="none" normalizeH="0" baseline="0" dirty="0" smtClean="0">
+                <a:ln>
+                  <a:noFill/>
+                </a:ln>
+                <a:solidFill>
+                  <a:schemeClr val="tx1"/>
+                </a:solidFill>
+                <a:effectLst/>
+                <a:latin typeface="Arial Unicode MS" panose="020B0604020202020204" pitchFamily="34" charset="-128"/>
+              </a:rPr>
+              <a:t>price: seller’s price in advertisement (in USD) </a:t>
+            </a:r>
+          </a:p>
+          <a:p>
+            <a:pPr lvl="2" eaLnBrk="0" fontAlgn="base" hangingPunct="0">
+              <a:lnSpc>
+                <a:spcPct val="150000"/>
+              </a:lnSpc>
+              <a:spcBef>
+                <a:spcPct val="0"/>
+              </a:spcBef>
+              <a:spcAft>
+                <a:spcPct val="0"/>
+              </a:spcAft>
+              <a:buSzTx/>
+            </a:pPr>
+            <a:r>
+              <a:rPr kumimoji="0" lang="en-US" altLang="en-US" b="0" i="0" u="none" strike="noStrike" cap="none" normalizeH="0" baseline="0" dirty="0" smtClean="0">
+                <a:ln>
+                  <a:noFill/>
+                </a:ln>
+                <a:solidFill>
+                  <a:schemeClr val="tx1"/>
+                </a:solidFill>
+                <a:effectLst/>
+                <a:latin typeface="Arial Unicode MS" panose="020B0604020202020204" pitchFamily="34" charset="-128"/>
+              </a:rPr>
+              <a:t>body: car body type </a:t>
+            </a:r>
+          </a:p>
+          <a:p>
+            <a:pPr lvl="2" eaLnBrk="0" fontAlgn="base" hangingPunct="0">
+              <a:lnSpc>
+                <a:spcPct val="150000"/>
+              </a:lnSpc>
+              <a:spcBef>
+                <a:spcPct val="0"/>
+              </a:spcBef>
+              <a:spcAft>
+                <a:spcPct val="0"/>
+              </a:spcAft>
+              <a:buSzTx/>
+            </a:pPr>
+            <a:r>
+              <a:rPr kumimoji="0" lang="en-US" altLang="en-US" b="0" i="0" u="none" strike="noStrike" cap="none" normalizeH="0" baseline="0" dirty="0" smtClean="0">
+                <a:ln>
+                  <a:noFill/>
+                </a:ln>
+                <a:solidFill>
+                  <a:schemeClr val="tx1"/>
+                </a:solidFill>
+                <a:effectLst/>
+                <a:latin typeface="Arial Unicode MS" panose="020B0604020202020204" pitchFamily="34" charset="-128"/>
+              </a:rPr>
+              <a:t>mileage: as mentioned in advertisement (‘000 Km) </a:t>
+            </a:r>
+          </a:p>
+          <a:p>
+            <a:pPr lvl="2" eaLnBrk="0" fontAlgn="base" hangingPunct="0">
+              <a:lnSpc>
+                <a:spcPct val="150000"/>
+              </a:lnSpc>
+              <a:spcBef>
+                <a:spcPct val="0"/>
+              </a:spcBef>
+              <a:spcAft>
+                <a:spcPct val="0"/>
+              </a:spcAft>
+              <a:buSzTx/>
+            </a:pPr>
+            <a:r>
+              <a:rPr kumimoji="0" lang="en-US" altLang="en-US" b="0" i="0" u="none" strike="noStrike" cap="none" normalizeH="0" baseline="0" dirty="0" err="1" smtClean="0">
+                <a:ln>
+                  <a:noFill/>
+                </a:ln>
+                <a:solidFill>
+                  <a:schemeClr val="tx1"/>
+                </a:solidFill>
+                <a:effectLst/>
+                <a:latin typeface="Arial Unicode MS" panose="020B0604020202020204" pitchFamily="34" charset="-128"/>
+              </a:rPr>
+              <a:t>engV</a:t>
+            </a:r>
+            <a:r>
+              <a:rPr kumimoji="0" lang="en-US" altLang="en-US" b="0" i="0" u="none" strike="noStrike" cap="none" normalizeH="0" baseline="0" dirty="0" smtClean="0">
+                <a:ln>
+                  <a:noFill/>
+                </a:ln>
+                <a:solidFill>
+                  <a:schemeClr val="tx1"/>
+                </a:solidFill>
+                <a:effectLst/>
+                <a:latin typeface="Arial Unicode MS" panose="020B0604020202020204" pitchFamily="34" charset="-128"/>
+              </a:rPr>
+              <a:t>: rounded engine volume (‘000 cubic cm) </a:t>
+            </a:r>
+          </a:p>
+          <a:p>
+            <a:pPr lvl="2" eaLnBrk="0" fontAlgn="base" hangingPunct="0">
+              <a:lnSpc>
+                <a:spcPct val="150000"/>
+              </a:lnSpc>
+              <a:spcBef>
+                <a:spcPct val="0"/>
+              </a:spcBef>
+              <a:spcAft>
+                <a:spcPct val="0"/>
+              </a:spcAft>
+              <a:buSzTx/>
+            </a:pPr>
+            <a:r>
+              <a:rPr kumimoji="0" lang="en-US" altLang="en-US" b="0" i="0" u="none" strike="noStrike" cap="none" normalizeH="0" baseline="0" dirty="0" err="1" smtClean="0">
+                <a:ln>
+                  <a:noFill/>
+                </a:ln>
+                <a:solidFill>
+                  <a:schemeClr val="tx1"/>
+                </a:solidFill>
+                <a:effectLst/>
+                <a:latin typeface="Arial Unicode MS" panose="020B0604020202020204" pitchFamily="34" charset="-128"/>
+              </a:rPr>
+              <a:t>engType</a:t>
+            </a:r>
+            <a:r>
+              <a:rPr kumimoji="0" lang="en-US" altLang="en-US" b="0" i="0" u="none" strike="noStrike" cap="none" normalizeH="0" baseline="0" dirty="0" smtClean="0">
+                <a:ln>
+                  <a:noFill/>
+                </a:ln>
+                <a:solidFill>
+                  <a:schemeClr val="tx1"/>
+                </a:solidFill>
+                <a:effectLst/>
+                <a:latin typeface="Arial Unicode MS" panose="020B0604020202020204" pitchFamily="34" charset="-128"/>
+              </a:rPr>
+              <a:t>: type of fuel (“Other” in this case should be treated as NA) </a:t>
+            </a:r>
+          </a:p>
+          <a:p>
+            <a:pPr lvl="2" eaLnBrk="0" fontAlgn="base" hangingPunct="0">
+              <a:lnSpc>
+                <a:spcPct val="150000"/>
+              </a:lnSpc>
+              <a:spcBef>
+                <a:spcPct val="0"/>
+              </a:spcBef>
+              <a:spcAft>
+                <a:spcPct val="0"/>
+              </a:spcAft>
+              <a:buSzTx/>
+            </a:pPr>
+            <a:r>
+              <a:rPr kumimoji="0" lang="en-US" altLang="en-US" b="0" i="0" u="none" strike="noStrike" cap="none" normalizeH="0" baseline="0" dirty="0" smtClean="0">
+                <a:ln>
+                  <a:noFill/>
+                </a:ln>
+                <a:solidFill>
+                  <a:schemeClr val="tx1"/>
+                </a:solidFill>
+                <a:effectLst/>
+                <a:latin typeface="Arial Unicode MS" panose="020B0604020202020204" pitchFamily="34" charset="-128"/>
+              </a:rPr>
+              <a:t>registration: whether car registered in Ukraine or not </a:t>
+            </a:r>
+          </a:p>
+          <a:p>
+            <a:pPr lvl="2" eaLnBrk="0" fontAlgn="base" hangingPunct="0">
+              <a:lnSpc>
+                <a:spcPct val="150000"/>
+              </a:lnSpc>
+              <a:spcBef>
+                <a:spcPct val="0"/>
+              </a:spcBef>
+              <a:spcAft>
+                <a:spcPct val="0"/>
+              </a:spcAft>
+              <a:buSzTx/>
+            </a:pPr>
+            <a:r>
+              <a:rPr kumimoji="0" lang="en-US" altLang="en-US" b="0" i="0" u="none" strike="noStrike" cap="none" normalizeH="0" baseline="0" dirty="0" smtClean="0">
+                <a:ln>
+                  <a:noFill/>
+                </a:ln>
+                <a:solidFill>
+                  <a:schemeClr val="tx1"/>
+                </a:solidFill>
+                <a:effectLst/>
+                <a:latin typeface="Arial Unicode MS" panose="020B0604020202020204" pitchFamily="34" charset="-128"/>
+              </a:rPr>
+              <a:t>year: year of production </a:t>
+            </a:r>
+          </a:p>
+          <a:p>
+            <a:pPr lvl="2" eaLnBrk="0" fontAlgn="base" hangingPunct="0">
+              <a:lnSpc>
+                <a:spcPct val="150000"/>
+              </a:lnSpc>
+              <a:spcBef>
+                <a:spcPct val="0"/>
+              </a:spcBef>
+              <a:spcAft>
+                <a:spcPct val="0"/>
+              </a:spcAft>
+              <a:buSzTx/>
+            </a:pPr>
+            <a:r>
+              <a:rPr kumimoji="0" lang="en-US" altLang="en-US" b="0" i="0" u="none" strike="noStrike" cap="none" normalizeH="0" baseline="0" dirty="0" smtClean="0">
+                <a:ln>
+                  <a:noFill/>
+                </a:ln>
+                <a:solidFill>
+                  <a:schemeClr val="tx1"/>
+                </a:solidFill>
+                <a:effectLst/>
+                <a:latin typeface="Arial Unicode MS" panose="020B0604020202020204" pitchFamily="34" charset="-128"/>
+              </a:rPr>
+              <a:t>model: specific model name </a:t>
+            </a:r>
+          </a:p>
+          <a:p>
+            <a:pPr lvl="2" eaLnBrk="0" fontAlgn="base" hangingPunct="0">
+              <a:lnSpc>
+                <a:spcPct val="150000"/>
+              </a:lnSpc>
+              <a:spcBef>
+                <a:spcPct val="0"/>
+              </a:spcBef>
+              <a:spcAft>
+                <a:spcPct val="0"/>
+              </a:spcAft>
+              <a:buSzTx/>
+            </a:pPr>
+            <a:r>
+              <a:rPr kumimoji="0" lang="en-US" altLang="en-US" b="0" i="0" u="none" strike="noStrike" cap="none" normalizeH="0" baseline="0" dirty="0" smtClean="0">
+                <a:ln>
+                  <a:noFill/>
+                </a:ln>
+                <a:solidFill>
+                  <a:schemeClr val="tx1"/>
+                </a:solidFill>
+                <a:effectLst/>
+                <a:latin typeface="Arial Unicode MS" panose="020B0604020202020204" pitchFamily="34" charset="-128"/>
+              </a:rPr>
+              <a:t>drive: drive type </a:t>
+            </a:r>
+            <a:endParaRPr kumimoji="0" lang="en-US" altLang="en-US" sz="5400" b="0" i="0" u="none" strike="noStrike" cap="none" normalizeH="0" baseline="0" dirty="0" smtClean="0">
+              <a:ln>
+                <a:noFill/>
+              </a:ln>
+              <a:solidFill>
+                <a:schemeClr val="tx1"/>
+              </a:solidFill>
+              <a:effectLst/>
+              <a:latin typeface="Arial" panose="020B0604020202020204" pitchFamily="34" charset="0"/>
+            </a:endParaRPr>
+          </a:p>
+        </p:txBody>
+      </p:sp>
+    </p:spTree>
+    <p:extLst>
+      <p:ext uri="{BB962C8B-B14F-4D97-AF65-F5344CB8AC3E}">
+        <p14:creationId xmlns:p14="http://schemas.microsoft.com/office/powerpoint/2010/main" val="553320735"/>
+      </p:ext>
+    </p:extLst>
+  </p:cSld>
+  <p:clrMapOvr>
+    <a:masterClrMapping/>
+  </p:clrMapOvr>
+  <p:timing>
+    <p:tnLst>
+      <p:par>
+        <p:cTn id="1" dur="indefinite" restart="never" nodeType="tmRoot">
+          <p:childTnLst>
+            <p:seq concurrent="1" nextAc="seek">
+              <p:cTn id="2" dur="indefinite" nodeType="mainSeq">
+                <p:childTnLst>
+                  <p:par>
+                    <p:cTn id="3" fill="hold">
+                      <p:stCondLst>
+                        <p:cond delay="indefinite"/>
+                      </p:stCondLst>
+                      <p:childTnLst>
+                        <p:par>
+                          <p:cTn id="4" fill="hold">
+                            <p:stCondLst>
+                              <p:cond delay="0"/>
+                            </p:stCondLst>
+                            <p:childTnLst>
+                              <p:par>
+                                <p:cTn id="5" presetID="1" presetClass="entr" presetSubtype="0" fill="hold" grpId="0" nodeType="clickEffect">
+                                  <p:stCondLst>
+                                    <p:cond delay="0"/>
+                                  </p:stCondLst>
+                                  <p:childTnLst>
+                                    <p:set>
+                                      <p:cBhvr>
+                                        <p:cTn id="6" dur="1" fill="hold">
+                                          <p:stCondLst>
+                                            <p:cond delay="0"/>
+                                          </p:stCondLst>
+                                        </p:cTn>
+                                        <p:tgtEl>
+                                          <p:spTgt spid="2"/>
+                                        </p:tgtEl>
+                                        <p:attrNameLst>
+                                          <p:attrName>style.visibility</p:attrName>
+                                        </p:attrNameLst>
+                                      </p:cBhvr>
+                                      <p:to>
+                                        <p:strVal val="visible"/>
+                                      </p:to>
+                                    </p:set>
+                                  </p:childTnLst>
+                                </p:cTn>
+                              </p:par>
+                              <p:par>
+                                <p:cTn id="7" presetID="1" presetClass="entr" presetSubtype="0" fill="hold" grpId="0" nodeType="withEffect">
+                                  <p:stCondLst>
+                                    <p:cond delay="500"/>
+                                  </p:stCondLst>
+                                  <p:childTnLst>
+                                    <p:set>
+                                      <p:cBhvr>
+                                        <p:cTn id="8" dur="1" fill="hold">
+                                          <p:stCondLst>
+                                            <p:cond delay="0"/>
+                                          </p:stCondLst>
+                                        </p:cTn>
+                                        <p:tgtEl>
+                                          <p:spTgt spid="4">
+                                            <p:txEl>
+                                              <p:pRg st="0" end="0"/>
+                                            </p:txEl>
+                                          </p:spTgt>
+                                        </p:tgtEl>
+                                        <p:attrNameLst>
+                                          <p:attrName>style.visibility</p:attrName>
+                                        </p:attrNameLst>
+                                      </p:cBhvr>
+                                      <p:to>
+                                        <p:strVal val="visible"/>
+                                      </p:to>
+                                    </p:set>
+                                  </p:childTnLst>
+                                </p:cTn>
+                              </p:par>
+                              <p:par>
+                                <p:cTn id="9" presetID="1" presetClass="entr" presetSubtype="0" fill="hold" grpId="0" nodeType="withEffect">
+                                  <p:stCondLst>
+                                    <p:cond delay="1100"/>
+                                  </p:stCondLst>
+                                  <p:childTnLst>
+                                    <p:set>
+                                      <p:cBhvr>
+                                        <p:cTn id="10" dur="1" fill="hold">
+                                          <p:stCondLst>
+                                            <p:cond delay="0"/>
+                                          </p:stCondLst>
+                                        </p:cTn>
+                                        <p:tgtEl>
+                                          <p:spTgt spid="4">
+                                            <p:txEl>
+                                              <p:pRg st="1" end="1"/>
+                                            </p:txEl>
+                                          </p:spTgt>
+                                        </p:tgtEl>
+                                        <p:attrNameLst>
+                                          <p:attrName>style.visibility</p:attrName>
+                                        </p:attrNameLst>
+                                      </p:cBhvr>
+                                      <p:to>
+                                        <p:strVal val="visible"/>
+                                      </p:to>
+                                    </p:set>
+                                  </p:childTnLst>
+                                </p:cTn>
+                              </p:par>
+                              <p:par>
+                                <p:cTn id="11" presetID="1" presetClass="entr" presetSubtype="0" fill="hold" grpId="0" nodeType="withEffect">
+                                  <p:stCondLst>
+                                    <p:cond delay="1100"/>
+                                  </p:stCondLst>
+                                  <p:childTnLst>
+                                    <p:set>
+                                      <p:cBhvr>
+                                        <p:cTn id="12" dur="1" fill="hold">
+                                          <p:stCondLst>
+                                            <p:cond delay="0"/>
+                                          </p:stCondLst>
+                                        </p:cTn>
+                                        <p:tgtEl>
+                                          <p:spTgt spid="4">
+                                            <p:txEl>
+                                              <p:pRg st="2" end="2"/>
+                                            </p:txEl>
+                                          </p:spTgt>
+                                        </p:tgtEl>
+                                        <p:attrNameLst>
+                                          <p:attrName>style.visibility</p:attrName>
+                                        </p:attrNameLst>
+                                      </p:cBhvr>
+                                      <p:to>
+                                        <p:strVal val="visible"/>
+                                      </p:to>
+                                    </p:set>
+                                  </p:childTnLst>
+                                </p:cTn>
+                              </p:par>
+                              <p:par>
+                                <p:cTn id="13" presetID="1" presetClass="entr" presetSubtype="0" fill="hold" grpId="0" nodeType="withEffect">
+                                  <p:stCondLst>
+                                    <p:cond delay="1100"/>
+                                  </p:stCondLst>
+                                  <p:childTnLst>
+                                    <p:set>
+                                      <p:cBhvr>
+                                        <p:cTn id="14" dur="1" fill="hold">
+                                          <p:stCondLst>
+                                            <p:cond delay="0"/>
+                                          </p:stCondLst>
+                                        </p:cTn>
+                                        <p:tgtEl>
+                                          <p:spTgt spid="4">
+                                            <p:txEl>
+                                              <p:pRg st="3" end="3"/>
+                                            </p:txEl>
+                                          </p:spTgt>
+                                        </p:tgtEl>
+                                        <p:attrNameLst>
+                                          <p:attrName>style.visibility</p:attrName>
+                                        </p:attrNameLst>
+                                      </p:cBhvr>
+                                      <p:to>
+                                        <p:strVal val="visible"/>
+                                      </p:to>
+                                    </p:set>
+                                  </p:childTnLst>
+                                </p:cTn>
+                              </p:par>
+                              <p:par>
+                                <p:cTn id="15" presetID="1" presetClass="entr" presetSubtype="0" fill="hold" grpId="0" nodeType="withEffect">
+                                  <p:stCondLst>
+                                    <p:cond delay="1100"/>
+                                  </p:stCondLst>
+                                  <p:childTnLst>
+                                    <p:set>
+                                      <p:cBhvr>
+                                        <p:cTn id="16" dur="1" fill="hold">
+                                          <p:stCondLst>
+                                            <p:cond delay="0"/>
+                                          </p:stCondLst>
+                                        </p:cTn>
+                                        <p:tgtEl>
+                                          <p:spTgt spid="4">
+                                            <p:txEl>
+                                              <p:pRg st="4" end="4"/>
+                                            </p:txEl>
+                                          </p:spTgt>
+                                        </p:tgtEl>
+                                        <p:attrNameLst>
+                                          <p:attrName>style.visibility</p:attrName>
+                                        </p:attrNameLst>
+                                      </p:cBhvr>
+                                      <p:to>
+                                        <p:strVal val="visible"/>
+                                      </p:to>
+                                    </p:set>
+                                  </p:childTnLst>
+                                </p:cTn>
+                              </p:par>
+                              <p:par>
+                                <p:cTn id="17" presetID="1" presetClass="entr" presetSubtype="0" fill="hold" grpId="0" nodeType="withEffect">
+                                  <p:stCondLst>
+                                    <p:cond delay="1100"/>
+                                  </p:stCondLst>
+                                  <p:childTnLst>
+                                    <p:set>
+                                      <p:cBhvr>
+                                        <p:cTn id="18" dur="1" fill="hold">
+                                          <p:stCondLst>
+                                            <p:cond delay="0"/>
+                                          </p:stCondLst>
+                                        </p:cTn>
+                                        <p:tgtEl>
+                                          <p:spTgt spid="4">
+                                            <p:txEl>
+                                              <p:pRg st="5" end="5"/>
+                                            </p:txEl>
+                                          </p:spTgt>
+                                        </p:tgtEl>
+                                        <p:attrNameLst>
+                                          <p:attrName>style.visibility</p:attrName>
+                                        </p:attrNameLst>
+                                      </p:cBhvr>
+                                      <p:to>
+                                        <p:strVal val="visible"/>
+                                      </p:to>
+                                    </p:set>
+                                  </p:childTnLst>
+                                </p:cTn>
+                              </p:par>
+                              <p:par>
+                                <p:cTn id="19" presetID="1" presetClass="entr" presetSubtype="0" fill="hold" grpId="0" nodeType="withEffect">
+                                  <p:stCondLst>
+                                    <p:cond delay="1100"/>
+                                  </p:stCondLst>
+                                  <p:childTnLst>
+                                    <p:set>
+                                      <p:cBhvr>
+                                        <p:cTn id="20" dur="1" fill="hold">
+                                          <p:stCondLst>
+                                            <p:cond delay="0"/>
+                                          </p:stCondLst>
+                                        </p:cTn>
+                                        <p:tgtEl>
+                                          <p:spTgt spid="4">
+                                            <p:txEl>
+                                              <p:pRg st="6" end="6"/>
+                                            </p:txEl>
+                                          </p:spTgt>
+                                        </p:tgtEl>
+                                        <p:attrNameLst>
+                                          <p:attrName>style.visibility</p:attrName>
+                                        </p:attrNameLst>
+                                      </p:cBhvr>
+                                      <p:to>
+                                        <p:strVal val="visible"/>
+                                      </p:to>
+                                    </p:set>
+                                  </p:childTnLst>
+                                </p:cTn>
+                              </p:par>
+                              <p:par>
+                                <p:cTn id="21" presetID="1" presetClass="entr" presetSubtype="0" fill="hold" grpId="0" nodeType="withEffect">
+                                  <p:stCondLst>
+                                    <p:cond delay="1100"/>
+                                  </p:stCondLst>
+                                  <p:childTnLst>
+                                    <p:set>
+                                      <p:cBhvr>
+                                        <p:cTn id="22" dur="1" fill="hold">
+                                          <p:stCondLst>
+                                            <p:cond delay="0"/>
+                                          </p:stCondLst>
+                                        </p:cTn>
+                                        <p:tgtEl>
+                                          <p:spTgt spid="4">
+                                            <p:txEl>
+                                              <p:pRg st="7" end="7"/>
+                                            </p:txEl>
+                                          </p:spTgt>
+                                        </p:tgtEl>
+                                        <p:attrNameLst>
+                                          <p:attrName>style.visibility</p:attrName>
+                                        </p:attrNameLst>
+                                      </p:cBhvr>
+                                      <p:to>
+                                        <p:strVal val="visible"/>
+                                      </p:to>
+                                    </p:set>
+                                  </p:childTnLst>
+                                </p:cTn>
+                              </p:par>
+                              <p:par>
+                                <p:cTn id="23" presetID="1" presetClass="entr" presetSubtype="0" fill="hold" grpId="0" nodeType="withEffect">
+                                  <p:stCondLst>
+                                    <p:cond delay="1100"/>
+                                  </p:stCondLst>
+                                  <p:childTnLst>
+                                    <p:set>
+                                      <p:cBhvr>
+                                        <p:cTn id="24" dur="1" fill="hold">
+                                          <p:stCondLst>
+                                            <p:cond delay="0"/>
+                                          </p:stCondLst>
+                                        </p:cTn>
+                                        <p:tgtEl>
+                                          <p:spTgt spid="4">
+                                            <p:txEl>
+                                              <p:pRg st="8" end="8"/>
+                                            </p:txEl>
+                                          </p:spTgt>
+                                        </p:tgtEl>
+                                        <p:attrNameLst>
+                                          <p:attrName>style.visibility</p:attrName>
+                                        </p:attrNameLst>
+                                      </p:cBhvr>
+                                      <p:to>
+                                        <p:strVal val="visible"/>
+                                      </p:to>
+                                    </p:set>
+                                  </p:childTnLst>
+                                </p:cTn>
+                              </p:par>
+                              <p:par>
+                                <p:cTn id="25" presetID="1" presetClass="entr" presetSubtype="0" fill="hold" grpId="0" nodeType="withEffect">
+                                  <p:stCondLst>
+                                    <p:cond delay="1100"/>
+                                  </p:stCondLst>
+                                  <p:childTnLst>
+                                    <p:set>
+                                      <p:cBhvr>
+                                        <p:cTn id="26" dur="1" fill="hold">
+                                          <p:stCondLst>
+                                            <p:cond delay="0"/>
+                                          </p:stCondLst>
+                                        </p:cTn>
+                                        <p:tgtEl>
+                                          <p:spTgt spid="4">
+                                            <p:txEl>
+                                              <p:pRg st="9" end="9"/>
+                                            </p:txEl>
+                                          </p:spTgt>
+                                        </p:tgtEl>
+                                        <p:attrNameLst>
+                                          <p:attrName>style.visibility</p:attrName>
+                                        </p:attrNameLst>
+                                      </p:cBhvr>
+                                      <p:to>
+                                        <p:strVal val="visible"/>
+                                      </p:to>
+                                    </p:set>
+                                  </p:childTnLst>
+                                </p:cTn>
+                              </p:par>
+                              <p:par>
+                                <p:cTn id="27" presetID="1" presetClass="entr" presetSubtype="0" fill="hold" grpId="0" nodeType="withEffect">
+                                  <p:stCondLst>
+                                    <p:cond delay="1100"/>
+                                  </p:stCondLst>
+                                  <p:childTnLst>
+                                    <p:set>
+                                      <p:cBhvr>
+                                        <p:cTn id="28" dur="1" fill="hold">
+                                          <p:stCondLst>
+                                            <p:cond delay="0"/>
+                                          </p:stCondLst>
+                                        </p:cTn>
+                                        <p:tgtEl>
+                                          <p:spTgt spid="4">
+                                            <p:txEl>
+                                              <p:pRg st="10" end="10"/>
+                                            </p:txEl>
+                                          </p:spTgt>
+                                        </p:tgtEl>
+                                        <p:attrNameLst>
+                                          <p:attrName>style.visibility</p:attrName>
+                                        </p:attrNameLst>
+                                      </p:cBhvr>
+                                      <p:to>
+                                        <p:strVal val="visible"/>
+                                      </p:to>
+                                    </p:set>
+                                  </p:childTnLst>
+                                </p:cTn>
+                              </p:par>
+                            </p:childTnLst>
+                          </p:cTn>
+                        </p:par>
+                      </p:childTnLst>
+                    </p:cTn>
+                  </p:par>
+                </p:childTnLst>
+              </p:cTn>
+              <p:prevCondLst>
+                <p:cond evt="onPrev" delay="0">
+                  <p:tgtEl>
+                    <p:sldTgt/>
+                  </p:tgtEl>
+                </p:cond>
+              </p:prevCondLst>
+              <p:nextCondLst>
+                <p:cond evt="onNext" delay="0">
+                  <p:tgtEl>
+                    <p:sldTgt/>
+                  </p:tgtEl>
+                </p:cond>
+              </p:nextCondLst>
+            </p:seq>
+          </p:childTnLst>
+        </p:cTn>
+      </p:par>
+    </p:tnLst>
+    <p:bldLst>
+      <p:bldP spid="2" grpId="0"/>
+      <p:bldP spid="4" grpId="0" uiExpand="1" build="p"/>
+    </p:bldLst>
+  </p:timing>
+</p:sld>
+</file>
+
+<file path=ppt/slides/slide4.xml><?xml version="1.0" encoding="utf-8"?>
+<p:sld xmlns:a="http://schemas.openxmlformats.org/drawingml/2006/main" xmlns:r="http://schemas.openxmlformats.org/officeDocument/2006/relationships" xmlns:p="http://schemas.openxmlformats.org/presentationml/2006/main">
+  <p:cSld>
+    <p:spTree>
+      <p:nvGrpSpPr>
+        <p:cNvPr id="1" name=""/>
+        <p:cNvGrpSpPr/>
+        <p:nvPr/>
+      </p:nvGrpSpPr>
+      <p:grpSpPr>
+        <a:xfrm>
+          <a:off x="0" y="0"/>
+          <a:ext cx="0" cy="0"/>
+          <a:chOff x="0" y="0"/>
+          <a:chExt cx="0" cy="0"/>
+        </a:xfrm>
+      </p:grpSpPr>
+      <p:sp>
+        <p:nvSpPr>
+          <p:cNvPr id="2" name="Title 1"/>
+          <p:cNvSpPr>
+            <a:spLocks noGrp="1"/>
+          </p:cNvSpPr>
+          <p:nvPr>
+            <p:ph type="title"/>
+          </p:nvPr>
+        </p:nvSpPr>
+        <p:spPr>
+          <a:xfrm>
+            <a:off x="1141413" y="129832"/>
+            <a:ext cx="9905998" cy="649565"/>
+          </a:xfrm>
+        </p:spPr>
+        <p:txBody>
+          <a:bodyPr/>
+          <a:lstStyle/>
+          <a:p>
+            <a:r>
+              <a:rPr lang="en-US" dirty="0" smtClean="0"/>
+              <a:t>Hypothesis Validation</a:t>
+            </a:r>
+            <a:endParaRPr lang="en-US" dirty="0"/>
+          </a:p>
+        </p:txBody>
+      </p:sp>
+      <p:sp>
+        <p:nvSpPr>
+          <p:cNvPr id="4" name="Rectangle 1"/>
+          <p:cNvSpPr>
+            <a:spLocks noGrp="1" noChangeArrowheads="1"/>
+          </p:cNvSpPr>
+          <p:nvPr>
+            <p:ph idx="1"/>
+          </p:nvPr>
+        </p:nvSpPr>
+        <p:spPr bwMode="auto">
+          <a:xfrm>
+            <a:off x="1141413" y="703768"/>
+            <a:ext cx="9905999" cy="5736955"/>
+          </a:xfrm>
+          <a:prstGeom prst="rect">
+            <a:avLst/>
+          </a:prstGeom>
+          <a:noFill/>
+          <a:ln>
+            <a:noFill/>
+          </a:ln>
+          <a:effectLst/>
+          <a:extLst>
+            <a:ext uri="{909E8E84-426E-40DD-AFC4-6F175D3DCCD1}">
+              <a14:hiddenFill xmlns:a14="http://schemas.microsoft.com/office/drawing/2010/main">
+                <a:solidFill>
+                  <a:schemeClr val="accent1"/>
+                </a:solidFill>
+              </a14:hiddenFill>
+            </a:ext>
+            <a:ext uri="{91240B29-F687-4F45-9708-019B960494DF}">
+              <a14:hiddenLine xmlns:a14="http://schemas.microsoft.com/office/drawing/2010/main" w="9525">
+                <a:solidFill>
+                  <a:schemeClr val="tx1"/>
+                </a:solidFill>
+                <a:miter lim="800000"/>
+                <a:headEnd/>
+                <a:tailEnd/>
+              </a14:hiddenLine>
+            </a:ext>
+            <a:ext uri="{AF507438-7753-43E0-B8FC-AC1667EBCBE1}">
+              <a14:hiddenEffects xmlns:a14="http://schemas.microsoft.com/office/drawing/2010/main">
+                <a:effectLst>
+                  <a:outerShdw dist="35921" dir="2700000" algn="ctr" rotWithShape="0">
+                    <a:schemeClr val="bg2"/>
+                  </a:outerShdw>
+                </a:effectLst>
+              </a14:hiddenEffects>
+            </a:ext>
+          </a:extLst>
+        </p:spPr>
+        <p:txBody>
+          <a:bodyPr vert="horz" wrap="square" lIns="91440" tIns="45720" rIns="91440" bIns="45720" numCol="1" anchor="ctr" anchorCtr="0" compatLnSpc="1">
+            <a:prstTxWarp prst="textNoShape">
+              <a:avLst/>
+            </a:prstTxWarp>
+            <a:spAutoFit/>
+          </a:bodyPr>
+          <a:lstStyle/>
+          <a:p>
+            <a:r>
+              <a:rPr lang="en-US" sz="1600" b="1" dirty="0"/>
+              <a:t>Hypothesis 1 : Used car price </a:t>
+            </a:r>
+            <a:r>
+              <a:rPr lang="en-US" sz="1600" b="1" dirty="0" smtClean="0"/>
+              <a:t>reduces as Age increase.</a:t>
+            </a:r>
+          </a:p>
+          <a:p>
+            <a:pPr lvl="1"/>
+            <a:r>
+              <a:rPr lang="en-US" sz="1600" dirty="0"/>
+              <a:t>for lower age groups, the distributions are skewed towards higher price with Platy/</a:t>
+            </a:r>
+            <a:r>
+              <a:rPr lang="en-US" sz="1600" dirty="0" err="1"/>
+              <a:t>Meso</a:t>
+            </a:r>
+            <a:r>
+              <a:rPr lang="en-US" sz="1600" dirty="0"/>
+              <a:t> </a:t>
+            </a:r>
+            <a:r>
+              <a:rPr lang="en-US" sz="1600" dirty="0" err="1"/>
+              <a:t>kurtic</a:t>
+            </a:r>
+            <a:r>
+              <a:rPr lang="en-US" sz="1600" dirty="0"/>
+              <a:t> distribution as compared to higher age groups where distributions are skewed towards lower prices with leptokurtic distribution in their respective Price categories.</a:t>
+            </a:r>
+          </a:p>
+          <a:p>
+            <a:pPr lvl="2"/>
+            <a:r>
+              <a:rPr lang="en-US" sz="1600" dirty="0"/>
+              <a:t>this indicates that age does have impact </a:t>
+            </a:r>
+            <a:r>
+              <a:rPr lang="en-US" sz="1600" dirty="0" smtClean="0"/>
+              <a:t>on </a:t>
+            </a:r>
+            <a:r>
+              <a:rPr lang="en-US" sz="1600" dirty="0"/>
+              <a:t>the price for lower priced cars.</a:t>
+            </a:r>
+          </a:p>
+          <a:p>
+            <a:pPr lvl="1"/>
+            <a:r>
+              <a:rPr lang="en-US" sz="1600" dirty="0"/>
+              <a:t>Most cars in Extreme price category are in age groups 0-3 years. Very few cars are more than 6 years.</a:t>
+            </a:r>
+          </a:p>
+          <a:p>
+            <a:pPr lvl="1"/>
+            <a:r>
+              <a:rPr lang="en-US" sz="1600" dirty="0"/>
+              <a:t>Most cars grater than 30 years age are in low price category.</a:t>
+            </a:r>
+          </a:p>
+          <a:p>
+            <a:pPr lvl="1"/>
+            <a:r>
+              <a:rPr lang="en-US" sz="1600" dirty="0"/>
+              <a:t>As the age of the car increases the median price value reduces for Low, Moderate and High price categories, </a:t>
+            </a:r>
+          </a:p>
+          <a:p>
+            <a:pPr lvl="2"/>
+            <a:r>
+              <a:rPr lang="en-US" sz="1600" dirty="0"/>
+              <a:t>But for Extreme price category the reverse trend can be seen i.e.</a:t>
+            </a:r>
+          </a:p>
+          <a:p>
+            <a:pPr lvl="3"/>
+            <a:r>
+              <a:rPr lang="en-US" dirty="0"/>
+              <a:t>for 0-1 year cars median price is ~110000 USD</a:t>
+            </a:r>
+          </a:p>
+          <a:p>
+            <a:pPr lvl="3"/>
+            <a:r>
+              <a:rPr lang="en-US" dirty="0"/>
+              <a:t>for 1-3 year cars median price is ~130000 USD</a:t>
+            </a:r>
+          </a:p>
+          <a:p>
+            <a:pPr lvl="3"/>
+            <a:r>
+              <a:rPr lang="en-US" dirty="0"/>
+              <a:t>for 3-6 year cars median price is ~200000 USD</a:t>
+            </a:r>
+          </a:p>
+          <a:p>
+            <a:pPr lvl="1"/>
+            <a:r>
+              <a:rPr lang="en-US" sz="1800" b="1" dirty="0" smtClean="0"/>
+              <a:t>Assumption:</a:t>
+            </a:r>
+            <a:r>
+              <a:rPr lang="en-US" sz="1800" dirty="0" smtClean="0"/>
+              <a:t> </a:t>
+            </a:r>
+            <a:r>
+              <a:rPr lang="en-US" sz="1800" dirty="0"/>
+              <a:t>as the extreme price category the cars are new we can ignore this category for this </a:t>
+            </a:r>
+            <a:r>
+              <a:rPr lang="en-US" sz="1800" dirty="0" smtClean="0"/>
+              <a:t>analysis</a:t>
+            </a:r>
+          </a:p>
+          <a:p>
+            <a:pPr marL="0" indent="0">
+              <a:buNone/>
+            </a:pPr>
+            <a:r>
+              <a:rPr lang="en-US" sz="1800" b="1" dirty="0"/>
+              <a:t>Based on the above observations it is clear that the Price of the car reduces as the age of the car increases. Thus we </a:t>
+            </a:r>
+            <a:r>
+              <a:rPr lang="en-US" sz="1800" b="1" dirty="0">
+                <a:solidFill>
+                  <a:schemeClr val="accent6">
+                    <a:lumMod val="75000"/>
+                  </a:schemeClr>
+                </a:solidFill>
+              </a:rPr>
+              <a:t>accept</a:t>
+            </a:r>
+            <a:r>
+              <a:rPr lang="en-US" sz="1800" b="1" dirty="0"/>
+              <a:t> this hypothesis</a:t>
+            </a:r>
+            <a:endParaRPr lang="en-US" sz="1800" dirty="0"/>
+          </a:p>
+        </p:txBody>
+      </p:sp>
+    </p:spTree>
+    <p:extLst>
+      <p:ext uri="{BB962C8B-B14F-4D97-AF65-F5344CB8AC3E}">
+        <p14:creationId xmlns:p14="http://schemas.microsoft.com/office/powerpoint/2010/main" val="3810322376"/>
+      </p:ext>
+    </p:extLst>
+  </p:cSld>
+  <p:clrMapOvr>
+    <a:masterClrMapping/>
+  </p:clrMapOvr>
+  <p:timing>
+    <p:tnLst>
+      <p:par>
+        <p:cTn id="1" dur="indefinite" restart="never" nodeType="tmRoot">
+          <p:childTnLst>
+            <p:seq concurrent="1" nextAc="seek">
+              <p:cTn id="2" dur="indefinite" nodeType="mainSeq">
+                <p:childTnLst>
+                  <p:par>
+                    <p:cTn id="3" fill="hold">
+                      <p:stCondLst>
+                        <p:cond delay="indefinite"/>
+                      </p:stCondLst>
+                      <p:childTnLst>
+                        <p:par>
+                          <p:cTn id="4" fill="hold">
+                            <p:stCondLst>
+                              <p:cond delay="0"/>
+                            </p:stCondLst>
+                            <p:childTnLst>
+                              <p:par>
+                                <p:cTn id="5" presetID="1" presetClass="entr" presetSubtype="0" fill="hold" nodeType="clickEffect">
+                                  <p:stCondLst>
+                                    <p:cond delay="0"/>
+                                  </p:stCondLst>
+                                  <p:childTnLst>
+                                    <p:set>
+                                      <p:cBhvr>
+                                        <p:cTn id="6" dur="1" fill="hold">
+                                          <p:stCondLst>
+                                            <p:cond delay="0"/>
+                                          </p:stCondLst>
+                                        </p:cTn>
+                                        <p:tgtEl>
+                                          <p:spTgt spid="4">
+                                            <p:txEl>
+                                              <p:pRg st="0" end="0"/>
+                                            </p:txEl>
+                                          </p:spTgt>
+                                        </p:tgtEl>
+                                        <p:attrNameLst>
+                                          <p:attrName>style.visibility</p:attrName>
+                                        </p:attrNameLst>
+                                      </p:cBhvr>
+                                      <p:to>
+                                        <p:strVal val="visible"/>
+                                      </p:to>
+                                    </p:set>
+                                  </p:childTnLst>
+                                </p:cTn>
+                              </p:par>
+                            </p:childTnLst>
+                          </p:cTn>
+                        </p:par>
+                      </p:childTnLst>
+                    </p:cTn>
+                  </p:par>
+                  <p:par>
+                    <p:cTn id="7" fill="hold">
+                      <p:stCondLst>
+                        <p:cond delay="indefinite"/>
+                      </p:stCondLst>
+                      <p:childTnLst>
+                        <p:par>
+                          <p:cTn id="8" fill="hold">
+                            <p:stCondLst>
+                              <p:cond delay="0"/>
+                            </p:stCondLst>
+                            <p:childTnLst>
+                              <p:par>
+                                <p:cTn id="9" presetID="1" presetClass="entr" presetSubtype="0" fill="hold" nodeType="clickEffect">
+                                  <p:stCondLst>
+                                    <p:cond delay="0"/>
+                                  </p:stCondLst>
+                                  <p:childTnLst>
+                                    <p:set>
+                                      <p:cBhvr>
+                                        <p:cTn id="10" dur="1" fill="hold">
+                                          <p:stCondLst>
+                                            <p:cond delay="0"/>
+                                          </p:stCondLst>
+                                        </p:cTn>
+                                        <p:tgtEl>
+                                          <p:spTgt spid="4">
+                                            <p:txEl>
+                                              <p:pRg st="1" end="1"/>
+                                            </p:txEl>
+                                          </p:spTgt>
+                                        </p:tgtEl>
+                                        <p:attrNameLst>
+                                          <p:attrName>style.visibility</p:attrName>
+                                        </p:attrNameLst>
+                                      </p:cBhvr>
+                                      <p:to>
+                                        <p:strVal val="visible"/>
+                                      </p:to>
+                                    </p:set>
+                                  </p:childTnLst>
+                                </p:cTn>
+                              </p:par>
+                              <p:par>
+                                <p:cTn id="11" presetID="1" presetClass="entr" presetSubtype="0" fill="hold" nodeType="withEffect">
+                                  <p:stCondLst>
+                                    <p:cond delay="0"/>
+                                  </p:stCondLst>
+                                  <p:childTnLst>
+                                    <p:set>
+                                      <p:cBhvr>
+                                        <p:cTn id="12" dur="1" fill="hold">
+                                          <p:stCondLst>
+                                            <p:cond delay="0"/>
+                                          </p:stCondLst>
+                                        </p:cTn>
+                                        <p:tgtEl>
+                                          <p:spTgt spid="4">
+                                            <p:txEl>
+                                              <p:pRg st="2" end="2"/>
+                                            </p:txEl>
+                                          </p:spTgt>
+                                        </p:tgtEl>
+                                        <p:attrNameLst>
+                                          <p:attrName>style.visibility</p:attrName>
+                                        </p:attrNameLst>
+                                      </p:cBhvr>
+                                      <p:to>
+                                        <p:strVal val="visible"/>
+                                      </p:to>
+                                    </p:set>
+                                  </p:childTnLst>
+                                </p:cTn>
+                              </p:par>
+                              <p:par>
+                                <p:cTn id="13" presetID="1" presetClass="entr" presetSubtype="0" fill="hold" nodeType="withEffect">
+                                  <p:stCondLst>
+                                    <p:cond delay="0"/>
+                                  </p:stCondLst>
+                                  <p:childTnLst>
+                                    <p:set>
+                                      <p:cBhvr>
+                                        <p:cTn id="14" dur="1" fill="hold">
+                                          <p:stCondLst>
+                                            <p:cond delay="0"/>
+                                          </p:stCondLst>
+                                        </p:cTn>
+                                        <p:tgtEl>
+                                          <p:spTgt spid="4">
+                                            <p:txEl>
+                                              <p:pRg st="3" end="3"/>
+                                            </p:txEl>
+                                          </p:spTgt>
+                                        </p:tgtEl>
+                                        <p:attrNameLst>
+                                          <p:attrName>style.visibility</p:attrName>
+                                        </p:attrNameLst>
+                                      </p:cBhvr>
+                                      <p:to>
+                                        <p:strVal val="visible"/>
+                                      </p:to>
+                                    </p:set>
+                                  </p:childTnLst>
+                                </p:cTn>
+                              </p:par>
+                              <p:par>
+                                <p:cTn id="15" presetID="1" presetClass="entr" presetSubtype="0" fill="hold" nodeType="withEffect">
+                                  <p:stCondLst>
+                                    <p:cond delay="0"/>
+                                  </p:stCondLst>
+                                  <p:childTnLst>
+                                    <p:set>
+                                      <p:cBhvr>
+                                        <p:cTn id="16" dur="1" fill="hold">
+                                          <p:stCondLst>
+                                            <p:cond delay="0"/>
+                                          </p:stCondLst>
+                                        </p:cTn>
+                                        <p:tgtEl>
+                                          <p:spTgt spid="4">
+                                            <p:txEl>
+                                              <p:pRg st="4" end="4"/>
+                                            </p:txEl>
+                                          </p:spTgt>
+                                        </p:tgtEl>
+                                        <p:attrNameLst>
+                                          <p:attrName>style.visibility</p:attrName>
+                                        </p:attrNameLst>
+                                      </p:cBhvr>
+                                      <p:to>
+                                        <p:strVal val="visible"/>
+                                      </p:to>
+                                    </p:set>
+                                  </p:childTnLst>
+                                </p:cTn>
+                              </p:par>
+                              <p:par>
+                                <p:cTn id="17" presetID="1" presetClass="entr" presetSubtype="0" fill="hold" nodeType="withEffect">
+                                  <p:stCondLst>
+                                    <p:cond delay="0"/>
+                                  </p:stCondLst>
+                                  <p:childTnLst>
+                                    <p:set>
+                                      <p:cBhvr>
+                                        <p:cTn id="18" dur="1" fill="hold">
+                                          <p:stCondLst>
+                                            <p:cond delay="0"/>
+                                          </p:stCondLst>
+                                        </p:cTn>
+                                        <p:tgtEl>
+                                          <p:spTgt spid="4">
+                                            <p:txEl>
+                                              <p:pRg st="5" end="5"/>
+                                            </p:txEl>
+                                          </p:spTgt>
+                                        </p:tgtEl>
+                                        <p:attrNameLst>
+                                          <p:attrName>style.visibility</p:attrName>
+                                        </p:attrNameLst>
+                                      </p:cBhvr>
+                                      <p:to>
+                                        <p:strVal val="visible"/>
+                                      </p:to>
+                                    </p:set>
+                                  </p:childTnLst>
+                                </p:cTn>
+                              </p:par>
+                              <p:par>
+                                <p:cTn id="19" presetID="1" presetClass="entr" presetSubtype="0" fill="hold" nodeType="withEffect">
+                                  <p:stCondLst>
+                                    <p:cond delay="0"/>
+                                  </p:stCondLst>
+                                  <p:childTnLst>
+                                    <p:set>
+                                      <p:cBhvr>
+                                        <p:cTn id="20" dur="1" fill="hold">
+                                          <p:stCondLst>
+                                            <p:cond delay="0"/>
+                                          </p:stCondLst>
+                                        </p:cTn>
+                                        <p:tgtEl>
+                                          <p:spTgt spid="4">
+                                            <p:txEl>
+                                              <p:pRg st="6" end="6"/>
+                                            </p:txEl>
+                                          </p:spTgt>
+                                        </p:tgtEl>
+                                        <p:attrNameLst>
+                                          <p:attrName>style.visibility</p:attrName>
+                                        </p:attrNameLst>
+                                      </p:cBhvr>
+                                      <p:to>
+                                        <p:strVal val="visible"/>
+                                      </p:to>
+                                    </p:set>
+                                  </p:childTnLst>
+                                </p:cTn>
+                              </p:par>
+                              <p:par>
+                                <p:cTn id="21" presetID="1" presetClass="entr" presetSubtype="0" fill="hold" nodeType="withEffect">
+                                  <p:stCondLst>
+                                    <p:cond delay="0"/>
+                                  </p:stCondLst>
+                                  <p:childTnLst>
+                                    <p:set>
+                                      <p:cBhvr>
+                                        <p:cTn id="22" dur="1" fill="hold">
+                                          <p:stCondLst>
+                                            <p:cond delay="0"/>
+                                          </p:stCondLst>
+                                        </p:cTn>
+                                        <p:tgtEl>
+                                          <p:spTgt spid="4">
+                                            <p:txEl>
+                                              <p:pRg st="7" end="7"/>
+                                            </p:txEl>
+                                          </p:spTgt>
+                                        </p:tgtEl>
+                                        <p:attrNameLst>
+                                          <p:attrName>style.visibility</p:attrName>
+                                        </p:attrNameLst>
+                                      </p:cBhvr>
+                                      <p:to>
+                                        <p:strVal val="visible"/>
+                                      </p:to>
+                                    </p:set>
+                                  </p:childTnLst>
+                                </p:cTn>
+                              </p:par>
+                              <p:par>
+                                <p:cTn id="23" presetID="1" presetClass="entr" presetSubtype="0" fill="hold" nodeType="withEffect">
+                                  <p:stCondLst>
+                                    <p:cond delay="0"/>
+                                  </p:stCondLst>
+                                  <p:childTnLst>
+                                    <p:set>
+                                      <p:cBhvr>
+                                        <p:cTn id="24" dur="1" fill="hold">
+                                          <p:stCondLst>
+                                            <p:cond delay="0"/>
+                                          </p:stCondLst>
+                                        </p:cTn>
+                                        <p:tgtEl>
+                                          <p:spTgt spid="4">
+                                            <p:txEl>
+                                              <p:pRg st="8" end="8"/>
+                                            </p:txEl>
+                                          </p:spTgt>
+                                        </p:tgtEl>
+                                        <p:attrNameLst>
+                                          <p:attrName>style.visibility</p:attrName>
+                                        </p:attrNameLst>
+                                      </p:cBhvr>
+                                      <p:to>
+                                        <p:strVal val="visible"/>
+                                      </p:to>
+                                    </p:set>
+                                  </p:childTnLst>
+                                </p:cTn>
+                              </p:par>
+                              <p:par>
+                                <p:cTn id="25" presetID="1" presetClass="entr" presetSubtype="0" fill="hold" nodeType="withEffect">
+                                  <p:stCondLst>
+                                    <p:cond delay="0"/>
+                                  </p:stCondLst>
+                                  <p:childTnLst>
+                                    <p:set>
+                                      <p:cBhvr>
+                                        <p:cTn id="26" dur="1" fill="hold">
+                                          <p:stCondLst>
+                                            <p:cond delay="0"/>
+                                          </p:stCondLst>
+                                        </p:cTn>
+                                        <p:tgtEl>
+                                          <p:spTgt spid="4">
+                                            <p:txEl>
+                                              <p:pRg st="9" end="9"/>
+                                            </p:txEl>
+                                          </p:spTgt>
+                                        </p:tgtEl>
+                                        <p:attrNameLst>
+                                          <p:attrName>style.visibility</p:attrName>
+                                        </p:attrNameLst>
+                                      </p:cBhvr>
+                                      <p:to>
+                                        <p:strVal val="visible"/>
+                                      </p:to>
+                                    </p:set>
+                                  </p:childTnLst>
+                                </p:cTn>
+                              </p:par>
+                              <p:par>
+                                <p:cTn id="27" presetID="1" presetClass="entr" presetSubtype="0" fill="hold" nodeType="withEffect">
+                                  <p:stCondLst>
+                                    <p:cond delay="0"/>
+                                  </p:stCondLst>
+                                  <p:childTnLst>
+                                    <p:set>
+                                      <p:cBhvr>
+                                        <p:cTn id="28" dur="1" fill="hold">
+                                          <p:stCondLst>
+                                            <p:cond delay="0"/>
+                                          </p:stCondLst>
+                                        </p:cTn>
+                                        <p:tgtEl>
+                                          <p:spTgt spid="4">
+                                            <p:txEl>
+                                              <p:pRg st="10" end="10"/>
+                                            </p:txEl>
+                                          </p:spTgt>
+                                        </p:tgtEl>
+                                        <p:attrNameLst>
+                                          <p:attrName>style.visibility</p:attrName>
+                                        </p:attrNameLst>
+                                      </p:cBhvr>
+                                      <p:to>
+                                        <p:strVal val="visible"/>
+                                      </p:to>
+                                    </p:set>
+                                  </p:childTnLst>
+                                </p:cTn>
+                              </p:par>
+                            </p:childTnLst>
+                          </p:cTn>
+                        </p:par>
+                      </p:childTnLst>
+                    </p:cTn>
+                  </p:par>
+                  <p:par>
+                    <p:cTn id="29" fill="hold">
+                      <p:stCondLst>
+                        <p:cond delay="indefinite"/>
+                      </p:stCondLst>
+                      <p:childTnLst>
+                        <p:par>
+                          <p:cTn id="30" fill="hold">
+                            <p:stCondLst>
+                              <p:cond delay="0"/>
+                            </p:stCondLst>
+                            <p:childTnLst>
+                              <p:par>
+                                <p:cTn id="31" presetID="1" presetClass="entr" presetSubtype="0" fill="hold" nodeType="clickEffect">
+                                  <p:stCondLst>
+                                    <p:cond delay="0"/>
+                                  </p:stCondLst>
+                                  <p:childTnLst>
+                                    <p:set>
+                                      <p:cBhvr>
+                                        <p:cTn id="32" dur="1" fill="hold">
+                                          <p:stCondLst>
+                                            <p:cond delay="0"/>
+                                          </p:stCondLst>
+                                        </p:cTn>
+                                        <p:tgtEl>
+                                          <p:spTgt spid="4">
+                                            <p:txEl>
+                                              <p:pRg st="11" end="11"/>
+                                            </p:txEl>
+                                          </p:spTgt>
+                                        </p:tgtEl>
+                                        <p:attrNameLst>
+                                          <p:attrName>style.visibility</p:attrName>
+                                        </p:attrNameLst>
+                                      </p:cBhvr>
+                                      <p:to>
+                                        <p:strVal val="visible"/>
+                                      </p:to>
+                                    </p:set>
+                                  </p:childTnLst>
+                                </p:cTn>
+                              </p:par>
+                            </p:childTnLst>
+                          </p:cTn>
+                        </p:par>
+                      </p:childTnLst>
+                    </p:cTn>
+                  </p:par>
+                </p:childTnLst>
+              </p:cTn>
+              <p:prevCondLst>
+                <p:cond evt="onPrev" delay="0">
+                  <p:tgtEl>
+                    <p:sldTgt/>
+                  </p:tgtEl>
+                </p:cond>
+              </p:prevCondLst>
+              <p:nextCondLst>
+                <p:cond evt="onNext" delay="0">
+                  <p:tgtEl>
+                    <p:sldTgt/>
+                  </p:tgtEl>
+                </p:cond>
+              </p:nextCondLst>
+            </p:seq>
+          </p:childTnLst>
+        </p:cTn>
+      </p:par>
+    </p:tnLst>
+  </p:timing>
+</p:sld>
+</file>
+
+<file path=ppt/slides/slide5.xml><?xml version="1.0" encoding="utf-8"?>
+<p:sld xmlns:a="http://schemas.openxmlformats.org/drawingml/2006/main" xmlns:r="http://schemas.openxmlformats.org/officeDocument/2006/relationships" xmlns:p="http://schemas.openxmlformats.org/presentationml/2006/main">
+  <p:cSld>
+    <p:spTree>
+      <p:nvGrpSpPr>
+        <p:cNvPr id="1" name=""/>
+        <p:cNvGrpSpPr/>
+        <p:nvPr/>
+      </p:nvGrpSpPr>
+      <p:grpSpPr>
+        <a:xfrm>
+          <a:off x="0" y="0"/>
+          <a:ext cx="0" cy="0"/>
+          <a:chOff x="0" y="0"/>
+          <a:chExt cx="0" cy="0"/>
+        </a:xfrm>
+      </p:grpSpPr>
+      <p:sp>
+        <p:nvSpPr>
+          <p:cNvPr id="2" name="Title 1"/>
+          <p:cNvSpPr>
+            <a:spLocks noGrp="1"/>
+          </p:cNvSpPr>
+          <p:nvPr>
+            <p:ph type="title"/>
+          </p:nvPr>
+        </p:nvSpPr>
+        <p:spPr>
+          <a:xfrm>
+            <a:off x="1141413" y="152692"/>
+            <a:ext cx="9905998" cy="649565"/>
+          </a:xfrm>
+        </p:spPr>
+        <p:txBody>
+          <a:bodyPr/>
+          <a:lstStyle/>
+          <a:p>
+            <a:r>
               <a:rPr lang="en-US" dirty="0" smtClean="0"/>
               <a:t>Hypothesis Validation</a:t>
             </a:r>
@@ -25507,7 +26226,21 @@
             </a:r>
             <a:r>
               <a:rPr lang="en-US" sz="2000" b="1" dirty="0"/>
-              <a:t>we accept this </a:t>
+              <a:t>we </a:t>
+            </a:r>
+            <a:r>
+              <a:rPr lang="en-US" sz="2000" b="1" dirty="0">
+                <a:solidFill>
+                  <a:schemeClr val="accent6">
+                    <a:lumMod val="75000"/>
+                  </a:schemeClr>
+                </a:solidFill>
+              </a:rPr>
+              <a:t>accept</a:t>
+            </a:r>
+            <a:r>
+              <a:rPr lang="en-US" sz="2000" b="1" dirty="0"/>
+              <a:t> this </a:t>
             </a:r>
             <a:r>
               <a:rPr lang="en-US" sz="2000" b="1" dirty="0" smtClean="0"/>
@@ -25783,7 +26516,21 @@
             </a:pPr>
             <a:r>
               <a:rPr lang="en-US" sz="2000" b="1" dirty="0" smtClean="0"/>
-              <a:t>Thus we can accept this hypothesis.</a:t>
+              <a:t>Thus we can </a:t>
+            </a:r>
+            <a:r>
+              <a:rPr lang="en-US" sz="2000" b="1" dirty="0" smtClean="0">
+                <a:solidFill>
+                  <a:schemeClr val="accent6">
+                    <a:lumMod val="75000"/>
+                  </a:schemeClr>
+                </a:solidFill>
+              </a:rPr>
+              <a:t>accept</a:t>
+            </a:r>
+            <a:r>
+              <a:rPr lang="en-US" sz="2000" b="1" dirty="0" smtClean="0"/>
+              <a:t> this hypothesis.</a:t>
             </a:r>
             <a:endParaRPr lang="en-US" sz="2000" dirty="0"/>
           </a:p>
@@ -26157,7 +26904,7 @@
 </p:sld>
 </file>
 
-<file path=ppt/slides/slide4.xml><?xml version="1.0" encoding="utf-8"?>
+<file path=ppt/slides/slide6.xml><?xml version="1.0" encoding="utf-8"?>
 <p:sld xmlns:a="http://schemas.openxmlformats.org/drawingml/2006/main" xmlns:r="http://schemas.openxmlformats.org/officeDocument/2006/relationships" xmlns:p="http://schemas.openxmlformats.org/presentationml/2006/main">
   <p:cSld>
     <p:spTree>
@@ -26355,7 +27102,21 @@
             </a:pPr>
             <a:r>
               <a:rPr lang="en-US" sz="1800" b="1" dirty="0"/>
-              <a:t>Based on the above analysis we can say that full drive type cars are more expensive than Front or Rear drive type cars. thus we accept this hypothesis</a:t>
+              <a:t>Based on the above analysis we can say that full drive type cars are more expensive than Front or Rear drive type cars. thus we </a:t>
+            </a:r>
+            <a:r>
+              <a:rPr lang="en-US" sz="1800" b="1" dirty="0">
+                <a:solidFill>
+                  <a:schemeClr val="accent6">
+                    <a:lumMod val="75000"/>
+                  </a:schemeClr>
+                </a:solidFill>
+              </a:rPr>
+              <a:t>accept</a:t>
+            </a:r>
+            <a:r>
+              <a:rPr lang="en-US" sz="1800" b="1" dirty="0"/>
+              <a:t> this hypothesis</a:t>
             </a:r>
             <a:endParaRPr lang="en-US" sz="1800" dirty="0"/>
           </a:p>
@@ -26737,7 +27498,7 @@
 </p:sld>
 </file>
 
-<file path=ppt/slides/slide5.xml><?xml version="1.0" encoding="utf-8"?>
+<file path=ppt/slides/slide7.xml><?xml version="1.0" encoding="utf-8"?>
 <p:sld xmlns:a="http://schemas.openxmlformats.org/drawingml/2006/main" xmlns:r="http://schemas.openxmlformats.org/officeDocument/2006/relationships" xmlns:p="http://schemas.openxmlformats.org/presentationml/2006/main">
   <p:cSld>
     <p:spTree>
@@ -26938,7 +27699,21 @@
           <a:p>
             <a:r>
               <a:rPr lang="en-US" sz="1800" b="1" dirty="0"/>
-              <a:t>Based on the above observations we can conclude that the Body type does have impact on car price and thus we accept the hypothesis</a:t>
+              <a:t>Based on the above observations we can conclude that the Body type does have impact on car price and thus we </a:t>
+            </a:r>
+            <a:r>
+              <a:rPr lang="en-US" sz="1800" b="1" dirty="0">
+                <a:solidFill>
+                  <a:schemeClr val="accent6">
+                    <a:lumMod val="75000"/>
+                  </a:schemeClr>
+                </a:solidFill>
+              </a:rPr>
+              <a:t>accept</a:t>
+            </a:r>
+            <a:r>
+              <a:rPr lang="en-US" sz="1800" b="1" dirty="0"/>
+              <a:t> the hypothesis</a:t>
             </a:r>
             <a:r>
               <a:rPr lang="en-US" sz="1800" b="1" dirty="0" smtClean="0"/>
@@ -27293,7 +28068,7 @@
 </p:sld>
 </file>
 
-<file path=ppt/slides/slide6.xml><?xml version="1.0" encoding="utf-8"?>
+<file path=ppt/slides/slide8.xml><?xml version="1.0" encoding="utf-8"?>
 <p:sld xmlns:a="http://schemas.openxmlformats.org/drawingml/2006/main" xmlns:r="http://schemas.openxmlformats.org/officeDocument/2006/relationships" xmlns:p="http://schemas.openxmlformats.org/presentationml/2006/main">
   <p:cSld>
     <p:spTree>
@@ -27653,7 +28428,7 @@
 </p:sld>
 </file>
 
-<file path=ppt/slides/slide7.xml><?xml version="1.0" encoding="utf-8"?>
+<file path=ppt/slides/slide9.xml><?xml version="1.0" encoding="utf-8"?>
 <p:sld xmlns:a="http://schemas.openxmlformats.org/drawingml/2006/main" xmlns:r="http://schemas.openxmlformats.org/officeDocument/2006/relationships" xmlns:p="http://schemas.openxmlformats.org/presentationml/2006/main">
   <p:cSld>
     <p:spTree>
@@ -27692,7 +28467,7 @@
           <a:p>
             <a:r>
               <a:rPr lang="en-US" dirty="0" smtClean="0"/>
-              <a:t>Conclusion</a:t>
+              <a:t>Conclusions</a:t>
             </a:r>
             <a:endParaRPr lang="en-US" dirty="0"/>
           </a:p>
@@ -27710,8 +28485,8 @@
         </p:nvSpPr>
         <p:spPr bwMode="auto">
           <a:xfrm>
-            <a:off x="1141413" y="2444601"/>
-            <a:ext cx="9905999" cy="2255297"/>
+            <a:off x="1141413" y="846812"/>
+            <a:ext cx="9905999" cy="5519460"/>
           </a:xfrm>
           <a:prstGeom prst="rect">
             <a:avLst/>
@@ -27759,9 +28534,6 @@
           </a:bodyPr>
           <a:lstStyle/>
           <a:p>
-            <a:pPr marL="0" indent="0" algn="ctr">
-              <a:buNone/>
-            </a:pPr>
             <a:r>
               <a:rPr lang="en-US" sz="4000" b="1" dirty="0" smtClean="0"/>
               <a:t>Based </a:t>
@@ -27776,8 +28548,25 @@
             </a:r>
             <a:r>
               <a:rPr lang="en-US" sz="4000" b="1" dirty="0"/>
-              <a:t>we can say that price of the used car depends on Age, Engine volume, Mileage, Body type and drive type.</a:t>
-            </a:r>
+              <a:t>we can say that price of the used car depends on Age, Engine volume, Mileage, Body type and drive type</a:t>
+            </a:r>
+            <a:r>
+              <a:rPr lang="en-US" sz="4000" b="1" dirty="0" smtClean="0"/>
+              <a:t>.</a:t>
+            </a:r>
+          </a:p>
+          <a:p>
+            <a:r>
+              <a:rPr lang="en-US" sz="4000" b="1" dirty="0" smtClean="0"/>
+              <a:t>New Cars are used more as compared to Older cars.</a:t>
+            </a:r>
+          </a:p>
+          <a:p>
+            <a:r>
+              <a:rPr lang="en-US" sz="4000" b="1" dirty="0" smtClean="0"/>
+              <a:t>Crossover cars are more frequently changed compared to other cars.</a:t>
+            </a:r>
+            <a:endParaRPr lang="en-US" sz="4000" b="1" dirty="0"/>
           </a:p>
         </p:txBody>
       </p:sp>
@@ -27848,506 +28637,22 @@
                       </p:childTnLst>
                     </p:cTn>
                   </p:par>
-                </p:childTnLst>
-              </p:cTn>
-              <p:prevCondLst>
-                <p:cond evt="onPrev" delay="0">
-                  <p:tgtEl>
-                    <p:sldTgt/>
-                  </p:tgtEl>
-                </p:cond>
-              </p:prevCondLst>
-              <p:nextCondLst>
-                <p:cond evt="onNext" delay="0">
-                  <p:tgtEl>
-                    <p:sldTgt/>
-                  </p:tgtEl>
-                </p:cond>
-              </p:nextCondLst>
-            </p:seq>
-          </p:childTnLst>
-        </p:cTn>
-      </p:par>
-    </p:tnLst>
-  </p:timing>
-</p:sld>
-</file>
-
-<file path=ppt/slides/slide8.xml><?xml version="1.0" encoding="utf-8"?>
-<p:sld xmlns:a="http://schemas.openxmlformats.org/drawingml/2006/main" xmlns:r="http://schemas.openxmlformats.org/officeDocument/2006/relationships" xmlns:p="http://schemas.openxmlformats.org/presentationml/2006/main">
-  <p:cSld>
-    <p:spTree>
-      <p:nvGrpSpPr>
-        <p:cNvPr id="1" name=""/>
-        <p:cNvGrpSpPr/>
-        <p:nvPr/>
-      </p:nvGrpSpPr>
-      <p:grpSpPr>
-        <a:xfrm>
-          <a:off x="0" y="0"/>
-          <a:ext cx="0" cy="0"/>
-          <a:chOff x="0" y="0"/>
-          <a:chExt cx="0" cy="0"/>
-        </a:xfrm>
-      </p:grpSpPr>
-      <p:sp>
-        <p:nvSpPr>
-          <p:cNvPr id="2" name="Title 1"/>
-          <p:cNvSpPr>
-            <a:spLocks noGrp="1"/>
-          </p:cNvSpPr>
-          <p:nvPr>
-            <p:ph type="ctrTitle"/>
-          </p:nvPr>
-        </p:nvSpPr>
-        <p:spPr>
-          <a:xfrm>
-            <a:off x="1876424" y="1902371"/>
-            <a:ext cx="8791575" cy="1607591"/>
-          </a:xfrm>
-        </p:spPr>
-        <p:txBody>
-          <a:bodyPr/>
-          <a:lstStyle/>
-          <a:p>
-            <a:pPr algn="ctr"/>
-            <a:r>
-              <a:rPr lang="en-US" dirty="0" smtClean="0"/>
-              <a:t>Detailed ANALYSIS</a:t>
-            </a:r>
-            <a:endParaRPr lang="en-US" dirty="0"/>
-          </a:p>
-        </p:txBody>
-      </p:sp>
-    </p:spTree>
-    <p:extLst>
-      <p:ext uri="{BB962C8B-B14F-4D97-AF65-F5344CB8AC3E}">
-        <p14:creationId xmlns:p14="http://schemas.microsoft.com/office/powerpoint/2010/main" val="2166784634"/>
-      </p:ext>
-    </p:extLst>
-  </p:cSld>
-  <p:clrMapOvr>
-    <a:masterClrMapping/>
-  </p:clrMapOvr>
-  <p:timing>
-    <p:tnLst>
-      <p:par>
-        <p:cTn id="1" dur="indefinite" restart="never" nodeType="tmRoot">
-          <p:childTnLst>
-            <p:seq concurrent="1" nextAc="seek">
-              <p:cTn id="2" dur="indefinite" nodeType="mainSeq">
-                <p:childTnLst>
                   <p:par>
-                    <p:cTn id="3" fill="hold">
+                    <p:cTn id="7" fill="hold">
                       <p:stCondLst>
                         <p:cond delay="indefinite"/>
                       </p:stCondLst>
                       <p:childTnLst>
                         <p:par>
-                          <p:cTn id="4" fill="hold">
+                          <p:cTn id="8" fill="hold">
                             <p:stCondLst>
                               <p:cond delay="0"/>
                             </p:stCondLst>
                             <p:childTnLst>
                               <p:par>
-                                <p:cTn id="5" presetID="1" presetClass="entr" presetSubtype="0" fill="hold" grpId="0" nodeType="clickEffect">
+                                <p:cTn id="9" presetID="1" presetClass="entr" presetSubtype="0" fill="hold" nodeType="clickEffect">
                                   <p:stCondLst>
                                     <p:cond delay="0"/>
-                                  </p:stCondLst>
-                                  <p:childTnLst>
-                                    <p:set>
-                                      <p:cBhvr>
-                                        <p:cTn id="6" dur="1" fill="hold">
-                                          <p:stCondLst>
-                                            <p:cond delay="0"/>
-                                          </p:stCondLst>
-                                        </p:cTn>
-                                        <p:tgtEl>
-                                          <p:spTgt spid="2"/>
-                                        </p:tgtEl>
-                                        <p:attrNameLst>
-                                          <p:attrName>style.visibility</p:attrName>
-                                        </p:attrNameLst>
-                                      </p:cBhvr>
-                                      <p:to>
-                                        <p:strVal val="visible"/>
-                                      </p:to>
-                                    </p:set>
-                                  </p:childTnLst>
-                                </p:cTn>
-                              </p:par>
-                            </p:childTnLst>
-                          </p:cTn>
-                        </p:par>
-                      </p:childTnLst>
-                    </p:cTn>
-                  </p:par>
-                </p:childTnLst>
-              </p:cTn>
-              <p:prevCondLst>
-                <p:cond evt="onPrev" delay="0">
-                  <p:tgtEl>
-                    <p:sldTgt/>
-                  </p:tgtEl>
-                </p:cond>
-              </p:prevCondLst>
-              <p:nextCondLst>
-                <p:cond evt="onNext" delay="0">
-                  <p:tgtEl>
-                    <p:sldTgt/>
-                  </p:tgtEl>
-                </p:cond>
-              </p:nextCondLst>
-            </p:seq>
-          </p:childTnLst>
-        </p:cTn>
-      </p:par>
-    </p:tnLst>
-    <p:bldLst>
-      <p:bldP spid="2" grpId="0"/>
-    </p:bldLst>
-  </p:timing>
-</p:sld>
-</file>
-
-<file path=ppt/slides/slide9.xml><?xml version="1.0" encoding="utf-8"?>
-<p:sld xmlns:a="http://schemas.openxmlformats.org/drawingml/2006/main" xmlns:r="http://schemas.openxmlformats.org/officeDocument/2006/relationships" xmlns:p="http://schemas.openxmlformats.org/presentationml/2006/main">
-  <p:cSld>
-    <p:spTree>
-      <p:nvGrpSpPr>
-        <p:cNvPr id="1" name=""/>
-        <p:cNvGrpSpPr/>
-        <p:nvPr/>
-      </p:nvGrpSpPr>
-      <p:grpSpPr>
-        <a:xfrm>
-          <a:off x="0" y="0"/>
-          <a:ext cx="0" cy="0"/>
-          <a:chOff x="0" y="0"/>
-          <a:chExt cx="0" cy="0"/>
-        </a:xfrm>
-      </p:grpSpPr>
-      <p:sp>
-        <p:nvSpPr>
-          <p:cNvPr id="2" name="Title 1"/>
-          <p:cNvSpPr>
-            <a:spLocks noGrp="1"/>
-          </p:cNvSpPr>
-          <p:nvPr>
-            <p:ph type="title"/>
-          </p:nvPr>
-        </p:nvSpPr>
-        <p:spPr>
-          <a:xfrm>
-            <a:off x="1141413" y="152692"/>
-            <a:ext cx="9905998" cy="649565"/>
-          </a:xfrm>
-        </p:spPr>
-        <p:txBody>
-          <a:bodyPr/>
-          <a:lstStyle/>
-          <a:p>
-            <a:r>
-              <a:rPr lang="en-US" dirty="0" err="1" smtClean="0"/>
-              <a:t>DataSET</a:t>
-            </a:r>
-            <a:r>
-              <a:rPr lang="en-US" dirty="0" smtClean="0"/>
-              <a:t> Description</a:t>
-            </a:r>
-            <a:endParaRPr lang="en-US" dirty="0"/>
-          </a:p>
-        </p:txBody>
-      </p:sp>
-      <p:sp>
-        <p:nvSpPr>
-          <p:cNvPr id="4" name="Rectangle 1"/>
-          <p:cNvSpPr>
-            <a:spLocks noGrp="1" noChangeArrowheads="1"/>
-          </p:cNvSpPr>
-          <p:nvPr>
-            <p:ph idx="1"/>
-          </p:nvPr>
-        </p:nvSpPr>
-        <p:spPr bwMode="auto">
-          <a:xfrm>
-            <a:off x="1141413" y="1679421"/>
-            <a:ext cx="9905999" cy="3785652"/>
-          </a:xfrm>
-          <a:prstGeom prst="rect">
-            <a:avLst/>
-          </a:prstGeom>
-          <a:noFill/>
-          <a:ln>
-            <a:noFill/>
-          </a:ln>
-          <a:effectLst/>
-          <a:extLst>
-            <a:ext uri="{909E8E84-426E-40DD-AFC4-6F175D3DCCD1}">
-              <a14:hiddenFill xmlns:a14="http://schemas.microsoft.com/office/drawing/2010/main">
-                <a:solidFill>
-                  <a:schemeClr val="accent1"/>
-                </a:solidFill>
-              </a14:hiddenFill>
-            </a:ext>
-            <a:ext uri="{91240B29-F687-4F45-9708-019B960494DF}">
-              <a14:hiddenLine xmlns:a14="http://schemas.microsoft.com/office/drawing/2010/main" w="9525">
-                <a:solidFill>
-                  <a:schemeClr val="tx1"/>
-                </a:solidFill>
-                <a:miter lim="800000"/>
-                <a:headEnd/>
-                <a:tailEnd/>
-              </a14:hiddenLine>
-            </a:ext>
-            <a:ext uri="{AF507438-7753-43E0-B8FC-AC1667EBCBE1}">
-              <a14:hiddenEffects xmlns:a14="http://schemas.microsoft.com/office/drawing/2010/main">
-                <a:effectLst>
-                  <a:outerShdw dist="35921" dir="2700000" algn="ctr" rotWithShape="0">
-                    <a:schemeClr val="bg2"/>
-                  </a:outerShdw>
-                </a:effectLst>
-              </a14:hiddenEffects>
-            </a:ext>
-          </a:extLst>
-        </p:spPr>
-        <p:txBody>
-          <a:bodyPr vert="horz" wrap="square" lIns="91440" tIns="45720" rIns="91440" bIns="45720" numCol="1" anchor="ctr" anchorCtr="0" compatLnSpc="1">
-            <a:prstTxWarp prst="textNoShape">
-              <a:avLst/>
-            </a:prstTxWarp>
-            <a:spAutoFit/>
-          </a:bodyPr>
-          <a:lstStyle/>
-          <a:p>
-            <a:pPr eaLnBrk="0" fontAlgn="base" hangingPunct="0">
-              <a:lnSpc>
-                <a:spcPct val="150000"/>
-              </a:lnSpc>
-              <a:spcBef>
-                <a:spcPct val="0"/>
-              </a:spcBef>
-              <a:spcAft>
-                <a:spcPct val="0"/>
-              </a:spcAft>
-              <a:buSzTx/>
-            </a:pPr>
-            <a:r>
-              <a:rPr kumimoji="0" lang="en-US" altLang="en-US" sz="2000" b="0" i="0" u="none" strike="noStrike" cap="none" normalizeH="0" baseline="0" dirty="0" smtClean="0">
-                <a:ln>
-                  <a:noFill/>
-                </a:ln>
-                <a:solidFill>
-                  <a:schemeClr val="tx1"/>
-                </a:solidFill>
-                <a:effectLst/>
-                <a:latin typeface="Arial" panose="020B0604020202020204" pitchFamily="34" charset="0"/>
-              </a:rPr>
-              <a:t>Collected from car sale advertisements for study/practice purposes in 2016. </a:t>
-            </a:r>
-          </a:p>
-          <a:p>
-            <a:pPr eaLnBrk="0" fontAlgn="base" hangingPunct="0">
-              <a:lnSpc>
-                <a:spcPct val="150000"/>
-              </a:lnSpc>
-              <a:spcBef>
-                <a:spcPct val="0"/>
-              </a:spcBef>
-              <a:spcAft>
-                <a:spcPct val="0"/>
-              </a:spcAft>
-              <a:buSzTx/>
-            </a:pPr>
-            <a:r>
-              <a:rPr kumimoji="0" lang="en-US" altLang="en-US" sz="2000" b="0" i="0" u="none" strike="noStrike" cap="none" normalizeH="0" baseline="0" dirty="0" smtClean="0">
-                <a:ln>
-                  <a:noFill/>
-                </a:ln>
-                <a:solidFill>
-                  <a:schemeClr val="tx1"/>
-                </a:solidFill>
-                <a:effectLst/>
-                <a:latin typeface="Arial" panose="020B0604020202020204" pitchFamily="34" charset="0"/>
-              </a:rPr>
-              <a:t>Created with real raw data which has all inconvenient moments (as NA’s for example).</a:t>
-            </a:r>
-          </a:p>
-          <a:p>
-            <a:pPr eaLnBrk="0" fontAlgn="base" hangingPunct="0">
-              <a:lnSpc>
-                <a:spcPct val="150000"/>
-              </a:lnSpc>
-              <a:spcBef>
-                <a:spcPct val="0"/>
-              </a:spcBef>
-              <a:spcAft>
-                <a:spcPct val="0"/>
-              </a:spcAft>
-              <a:buSzTx/>
-            </a:pPr>
-            <a:r>
-              <a:rPr kumimoji="0" lang="en-US" altLang="en-US" sz="2000" b="0" i="0" u="none" strike="noStrike" cap="none" normalizeH="0" baseline="0" dirty="0" smtClean="0">
-                <a:ln>
-                  <a:noFill/>
-                </a:ln>
-                <a:solidFill>
-                  <a:schemeClr val="tx1"/>
-                </a:solidFill>
-                <a:effectLst/>
-                <a:latin typeface="Arial" panose="020B0604020202020204" pitchFamily="34" charset="0"/>
-              </a:rPr>
-              <a:t>Contains data for more than 9.5K cars sale in Ukraine. </a:t>
-            </a:r>
-          </a:p>
-          <a:p>
-            <a:pPr eaLnBrk="0" fontAlgn="base" hangingPunct="0">
-              <a:lnSpc>
-                <a:spcPct val="150000"/>
-              </a:lnSpc>
-              <a:spcBef>
-                <a:spcPct val="0"/>
-              </a:spcBef>
-              <a:spcAft>
-                <a:spcPct val="0"/>
-              </a:spcAft>
-              <a:buSzTx/>
-            </a:pPr>
-            <a:r>
-              <a:rPr kumimoji="0" lang="en-US" altLang="en-US" sz="2000" b="0" i="0" u="none" strike="noStrike" cap="none" normalizeH="0" baseline="0" dirty="0" smtClean="0">
-                <a:ln>
-                  <a:noFill/>
-                </a:ln>
-                <a:solidFill>
-                  <a:schemeClr val="tx1"/>
-                </a:solidFill>
-                <a:effectLst/>
-                <a:latin typeface="Arial" panose="020B0604020202020204" pitchFamily="34" charset="0"/>
-              </a:rPr>
-              <a:t>Most of them are used cars so it opens the possibility to analyze features related to car operation. </a:t>
-            </a:r>
-          </a:p>
-          <a:p>
-            <a:pPr eaLnBrk="0" fontAlgn="base" hangingPunct="0">
-              <a:lnSpc>
-                <a:spcPct val="150000"/>
-              </a:lnSpc>
-              <a:spcBef>
-                <a:spcPct val="0"/>
-              </a:spcBef>
-              <a:spcAft>
-                <a:spcPct val="0"/>
-              </a:spcAft>
-              <a:buSzTx/>
-            </a:pPr>
-            <a:r>
-              <a:rPr kumimoji="0" lang="en-US" altLang="en-US" sz="2000" b="0" i="0" u="none" strike="noStrike" cap="none" normalizeH="0" baseline="0" dirty="0" smtClean="0">
-                <a:ln>
-                  <a:noFill/>
-                </a:ln>
-                <a:solidFill>
-                  <a:schemeClr val="tx1"/>
-                </a:solidFill>
-                <a:effectLst/>
-                <a:latin typeface="Arial" panose="020B0604020202020204" pitchFamily="34" charset="0"/>
-              </a:rPr>
-              <a:t>At the end of the day we should look at this data as a subset from all Ukrainian car fleet.</a:t>
-            </a:r>
-          </a:p>
-        </p:txBody>
-      </p:sp>
-    </p:spTree>
-    <p:extLst>
-      <p:ext uri="{BB962C8B-B14F-4D97-AF65-F5344CB8AC3E}">
-        <p14:creationId xmlns:p14="http://schemas.microsoft.com/office/powerpoint/2010/main" val="2008301921"/>
-      </p:ext>
-    </p:extLst>
-  </p:cSld>
-  <p:clrMapOvr>
-    <a:masterClrMapping/>
-  </p:clrMapOvr>
-  <p:timing>
-    <p:tnLst>
-      <p:par>
-        <p:cTn id="1" dur="indefinite" restart="never" nodeType="tmRoot">
-          <p:childTnLst>
-            <p:seq concurrent="1" nextAc="seek">
-              <p:cTn id="2" dur="indefinite" nodeType="mainSeq">
-                <p:childTnLst>
-                  <p:par>
-                    <p:cTn id="3" fill="hold">
-                      <p:stCondLst>
-                        <p:cond delay="indefinite"/>
-                      </p:stCondLst>
-                      <p:childTnLst>
-                        <p:par>
-                          <p:cTn id="4" fill="hold">
-                            <p:stCondLst>
-                              <p:cond delay="0"/>
-                            </p:stCondLst>
-                            <p:childTnLst>
-                              <p:par>
-                                <p:cTn id="5" presetID="1" presetClass="entr" presetSubtype="0" fill="hold" grpId="0" nodeType="clickEffect">
-                                  <p:stCondLst>
-                                    <p:cond delay="0"/>
-                                  </p:stCondLst>
-                                  <p:childTnLst>
-                                    <p:set>
-                                      <p:cBhvr>
-                                        <p:cTn id="6" dur="1" fill="hold">
-                                          <p:stCondLst>
-                                            <p:cond delay="0"/>
-                                          </p:stCondLst>
-                                        </p:cTn>
-                                        <p:tgtEl>
-                                          <p:spTgt spid="2"/>
-                                        </p:tgtEl>
-                                        <p:attrNameLst>
-                                          <p:attrName>style.visibility</p:attrName>
-                                        </p:attrNameLst>
-                                      </p:cBhvr>
-                                      <p:to>
-                                        <p:strVal val="visible"/>
-                                      </p:to>
-                                    </p:set>
-                                  </p:childTnLst>
-                                </p:cTn>
-                              </p:par>
-                              <p:par>
-                                <p:cTn id="7" presetID="1" presetClass="entr" presetSubtype="0" fill="hold" grpId="0" nodeType="withEffect">
-                                  <p:stCondLst>
-                                    <p:cond delay="600"/>
-                                  </p:stCondLst>
-                                  <p:childTnLst>
-                                    <p:set>
-                                      <p:cBhvr>
-                                        <p:cTn id="8" dur="1" fill="hold">
-                                          <p:stCondLst>
-                                            <p:cond delay="0"/>
-                                          </p:stCondLst>
-                                        </p:cTn>
-                                        <p:tgtEl>
-                                          <p:spTgt spid="4">
-                                            <p:txEl>
-                                              <p:pRg st="0" end="0"/>
-                                            </p:txEl>
-                                          </p:spTgt>
-                                        </p:tgtEl>
-                                        <p:attrNameLst>
-                                          <p:attrName>style.visibility</p:attrName>
-                                        </p:attrNameLst>
-                                      </p:cBhvr>
-                                      <p:to>
-                                        <p:strVal val="visible"/>
-                                      </p:to>
-                                    </p:set>
-                                  </p:childTnLst>
-                                </p:cTn>
-                              </p:par>
-                              <p:par>
-                                <p:cTn id="9" presetID="1" presetClass="entr" presetSubtype="0" fill="hold" grpId="0" nodeType="withEffect">
-                                  <p:stCondLst>
-                                    <p:cond delay="1100"/>
                                   </p:stCondLst>
                                   <p:childTnLst>
                                     <p:set>
@@ -28375,41 +28680,28 @@
                                   </p:childTnLst>
                                 </p:cTn>
                               </p:par>
+                            </p:childTnLst>
+                          </p:cTn>
+                        </p:par>
+                      </p:childTnLst>
+                    </p:cTn>
+                  </p:par>
+                  <p:par>
+                    <p:cTn id="11" fill="hold">
+                      <p:stCondLst>
+                        <p:cond delay="indefinite"/>
+                      </p:stCondLst>
+                      <p:childTnLst>
+                        <p:par>
+                          <p:cTn id="12" fill="hold">
+                            <p:stCondLst>
+                              <p:cond delay="0"/>
+                            </p:stCondLst>
+                            <p:childTnLst>
                               <p:par>
-                                <p:cTn id="11" presetID="1" presetClass="entr" presetSubtype="0" fill="hold" grpId="0" nodeType="withEffect">
+                                <p:cTn id="13" presetID="1" presetClass="entr" presetSubtype="0" fill="hold" nodeType="clickEffect">
                                   <p:stCondLst>
-                                    <p:cond delay="1700"/>
-                                  </p:stCondLst>
-                                  <p:childTnLst>
-                                    <p:set>
-                                      <p:cBhvr>
-                                        <p:cTn id="12" dur="1" fill="hold">
-                                          <p:stCondLst>
-                                            <p:cond delay="0"/>
-                                          </p:stCondLst>
-                                        </p:cTn>
-                                        <p:tgtEl>
-                                          <p:spTgt spid="4">
-                                            <p:txEl>
-                                              <p:pRg st="2" end="2"/>
-                                            </p:txEl>
-                                          </p:spTgt>
-                                        </p:tgtEl>
-                                        <p:attrNameLst>
-                                          <p:attrName>style.visibility</p:attrName>
-                                        </p:attrNameLst>
-                                      </p:cBhvr>
-                                      <p:to>
-                                        <p:strVal val="visible"/>
-                                      </p:to>
-                                    </p:set>
-                                  </p:childTnLst>
-                                </p:cTn>
-                              </p:par>
-                              <p:par>
-                                <p:cTn id="13" presetID="1" presetClass="entr" presetSubtype="0" fill="hold" grpId="0" nodeType="withEffect">
-                                  <p:stCondLst>
-                                    <p:cond delay="2300"/>
+                                    <p:cond delay="0"/>
                                   </p:stCondLst>
                                   <p:childTnLst>
                                     <p:set>
@@ -28422,38 +28714,7 @@
                                         <p:tgtEl>
                                           <p:spTgt spid="4">
                                             <p:txEl>
-                                              <p:pRg st="3" end="3"/>
-                                            </p:txEl>
-                                          </p:spTgt>
-                                        </p:tgtEl>
-                                        <p:attrNameLst>
-                                          <p:attrName>style.visibility</p:attrName>
-                                        </p:attrNameLst>
-                                      </p:cBhvr>
-                                      <p:to>
-                                        <p:strVal val="visible"/>
-                                      </p:to>
-                                    </p:set>
-                                  </p:childTnLst>
-                                </p:cTn>
-                              </p:par>
-                              <p:par>
-                                <p:cTn id="15" presetID="1" presetClass="entr" presetSubtype="0" fill="hold" grpId="0" nodeType="withEffect">
-                                  <p:stCondLst>
-                                    <p:cond delay="2800"/>
-                                  </p:stCondLst>
-                                  <p:childTnLst>
-                                    <p:set>
-                                      <p:cBhvr>
-                                        <p:cTn id="16" dur="1" fill="hold">
-                                          <p:stCondLst>
-                                            <p:cond delay="0"/>
-                                          </p:stCondLst>
-                                        </p:cTn>
-                                        <p:tgtEl>
-                                          <p:spTgt spid="4">
-                                            <p:txEl>
-                                              <p:pRg st="4" end="4"/>
+                                              <p:pRg st="2" end="2"/>
                                             </p:txEl>
                                           </p:spTgt>
                                         </p:tgtEl>
@@ -28495,10 +28756,6 @@
         </p:cTn>
       </p:par>
     </p:tnLst>
-    <p:bldLst>
-      <p:bldP spid="2" grpId="0"/>
-      <p:bldP spid="4" grpId="0" uiExpand="1" build="p"/>
-    </p:bldLst>
   </p:timing>
 </p:sld>
 </file>

--- a/term1/projects/CarSales/Term1-EDAProject-CarSales-DhavalParikh.pptx
+++ b/term1/projects/CarSales/Term1-EDAProject-CarSales-DhavalParikh.pptx
@@ -1390,7 +1390,7 @@
           <a:noFill/>
           <a:extLst>
             <a:ext uri="{909E8E84-426E-40dd-AFC4-6F175D3DCCD1}">
-              <a14:hiddenFill xmlns:a14="http://schemas.microsoft.com/office/drawing/2010/main" xmlns="">
+              <a14:hiddenFill xmlns="" xmlns:a14="http://schemas.microsoft.com/office/drawing/2010/main">
                 <a:solidFill>
                   <a:srgbClr val="FFFFFF"/>
                 </a:solidFill>
@@ -1450,7 +1450,7 @@
             </a:ln>
             <a:extLst>
               <a:ext uri="{91240B29-F687-4f45-9708-019B960494DF}">
-                <a14:hiddenLine xmlns:a14="http://schemas.microsoft.com/office/drawing/2010/main" xmlns="" w="9525">
+                <a14:hiddenLine xmlns="" xmlns:a14="http://schemas.microsoft.com/office/drawing/2010/main" w="9525">
                   <a:solidFill>
                     <a:srgbClr val="000000"/>
                   </a:solidFill>
@@ -1540,7 +1540,7 @@
             </a:ln>
             <a:extLst>
               <a:ext uri="{91240B29-F687-4f45-9708-019B960494DF}">
-                <a14:hiddenLine xmlns:a14="http://schemas.microsoft.com/office/drawing/2010/main" xmlns="" w="9525">
+                <a14:hiddenLine xmlns="" xmlns:a14="http://schemas.microsoft.com/office/drawing/2010/main" w="9525">
                   <a:solidFill>
                     <a:srgbClr val="000000"/>
                   </a:solidFill>
@@ -1630,7 +1630,7 @@
             </a:ln>
             <a:extLst>
               <a:ext uri="{91240B29-F687-4f45-9708-019B960494DF}">
-                <a14:hiddenLine xmlns:a14="http://schemas.microsoft.com/office/drawing/2010/main" xmlns="" w="9525">
+                <a14:hiddenLine xmlns="" xmlns:a14="http://schemas.microsoft.com/office/drawing/2010/main" w="9525">
                   <a:solidFill>
                     <a:srgbClr val="000000"/>
                   </a:solidFill>
@@ -1664,7 +1664,7 @@
             </a:ln>
             <a:extLst>
               <a:ext uri="{91240B29-F687-4f45-9708-019B960494DF}">
-                <a14:hiddenLine xmlns:a14="http://schemas.microsoft.com/office/drawing/2010/main" xmlns="" w="9525">
+                <a14:hiddenLine xmlns="" xmlns:a14="http://schemas.microsoft.com/office/drawing/2010/main" w="9525">
                   <a:solidFill>
                     <a:srgbClr val="000000"/>
                   </a:solidFill>
@@ -1754,7 +1754,7 @@
             </a:ln>
             <a:extLst>
               <a:ext uri="{91240B29-F687-4f45-9708-019B960494DF}">
-                <a14:hiddenLine xmlns:a14="http://schemas.microsoft.com/office/drawing/2010/main" xmlns="" w="9525">
+                <a14:hiddenLine xmlns="" xmlns:a14="http://schemas.microsoft.com/office/drawing/2010/main" w="9525">
                   <a:solidFill>
                     <a:srgbClr val="000000"/>
                   </a:solidFill>
@@ -1816,7 +1816,7 @@
             </a:ln>
             <a:extLst>
               <a:ext uri="{91240B29-F687-4f45-9708-019B960494DF}">
-                <a14:hiddenLine xmlns:a14="http://schemas.microsoft.com/office/drawing/2010/main" xmlns="" w="9525">
+                <a14:hiddenLine xmlns="" xmlns:a14="http://schemas.microsoft.com/office/drawing/2010/main" w="9525">
                   <a:solidFill>
                     <a:srgbClr val="000000"/>
                   </a:solidFill>
@@ -1878,7 +1878,7 @@
             </a:ln>
             <a:extLst>
               <a:ext uri="{91240B29-F687-4f45-9708-019B960494DF}">
-                <a14:hiddenLine xmlns:a14="http://schemas.microsoft.com/office/drawing/2010/main" xmlns="" w="9525">
+                <a14:hiddenLine xmlns="" xmlns:a14="http://schemas.microsoft.com/office/drawing/2010/main" w="9525">
                   <a:solidFill>
                     <a:srgbClr val="000000"/>
                   </a:solidFill>
@@ -1968,7 +1968,7 @@
             </a:ln>
             <a:extLst>
               <a:ext uri="{91240B29-F687-4f45-9708-019B960494DF}">
-                <a14:hiddenLine xmlns:a14="http://schemas.microsoft.com/office/drawing/2010/main" xmlns="" w="9525">
+                <a14:hiddenLine xmlns="" xmlns:a14="http://schemas.microsoft.com/office/drawing/2010/main" w="9525">
                   <a:solidFill>
                     <a:srgbClr val="000000"/>
                   </a:solidFill>
@@ -2030,7 +2030,7 @@
             </a:ln>
             <a:extLst>
               <a:ext uri="{91240B29-F687-4f45-9708-019B960494DF}">
-                <a14:hiddenLine xmlns:a14="http://schemas.microsoft.com/office/drawing/2010/main" xmlns="" w="9525">
+                <a14:hiddenLine xmlns="" xmlns:a14="http://schemas.microsoft.com/office/drawing/2010/main" w="9525">
                   <a:solidFill>
                     <a:srgbClr val="000000"/>
                   </a:solidFill>
@@ -2092,7 +2092,7 @@
             </a:ln>
             <a:extLst>
               <a:ext uri="{91240B29-F687-4f45-9708-019B960494DF}">
-                <a14:hiddenLine xmlns:a14="http://schemas.microsoft.com/office/drawing/2010/main" xmlns="" w="9525">
+                <a14:hiddenLine xmlns="" xmlns:a14="http://schemas.microsoft.com/office/drawing/2010/main" w="9525">
                   <a:solidFill>
                     <a:srgbClr val="000000"/>
                   </a:solidFill>
@@ -2182,7 +2182,7 @@
             </a:ln>
             <a:extLst>
               <a:ext uri="{91240B29-F687-4f45-9708-019B960494DF}">
-                <a14:hiddenLine xmlns:a14="http://schemas.microsoft.com/office/drawing/2010/main" xmlns="" w="9525">
+                <a14:hiddenLine xmlns="" xmlns:a14="http://schemas.microsoft.com/office/drawing/2010/main" w="9525">
                   <a:solidFill>
                     <a:srgbClr val="000000"/>
                   </a:solidFill>
@@ -2272,7 +2272,7 @@
             </a:ln>
             <a:extLst>
               <a:ext uri="{91240B29-F687-4f45-9708-019B960494DF}">
-                <a14:hiddenLine xmlns:a14="http://schemas.microsoft.com/office/drawing/2010/main" xmlns="" w="9525">
+                <a14:hiddenLine xmlns="" xmlns:a14="http://schemas.microsoft.com/office/drawing/2010/main" w="9525">
                   <a:solidFill>
                     <a:srgbClr val="000000"/>
                   </a:solidFill>
@@ -2334,7 +2334,7 @@
             </a:ln>
             <a:extLst>
               <a:ext uri="{91240B29-F687-4f45-9708-019B960494DF}">
-                <a14:hiddenLine xmlns:a14="http://schemas.microsoft.com/office/drawing/2010/main" xmlns="" w="9525">
+                <a14:hiddenLine xmlns="" xmlns:a14="http://schemas.microsoft.com/office/drawing/2010/main" w="9525">
                   <a:solidFill>
                     <a:srgbClr val="000000"/>
                   </a:solidFill>
@@ -2444,7 +2444,7 @@
             </a:ln>
             <a:extLst>
               <a:ext uri="{91240B29-F687-4f45-9708-019B960494DF}">
-                <a14:hiddenLine xmlns:a14="http://schemas.microsoft.com/office/drawing/2010/main" xmlns="" w="9525">
+                <a14:hiddenLine xmlns="" xmlns:a14="http://schemas.microsoft.com/office/drawing/2010/main" w="9525">
                   <a:solidFill>
                     <a:srgbClr val="000000"/>
                   </a:solidFill>
@@ -2506,7 +2506,7 @@
             </a:ln>
             <a:extLst>
               <a:ext uri="{91240B29-F687-4f45-9708-019B960494DF}">
-                <a14:hiddenLine xmlns:a14="http://schemas.microsoft.com/office/drawing/2010/main" xmlns="" w="9525">
+                <a14:hiddenLine xmlns="" xmlns:a14="http://schemas.microsoft.com/office/drawing/2010/main" w="9525">
                   <a:solidFill>
                     <a:srgbClr val="000000"/>
                   </a:solidFill>
@@ -2596,7 +2596,7 @@
             </a:ln>
             <a:extLst>
               <a:ext uri="{91240B29-F687-4f45-9708-019B960494DF}">
-                <a14:hiddenLine xmlns:a14="http://schemas.microsoft.com/office/drawing/2010/main" xmlns="" w="9525">
+                <a14:hiddenLine xmlns="" xmlns:a14="http://schemas.microsoft.com/office/drawing/2010/main" w="9525">
                   <a:solidFill>
                     <a:srgbClr val="000000"/>
                   </a:solidFill>
@@ -2686,7 +2686,7 @@
             </a:ln>
             <a:extLst>
               <a:ext uri="{91240B29-F687-4f45-9708-019B960494DF}">
-                <a14:hiddenLine xmlns:a14="http://schemas.microsoft.com/office/drawing/2010/main" xmlns="" w="9525">
+                <a14:hiddenLine xmlns="" xmlns:a14="http://schemas.microsoft.com/office/drawing/2010/main" w="9525">
                   <a:solidFill>
                     <a:srgbClr val="000000"/>
                   </a:solidFill>
@@ -2748,7 +2748,7 @@
             </a:ln>
             <a:extLst>
               <a:ext uri="{91240B29-F687-4f45-9708-019B960494DF}">
-                <a14:hiddenLine xmlns:a14="http://schemas.microsoft.com/office/drawing/2010/main" xmlns="" w="9525">
+                <a14:hiddenLine xmlns="" xmlns:a14="http://schemas.microsoft.com/office/drawing/2010/main" w="9525">
                   <a:solidFill>
                     <a:srgbClr val="000000"/>
                   </a:solidFill>
@@ -2838,7 +2838,7 @@
             </a:ln>
             <a:extLst>
               <a:ext uri="{91240B29-F687-4f45-9708-019B960494DF}">
-                <a14:hiddenLine xmlns:a14="http://schemas.microsoft.com/office/drawing/2010/main" xmlns="" w="9525">
+                <a14:hiddenLine xmlns="" xmlns:a14="http://schemas.microsoft.com/office/drawing/2010/main" w="9525">
                   <a:solidFill>
                     <a:srgbClr val="000000"/>
                   </a:solidFill>
@@ -2928,7 +2928,7 @@
             </a:ln>
             <a:extLst>
               <a:ext uri="{91240B29-F687-4f45-9708-019B960494DF}">
-                <a14:hiddenLine xmlns:a14="http://schemas.microsoft.com/office/drawing/2010/main" xmlns="" w="9525">
+                <a14:hiddenLine xmlns="" xmlns:a14="http://schemas.microsoft.com/office/drawing/2010/main" w="9525">
                   <a:solidFill>
                     <a:srgbClr val="000000"/>
                   </a:solidFill>
@@ -2984,7 +2984,7 @@
             </a:ln>
             <a:extLst>
               <a:ext uri="{91240B29-F687-4f45-9708-019B960494DF}">
-                <a14:hiddenLine xmlns:a14="http://schemas.microsoft.com/office/drawing/2010/main" xmlns="" w="9525">
+                <a14:hiddenLine xmlns="" xmlns:a14="http://schemas.microsoft.com/office/drawing/2010/main" w="9525">
                   <a:solidFill>
                     <a:srgbClr val="000000"/>
                   </a:solidFill>
@@ -3074,7 +3074,7 @@
             </a:ln>
             <a:extLst>
               <a:ext uri="{91240B29-F687-4f45-9708-019B960494DF}">
-                <a14:hiddenLine xmlns:a14="http://schemas.microsoft.com/office/drawing/2010/main" xmlns="" w="9525">
+                <a14:hiddenLine xmlns="" xmlns:a14="http://schemas.microsoft.com/office/drawing/2010/main" w="9525">
                   <a:solidFill>
                     <a:srgbClr val="000000"/>
                   </a:solidFill>
@@ -3130,7 +3130,7 @@
             </a:ln>
             <a:extLst>
               <a:ext uri="{91240B29-F687-4f45-9708-019B960494DF}">
-                <a14:hiddenLine xmlns:a14="http://schemas.microsoft.com/office/drawing/2010/main" xmlns="" w="9525">
+                <a14:hiddenLine xmlns="" xmlns:a14="http://schemas.microsoft.com/office/drawing/2010/main" w="9525">
                   <a:solidFill>
                     <a:srgbClr val="000000"/>
                   </a:solidFill>
@@ -3220,7 +3220,7 @@
             </a:ln>
             <a:extLst>
               <a:ext uri="{91240B29-F687-4f45-9708-019B960494DF}">
-                <a14:hiddenLine xmlns:a14="http://schemas.microsoft.com/office/drawing/2010/main" xmlns="" w="9525">
+                <a14:hiddenLine xmlns="" xmlns:a14="http://schemas.microsoft.com/office/drawing/2010/main" w="9525">
                   <a:solidFill>
                     <a:srgbClr val="000000"/>
                   </a:solidFill>
@@ -3288,7 +3288,7 @@
             </a:ln>
             <a:extLst>
               <a:ext uri="{91240B29-F687-4f45-9708-019B960494DF}">
-                <a14:hiddenLine xmlns:a14="http://schemas.microsoft.com/office/drawing/2010/main" xmlns="" w="9525">
+                <a14:hiddenLine xmlns="" xmlns:a14="http://schemas.microsoft.com/office/drawing/2010/main" w="9525">
                   <a:solidFill>
                     <a:srgbClr val="000000"/>
                   </a:solidFill>
@@ -3378,7 +3378,7 @@
             </a:ln>
             <a:extLst>
               <a:ext uri="{91240B29-F687-4f45-9708-019B960494DF}">
-                <a14:hiddenLine xmlns:a14="http://schemas.microsoft.com/office/drawing/2010/main" xmlns="" w="9525">
+                <a14:hiddenLine xmlns="" xmlns:a14="http://schemas.microsoft.com/office/drawing/2010/main" w="9525">
                   <a:solidFill>
                     <a:srgbClr val="000000"/>
                   </a:solidFill>
@@ -3446,7 +3446,7 @@
             </a:ln>
             <a:extLst>
               <a:ext uri="{91240B29-F687-4f45-9708-019B960494DF}">
-                <a14:hiddenLine xmlns:a14="http://schemas.microsoft.com/office/drawing/2010/main" xmlns="" w="9525">
+                <a14:hiddenLine xmlns="" xmlns:a14="http://schemas.microsoft.com/office/drawing/2010/main" w="9525">
                   <a:solidFill>
                     <a:srgbClr val="000000"/>
                   </a:solidFill>
@@ -3536,7 +3536,7 @@
             </a:ln>
             <a:extLst>
               <a:ext uri="{91240B29-F687-4f45-9708-019B960494DF}">
-                <a14:hiddenLine xmlns:a14="http://schemas.microsoft.com/office/drawing/2010/main" xmlns="" w="9525">
+                <a14:hiddenLine xmlns="" xmlns:a14="http://schemas.microsoft.com/office/drawing/2010/main" w="9525">
                   <a:solidFill>
                     <a:srgbClr val="000000"/>
                   </a:solidFill>
@@ -3570,7 +3570,7 @@
             </a:ln>
             <a:extLst>
               <a:ext uri="{91240B29-F687-4f45-9708-019B960494DF}">
-                <a14:hiddenLine xmlns:a14="http://schemas.microsoft.com/office/drawing/2010/main" xmlns="" w="9525">
+                <a14:hiddenLine xmlns="" xmlns:a14="http://schemas.microsoft.com/office/drawing/2010/main" w="9525">
                   <a:solidFill>
                     <a:srgbClr val="000000"/>
                   </a:solidFill>
@@ -3660,7 +3660,7 @@
             </a:ln>
             <a:extLst>
               <a:ext uri="{91240B29-F687-4f45-9708-019B960494DF}">
-                <a14:hiddenLine xmlns:a14="http://schemas.microsoft.com/office/drawing/2010/main" xmlns="" w="9525">
+                <a14:hiddenLine xmlns="" xmlns:a14="http://schemas.microsoft.com/office/drawing/2010/main" w="9525">
                   <a:solidFill>
                     <a:srgbClr val="000000"/>
                   </a:solidFill>
@@ -3722,7 +3722,7 @@
             </a:ln>
             <a:extLst>
               <a:ext uri="{91240B29-F687-4f45-9708-019B960494DF}">
-                <a14:hiddenLine xmlns:a14="http://schemas.microsoft.com/office/drawing/2010/main" xmlns="" w="9525">
+                <a14:hiddenLine xmlns="" xmlns:a14="http://schemas.microsoft.com/office/drawing/2010/main" w="9525">
                   <a:solidFill>
                     <a:srgbClr val="000000"/>
                   </a:solidFill>
@@ -3784,7 +3784,7 @@
             </a:ln>
             <a:extLst>
               <a:ext uri="{91240B29-F687-4f45-9708-019B960494DF}">
-                <a14:hiddenLine xmlns:a14="http://schemas.microsoft.com/office/drawing/2010/main" xmlns="" w="9525">
+                <a14:hiddenLine xmlns="" xmlns:a14="http://schemas.microsoft.com/office/drawing/2010/main" w="9525">
                   <a:solidFill>
                     <a:srgbClr val="000000"/>
                   </a:solidFill>
@@ -3874,7 +3874,7 @@
             </a:ln>
             <a:extLst>
               <a:ext uri="{91240B29-F687-4f45-9708-019B960494DF}">
-                <a14:hiddenLine xmlns:a14="http://schemas.microsoft.com/office/drawing/2010/main" xmlns="" w="9525">
+                <a14:hiddenLine xmlns="" xmlns:a14="http://schemas.microsoft.com/office/drawing/2010/main" w="9525">
                   <a:solidFill>
                     <a:srgbClr val="000000"/>
                   </a:solidFill>
@@ -3942,7 +3942,7 @@
             </a:ln>
             <a:extLst>
               <a:ext uri="{91240B29-F687-4f45-9708-019B960494DF}">
-                <a14:hiddenLine xmlns:a14="http://schemas.microsoft.com/office/drawing/2010/main" xmlns="" w="9525">
+                <a14:hiddenLine xmlns="" xmlns:a14="http://schemas.microsoft.com/office/drawing/2010/main" w="9525">
                   <a:solidFill>
                     <a:srgbClr val="000000"/>
                   </a:solidFill>
@@ -4004,7 +4004,7 @@
             </a:ln>
             <a:extLst>
               <a:ext uri="{91240B29-F687-4f45-9708-019B960494DF}">
-                <a14:hiddenLine xmlns:a14="http://schemas.microsoft.com/office/drawing/2010/main" xmlns="" w="9525">
+                <a14:hiddenLine xmlns="" xmlns:a14="http://schemas.microsoft.com/office/drawing/2010/main" w="9525">
                   <a:solidFill>
                     <a:srgbClr val="000000"/>
                   </a:solidFill>
@@ -4094,7 +4094,7 @@
             </a:ln>
             <a:extLst>
               <a:ext uri="{91240B29-F687-4f45-9708-019B960494DF}">
-                <a14:hiddenLine xmlns:a14="http://schemas.microsoft.com/office/drawing/2010/main" xmlns="" w="9525">
+                <a14:hiddenLine xmlns="" xmlns:a14="http://schemas.microsoft.com/office/drawing/2010/main" w="9525">
                   <a:solidFill>
                     <a:srgbClr val="000000"/>
                   </a:solidFill>
@@ -4156,7 +4156,7 @@
             </a:ln>
             <a:extLst>
               <a:ext uri="{91240B29-F687-4f45-9708-019B960494DF}">
-                <a14:hiddenLine xmlns:a14="http://schemas.microsoft.com/office/drawing/2010/main" xmlns="" w="9525">
+                <a14:hiddenLine xmlns="" xmlns:a14="http://schemas.microsoft.com/office/drawing/2010/main" w="9525">
                   <a:solidFill>
                     <a:srgbClr val="000000"/>
                   </a:solidFill>
@@ -4246,7 +4246,7 @@
             </a:ln>
             <a:extLst>
               <a:ext uri="{91240B29-F687-4f45-9708-019B960494DF}">
-                <a14:hiddenLine xmlns:a14="http://schemas.microsoft.com/office/drawing/2010/main" xmlns="" w="9525">
+                <a14:hiddenLine xmlns="" xmlns:a14="http://schemas.microsoft.com/office/drawing/2010/main" w="9525">
                   <a:solidFill>
                     <a:srgbClr val="000000"/>
                   </a:solidFill>
@@ -4308,7 +4308,7 @@
             </a:ln>
             <a:extLst>
               <a:ext uri="{91240B29-F687-4f45-9708-019B960494DF}">
-                <a14:hiddenLine xmlns:a14="http://schemas.microsoft.com/office/drawing/2010/main" xmlns="" w="9525">
+                <a14:hiddenLine xmlns="" xmlns:a14="http://schemas.microsoft.com/office/drawing/2010/main" w="9525">
                   <a:solidFill>
                     <a:srgbClr val="000000"/>
                   </a:solidFill>
@@ -4398,7 +4398,7 @@
             </a:ln>
             <a:extLst>
               <a:ext uri="{91240B29-F687-4f45-9708-019B960494DF}">
-                <a14:hiddenLine xmlns:a14="http://schemas.microsoft.com/office/drawing/2010/main" xmlns="" w="9525">
+                <a14:hiddenLine xmlns="" xmlns:a14="http://schemas.microsoft.com/office/drawing/2010/main" w="9525">
                   <a:solidFill>
                     <a:srgbClr val="000000"/>
                   </a:solidFill>
@@ -4432,7 +4432,7 @@
             </a:ln>
             <a:extLst>
               <a:ext uri="{91240B29-F687-4f45-9708-019B960494DF}">
-                <a14:hiddenLine xmlns:a14="http://schemas.microsoft.com/office/drawing/2010/main" xmlns="" w="9525">
+                <a14:hiddenLine xmlns="" xmlns:a14="http://schemas.microsoft.com/office/drawing/2010/main" w="9525">
                   <a:solidFill>
                     <a:srgbClr val="000000"/>
                   </a:solidFill>
@@ -4497,7 +4497,7 @@
             </a:ln>
             <a:extLst>
               <a:ext uri="{91240B29-F687-4f45-9708-019B960494DF}">
-                <a14:hiddenLine xmlns:a14="http://schemas.microsoft.com/office/drawing/2010/main" xmlns="" w="9525">
+                <a14:hiddenLine xmlns="" xmlns:a14="http://schemas.microsoft.com/office/drawing/2010/main" w="9525">
                   <a:solidFill>
                     <a:srgbClr val="000000"/>
                   </a:solidFill>
@@ -4587,7 +4587,7 @@
             </a:ln>
             <a:extLst>
               <a:ext uri="{91240B29-F687-4f45-9708-019B960494DF}">
-                <a14:hiddenLine xmlns:a14="http://schemas.microsoft.com/office/drawing/2010/main" xmlns="" w="9525">
+                <a14:hiddenLine xmlns="" xmlns:a14="http://schemas.microsoft.com/office/drawing/2010/main" w="9525">
                   <a:solidFill>
                     <a:srgbClr val="000000"/>
                   </a:solidFill>
@@ -4649,7 +4649,7 @@
             </a:ln>
             <a:extLst>
               <a:ext uri="{91240B29-F687-4f45-9708-019B960494DF}">
-                <a14:hiddenLine xmlns:a14="http://schemas.microsoft.com/office/drawing/2010/main" xmlns="" w="9525">
+                <a14:hiddenLine xmlns="" xmlns:a14="http://schemas.microsoft.com/office/drawing/2010/main" w="9525">
                   <a:solidFill>
                     <a:srgbClr val="000000"/>
                   </a:solidFill>
@@ -4739,7 +4739,7 @@
             </a:ln>
             <a:extLst>
               <a:ext uri="{91240B29-F687-4f45-9708-019B960494DF}">
-                <a14:hiddenLine xmlns:a14="http://schemas.microsoft.com/office/drawing/2010/main" xmlns="" w="9525">
+                <a14:hiddenLine xmlns="" xmlns:a14="http://schemas.microsoft.com/office/drawing/2010/main" w="9525">
                   <a:solidFill>
                     <a:srgbClr val="000000"/>
                   </a:solidFill>
@@ -4829,7 +4829,7 @@
             </a:ln>
             <a:extLst>
               <a:ext uri="{91240B29-F687-4f45-9708-019B960494DF}">
-                <a14:hiddenLine xmlns:a14="http://schemas.microsoft.com/office/drawing/2010/main" xmlns="" w="9525">
+                <a14:hiddenLine xmlns="" xmlns:a14="http://schemas.microsoft.com/office/drawing/2010/main" w="9525">
                   <a:solidFill>
                     <a:srgbClr val="000000"/>
                   </a:solidFill>
@@ -4894,7 +4894,7 @@
             </a:ln>
             <a:extLst>
               <a:ext uri="{91240B29-F687-4f45-9708-019B960494DF}">
-                <a14:hiddenLine xmlns:a14="http://schemas.microsoft.com/office/drawing/2010/main" xmlns="" w="9525">
+                <a14:hiddenLine xmlns="" xmlns:a14="http://schemas.microsoft.com/office/drawing/2010/main" w="9525">
                   <a:solidFill>
                     <a:srgbClr val="000000"/>
                   </a:solidFill>
@@ -4956,7 +4956,7 @@
             </a:ln>
             <a:extLst>
               <a:ext uri="{91240B29-F687-4f45-9708-019B960494DF}">
-                <a14:hiddenLine xmlns:a14="http://schemas.microsoft.com/office/drawing/2010/main" xmlns="" w="9525">
+                <a14:hiddenLine xmlns="" xmlns:a14="http://schemas.microsoft.com/office/drawing/2010/main" w="9525">
                   <a:solidFill>
                     <a:srgbClr val="000000"/>
                   </a:solidFill>
@@ -5046,7 +5046,7 @@
             </a:ln>
             <a:extLst>
               <a:ext uri="{91240B29-F687-4f45-9708-019B960494DF}">
-                <a14:hiddenLine xmlns:a14="http://schemas.microsoft.com/office/drawing/2010/main" xmlns="" w="9525">
+                <a14:hiddenLine xmlns="" xmlns:a14="http://schemas.microsoft.com/office/drawing/2010/main" w="9525">
                   <a:solidFill>
                     <a:srgbClr val="000000"/>
                   </a:solidFill>
@@ -5136,7 +5136,7 @@
             </a:ln>
             <a:extLst>
               <a:ext uri="{91240B29-F687-4f45-9708-019B960494DF}">
-                <a14:hiddenLine xmlns:a14="http://schemas.microsoft.com/office/drawing/2010/main" xmlns="" w="9525">
+                <a14:hiddenLine xmlns="" xmlns:a14="http://schemas.microsoft.com/office/drawing/2010/main" w="9525">
                   <a:solidFill>
                     <a:srgbClr val="000000"/>
                   </a:solidFill>
@@ -5198,7 +5198,7 @@
             </a:ln>
             <a:extLst>
               <a:ext uri="{91240B29-F687-4f45-9708-019B960494DF}">
-                <a14:hiddenLine xmlns:a14="http://schemas.microsoft.com/office/drawing/2010/main" xmlns="" w="9525">
+                <a14:hiddenLine xmlns="" xmlns:a14="http://schemas.microsoft.com/office/drawing/2010/main" w="9525">
                   <a:solidFill>
                     <a:srgbClr val="000000"/>
                   </a:solidFill>
@@ -5318,7 +5318,7 @@
             </a:ln>
             <a:extLst>
               <a:ext uri="{91240B29-F687-4f45-9708-019B960494DF}">
-                <a14:hiddenLine xmlns:a14="http://schemas.microsoft.com/office/drawing/2010/main" xmlns="" w="9525">
+                <a14:hiddenLine xmlns="" xmlns:a14="http://schemas.microsoft.com/office/drawing/2010/main" w="9525">
                   <a:solidFill>
                     <a:srgbClr val="000000"/>
                   </a:solidFill>
@@ -5386,7 +5386,7 @@
             </a:ln>
             <a:extLst>
               <a:ext uri="{91240B29-F687-4f45-9708-019B960494DF}">
-                <a14:hiddenLine xmlns:a14="http://schemas.microsoft.com/office/drawing/2010/main" xmlns="" w="9525">
+                <a14:hiddenLine xmlns="" xmlns:a14="http://schemas.microsoft.com/office/drawing/2010/main" w="9525">
                   <a:solidFill>
                     <a:srgbClr val="000000"/>
                   </a:solidFill>
@@ -5476,7 +5476,7 @@
             </a:ln>
             <a:extLst>
               <a:ext uri="{91240B29-F687-4f45-9708-019B960494DF}">
-                <a14:hiddenLine xmlns:a14="http://schemas.microsoft.com/office/drawing/2010/main" xmlns="" w="9525">
+                <a14:hiddenLine xmlns="" xmlns:a14="http://schemas.microsoft.com/office/drawing/2010/main" w="9525">
                   <a:solidFill>
                     <a:srgbClr val="000000"/>
                   </a:solidFill>
@@ -10198,7 +10198,7 @@
           <a:noFill/>
           <a:extLst>
             <a:ext uri="{909E8E84-426E-40dd-AFC4-6F175D3DCCD1}">
-              <a14:hiddenFill xmlns:a14="http://schemas.microsoft.com/office/drawing/2010/main" xmlns="">
+              <a14:hiddenFill xmlns="" xmlns:a14="http://schemas.microsoft.com/office/drawing/2010/main">
                 <a:solidFill>
                   <a:srgbClr val="FFFFFF"/>
                 </a:solidFill>
@@ -10272,7 +10272,7 @@
               </a:ln>
               <a:extLst>
                 <a:ext uri="{91240B29-F687-4f45-9708-019B960494DF}">
-                  <a14:hiddenLine xmlns:a14="http://schemas.microsoft.com/office/drawing/2010/main" xmlns="" w="9525">
+                  <a14:hiddenLine xmlns="" xmlns:a14="http://schemas.microsoft.com/office/drawing/2010/main" w="9525">
                     <a:solidFill>
                       <a:srgbClr val="000000"/>
                     </a:solidFill>
@@ -10362,7 +10362,7 @@
               </a:ln>
               <a:extLst>
                 <a:ext uri="{91240B29-F687-4f45-9708-019B960494DF}">
-                  <a14:hiddenLine xmlns:a14="http://schemas.microsoft.com/office/drawing/2010/main" xmlns="" w="9525">
+                  <a14:hiddenLine xmlns="" xmlns:a14="http://schemas.microsoft.com/office/drawing/2010/main" w="9525">
                     <a:solidFill>
                       <a:srgbClr val="000000"/>
                     </a:solidFill>
@@ -10452,7 +10452,7 @@
               </a:ln>
               <a:extLst>
                 <a:ext uri="{91240B29-F687-4f45-9708-019B960494DF}">
-                  <a14:hiddenLine xmlns:a14="http://schemas.microsoft.com/office/drawing/2010/main" xmlns="" w="9525">
+                  <a14:hiddenLine xmlns="" xmlns:a14="http://schemas.microsoft.com/office/drawing/2010/main" w="9525">
                     <a:solidFill>
                       <a:srgbClr val="000000"/>
                     </a:solidFill>
@@ -10514,7 +10514,7 @@
               </a:ln>
               <a:extLst>
                 <a:ext uri="{91240B29-F687-4f45-9708-019B960494DF}">
-                  <a14:hiddenLine xmlns:a14="http://schemas.microsoft.com/office/drawing/2010/main" xmlns="" w="9525">
+                  <a14:hiddenLine xmlns="" xmlns:a14="http://schemas.microsoft.com/office/drawing/2010/main" w="9525">
                     <a:solidFill>
                       <a:srgbClr val="000000"/>
                     </a:solidFill>
@@ -10604,7 +10604,7 @@
               </a:ln>
               <a:extLst>
                 <a:ext uri="{91240B29-F687-4f45-9708-019B960494DF}">
-                  <a14:hiddenLine xmlns:a14="http://schemas.microsoft.com/office/drawing/2010/main" xmlns="" w="9525">
+                  <a14:hiddenLine xmlns="" xmlns:a14="http://schemas.microsoft.com/office/drawing/2010/main" w="9525">
                     <a:solidFill>
                       <a:srgbClr val="000000"/>
                     </a:solidFill>
@@ -10666,7 +10666,7 @@
               </a:ln>
               <a:extLst>
                 <a:ext uri="{91240B29-F687-4f45-9708-019B960494DF}">
-                  <a14:hiddenLine xmlns:a14="http://schemas.microsoft.com/office/drawing/2010/main" xmlns="" w="9525">
+                  <a14:hiddenLine xmlns="" xmlns:a14="http://schemas.microsoft.com/office/drawing/2010/main" w="9525">
                     <a:solidFill>
                       <a:srgbClr val="000000"/>
                     </a:solidFill>
@@ -10728,7 +10728,7 @@
               </a:ln>
               <a:extLst>
                 <a:ext uri="{91240B29-F687-4f45-9708-019B960494DF}">
-                  <a14:hiddenLine xmlns:a14="http://schemas.microsoft.com/office/drawing/2010/main" xmlns="" w="9525">
+                  <a14:hiddenLine xmlns="" xmlns:a14="http://schemas.microsoft.com/office/drawing/2010/main" w="9525">
                     <a:solidFill>
                       <a:srgbClr val="000000"/>
                     </a:solidFill>
@@ -10818,7 +10818,7 @@
               </a:ln>
               <a:extLst>
                 <a:ext uri="{91240B29-F687-4f45-9708-019B960494DF}">
-                  <a14:hiddenLine xmlns:a14="http://schemas.microsoft.com/office/drawing/2010/main" xmlns="" w="9525">
+                  <a14:hiddenLine xmlns="" xmlns:a14="http://schemas.microsoft.com/office/drawing/2010/main" w="9525">
                     <a:solidFill>
                       <a:srgbClr val="000000"/>
                     </a:solidFill>
@@ -10908,7 +10908,7 @@
               </a:ln>
               <a:extLst>
                 <a:ext uri="{91240B29-F687-4f45-9708-019B960494DF}">
-                  <a14:hiddenLine xmlns:a14="http://schemas.microsoft.com/office/drawing/2010/main" xmlns="" w="9525">
+                  <a14:hiddenLine xmlns="" xmlns:a14="http://schemas.microsoft.com/office/drawing/2010/main" w="9525">
                     <a:solidFill>
                       <a:srgbClr val="000000"/>
                     </a:solidFill>
@@ -10970,7 +10970,7 @@
               </a:ln>
               <a:extLst>
                 <a:ext uri="{91240B29-F687-4f45-9708-019B960494DF}">
-                  <a14:hiddenLine xmlns:a14="http://schemas.microsoft.com/office/drawing/2010/main" xmlns="" w="9525">
+                  <a14:hiddenLine xmlns="" xmlns:a14="http://schemas.microsoft.com/office/drawing/2010/main" w="9525">
                     <a:solidFill>
                       <a:srgbClr val="000000"/>
                     </a:solidFill>
@@ -11080,7 +11080,7 @@
               </a:ln>
               <a:extLst>
                 <a:ext uri="{91240B29-F687-4f45-9708-019B960494DF}">
-                  <a14:hiddenLine xmlns:a14="http://schemas.microsoft.com/office/drawing/2010/main" xmlns="" w="9525">
+                  <a14:hiddenLine xmlns="" xmlns:a14="http://schemas.microsoft.com/office/drawing/2010/main" w="9525">
                     <a:solidFill>
                       <a:srgbClr val="000000"/>
                     </a:solidFill>
@@ -11164,7 +11164,7 @@
               </a:ln>
               <a:extLst>
                 <a:ext uri="{91240B29-F687-4f45-9708-019B960494DF}">
-                  <a14:hiddenLine xmlns:a14="http://schemas.microsoft.com/office/drawing/2010/main" xmlns="" w="9525">
+                  <a14:hiddenLine xmlns="" xmlns:a14="http://schemas.microsoft.com/office/drawing/2010/main" w="9525">
                     <a:solidFill>
                       <a:srgbClr val="000000"/>
                     </a:solidFill>
@@ -11226,7 +11226,7 @@
               </a:ln>
               <a:extLst>
                 <a:ext uri="{91240B29-F687-4f45-9708-019B960494DF}">
-                  <a14:hiddenLine xmlns:a14="http://schemas.microsoft.com/office/drawing/2010/main" xmlns="" w="9525">
+                  <a14:hiddenLine xmlns="" xmlns:a14="http://schemas.microsoft.com/office/drawing/2010/main" w="9525">
                     <a:solidFill>
                       <a:srgbClr val="000000"/>
                     </a:solidFill>
@@ -11288,7 +11288,7 @@
               </a:ln>
               <a:extLst>
                 <a:ext uri="{91240B29-F687-4f45-9708-019B960494DF}">
-                  <a14:hiddenLine xmlns:a14="http://schemas.microsoft.com/office/drawing/2010/main" xmlns="" w="9525">
+                  <a14:hiddenLine xmlns="" xmlns:a14="http://schemas.microsoft.com/office/drawing/2010/main" w="9525">
                     <a:solidFill>
                       <a:srgbClr val="000000"/>
                     </a:solidFill>
@@ -11378,7 +11378,7 @@
               </a:ln>
               <a:extLst>
                 <a:ext uri="{91240B29-F687-4f45-9708-019B960494DF}">
-                  <a14:hiddenLine xmlns:a14="http://schemas.microsoft.com/office/drawing/2010/main" xmlns="" w="9525">
+                  <a14:hiddenLine xmlns="" xmlns:a14="http://schemas.microsoft.com/office/drawing/2010/main" w="9525">
                     <a:solidFill>
                       <a:srgbClr val="000000"/>
                     </a:solidFill>
@@ -11412,7 +11412,7 @@
               </a:ln>
               <a:extLst>
                 <a:ext uri="{91240B29-F687-4f45-9708-019B960494DF}">
-                  <a14:hiddenLine xmlns:a14="http://schemas.microsoft.com/office/drawing/2010/main" xmlns="" w="9525">
+                  <a14:hiddenLine xmlns="" xmlns:a14="http://schemas.microsoft.com/office/drawing/2010/main" w="9525">
                     <a:solidFill>
                       <a:srgbClr val="000000"/>
                     </a:solidFill>
@@ -11477,7 +11477,7 @@
               </a:ln>
               <a:extLst>
                 <a:ext uri="{91240B29-F687-4f45-9708-019B960494DF}">
-                  <a14:hiddenLine xmlns:a14="http://schemas.microsoft.com/office/drawing/2010/main" xmlns="" w="9525">
+                  <a14:hiddenLine xmlns="" xmlns:a14="http://schemas.microsoft.com/office/drawing/2010/main" w="9525">
                     <a:solidFill>
                       <a:srgbClr val="000000"/>
                     </a:solidFill>
@@ -11567,7 +11567,7 @@
               </a:ln>
               <a:extLst>
                 <a:ext uri="{91240B29-F687-4f45-9708-019B960494DF}">
-                  <a14:hiddenLine xmlns:a14="http://schemas.microsoft.com/office/drawing/2010/main" xmlns="" w="9525">
+                  <a14:hiddenLine xmlns="" xmlns:a14="http://schemas.microsoft.com/office/drawing/2010/main" w="9525">
                     <a:solidFill>
                       <a:srgbClr val="000000"/>
                     </a:solidFill>
@@ -11629,7 +11629,7 @@
               </a:ln>
               <a:extLst>
                 <a:ext uri="{91240B29-F687-4f45-9708-019B960494DF}">
-                  <a14:hiddenLine xmlns:a14="http://schemas.microsoft.com/office/drawing/2010/main" xmlns="" w="9525">
+                  <a14:hiddenLine xmlns="" xmlns:a14="http://schemas.microsoft.com/office/drawing/2010/main" w="9525">
                     <a:solidFill>
                       <a:srgbClr val="000000"/>
                     </a:solidFill>
@@ -11719,7 +11719,7 @@
               </a:ln>
               <a:extLst>
                 <a:ext uri="{91240B29-F687-4f45-9708-019B960494DF}">
-                  <a14:hiddenLine xmlns:a14="http://schemas.microsoft.com/office/drawing/2010/main" xmlns="" w="9525">
+                  <a14:hiddenLine xmlns="" xmlns:a14="http://schemas.microsoft.com/office/drawing/2010/main" w="9525">
                     <a:solidFill>
                       <a:srgbClr val="000000"/>
                     </a:solidFill>
@@ -11784,7 +11784,7 @@
               </a:ln>
               <a:extLst>
                 <a:ext uri="{91240B29-F687-4f45-9708-019B960494DF}">
-                  <a14:hiddenLine xmlns:a14="http://schemas.microsoft.com/office/drawing/2010/main" xmlns="" w="9525">
+                  <a14:hiddenLine xmlns="" xmlns:a14="http://schemas.microsoft.com/office/drawing/2010/main" w="9525">
                     <a:solidFill>
                       <a:srgbClr val="000000"/>
                     </a:solidFill>
@@ -11846,7 +11846,7 @@
               </a:ln>
               <a:extLst>
                 <a:ext uri="{91240B29-F687-4f45-9708-019B960494DF}">
-                  <a14:hiddenLine xmlns:a14="http://schemas.microsoft.com/office/drawing/2010/main" xmlns="" w="9525">
+                  <a14:hiddenLine xmlns="" xmlns:a14="http://schemas.microsoft.com/office/drawing/2010/main" w="9525">
                     <a:solidFill>
                       <a:srgbClr val="000000"/>
                     </a:solidFill>
@@ -11936,7 +11936,7 @@
               </a:ln>
               <a:extLst>
                 <a:ext uri="{91240B29-F687-4f45-9708-019B960494DF}">
-                  <a14:hiddenLine xmlns:a14="http://schemas.microsoft.com/office/drawing/2010/main" xmlns="" w="9525">
+                  <a14:hiddenLine xmlns="" xmlns:a14="http://schemas.microsoft.com/office/drawing/2010/main" w="9525">
                     <a:solidFill>
                       <a:srgbClr val="000000"/>
                     </a:solidFill>
@@ -12026,7 +12026,7 @@
               </a:ln>
               <a:extLst>
                 <a:ext uri="{91240B29-F687-4f45-9708-019B960494DF}">
-                  <a14:hiddenLine xmlns:a14="http://schemas.microsoft.com/office/drawing/2010/main" xmlns="" w="9525">
+                  <a14:hiddenLine xmlns="" xmlns:a14="http://schemas.microsoft.com/office/drawing/2010/main" w="9525">
                     <a:solidFill>
                       <a:srgbClr val="000000"/>
                     </a:solidFill>
@@ -12091,7 +12091,7 @@
               </a:ln>
               <a:extLst>
                 <a:ext uri="{91240B29-F687-4f45-9708-019B960494DF}">
-                  <a14:hiddenLine xmlns:a14="http://schemas.microsoft.com/office/drawing/2010/main" xmlns="" w="9525">
+                  <a14:hiddenLine xmlns="" xmlns:a14="http://schemas.microsoft.com/office/drawing/2010/main" w="9525">
                     <a:solidFill>
                       <a:srgbClr val="000000"/>
                     </a:solidFill>
@@ -12211,7 +12211,7 @@
               </a:ln>
               <a:extLst>
                 <a:ext uri="{91240B29-F687-4f45-9708-019B960494DF}">
-                  <a14:hiddenLine xmlns:a14="http://schemas.microsoft.com/office/drawing/2010/main" xmlns="" w="9525">
+                  <a14:hiddenLine xmlns="" xmlns:a14="http://schemas.microsoft.com/office/drawing/2010/main" w="9525">
                     <a:solidFill>
                       <a:srgbClr val="000000"/>
                     </a:solidFill>
@@ -12309,7 +12309,7 @@
               </a:ln>
               <a:extLst>
                 <a:ext uri="{91240B29-F687-4f45-9708-019B960494DF}">
-                  <a14:hiddenLine xmlns:a14="http://schemas.microsoft.com/office/drawing/2010/main" xmlns="" w="9525">
+                  <a14:hiddenLine xmlns="" xmlns:a14="http://schemas.microsoft.com/office/drawing/2010/main" w="9525">
                     <a:solidFill>
                       <a:srgbClr val="000000"/>
                     </a:solidFill>
@@ -12424,7 +12424,7 @@
               </a:ln>
               <a:extLst>
                 <a:ext uri="{91240B29-F687-4f45-9708-019B960494DF}">
-                  <a14:hiddenLine xmlns:a14="http://schemas.microsoft.com/office/drawing/2010/main" xmlns="" w="9525">
+                  <a14:hiddenLine xmlns="" xmlns:a14="http://schemas.microsoft.com/office/drawing/2010/main" w="9525">
                     <a:solidFill>
                       <a:srgbClr val="000000"/>
                     </a:solidFill>
@@ -12514,7 +12514,7 @@
               </a:ln>
               <a:extLst>
                 <a:ext uri="{91240B29-F687-4f45-9708-019B960494DF}">
-                  <a14:hiddenLine xmlns:a14="http://schemas.microsoft.com/office/drawing/2010/main" xmlns="" w="9525">
+                  <a14:hiddenLine xmlns="" xmlns:a14="http://schemas.microsoft.com/office/drawing/2010/main" w="9525">
                     <a:solidFill>
                       <a:srgbClr val="000000"/>
                     </a:solidFill>
@@ -12579,7 +12579,7 @@
               </a:ln>
               <a:extLst>
                 <a:ext uri="{91240B29-F687-4f45-9708-019B960494DF}">
-                  <a14:hiddenLine xmlns:a14="http://schemas.microsoft.com/office/drawing/2010/main" xmlns="" w="9525">
+                  <a14:hiddenLine xmlns="" xmlns:a14="http://schemas.microsoft.com/office/drawing/2010/main" w="9525">
                     <a:solidFill>
                       <a:srgbClr val="000000"/>
                     </a:solidFill>
@@ -12669,7 +12669,7 @@
               </a:ln>
               <a:extLst>
                 <a:ext uri="{91240B29-F687-4f45-9708-019B960494DF}">
-                  <a14:hiddenLine xmlns:a14="http://schemas.microsoft.com/office/drawing/2010/main" xmlns="" w="9525">
+                  <a14:hiddenLine xmlns="" xmlns:a14="http://schemas.microsoft.com/office/drawing/2010/main" w="9525">
                     <a:solidFill>
                       <a:srgbClr val="000000"/>
                     </a:solidFill>
@@ -12737,7 +12737,7 @@
               </a:ln>
               <a:extLst>
                 <a:ext uri="{91240B29-F687-4f45-9708-019B960494DF}">
-                  <a14:hiddenLine xmlns:a14="http://schemas.microsoft.com/office/drawing/2010/main" xmlns="" w="9525">
+                  <a14:hiddenLine xmlns="" xmlns:a14="http://schemas.microsoft.com/office/drawing/2010/main" w="9525">
                     <a:solidFill>
                       <a:srgbClr val="000000"/>
                     </a:solidFill>
@@ -12827,7 +12827,7 @@
               </a:ln>
               <a:extLst>
                 <a:ext uri="{91240B29-F687-4f45-9708-019B960494DF}">
-                  <a14:hiddenLine xmlns:a14="http://schemas.microsoft.com/office/drawing/2010/main" xmlns="" w="9525">
+                  <a14:hiddenLine xmlns="" xmlns:a14="http://schemas.microsoft.com/office/drawing/2010/main" w="9525">
                     <a:solidFill>
                       <a:srgbClr val="000000"/>
                     </a:solidFill>
@@ -12895,7 +12895,7 @@
               </a:ln>
               <a:extLst>
                 <a:ext uri="{91240B29-F687-4f45-9708-019B960494DF}">
-                  <a14:hiddenLine xmlns:a14="http://schemas.microsoft.com/office/drawing/2010/main" xmlns="" w="9525">
+                  <a14:hiddenLine xmlns="" xmlns:a14="http://schemas.microsoft.com/office/drawing/2010/main" w="9525">
                     <a:solidFill>
                       <a:srgbClr val="000000"/>
                     </a:solidFill>
@@ -12985,7 +12985,7 @@
               </a:ln>
               <a:extLst>
                 <a:ext uri="{91240B29-F687-4f45-9708-019B960494DF}">
-                  <a14:hiddenLine xmlns:a14="http://schemas.microsoft.com/office/drawing/2010/main" xmlns="" w="9525">
+                  <a14:hiddenLine xmlns="" xmlns:a14="http://schemas.microsoft.com/office/drawing/2010/main" w="9525">
                     <a:solidFill>
                       <a:srgbClr val="000000"/>
                     </a:solidFill>
@@ -13019,7 +13019,7 @@
               </a:ln>
               <a:extLst>
                 <a:ext uri="{91240B29-F687-4f45-9708-019B960494DF}">
-                  <a14:hiddenLine xmlns:a14="http://schemas.microsoft.com/office/drawing/2010/main" xmlns="" w="9525">
+                  <a14:hiddenLine xmlns="" xmlns:a14="http://schemas.microsoft.com/office/drawing/2010/main" w="9525">
                     <a:solidFill>
                       <a:srgbClr val="000000"/>
                     </a:solidFill>
@@ -13642,7 +13642,15 @@
             <a:pPr algn="ctr"/>
             <a:r>
               <a:rPr lang="en-US" sz="2800" dirty="0" smtClean="0"/>
-              <a:t>Car Sales data set EDA Analysis and Observations</a:t>
+              <a:t>Car Sales </a:t>
+            </a:r>
+            <a:r>
+              <a:rPr lang="en-US" sz="2800" dirty="0" smtClean="0"/>
+              <a:t>dataset </a:t>
+            </a:r>
+            <a:r>
+              <a:rPr lang="en-US" sz="2800" dirty="0" smtClean="0"/>
+              <a:t>EDA Analysis and Observations</a:t>
             </a:r>
           </a:p>
           <a:p>
